--- a/PRODUCTOS/INFORMES/AVANCES REALIZADOS CON RESPECTO A LA METODOLOGIA PARA.pptx
+++ b/PRODUCTOS/INFORMES/AVANCES REALIZADOS CON RESPECTO A LA METODOLOGIA PARA.pptx
@@ -6027,7 +6027,15 @@
             <a:pPr algn="just"/>
             <a:r>
               <a:rPr lang="es-MX" sz="4000" b="1" dirty="0"/>
-              <a:t>AVANCES REALIZADOS CON RESPECTO A LA METODOLOGIA PARA EL DISEÑO MUESTRAL DEL NUEVO IPP</a:t>
+              <a:t>AVANCES REALIZADOS CON RESPECTO A LA METODOLOGIA PARA EL DISEÑO MUESTRAL DEL </a:t>
+            </a:r>
+            <a:r>
+              <a:rPr lang="es-MX" sz="4000" b="1"/>
+              <a:t>NUEVO </a:t>
+            </a:r>
+            <a:r>
+              <a:rPr lang="es-MX" sz="4000" b="1" smtClean="0"/>
+              <a:t>IPP</a:t>
             </a:r>
             <a:endParaRPr lang="es-EC" sz="4000" dirty="0"/>
           </a:p>
@@ -6658,11 +6666,7 @@
             <a:pPr algn="just"/>
             <a:r>
               <a:rPr lang="es-MX" dirty="0" smtClean="0"/>
-              <a:t>Se seleccionan aquellas empresas </a:t>
-            </a:r>
-            <a:r>
-              <a:rPr lang="es-MX" dirty="0" smtClean="0"/>
-              <a:t>de tamaño </a:t>
+              <a:t>Se seleccionan aquellas empresas de tamaño </a:t>
             </a:r>
             <a:r>
               <a:rPr lang="es-MX" dirty="0"/>
@@ -9779,8 +9783,8 @@
           </a:p>
         </p:txBody>
       </p:sp>
-      <mc:AlternateContent xmlns:mc="http://schemas.openxmlformats.org/markup-compatibility/2006">
-        <mc:Choice xmlns:a14="http://schemas.microsoft.com/office/drawing/2010/main" Requires="a14">
+      <mc:AlternateContent xmlns:mc="http://schemas.openxmlformats.org/markup-compatibility/2006" xmlns:a14="http://schemas.microsoft.com/office/drawing/2010/main">
+        <mc:Choice Requires="a14">
           <p:sp>
             <p:nvSpPr>
               <p:cNvPr id="3" name="Marcador de contenido 2"/>
@@ -9800,11 +9804,7 @@
               <a:p>
                 <a:r>
                   <a:rPr lang="es-MX" dirty="0" smtClean="0"/>
-                  <a:t>P</a:t>
-                </a:r>
-                <a:r>
-                  <a:rPr lang="es-MX" dirty="0" smtClean="0"/>
-                  <a:t>ara </a:t>
+                  <a:t>Para </a:t>
                 </a:r>
                 <a:r>
                   <a:rPr lang="es-MX" dirty="0"/>
@@ -10357,7 +10357,7 @@
             </p:txBody>
           </p:sp>
         </mc:Choice>
-        <mc:Fallback>
+        <mc:Fallback xmlns="">
           <p:sp>
             <p:nvSpPr>
               <p:cNvPr id="3" name="Marcador de contenido 2"/>

--- a/PRODUCTOS/INFORMES/AVANCES REALIZADOS CON RESPECTO A LA METODOLOGIA PARA.pptx
+++ b/PRODUCTOS/INFORMES/AVANCES REALIZADOS CON RESPECTO A LA METODOLOGIA PARA.pptx
@@ -4,6 +4,9 @@
   <p:sldMasterIdLst>
     <p:sldMasterId id="2147483648" r:id="rId1"/>
   </p:sldMasterIdLst>
+  <p:notesMasterIdLst>
+    <p:notesMasterId r:id="rId10"/>
+  </p:notesMasterIdLst>
   <p:sldIdLst>
     <p:sldId id="256" r:id="rId2"/>
     <p:sldId id="257" r:id="rId3"/>
@@ -119,6 +122,440 @@
 </p:presentation>
 </file>
 
+<file path=ppt/notesMasters/notesMaster1.xml><?xml version="1.0" encoding="utf-8"?>
+<p:notesMaster xmlns:a="http://schemas.openxmlformats.org/drawingml/2006/main" xmlns:r="http://schemas.openxmlformats.org/officeDocument/2006/relationships" xmlns:p="http://schemas.openxmlformats.org/presentationml/2006/main">
+  <p:cSld>
+    <p:bg>
+      <p:bgRef idx="1001">
+        <a:schemeClr val="bg1"/>
+      </p:bgRef>
+    </p:bg>
+    <p:spTree>
+      <p:nvGrpSpPr>
+        <p:cNvPr id="1" name=""/>
+        <p:cNvGrpSpPr/>
+        <p:nvPr/>
+      </p:nvGrpSpPr>
+      <p:grpSpPr>
+        <a:xfrm>
+          <a:off x="0" y="0"/>
+          <a:ext cx="0" cy="0"/>
+          <a:chOff x="0" y="0"/>
+          <a:chExt cx="0" cy="0"/>
+        </a:xfrm>
+      </p:grpSpPr>
+      <p:sp>
+        <p:nvSpPr>
+          <p:cNvPr id="2" name="Marcador de encabezado 1"/>
+          <p:cNvSpPr>
+            <a:spLocks noGrp="1"/>
+          </p:cNvSpPr>
+          <p:nvPr>
+            <p:ph type="hdr" sz="quarter"/>
+          </p:nvPr>
+        </p:nvSpPr>
+        <p:spPr>
+          <a:xfrm>
+            <a:off x="0" y="0"/>
+            <a:ext cx="2971800" cy="458788"/>
+          </a:xfrm>
+          <a:prstGeom prst="rect">
+            <a:avLst/>
+          </a:prstGeom>
+        </p:spPr>
+        <p:txBody>
+          <a:bodyPr vert="horz" lIns="91440" tIns="45720" rIns="91440" bIns="45720" rtlCol="0"/>
+          <a:lstStyle>
+            <a:lvl1pPr algn="l">
+              <a:defRPr sz="1200"/>
+            </a:lvl1pPr>
+          </a:lstStyle>
+          <a:p>
+            <a:endParaRPr lang="es-EC"/>
+          </a:p>
+        </p:txBody>
+      </p:sp>
+      <p:sp>
+        <p:nvSpPr>
+          <p:cNvPr id="3" name="Marcador de fecha 2"/>
+          <p:cNvSpPr>
+            <a:spLocks noGrp="1"/>
+          </p:cNvSpPr>
+          <p:nvPr>
+            <p:ph type="dt" idx="1"/>
+          </p:nvPr>
+        </p:nvSpPr>
+        <p:spPr>
+          <a:xfrm>
+            <a:off x="3884613" y="0"/>
+            <a:ext cx="2971800" cy="458788"/>
+          </a:xfrm>
+          <a:prstGeom prst="rect">
+            <a:avLst/>
+          </a:prstGeom>
+        </p:spPr>
+        <p:txBody>
+          <a:bodyPr vert="horz" lIns="91440" tIns="45720" rIns="91440" bIns="45720" rtlCol="0"/>
+          <a:lstStyle>
+            <a:lvl1pPr algn="r">
+              <a:defRPr sz="1200"/>
+            </a:lvl1pPr>
+          </a:lstStyle>
+          <a:p>
+            <a:fld id="{CD2C1CAD-17C1-47D6-AB81-2209FD44D8D9}" type="datetimeFigureOut">
+              <a:rPr lang="es-EC" smtClean="0"/>
+              <a:t>17/9/2023</a:t>
+            </a:fld>
+            <a:endParaRPr lang="es-EC"/>
+          </a:p>
+        </p:txBody>
+      </p:sp>
+      <p:sp>
+        <p:nvSpPr>
+          <p:cNvPr id="4" name="Marcador de imagen de diapositiva 3"/>
+          <p:cNvSpPr>
+            <a:spLocks noGrp="1" noRot="1" noChangeAspect="1"/>
+          </p:cNvSpPr>
+          <p:nvPr>
+            <p:ph type="sldImg" idx="2"/>
+          </p:nvPr>
+        </p:nvSpPr>
+        <p:spPr>
+          <a:xfrm>
+            <a:off x="685800" y="1143000"/>
+            <a:ext cx="5486400" cy="3086100"/>
+          </a:xfrm>
+          <a:prstGeom prst="rect">
+            <a:avLst/>
+          </a:prstGeom>
+          <a:noFill/>
+          <a:ln w="12700">
+            <a:solidFill>
+              <a:prstClr val="black"/>
+            </a:solidFill>
+          </a:ln>
+        </p:spPr>
+        <p:txBody>
+          <a:bodyPr vert="horz" lIns="91440" tIns="45720" rIns="91440" bIns="45720" rtlCol="0" anchor="ctr"/>
+          <a:lstStyle/>
+          <a:p>
+            <a:endParaRPr lang="es-EC"/>
+          </a:p>
+        </p:txBody>
+      </p:sp>
+      <p:sp>
+        <p:nvSpPr>
+          <p:cNvPr id="5" name="Marcador de notas 4"/>
+          <p:cNvSpPr>
+            <a:spLocks noGrp="1"/>
+          </p:cNvSpPr>
+          <p:nvPr>
+            <p:ph type="body" sz="quarter" idx="3"/>
+          </p:nvPr>
+        </p:nvSpPr>
+        <p:spPr>
+          <a:xfrm>
+            <a:off x="685800" y="4400550"/>
+            <a:ext cx="5486400" cy="3600450"/>
+          </a:xfrm>
+          <a:prstGeom prst="rect">
+            <a:avLst/>
+          </a:prstGeom>
+        </p:spPr>
+        <p:txBody>
+          <a:bodyPr vert="horz" lIns="91440" tIns="45720" rIns="91440" bIns="45720" rtlCol="0"/>
+          <a:lstStyle/>
+          <a:p>
+            <a:pPr lvl="0"/>
+            <a:r>
+              <a:rPr lang="es-ES"/>
+              <a:t>Haga clic para modificar los estilos de texto del patrón</a:t>
+            </a:r>
+          </a:p>
+          <a:p>
+            <a:pPr lvl="1"/>
+            <a:r>
+              <a:rPr lang="es-ES"/>
+              <a:t>Segundo nivel</a:t>
+            </a:r>
+          </a:p>
+          <a:p>
+            <a:pPr lvl="2"/>
+            <a:r>
+              <a:rPr lang="es-ES"/>
+              <a:t>Tercer nivel</a:t>
+            </a:r>
+          </a:p>
+          <a:p>
+            <a:pPr lvl="3"/>
+            <a:r>
+              <a:rPr lang="es-ES"/>
+              <a:t>Cuarto nivel</a:t>
+            </a:r>
+          </a:p>
+          <a:p>
+            <a:pPr lvl="4"/>
+            <a:r>
+              <a:rPr lang="es-ES"/>
+              <a:t>Quinto nivel</a:t>
+            </a:r>
+            <a:endParaRPr lang="es-EC"/>
+          </a:p>
+        </p:txBody>
+      </p:sp>
+      <p:sp>
+        <p:nvSpPr>
+          <p:cNvPr id="6" name="Marcador de pie de página 5"/>
+          <p:cNvSpPr>
+            <a:spLocks noGrp="1"/>
+          </p:cNvSpPr>
+          <p:nvPr>
+            <p:ph type="ftr" sz="quarter" idx="4"/>
+          </p:nvPr>
+        </p:nvSpPr>
+        <p:spPr>
+          <a:xfrm>
+            <a:off x="0" y="8685213"/>
+            <a:ext cx="2971800" cy="458787"/>
+          </a:xfrm>
+          <a:prstGeom prst="rect">
+            <a:avLst/>
+          </a:prstGeom>
+        </p:spPr>
+        <p:txBody>
+          <a:bodyPr vert="horz" lIns="91440" tIns="45720" rIns="91440" bIns="45720" rtlCol="0" anchor="b"/>
+          <a:lstStyle>
+            <a:lvl1pPr algn="l">
+              <a:defRPr sz="1200"/>
+            </a:lvl1pPr>
+          </a:lstStyle>
+          <a:p>
+            <a:endParaRPr lang="es-EC"/>
+          </a:p>
+        </p:txBody>
+      </p:sp>
+      <p:sp>
+        <p:nvSpPr>
+          <p:cNvPr id="7" name="Marcador de número de diapositiva 6"/>
+          <p:cNvSpPr>
+            <a:spLocks noGrp="1"/>
+          </p:cNvSpPr>
+          <p:nvPr>
+            <p:ph type="sldNum" sz="quarter" idx="5"/>
+          </p:nvPr>
+        </p:nvSpPr>
+        <p:spPr>
+          <a:xfrm>
+            <a:off x="3884613" y="8685213"/>
+            <a:ext cx="2971800" cy="458787"/>
+          </a:xfrm>
+          <a:prstGeom prst="rect">
+            <a:avLst/>
+          </a:prstGeom>
+        </p:spPr>
+        <p:txBody>
+          <a:bodyPr vert="horz" lIns="91440" tIns="45720" rIns="91440" bIns="45720" rtlCol="0" anchor="b"/>
+          <a:lstStyle>
+            <a:lvl1pPr algn="r">
+              <a:defRPr sz="1200"/>
+            </a:lvl1pPr>
+          </a:lstStyle>
+          <a:p>
+            <a:fld id="{B3643DE8-9458-4876-B37A-C2172A95C157}" type="slidenum">
+              <a:rPr lang="es-EC" smtClean="0"/>
+              <a:t>‹Nº›</a:t>
+            </a:fld>
+            <a:endParaRPr lang="es-EC"/>
+          </a:p>
+        </p:txBody>
+      </p:sp>
+    </p:spTree>
+    <p:extLst>
+      <p:ext uri="{BB962C8B-B14F-4D97-AF65-F5344CB8AC3E}">
+        <p14:creationId xmlns:p14="http://schemas.microsoft.com/office/powerpoint/2010/main" val="3431255623"/>
+      </p:ext>
+    </p:extLst>
+  </p:cSld>
+  <p:clrMap bg1="lt1" tx1="dk1" bg2="lt2" tx2="dk2" accent1="accent1" accent2="accent2" accent3="accent3" accent4="accent4" accent5="accent5" accent6="accent6" hlink="hlink" folHlink="folHlink"/>
+  <p:notesStyle>
+    <a:lvl1pPr marL="0" algn="l" defTabSz="914400" rtl="0" eaLnBrk="1" latinLnBrk="0" hangingPunct="1">
+      <a:defRPr sz="1200" kern="1200">
+        <a:solidFill>
+          <a:schemeClr val="tx1"/>
+        </a:solidFill>
+        <a:latin typeface="+mn-lt"/>
+        <a:ea typeface="+mn-ea"/>
+        <a:cs typeface="+mn-cs"/>
+      </a:defRPr>
+    </a:lvl1pPr>
+    <a:lvl2pPr marL="457200" algn="l" defTabSz="914400" rtl="0" eaLnBrk="1" latinLnBrk="0" hangingPunct="1">
+      <a:defRPr sz="1200" kern="1200">
+        <a:solidFill>
+          <a:schemeClr val="tx1"/>
+        </a:solidFill>
+        <a:latin typeface="+mn-lt"/>
+        <a:ea typeface="+mn-ea"/>
+        <a:cs typeface="+mn-cs"/>
+      </a:defRPr>
+    </a:lvl2pPr>
+    <a:lvl3pPr marL="914400" algn="l" defTabSz="914400" rtl="0" eaLnBrk="1" latinLnBrk="0" hangingPunct="1">
+      <a:defRPr sz="1200" kern="1200">
+        <a:solidFill>
+          <a:schemeClr val="tx1"/>
+        </a:solidFill>
+        <a:latin typeface="+mn-lt"/>
+        <a:ea typeface="+mn-ea"/>
+        <a:cs typeface="+mn-cs"/>
+      </a:defRPr>
+    </a:lvl3pPr>
+    <a:lvl4pPr marL="1371600" algn="l" defTabSz="914400" rtl="0" eaLnBrk="1" latinLnBrk="0" hangingPunct="1">
+      <a:defRPr sz="1200" kern="1200">
+        <a:solidFill>
+          <a:schemeClr val="tx1"/>
+        </a:solidFill>
+        <a:latin typeface="+mn-lt"/>
+        <a:ea typeface="+mn-ea"/>
+        <a:cs typeface="+mn-cs"/>
+      </a:defRPr>
+    </a:lvl4pPr>
+    <a:lvl5pPr marL="1828800" algn="l" defTabSz="914400" rtl="0" eaLnBrk="1" latinLnBrk="0" hangingPunct="1">
+      <a:defRPr sz="1200" kern="1200">
+        <a:solidFill>
+          <a:schemeClr val="tx1"/>
+        </a:solidFill>
+        <a:latin typeface="+mn-lt"/>
+        <a:ea typeface="+mn-ea"/>
+        <a:cs typeface="+mn-cs"/>
+      </a:defRPr>
+    </a:lvl5pPr>
+    <a:lvl6pPr marL="2286000" algn="l" defTabSz="914400" rtl="0" eaLnBrk="1" latinLnBrk="0" hangingPunct="1">
+      <a:defRPr sz="1200" kern="1200">
+        <a:solidFill>
+          <a:schemeClr val="tx1"/>
+        </a:solidFill>
+        <a:latin typeface="+mn-lt"/>
+        <a:ea typeface="+mn-ea"/>
+        <a:cs typeface="+mn-cs"/>
+      </a:defRPr>
+    </a:lvl6pPr>
+    <a:lvl7pPr marL="2743200" algn="l" defTabSz="914400" rtl="0" eaLnBrk="1" latinLnBrk="0" hangingPunct="1">
+      <a:defRPr sz="1200" kern="1200">
+        <a:solidFill>
+          <a:schemeClr val="tx1"/>
+        </a:solidFill>
+        <a:latin typeface="+mn-lt"/>
+        <a:ea typeface="+mn-ea"/>
+        <a:cs typeface="+mn-cs"/>
+      </a:defRPr>
+    </a:lvl7pPr>
+    <a:lvl8pPr marL="3200400" algn="l" defTabSz="914400" rtl="0" eaLnBrk="1" latinLnBrk="0" hangingPunct="1">
+      <a:defRPr sz="1200" kern="1200">
+        <a:solidFill>
+          <a:schemeClr val="tx1"/>
+        </a:solidFill>
+        <a:latin typeface="+mn-lt"/>
+        <a:ea typeface="+mn-ea"/>
+        <a:cs typeface="+mn-cs"/>
+      </a:defRPr>
+    </a:lvl8pPr>
+    <a:lvl9pPr marL="3657600" algn="l" defTabSz="914400" rtl="0" eaLnBrk="1" latinLnBrk="0" hangingPunct="1">
+      <a:defRPr sz="1200" kern="1200">
+        <a:solidFill>
+          <a:schemeClr val="tx1"/>
+        </a:solidFill>
+        <a:latin typeface="+mn-lt"/>
+        <a:ea typeface="+mn-ea"/>
+        <a:cs typeface="+mn-cs"/>
+      </a:defRPr>
+    </a:lvl9pPr>
+  </p:notesStyle>
+</p:notesMaster>
+</file>
+
+<file path=ppt/notesSlides/notesSlide1.xml><?xml version="1.0" encoding="utf-8"?>
+<p:notes xmlns:a="http://schemas.openxmlformats.org/drawingml/2006/main" xmlns:r="http://schemas.openxmlformats.org/officeDocument/2006/relationships" xmlns:p="http://schemas.openxmlformats.org/presentationml/2006/main">
+  <p:cSld>
+    <p:spTree>
+      <p:nvGrpSpPr>
+        <p:cNvPr id="1" name=""/>
+        <p:cNvGrpSpPr/>
+        <p:nvPr/>
+      </p:nvGrpSpPr>
+      <p:grpSpPr>
+        <a:xfrm>
+          <a:off x="0" y="0"/>
+          <a:ext cx="0" cy="0"/>
+          <a:chOff x="0" y="0"/>
+          <a:chExt cx="0" cy="0"/>
+        </a:xfrm>
+      </p:grpSpPr>
+      <p:sp>
+        <p:nvSpPr>
+          <p:cNvPr id="2" name="Marcador de imagen de diapositiva 1"/>
+          <p:cNvSpPr>
+            <a:spLocks noGrp="1" noRot="1" noChangeAspect="1"/>
+          </p:cNvSpPr>
+          <p:nvPr>
+            <p:ph type="sldImg"/>
+          </p:nvPr>
+        </p:nvSpPr>
+        <p:spPr/>
+      </p:sp>
+      <p:sp>
+        <p:nvSpPr>
+          <p:cNvPr id="3" name="Marcador de notas 2"/>
+          <p:cNvSpPr>
+            <a:spLocks noGrp="1"/>
+          </p:cNvSpPr>
+          <p:nvPr>
+            <p:ph type="body" idx="1"/>
+          </p:nvPr>
+        </p:nvSpPr>
+        <p:spPr/>
+        <p:txBody>
+          <a:bodyPr/>
+          <a:lstStyle/>
+          <a:p>
+            <a:endParaRPr lang="es-EC"/>
+          </a:p>
+        </p:txBody>
+      </p:sp>
+      <p:sp>
+        <p:nvSpPr>
+          <p:cNvPr id="4" name="Marcador de número de diapositiva 3"/>
+          <p:cNvSpPr>
+            <a:spLocks noGrp="1"/>
+          </p:cNvSpPr>
+          <p:nvPr>
+            <p:ph type="sldNum" sz="quarter" idx="5"/>
+          </p:nvPr>
+        </p:nvSpPr>
+        <p:spPr/>
+        <p:txBody>
+          <a:bodyPr/>
+          <a:lstStyle/>
+          <a:p>
+            <a:fld id="{B3643DE8-9458-4876-B37A-C2172A95C157}" type="slidenum">
+              <a:rPr lang="es-EC" smtClean="0"/>
+              <a:t>1</a:t>
+            </a:fld>
+            <a:endParaRPr lang="es-EC"/>
+          </a:p>
+        </p:txBody>
+      </p:sp>
+    </p:spTree>
+    <p:extLst>
+      <p:ext uri="{BB962C8B-B14F-4D97-AF65-F5344CB8AC3E}">
+        <p14:creationId xmlns:p14="http://schemas.microsoft.com/office/powerpoint/2010/main" val="3249760502"/>
+      </p:ext>
+    </p:extLst>
+  </p:cSld>
+  <p:clrMapOvr>
+    <a:masterClrMapping/>
+  </p:clrMapOvr>
+</p:notes>
+</file>
+
 <file path=ppt/slideLayouts/slideLayout1.xml><?xml version="1.0" encoding="utf-8"?>
 <p:sldLayout xmlns:a="http://schemas.openxmlformats.org/drawingml/2006/main" xmlns:r="http://schemas.openxmlformats.org/officeDocument/2006/relationships" xmlns:p="http://schemas.openxmlformats.org/presentationml/2006/main" type="title" preserve="1">
   <p:cSld name="Diapositiva de título">
@@ -161,7 +598,7 @@
           </a:lstStyle>
           <a:p>
             <a:r>
-              <a:rPr lang="es-ES" smtClean="0"/>
+              <a:rPr lang="es-ES"/>
               <a:t>Haga clic para modificar el estilo de título del patrón</a:t>
             </a:r>
             <a:endParaRPr lang="en-US" dirty="0"/>
@@ -281,7 +718,7 @@
           </a:lstStyle>
           <a:p>
             <a:r>
-              <a:rPr lang="es-ES" smtClean="0"/>
+              <a:rPr lang="es-ES"/>
               <a:t>Haga clic para modificar el estilo de subtítulo del patrón</a:t>
             </a:r>
             <a:endParaRPr lang="en-US" dirty="0"/>
@@ -305,7 +742,7 @@
           <a:p>
             <a:fld id="{4AAD347D-5ACD-4C99-B74B-A9C85AD731AF}" type="datetimeFigureOut">
               <a:rPr lang="en-US" dirty="0"/>
-              <a:t>9/8/2023</a:t>
+              <a:t>9/17/2023</a:t>
             </a:fld>
             <a:endParaRPr lang="en-US" dirty="0"/>
           </a:p>
@@ -405,7 +842,7 @@
           </a:lstStyle>
           <a:p>
             <a:r>
-              <a:rPr lang="es-ES" smtClean="0"/>
+              <a:rPr lang="es-ES"/>
               <a:t>Haga clic para modificar el estilo de título del patrón</a:t>
             </a:r>
             <a:endParaRPr lang="en-US" dirty="0"/>
@@ -484,7 +921,7 @@
           </a:lstStyle>
           <a:p>
             <a:r>
-              <a:rPr lang="es-ES" smtClean="0"/>
+              <a:rPr lang="es-ES"/>
               <a:t>Haga clic en el icono para agregar una imagen</a:t>
             </a:r>
             <a:endParaRPr lang="en-US" dirty="0"/>
@@ -552,7 +989,7 @@
           <a:p>
             <a:pPr lvl="0"/>
             <a:r>
-              <a:rPr lang="es-ES" smtClean="0"/>
+              <a:rPr lang="es-ES"/>
               <a:t>Haga clic para modificar el estilo de texto del patrón</a:t>
             </a:r>
           </a:p>
@@ -575,7 +1012,7 @@
           <a:p>
             <a:fld id="{4509A250-FF31-4206-8172-F9D3106AACB1}" type="datetimeFigureOut">
               <a:rPr lang="en-US" dirty="0"/>
-              <a:t>9/8/2023</a:t>
+              <a:t>9/17/2023</a:t>
             </a:fld>
             <a:endParaRPr lang="en-US" dirty="0"/>
           </a:p>
@@ -673,7 +1110,7 @@
           </a:lstStyle>
           <a:p>
             <a:r>
-              <a:rPr lang="es-ES" smtClean="0"/>
+              <a:rPr lang="es-ES"/>
               <a:t>Haga clic para modificar el estilo de título del patrón</a:t>
             </a:r>
             <a:endParaRPr lang="en-US" dirty="0"/>
@@ -741,7 +1178,7 @@
           <a:p>
             <a:pPr lvl="0"/>
             <a:r>
-              <a:rPr lang="es-ES" smtClean="0"/>
+              <a:rPr lang="es-ES"/>
               <a:t>Haga clic para modificar el estilo de texto del patrón</a:t>
             </a:r>
           </a:p>
@@ -764,7 +1201,7 @@
           <a:p>
             <a:fld id="{4509A250-FF31-4206-8172-F9D3106AACB1}" type="datetimeFigureOut">
               <a:rPr lang="en-US" dirty="0"/>
-              <a:t>9/8/2023</a:t>
+              <a:t>9/17/2023</a:t>
             </a:fld>
             <a:endParaRPr lang="en-US" dirty="0"/>
           </a:p>
@@ -862,7 +1299,7 @@
           </a:lstStyle>
           <a:p>
             <a:r>
-              <a:rPr lang="es-ES" smtClean="0"/>
+              <a:rPr lang="es-ES"/>
               <a:t>Haga clic para modificar el estilo de título del patrón</a:t>
             </a:r>
             <a:endParaRPr lang="en-US" dirty="0"/>
@@ -942,7 +1379,7 @@
               <a:buNone/>
             </a:pPr>
             <a:r>
-              <a:rPr lang="es-ES" smtClean="0"/>
+              <a:rPr lang="es-ES"/>
               <a:t>Haga clic para modificar el estilo de texto del patrón</a:t>
             </a:r>
           </a:p>
@@ -1009,7 +1446,7 @@
           <a:p>
             <a:pPr lvl="0"/>
             <a:r>
-              <a:rPr lang="es-ES" smtClean="0"/>
+              <a:rPr lang="es-ES"/>
               <a:t>Haga clic para modificar el estilo de texto del patrón</a:t>
             </a:r>
           </a:p>
@@ -1032,7 +1469,7 @@
           <a:p>
             <a:fld id="{4509A250-FF31-4206-8172-F9D3106AACB1}" type="datetimeFigureOut">
               <a:rPr lang="en-US" dirty="0"/>
-              <a:t>9/8/2023</a:t>
+              <a:t>9/17/2023</a:t>
             </a:fld>
             <a:endParaRPr lang="en-US" dirty="0"/>
           </a:p>
@@ -1224,7 +1661,7 @@
           </a:lstStyle>
           <a:p>
             <a:r>
-              <a:rPr lang="es-ES" smtClean="0"/>
+              <a:rPr lang="es-ES"/>
               <a:t>Haga clic para modificar el estilo de título del patrón</a:t>
             </a:r>
             <a:endParaRPr lang="en-US" dirty="0"/>
@@ -1345,7 +1782,7 @@
           <a:p>
             <a:pPr lvl="0"/>
             <a:r>
-              <a:rPr lang="es-ES" smtClean="0"/>
+              <a:rPr lang="es-ES"/>
               <a:t>Haga clic para modificar el estilo de texto del patrón</a:t>
             </a:r>
           </a:p>
@@ -1368,7 +1805,7 @@
           <a:p>
             <a:fld id="{4509A250-FF31-4206-8172-F9D3106AACB1}" type="datetimeFigureOut">
               <a:rPr lang="en-US" dirty="0"/>
-              <a:t>9/8/2023</a:t>
+              <a:t>9/17/2023</a:t>
             </a:fld>
             <a:endParaRPr lang="en-US" dirty="0"/>
           </a:p>
@@ -1461,7 +1898,7 @@
           </a:lstStyle>
           <a:p>
             <a:r>
-              <a:rPr lang="es-ES" smtClean="0"/>
+              <a:rPr lang="es-ES"/>
               <a:t>Haga clic para modificar el estilo de título del patrón</a:t>
             </a:r>
             <a:endParaRPr lang="en-US" dirty="0"/>
@@ -1536,7 +1973,7 @@
           <a:p>
             <a:pPr lvl="0"/>
             <a:r>
-              <a:rPr lang="es-ES" smtClean="0"/>
+              <a:rPr lang="es-ES"/>
               <a:t>Haga clic para modificar el estilo de texto del patrón</a:t>
             </a:r>
           </a:p>
@@ -1603,7 +2040,7 @@
           <a:p>
             <a:pPr lvl="0"/>
             <a:r>
-              <a:rPr lang="es-ES" smtClean="0"/>
+              <a:rPr lang="es-ES"/>
               <a:t>Haga clic para modificar el estilo de texto del patrón</a:t>
             </a:r>
           </a:p>
@@ -1677,7 +2114,7 @@
           <a:p>
             <a:pPr lvl="0"/>
             <a:r>
-              <a:rPr lang="es-ES" smtClean="0"/>
+              <a:rPr lang="es-ES"/>
               <a:t>Haga clic para modificar el estilo de texto del patrón</a:t>
             </a:r>
           </a:p>
@@ -1744,7 +2181,7 @@
           <a:p>
             <a:pPr lvl="0"/>
             <a:r>
-              <a:rPr lang="es-ES" smtClean="0"/>
+              <a:rPr lang="es-ES"/>
               <a:t>Haga clic para modificar el estilo de texto del patrón</a:t>
             </a:r>
           </a:p>
@@ -1818,7 +2255,7 @@
           <a:p>
             <a:pPr lvl="0"/>
             <a:r>
-              <a:rPr lang="es-ES" smtClean="0"/>
+              <a:rPr lang="es-ES"/>
               <a:t>Haga clic para modificar el estilo de texto del patrón</a:t>
             </a:r>
           </a:p>
@@ -1885,7 +2322,7 @@
           <a:p>
             <a:pPr lvl="0"/>
             <a:r>
-              <a:rPr lang="es-ES" smtClean="0"/>
+              <a:rPr lang="es-ES"/>
               <a:t>Haga clic para modificar el estilo de texto del patrón</a:t>
             </a:r>
           </a:p>
@@ -1986,7 +2423,7 @@
           <a:p>
             <a:fld id="{4509A250-FF31-4206-8172-F9D3106AACB1}" type="datetimeFigureOut">
               <a:rPr lang="en-US" dirty="0"/>
-              <a:t>9/8/2023</a:t>
+              <a:t>9/17/2023</a:t>
             </a:fld>
             <a:endParaRPr lang="en-US" dirty="0"/>
           </a:p>
@@ -2079,7 +2516,7 @@
           </a:lstStyle>
           <a:p>
             <a:r>
-              <a:rPr lang="es-ES" smtClean="0"/>
+              <a:rPr lang="es-ES"/>
               <a:t>Haga clic para modificar el estilo de título del patrón</a:t>
             </a:r>
             <a:endParaRPr lang="en-US" dirty="0"/>
@@ -2154,7 +2591,7 @@
           <a:p>
             <a:pPr lvl="0"/>
             <a:r>
-              <a:rPr lang="es-ES" smtClean="0"/>
+              <a:rPr lang="es-ES"/>
               <a:t>Haga clic para modificar el estilo de texto del patrón</a:t>
             </a:r>
           </a:p>
@@ -2232,7 +2669,7 @@
           </a:lstStyle>
           <a:p>
             <a:r>
-              <a:rPr lang="es-ES" smtClean="0"/>
+              <a:rPr lang="es-ES"/>
               <a:t>Haga clic en el icono para agregar una imagen</a:t>
             </a:r>
             <a:endParaRPr lang="en-US" dirty="0"/>
@@ -2300,7 +2737,7 @@
           <a:p>
             <a:pPr lvl="0"/>
             <a:r>
-              <a:rPr lang="es-ES" smtClean="0"/>
+              <a:rPr lang="es-ES"/>
               <a:t>Haga clic para modificar el estilo de texto del patrón</a:t>
             </a:r>
           </a:p>
@@ -2374,7 +2811,7 @@
           <a:p>
             <a:pPr lvl="0"/>
             <a:r>
-              <a:rPr lang="es-ES" smtClean="0"/>
+              <a:rPr lang="es-ES"/>
               <a:t>Haga clic para modificar el estilo de texto del patrón</a:t>
             </a:r>
           </a:p>
@@ -2452,7 +2889,7 @@
           </a:lstStyle>
           <a:p>
             <a:r>
-              <a:rPr lang="es-ES" smtClean="0"/>
+              <a:rPr lang="es-ES"/>
               <a:t>Haga clic en el icono para agregar una imagen</a:t>
             </a:r>
             <a:endParaRPr lang="en-US" dirty="0"/>
@@ -2520,7 +2957,7 @@
           <a:p>
             <a:pPr lvl="0"/>
             <a:r>
-              <a:rPr lang="es-ES" smtClean="0"/>
+              <a:rPr lang="es-ES"/>
               <a:t>Haga clic para modificar el estilo de texto del patrón</a:t>
             </a:r>
           </a:p>
@@ -2594,7 +3031,7 @@
           <a:p>
             <a:pPr lvl="0"/>
             <a:r>
-              <a:rPr lang="es-ES" smtClean="0"/>
+              <a:rPr lang="es-ES"/>
               <a:t>Haga clic para modificar el estilo de texto del patrón</a:t>
             </a:r>
           </a:p>
@@ -2672,7 +3109,7 @@
           </a:lstStyle>
           <a:p>
             <a:r>
-              <a:rPr lang="es-ES" smtClean="0"/>
+              <a:rPr lang="es-ES"/>
               <a:t>Haga clic en el icono para agregar una imagen</a:t>
             </a:r>
             <a:endParaRPr lang="en-US" dirty="0"/>
@@ -2740,7 +3177,7 @@
           <a:p>
             <a:pPr lvl="0"/>
             <a:r>
-              <a:rPr lang="es-ES" smtClean="0"/>
+              <a:rPr lang="es-ES"/>
               <a:t>Haga clic para modificar el estilo de texto del patrón</a:t>
             </a:r>
           </a:p>
@@ -2841,7 +3278,7 @@
           <a:p>
             <a:fld id="{4509A250-FF31-4206-8172-F9D3106AACB1}" type="datetimeFigureOut">
               <a:rPr lang="en-US" dirty="0"/>
-              <a:t>9/8/2023</a:t>
+              <a:t>9/17/2023</a:t>
             </a:fld>
             <a:endParaRPr lang="en-US" dirty="0"/>
           </a:p>
@@ -2930,7 +3367,7 @@
           <a:lstStyle/>
           <a:p>
             <a:r>
-              <a:rPr lang="es-ES" smtClean="0"/>
+              <a:rPr lang="es-ES"/>
               <a:t>Haga clic para modificar el estilo de título del patrón</a:t>
             </a:r>
             <a:endParaRPr lang="en-US" dirty="0"/>
@@ -2954,35 +3391,35 @@
           <a:p>
             <a:pPr lvl="0"/>
             <a:r>
-              <a:rPr lang="es-ES" smtClean="0"/>
+              <a:rPr lang="es-ES"/>
               <a:t>Haga clic para modificar el estilo de texto del patrón</a:t>
             </a:r>
           </a:p>
           <a:p>
             <a:pPr lvl="1"/>
             <a:r>
-              <a:rPr lang="es-ES" smtClean="0"/>
+              <a:rPr lang="es-ES"/>
               <a:t>Segundo nivel</a:t>
             </a:r>
           </a:p>
           <a:p>
             <a:pPr lvl="2"/>
             <a:r>
-              <a:rPr lang="es-ES" smtClean="0"/>
+              <a:rPr lang="es-ES"/>
               <a:t>Tercer nivel</a:t>
             </a:r>
           </a:p>
           <a:p>
             <a:pPr lvl="3"/>
             <a:r>
-              <a:rPr lang="es-ES" smtClean="0"/>
+              <a:rPr lang="es-ES"/>
               <a:t>Cuarto nivel</a:t>
             </a:r>
           </a:p>
           <a:p>
             <a:pPr lvl="4"/>
             <a:r>
-              <a:rPr lang="es-ES" smtClean="0"/>
+              <a:rPr lang="es-ES"/>
               <a:t>Quinto nivel</a:t>
             </a:r>
             <a:endParaRPr lang="en-US" dirty="0"/>
@@ -3006,7 +3443,7 @@
           <a:p>
             <a:fld id="{4509A250-FF31-4206-8172-F9D3106AACB1}" type="datetimeFigureOut">
               <a:rPr lang="en-US" dirty="0"/>
-              <a:t>9/8/2023</a:t>
+              <a:t>9/17/2023</a:t>
             </a:fld>
             <a:endParaRPr lang="en-US" dirty="0"/>
           </a:p>
@@ -3100,7 +3537,7 @@
           <a:lstStyle/>
           <a:p>
             <a:r>
-              <a:rPr lang="es-ES" smtClean="0"/>
+              <a:rPr lang="es-ES"/>
               <a:t>Haga clic para modificar el estilo de título del patrón</a:t>
             </a:r>
             <a:endParaRPr lang="en-US" dirty="0"/>
@@ -3129,35 +3566,35 @@
           <a:p>
             <a:pPr lvl="0"/>
             <a:r>
-              <a:rPr lang="es-ES" smtClean="0"/>
+              <a:rPr lang="es-ES"/>
               <a:t>Haga clic para modificar el estilo de texto del patrón</a:t>
             </a:r>
           </a:p>
           <a:p>
             <a:pPr lvl="1"/>
             <a:r>
-              <a:rPr lang="es-ES" smtClean="0"/>
+              <a:rPr lang="es-ES"/>
               <a:t>Segundo nivel</a:t>
             </a:r>
           </a:p>
           <a:p>
             <a:pPr lvl="2"/>
             <a:r>
-              <a:rPr lang="es-ES" smtClean="0"/>
+              <a:rPr lang="es-ES"/>
               <a:t>Tercer nivel</a:t>
             </a:r>
           </a:p>
           <a:p>
             <a:pPr lvl="3"/>
             <a:r>
-              <a:rPr lang="es-ES" smtClean="0"/>
+              <a:rPr lang="es-ES"/>
               <a:t>Cuarto nivel</a:t>
             </a:r>
           </a:p>
           <a:p>
             <a:pPr lvl="4"/>
             <a:r>
-              <a:rPr lang="es-ES" smtClean="0"/>
+              <a:rPr lang="es-ES"/>
               <a:t>Quinto nivel</a:t>
             </a:r>
             <a:endParaRPr lang="en-US" dirty="0"/>
@@ -3181,7 +3618,7 @@
           <a:p>
             <a:fld id="{4509A250-FF31-4206-8172-F9D3106AACB1}" type="datetimeFigureOut">
               <a:rPr lang="en-US" dirty="0"/>
-              <a:t>9/8/2023</a:t>
+              <a:t>9/17/2023</a:t>
             </a:fld>
             <a:endParaRPr lang="en-US" dirty="0"/>
           </a:p>
@@ -3270,7 +3707,7 @@
           <a:lstStyle/>
           <a:p>
             <a:r>
-              <a:rPr lang="es-ES" smtClean="0"/>
+              <a:rPr lang="es-ES"/>
               <a:t>Haga clic para modificar el estilo de título del patrón</a:t>
             </a:r>
             <a:endParaRPr lang="en-US" dirty="0"/>
@@ -3294,35 +3731,35 @@
           <a:p>
             <a:pPr lvl="0"/>
             <a:r>
-              <a:rPr lang="es-ES" smtClean="0"/>
+              <a:rPr lang="es-ES"/>
               <a:t>Haga clic para modificar el estilo de texto del patrón</a:t>
             </a:r>
           </a:p>
           <a:p>
             <a:pPr lvl="1"/>
             <a:r>
-              <a:rPr lang="es-ES" smtClean="0"/>
+              <a:rPr lang="es-ES"/>
               <a:t>Segundo nivel</a:t>
             </a:r>
           </a:p>
           <a:p>
             <a:pPr lvl="2"/>
             <a:r>
-              <a:rPr lang="es-ES" smtClean="0"/>
+              <a:rPr lang="es-ES"/>
               <a:t>Tercer nivel</a:t>
             </a:r>
           </a:p>
           <a:p>
             <a:pPr lvl="3"/>
             <a:r>
-              <a:rPr lang="es-ES" smtClean="0"/>
+              <a:rPr lang="es-ES"/>
               <a:t>Cuarto nivel</a:t>
             </a:r>
           </a:p>
           <a:p>
             <a:pPr lvl="4"/>
             <a:r>
-              <a:rPr lang="es-ES" smtClean="0"/>
+              <a:rPr lang="es-ES"/>
               <a:t>Quinto nivel</a:t>
             </a:r>
             <a:endParaRPr lang="en-US" dirty="0"/>
@@ -3346,7 +3783,7 @@
           <a:p>
             <a:fld id="{4509A250-FF31-4206-8172-F9D3106AACB1}" type="datetimeFigureOut">
               <a:rPr lang="en-US" dirty="0"/>
-              <a:t>9/8/2023</a:t>
+              <a:t>9/17/2023</a:t>
             </a:fld>
             <a:endParaRPr lang="en-US" dirty="0"/>
           </a:p>
@@ -3444,7 +3881,7 @@
           </a:lstStyle>
           <a:p>
             <a:r>
-              <a:rPr lang="es-ES" smtClean="0"/>
+              <a:rPr lang="es-ES"/>
               <a:t>Haga clic para modificar el estilo de título del patrón</a:t>
             </a:r>
             <a:endParaRPr lang="en-US" dirty="0"/>
@@ -3565,7 +4002,7 @@
           <a:p>
             <a:pPr lvl="0"/>
             <a:r>
-              <a:rPr lang="es-ES" smtClean="0"/>
+              <a:rPr lang="es-ES"/>
               <a:t>Haga clic para modificar el estilo de texto del patrón</a:t>
             </a:r>
           </a:p>
@@ -3588,7 +4025,7 @@
           <a:p>
             <a:fld id="{9796027F-7875-4030-9381-8BD8C4F21935}" type="datetimeFigureOut">
               <a:rPr lang="en-US" dirty="0"/>
-              <a:t>9/8/2023</a:t>
+              <a:t>9/17/2023</a:t>
             </a:fld>
             <a:endParaRPr lang="en-US" dirty="0"/>
           </a:p>
@@ -3677,7 +4114,7 @@
           <a:lstStyle/>
           <a:p>
             <a:r>
-              <a:rPr lang="es-ES" smtClean="0"/>
+              <a:rPr lang="es-ES"/>
               <a:t>Haga clic para modificar el estilo de título del patrón</a:t>
             </a:r>
             <a:endParaRPr lang="en-US" dirty="0"/>
@@ -3736,35 +4173,35 @@
           <a:p>
             <a:pPr lvl="0"/>
             <a:r>
-              <a:rPr lang="es-ES" smtClean="0"/>
+              <a:rPr lang="es-ES"/>
               <a:t>Haga clic para modificar el estilo de texto del patrón</a:t>
             </a:r>
           </a:p>
           <a:p>
             <a:pPr lvl="1"/>
             <a:r>
-              <a:rPr lang="es-ES" smtClean="0"/>
+              <a:rPr lang="es-ES"/>
               <a:t>Segundo nivel</a:t>
             </a:r>
           </a:p>
           <a:p>
             <a:pPr lvl="2"/>
             <a:r>
-              <a:rPr lang="es-ES" smtClean="0"/>
+              <a:rPr lang="es-ES"/>
               <a:t>Tercer nivel</a:t>
             </a:r>
           </a:p>
           <a:p>
             <a:pPr lvl="3"/>
             <a:r>
-              <a:rPr lang="es-ES" smtClean="0"/>
+              <a:rPr lang="es-ES"/>
               <a:t>Cuarto nivel</a:t>
             </a:r>
           </a:p>
           <a:p>
             <a:pPr lvl="4"/>
             <a:r>
-              <a:rPr lang="es-ES" smtClean="0"/>
+              <a:rPr lang="es-ES"/>
               <a:t>Quinto nivel</a:t>
             </a:r>
             <a:endParaRPr lang="en-US" dirty="0"/>
@@ -3823,35 +4260,35 @@
           <a:p>
             <a:pPr lvl="0"/>
             <a:r>
-              <a:rPr lang="es-ES" smtClean="0"/>
+              <a:rPr lang="es-ES"/>
               <a:t>Haga clic para modificar el estilo de texto del patrón</a:t>
             </a:r>
           </a:p>
           <a:p>
             <a:pPr lvl="1"/>
             <a:r>
-              <a:rPr lang="es-ES" smtClean="0"/>
+              <a:rPr lang="es-ES"/>
               <a:t>Segundo nivel</a:t>
             </a:r>
           </a:p>
           <a:p>
             <a:pPr lvl="2"/>
             <a:r>
-              <a:rPr lang="es-ES" smtClean="0"/>
+              <a:rPr lang="es-ES"/>
               <a:t>Tercer nivel</a:t>
             </a:r>
           </a:p>
           <a:p>
             <a:pPr lvl="3"/>
             <a:r>
-              <a:rPr lang="es-ES" smtClean="0"/>
+              <a:rPr lang="es-ES"/>
               <a:t>Cuarto nivel</a:t>
             </a:r>
           </a:p>
           <a:p>
             <a:pPr lvl="4"/>
             <a:r>
-              <a:rPr lang="es-ES" smtClean="0"/>
+              <a:rPr lang="es-ES"/>
               <a:t>Quinto nivel</a:t>
             </a:r>
             <a:endParaRPr lang="en-US" dirty="0"/>
@@ -3875,7 +4312,7 @@
           <a:p>
             <a:fld id="{9796027F-7875-4030-9381-8BD8C4F21935}" type="datetimeFigureOut">
               <a:rPr lang="en-US" dirty="0"/>
-              <a:t>9/8/2023</a:t>
+              <a:t>9/17/2023</a:t>
             </a:fld>
             <a:endParaRPr lang="en-US" dirty="0"/>
           </a:p>
@@ -3968,7 +4405,7 @@
           </a:lstStyle>
           <a:p>
             <a:r>
-              <a:rPr lang="es-ES" smtClean="0"/>
+              <a:rPr lang="es-ES"/>
               <a:t>Haga clic para modificar el estilo de título del patrón</a:t>
             </a:r>
             <a:endParaRPr lang="en-US" dirty="0"/>
@@ -4043,7 +4480,7 @@
           <a:p>
             <a:pPr lvl="0"/>
             <a:r>
-              <a:rPr lang="es-ES" smtClean="0"/>
+              <a:rPr lang="es-ES"/>
               <a:t>Haga clic para modificar el estilo de texto del patrón</a:t>
             </a:r>
           </a:p>
@@ -4101,35 +4538,35 @@
           <a:p>
             <a:pPr lvl="0"/>
             <a:r>
-              <a:rPr lang="es-ES" smtClean="0"/>
+              <a:rPr lang="es-ES"/>
               <a:t>Haga clic para modificar el estilo de texto del patrón</a:t>
             </a:r>
           </a:p>
           <a:p>
             <a:pPr lvl="1"/>
             <a:r>
-              <a:rPr lang="es-ES" smtClean="0"/>
+              <a:rPr lang="es-ES"/>
               <a:t>Segundo nivel</a:t>
             </a:r>
           </a:p>
           <a:p>
             <a:pPr lvl="2"/>
             <a:r>
-              <a:rPr lang="es-ES" smtClean="0"/>
+              <a:rPr lang="es-ES"/>
               <a:t>Tercer nivel</a:t>
             </a:r>
           </a:p>
           <a:p>
             <a:pPr lvl="3"/>
             <a:r>
-              <a:rPr lang="es-ES" smtClean="0"/>
+              <a:rPr lang="es-ES"/>
               <a:t>Cuarto nivel</a:t>
             </a:r>
           </a:p>
           <a:p>
             <a:pPr lvl="4"/>
             <a:r>
-              <a:rPr lang="es-ES" smtClean="0"/>
+              <a:rPr lang="es-ES"/>
               <a:t>Quinto nivel</a:t>
             </a:r>
             <a:endParaRPr lang="en-US" dirty="0"/>
@@ -4204,7 +4641,7 @@
           <a:p>
             <a:pPr lvl="0"/>
             <a:r>
-              <a:rPr lang="es-ES" smtClean="0"/>
+              <a:rPr lang="es-ES"/>
               <a:t>Haga clic para modificar el estilo de texto del patrón</a:t>
             </a:r>
           </a:p>
@@ -4262,35 +4699,35 @@
           <a:p>
             <a:pPr lvl="0"/>
             <a:r>
-              <a:rPr lang="es-ES" smtClean="0"/>
+              <a:rPr lang="es-ES"/>
               <a:t>Haga clic para modificar el estilo de texto del patrón</a:t>
             </a:r>
           </a:p>
           <a:p>
             <a:pPr lvl="1"/>
             <a:r>
-              <a:rPr lang="es-ES" smtClean="0"/>
+              <a:rPr lang="es-ES"/>
               <a:t>Segundo nivel</a:t>
             </a:r>
           </a:p>
           <a:p>
             <a:pPr lvl="2"/>
             <a:r>
-              <a:rPr lang="es-ES" smtClean="0"/>
+              <a:rPr lang="es-ES"/>
               <a:t>Tercer nivel</a:t>
             </a:r>
           </a:p>
           <a:p>
             <a:pPr lvl="3"/>
             <a:r>
-              <a:rPr lang="es-ES" smtClean="0"/>
+              <a:rPr lang="es-ES"/>
               <a:t>Cuarto nivel</a:t>
             </a:r>
           </a:p>
           <a:p>
             <a:pPr lvl="4"/>
             <a:r>
-              <a:rPr lang="es-ES" smtClean="0"/>
+              <a:rPr lang="es-ES"/>
               <a:t>Quinto nivel</a:t>
             </a:r>
             <a:endParaRPr lang="en-US" dirty="0"/>
@@ -4314,7 +4751,7 @@
           <a:p>
             <a:fld id="{9796027F-7875-4030-9381-8BD8C4F21935}" type="datetimeFigureOut">
               <a:rPr lang="en-US" dirty="0"/>
-              <a:t>9/8/2023</a:t>
+              <a:t>9/17/2023</a:t>
             </a:fld>
             <a:endParaRPr lang="en-US" dirty="0"/>
           </a:p>
@@ -4403,7 +4840,7 @@
           <a:lstStyle/>
           <a:p>
             <a:r>
-              <a:rPr lang="es-ES" smtClean="0"/>
+              <a:rPr lang="es-ES"/>
               <a:t>Haga clic para modificar el estilo de título del patrón</a:t>
             </a:r>
             <a:endParaRPr lang="en-US" dirty="0"/>
@@ -4427,7 +4864,7 @@
           <a:p>
             <a:fld id="{4509A250-FF31-4206-8172-F9D3106AACB1}" type="datetimeFigureOut">
               <a:rPr lang="en-US" dirty="0"/>
-              <a:t>9/8/2023</a:t>
+              <a:t>9/17/2023</a:t>
             </a:fld>
             <a:endParaRPr lang="en-US" dirty="0"/>
           </a:p>
@@ -4517,7 +4954,7 @@
           <a:p>
             <a:fld id="{4509A250-FF31-4206-8172-F9D3106AACB1}" type="datetimeFigureOut">
               <a:rPr lang="en-US" dirty="0"/>
-              <a:t>9/8/2023</a:t>
+              <a:t>9/17/2023</a:t>
             </a:fld>
             <a:endParaRPr lang="en-US" dirty="0"/>
           </a:p>
@@ -4615,7 +5052,7 @@
           </a:lstStyle>
           <a:p>
             <a:r>
-              <a:rPr lang="es-ES" smtClean="0"/>
+              <a:rPr lang="es-ES"/>
               <a:t>Haga clic para modificar el estilo de título del patrón</a:t>
             </a:r>
             <a:endParaRPr lang="en-US" dirty="0"/>
@@ -4674,35 +5111,35 @@
           <a:p>
             <a:pPr lvl="0"/>
             <a:r>
-              <a:rPr lang="es-ES" smtClean="0"/>
+              <a:rPr lang="es-ES"/>
               <a:t>Haga clic para modificar el estilo de texto del patrón</a:t>
             </a:r>
           </a:p>
           <a:p>
             <a:pPr lvl="1"/>
             <a:r>
-              <a:rPr lang="es-ES" smtClean="0"/>
+              <a:rPr lang="es-ES"/>
               <a:t>Segundo nivel</a:t>
             </a:r>
           </a:p>
           <a:p>
             <a:pPr lvl="2"/>
             <a:r>
-              <a:rPr lang="es-ES" smtClean="0"/>
+              <a:rPr lang="es-ES"/>
               <a:t>Tercer nivel</a:t>
             </a:r>
           </a:p>
           <a:p>
             <a:pPr lvl="3"/>
             <a:r>
-              <a:rPr lang="es-ES" smtClean="0"/>
+              <a:rPr lang="es-ES"/>
               <a:t>Cuarto nivel</a:t>
             </a:r>
           </a:p>
           <a:p>
             <a:pPr lvl="4"/>
             <a:r>
-              <a:rPr lang="es-ES" smtClean="0"/>
+              <a:rPr lang="es-ES"/>
               <a:t>Quinto nivel</a:t>
             </a:r>
             <a:endParaRPr lang="en-US" dirty="0"/>
@@ -4768,7 +5205,7 @@
           <a:p>
             <a:pPr lvl="0"/>
             <a:r>
-              <a:rPr lang="es-ES" smtClean="0"/>
+              <a:rPr lang="es-ES"/>
               <a:t>Haga clic para modificar el estilo de texto del patrón</a:t>
             </a:r>
           </a:p>
@@ -4791,7 +5228,7 @@
           <a:p>
             <a:fld id="{4509A250-FF31-4206-8172-F9D3106AACB1}" type="datetimeFigureOut">
               <a:rPr lang="en-US" dirty="0"/>
-              <a:t>9/8/2023</a:t>
+              <a:t>9/17/2023</a:t>
             </a:fld>
             <a:endParaRPr lang="en-US" dirty="0"/>
           </a:p>
@@ -4891,7 +5328,7 @@
           </a:lstStyle>
           <a:p>
             <a:r>
-              <a:rPr lang="es-ES" smtClean="0"/>
+              <a:rPr lang="es-ES"/>
               <a:t>Haga clic para modificar el estilo de título del patrón</a:t>
             </a:r>
             <a:endParaRPr lang="en-US" dirty="0"/>
@@ -4970,7 +5407,7 @@
           </a:lstStyle>
           <a:p>
             <a:r>
-              <a:rPr lang="es-ES" smtClean="0"/>
+              <a:rPr lang="es-ES"/>
               <a:t>Haga clic en el icono para agregar una imagen</a:t>
             </a:r>
             <a:endParaRPr lang="en-US" dirty="0"/>
@@ -5038,7 +5475,7 @@
           <a:p>
             <a:pPr lvl="0"/>
             <a:r>
-              <a:rPr lang="es-ES" smtClean="0"/>
+              <a:rPr lang="es-ES"/>
               <a:t>Haga clic para modificar el estilo de texto del patrón</a:t>
             </a:r>
           </a:p>
@@ -5061,7 +5498,7 @@
           <a:p>
             <a:fld id="{4509A250-FF31-4206-8172-F9D3106AACB1}" type="datetimeFigureOut">
               <a:rPr lang="en-US" dirty="0"/>
-              <a:t>9/8/2023</a:t>
+              <a:t>9/17/2023</a:t>
             </a:fld>
             <a:endParaRPr lang="en-US" dirty="0"/>
           </a:p>
@@ -5380,7 +5817,7 @@
           <a:lstStyle/>
           <a:p>
             <a:r>
-              <a:rPr lang="es-ES" smtClean="0"/>
+              <a:rPr lang="es-ES"/>
               <a:t>Haga clic para modificar el estilo de título del patrón</a:t>
             </a:r>
             <a:endParaRPr lang="en-US" dirty="0"/>
@@ -5414,35 +5851,35 @@
           <a:p>
             <a:pPr lvl="0"/>
             <a:r>
-              <a:rPr lang="es-ES" smtClean="0"/>
+              <a:rPr lang="es-ES"/>
               <a:t>Haga clic para modificar el estilo de texto del patrón</a:t>
             </a:r>
           </a:p>
           <a:p>
             <a:pPr lvl="1"/>
             <a:r>
-              <a:rPr lang="es-ES" smtClean="0"/>
+              <a:rPr lang="es-ES"/>
               <a:t>Segundo nivel</a:t>
             </a:r>
           </a:p>
           <a:p>
             <a:pPr lvl="2"/>
             <a:r>
-              <a:rPr lang="es-ES" smtClean="0"/>
+              <a:rPr lang="es-ES"/>
               <a:t>Tercer nivel</a:t>
             </a:r>
           </a:p>
           <a:p>
             <a:pPr lvl="3"/>
             <a:r>
-              <a:rPr lang="es-ES" smtClean="0"/>
+              <a:rPr lang="es-ES"/>
               <a:t>Cuarto nivel</a:t>
             </a:r>
           </a:p>
           <a:p>
             <a:pPr lvl="4"/>
             <a:r>
-              <a:rPr lang="es-ES" smtClean="0"/>
+              <a:rPr lang="es-ES"/>
               <a:t>Quinto nivel</a:t>
             </a:r>
             <a:endParaRPr lang="en-US" dirty="0"/>
@@ -5485,7 +5922,7 @@
           <a:p>
             <a:fld id="{4AAD347D-5ACD-4C99-B74B-A9C85AD731AF}" type="datetimeFigureOut">
               <a:rPr lang="en-US" dirty="0"/>
-              <a:t>9/8/2023</a:t>
+              <a:t>9/17/2023</a:t>
             </a:fld>
             <a:endParaRPr lang="en-US" dirty="0"/>
           </a:p>
@@ -5995,6 +6432,30 @@
 <file path=ppt/slides/slide1.xml><?xml version="1.0" encoding="utf-8"?>
 <p:sld xmlns:a="http://schemas.openxmlformats.org/drawingml/2006/main" xmlns:r="http://schemas.openxmlformats.org/officeDocument/2006/relationships" xmlns:p="http://schemas.openxmlformats.org/presentationml/2006/main">
   <p:cSld>
+    <p:bg>
+      <p:bgPr>
+        <a:blipFill rotWithShape="1">
+          <a:blip r:embed="rId3">
+            <a:duotone>
+              <a:schemeClr val="bg2">
+                <a:shade val="69000"/>
+                <a:hueMod val="108000"/>
+                <a:satMod val="164000"/>
+                <a:lumMod val="74000"/>
+              </a:schemeClr>
+              <a:schemeClr val="bg2">
+                <a:tint val="96000"/>
+                <a:hueMod val="88000"/>
+                <a:satMod val="140000"/>
+                <a:lumMod val="132000"/>
+              </a:schemeClr>
+            </a:duotone>
+          </a:blip>
+          <a:stretch/>
+        </a:blipFill>
+        <a:effectLst/>
+      </p:bgPr>
+    </p:bg>
     <p:spTree>
       <p:nvGrpSpPr>
         <p:cNvPr id="1" name=""/>
@@ -6019,25 +6480,884 @@
             <p:ph type="ctrTitle"/>
           </p:nvPr>
         </p:nvSpPr>
-        <p:spPr/>
+        <p:spPr>
+          <a:xfrm>
+            <a:off x="5944358" y="1447800"/>
+            <a:ext cx="5599942" cy="3096987"/>
+          </a:xfrm>
+        </p:spPr>
+        <p:txBody>
+          <a:bodyPr>
+            <a:normAutofit/>
+          </a:bodyPr>
+          <a:lstStyle/>
+          <a:p>
+            <a:pPr>
+              <a:lnSpc>
+                <a:spcPct val="90000"/>
+              </a:lnSpc>
+            </a:pPr>
+            <a:r>
+              <a:rPr lang="es-MX" sz="3600" b="1" dirty="0"/>
+              <a:t>AVANCES REALIZADOS CON RESPECTO A LA METODOLOGIA PARA EL DISEÑO MUESTRAL DEL NUEVO IPP</a:t>
+            </a:r>
+            <a:endParaRPr lang="es-EC" sz="3600" dirty="0"/>
+          </a:p>
+        </p:txBody>
+      </p:sp>
+      <p:sp>
+        <p:nvSpPr>
+          <p:cNvPr id="20" name="Freeform: Shape 19">
+            <a:extLst>
+              <a:ext uri="{FF2B5EF4-FFF2-40B4-BE49-F238E27FC236}">
+                <a16:creationId xmlns:a16="http://schemas.microsoft.com/office/drawing/2014/main" id="{5F68C3DE-97F3-4250-BF84-E332E35BBC07}"/>
+              </a:ext>
+              <a:ext uri="{C183D7F6-B498-43B3-948B-1728B52AA6E4}">
+                <adec:decorative xmlns:adec="http://schemas.microsoft.com/office/drawing/2017/decorative" val="1"/>
+              </a:ext>
+            </a:extLst>
+          </p:cNvPr>
+          <p:cNvSpPr>
+            <a:spLocks noGrp="1" noRot="1" noChangeAspect="1" noMove="1" noResize="1" noEditPoints="1" noAdjustHandles="1" noChangeArrowheads="1" noChangeShapeType="1" noTextEdit="1"/>
+          </p:cNvSpPr>
+          <p:nvPr>
+            <p:extLst>
+              <p:ext uri="{386F3935-93C4-4BCD-93E2-E3B085C9AB24}">
+                <p16:designElem xmlns:p16="http://schemas.microsoft.com/office/powerpoint/2015/main" val="1"/>
+              </p:ext>
+            </p:extLst>
+          </p:nvPr>
+        </p:nvSpPr>
+        <p:spPr bwMode="gray">
+          <a:xfrm rot="5400000" flipH="1">
+            <a:off x="-659120" y="659121"/>
+            <a:ext cx="6858001" cy="5539756"/>
+          </a:xfrm>
+          <a:custGeom>
+            <a:avLst/>
+            <a:gdLst>
+              <a:gd name="connsiteX0" fmla="*/ 6858001 w 6858001"/>
+              <a:gd name="connsiteY0" fmla="*/ 1344715 h 5539756"/>
+              <a:gd name="connsiteX1" fmla="*/ 6858001 w 6858001"/>
+              <a:gd name="connsiteY1" fmla="*/ 1177 h 5539756"/>
+              <a:gd name="connsiteX2" fmla="*/ 6702324 w 6858001"/>
+              <a:gd name="connsiteY2" fmla="*/ 26222 h 5539756"/>
+              <a:gd name="connsiteX3" fmla="*/ 6547333 w 6858001"/>
+              <a:gd name="connsiteY3" fmla="*/ 50091 h 5539756"/>
+              <a:gd name="connsiteX4" fmla="*/ 6391657 w 6858001"/>
+              <a:gd name="connsiteY4" fmla="*/ 73455 h 5539756"/>
+              <a:gd name="connsiteX5" fmla="*/ 6235294 w 6858001"/>
+              <a:gd name="connsiteY5" fmla="*/ 93458 h 5539756"/>
+              <a:gd name="connsiteX6" fmla="*/ 6079618 w 6858001"/>
+              <a:gd name="connsiteY6" fmla="*/ 113629 h 5539756"/>
+              <a:gd name="connsiteX7" fmla="*/ 5923255 w 6858001"/>
+              <a:gd name="connsiteY7" fmla="*/ 132455 h 5539756"/>
+              <a:gd name="connsiteX8" fmla="*/ 5768950 w 6858001"/>
+              <a:gd name="connsiteY8" fmla="*/ 148591 h 5539756"/>
+              <a:gd name="connsiteX9" fmla="*/ 5612588 w 6858001"/>
+              <a:gd name="connsiteY9" fmla="*/ 163887 h 5539756"/>
+              <a:gd name="connsiteX10" fmla="*/ 5456911 w 6858001"/>
+              <a:gd name="connsiteY10" fmla="*/ 177839 h 5539756"/>
+              <a:gd name="connsiteX11" fmla="*/ 5303978 w 6858001"/>
+              <a:gd name="connsiteY11" fmla="*/ 189941 h 5539756"/>
+              <a:gd name="connsiteX12" fmla="*/ 5148987 w 6858001"/>
+              <a:gd name="connsiteY12" fmla="*/ 202044 h 5539756"/>
+              <a:gd name="connsiteX13" fmla="*/ 4996054 w 6858001"/>
+              <a:gd name="connsiteY13" fmla="*/ 212129 h 5539756"/>
+              <a:gd name="connsiteX14" fmla="*/ 4843120 w 6858001"/>
+              <a:gd name="connsiteY14" fmla="*/ 220029 h 5539756"/>
+              <a:gd name="connsiteX15" fmla="*/ 4690873 w 6858001"/>
+              <a:gd name="connsiteY15" fmla="*/ 228266 h 5539756"/>
+              <a:gd name="connsiteX16" fmla="*/ 4539997 w 6858001"/>
+              <a:gd name="connsiteY16" fmla="*/ 235157 h 5539756"/>
+              <a:gd name="connsiteX17" fmla="*/ 4390492 w 6858001"/>
+              <a:gd name="connsiteY17" fmla="*/ 240032 h 5539756"/>
+              <a:gd name="connsiteX18" fmla="*/ 4240988 w 6858001"/>
+              <a:gd name="connsiteY18" fmla="*/ 244234 h 5539756"/>
+              <a:gd name="connsiteX19" fmla="*/ 4092855 w 6858001"/>
+              <a:gd name="connsiteY19" fmla="*/ 248268 h 5539756"/>
+              <a:gd name="connsiteX20" fmla="*/ 3946780 w 6858001"/>
+              <a:gd name="connsiteY20" fmla="*/ 250117 h 5539756"/>
+              <a:gd name="connsiteX21" fmla="*/ 3800704 w 6858001"/>
+              <a:gd name="connsiteY21" fmla="*/ 252134 h 5539756"/>
+              <a:gd name="connsiteX22" fmla="*/ 3656686 w 6858001"/>
+              <a:gd name="connsiteY22" fmla="*/ 253143 h 5539756"/>
+              <a:gd name="connsiteX23" fmla="*/ 3514040 w 6858001"/>
+              <a:gd name="connsiteY23" fmla="*/ 252134 h 5539756"/>
+              <a:gd name="connsiteX24" fmla="*/ 3372765 w 6858001"/>
+              <a:gd name="connsiteY24" fmla="*/ 252134 h 5539756"/>
+              <a:gd name="connsiteX25" fmla="*/ 3232862 w 6858001"/>
+              <a:gd name="connsiteY25" fmla="*/ 250117 h 5539756"/>
+              <a:gd name="connsiteX26" fmla="*/ 3095702 w 6858001"/>
+              <a:gd name="connsiteY26" fmla="*/ 247092 h 5539756"/>
+              <a:gd name="connsiteX27" fmla="*/ 2959914 w 6858001"/>
+              <a:gd name="connsiteY27" fmla="*/ 244234 h 5539756"/>
+              <a:gd name="connsiteX28" fmla="*/ 2826868 w 6858001"/>
+              <a:gd name="connsiteY28" fmla="*/ 241040 h 5539756"/>
+              <a:gd name="connsiteX29" fmla="*/ 2694509 w 6858001"/>
+              <a:gd name="connsiteY29" fmla="*/ 236166 h 5539756"/>
+              <a:gd name="connsiteX30" fmla="*/ 2564208 w 6858001"/>
+              <a:gd name="connsiteY30" fmla="*/ 230955 h 5539756"/>
+              <a:gd name="connsiteX31" fmla="*/ 2436649 w 6858001"/>
+              <a:gd name="connsiteY31" fmla="*/ 226249 h 5539756"/>
+              <a:gd name="connsiteX32" fmla="*/ 2187703 w 6858001"/>
+              <a:gd name="connsiteY32" fmla="*/ 212969 h 5539756"/>
+              <a:gd name="connsiteX33" fmla="*/ 1949045 w 6858001"/>
+              <a:gd name="connsiteY33" fmla="*/ 198850 h 5539756"/>
+              <a:gd name="connsiteX34" fmla="*/ 1719988 w 6858001"/>
+              <a:gd name="connsiteY34" fmla="*/ 184058 h 5539756"/>
+              <a:gd name="connsiteX35" fmla="*/ 1503275 w 6858001"/>
+              <a:gd name="connsiteY35" fmla="*/ 167753 h 5539756"/>
+              <a:gd name="connsiteX36" fmla="*/ 1296163 w 6858001"/>
+              <a:gd name="connsiteY36" fmla="*/ 150776 h 5539756"/>
+              <a:gd name="connsiteX37" fmla="*/ 1104139 w 6858001"/>
+              <a:gd name="connsiteY37" fmla="*/ 132455 h 5539756"/>
+              <a:gd name="connsiteX38" fmla="*/ 923774 w 6858001"/>
+              <a:gd name="connsiteY38" fmla="*/ 114469 h 5539756"/>
+              <a:gd name="connsiteX39" fmla="*/ 757810 w 6858001"/>
+              <a:gd name="connsiteY39" fmla="*/ 96484 h 5539756"/>
+              <a:gd name="connsiteX40" fmla="*/ 605563 w 6858001"/>
+              <a:gd name="connsiteY40" fmla="*/ 79507 h 5539756"/>
+              <a:gd name="connsiteX41" fmla="*/ 470460 w 6858001"/>
+              <a:gd name="connsiteY41" fmla="*/ 63370 h 5539756"/>
+              <a:gd name="connsiteX42" fmla="*/ 348388 w 6858001"/>
+              <a:gd name="connsiteY42" fmla="*/ 48074 h 5539756"/>
+              <a:gd name="connsiteX43" fmla="*/ 245518 w 6858001"/>
+              <a:gd name="connsiteY43" fmla="*/ 35299 h 5539756"/>
+              <a:gd name="connsiteX44" fmla="*/ 159107 w 6858001"/>
+              <a:gd name="connsiteY44" fmla="*/ 23197 h 5539756"/>
+              <a:gd name="connsiteX45" fmla="*/ 40463 w 6858001"/>
+              <a:gd name="connsiteY45" fmla="*/ 5883 h 5539756"/>
+              <a:gd name="connsiteX46" fmla="*/ 1 w 6858001"/>
+              <a:gd name="connsiteY46" fmla="*/ 0 h 5539756"/>
+              <a:gd name="connsiteX47" fmla="*/ 1 w 6858001"/>
+              <a:gd name="connsiteY47" fmla="*/ 905405 h 5539756"/>
+              <a:gd name="connsiteX48" fmla="*/ 0 w 6858001"/>
+              <a:gd name="connsiteY48" fmla="*/ 905405 h 5539756"/>
+              <a:gd name="connsiteX49" fmla="*/ 0 w 6858001"/>
+              <a:gd name="connsiteY49" fmla="*/ 5539756 h 5539756"/>
+              <a:gd name="connsiteX50" fmla="*/ 6858000 w 6858001"/>
+              <a:gd name="connsiteY50" fmla="*/ 5539756 h 5539756"/>
+              <a:gd name="connsiteX51" fmla="*/ 6858000 w 6858001"/>
+              <a:gd name="connsiteY51" fmla="*/ 1344715 h 5539756"/>
+            </a:gdLst>
+            <a:ahLst/>
+            <a:cxnLst>
+              <a:cxn ang="0">
+                <a:pos x="connsiteX0" y="connsiteY0"/>
+              </a:cxn>
+              <a:cxn ang="0">
+                <a:pos x="connsiteX1" y="connsiteY1"/>
+              </a:cxn>
+              <a:cxn ang="0">
+                <a:pos x="connsiteX2" y="connsiteY2"/>
+              </a:cxn>
+              <a:cxn ang="0">
+                <a:pos x="connsiteX3" y="connsiteY3"/>
+              </a:cxn>
+              <a:cxn ang="0">
+                <a:pos x="connsiteX4" y="connsiteY4"/>
+              </a:cxn>
+              <a:cxn ang="0">
+                <a:pos x="connsiteX5" y="connsiteY5"/>
+              </a:cxn>
+              <a:cxn ang="0">
+                <a:pos x="connsiteX6" y="connsiteY6"/>
+              </a:cxn>
+              <a:cxn ang="0">
+                <a:pos x="connsiteX7" y="connsiteY7"/>
+              </a:cxn>
+              <a:cxn ang="0">
+                <a:pos x="connsiteX8" y="connsiteY8"/>
+              </a:cxn>
+              <a:cxn ang="0">
+                <a:pos x="connsiteX9" y="connsiteY9"/>
+              </a:cxn>
+              <a:cxn ang="0">
+                <a:pos x="connsiteX10" y="connsiteY10"/>
+              </a:cxn>
+              <a:cxn ang="0">
+                <a:pos x="connsiteX11" y="connsiteY11"/>
+              </a:cxn>
+              <a:cxn ang="0">
+                <a:pos x="connsiteX12" y="connsiteY12"/>
+              </a:cxn>
+              <a:cxn ang="0">
+                <a:pos x="connsiteX13" y="connsiteY13"/>
+              </a:cxn>
+              <a:cxn ang="0">
+                <a:pos x="connsiteX14" y="connsiteY14"/>
+              </a:cxn>
+              <a:cxn ang="0">
+                <a:pos x="connsiteX15" y="connsiteY15"/>
+              </a:cxn>
+              <a:cxn ang="0">
+                <a:pos x="connsiteX16" y="connsiteY16"/>
+              </a:cxn>
+              <a:cxn ang="0">
+                <a:pos x="connsiteX17" y="connsiteY17"/>
+              </a:cxn>
+              <a:cxn ang="0">
+                <a:pos x="connsiteX18" y="connsiteY18"/>
+              </a:cxn>
+              <a:cxn ang="0">
+                <a:pos x="connsiteX19" y="connsiteY19"/>
+              </a:cxn>
+              <a:cxn ang="0">
+                <a:pos x="connsiteX20" y="connsiteY20"/>
+              </a:cxn>
+              <a:cxn ang="0">
+                <a:pos x="connsiteX21" y="connsiteY21"/>
+              </a:cxn>
+              <a:cxn ang="0">
+                <a:pos x="connsiteX22" y="connsiteY22"/>
+              </a:cxn>
+              <a:cxn ang="0">
+                <a:pos x="connsiteX23" y="connsiteY23"/>
+              </a:cxn>
+              <a:cxn ang="0">
+                <a:pos x="connsiteX24" y="connsiteY24"/>
+              </a:cxn>
+              <a:cxn ang="0">
+                <a:pos x="connsiteX25" y="connsiteY25"/>
+              </a:cxn>
+              <a:cxn ang="0">
+                <a:pos x="connsiteX26" y="connsiteY26"/>
+              </a:cxn>
+              <a:cxn ang="0">
+                <a:pos x="connsiteX27" y="connsiteY27"/>
+              </a:cxn>
+              <a:cxn ang="0">
+                <a:pos x="connsiteX28" y="connsiteY28"/>
+              </a:cxn>
+              <a:cxn ang="0">
+                <a:pos x="connsiteX29" y="connsiteY29"/>
+              </a:cxn>
+              <a:cxn ang="0">
+                <a:pos x="connsiteX30" y="connsiteY30"/>
+              </a:cxn>
+              <a:cxn ang="0">
+                <a:pos x="connsiteX31" y="connsiteY31"/>
+              </a:cxn>
+              <a:cxn ang="0">
+                <a:pos x="connsiteX32" y="connsiteY32"/>
+              </a:cxn>
+              <a:cxn ang="0">
+                <a:pos x="connsiteX33" y="connsiteY33"/>
+              </a:cxn>
+              <a:cxn ang="0">
+                <a:pos x="connsiteX34" y="connsiteY34"/>
+              </a:cxn>
+              <a:cxn ang="0">
+                <a:pos x="connsiteX35" y="connsiteY35"/>
+              </a:cxn>
+              <a:cxn ang="0">
+                <a:pos x="connsiteX36" y="connsiteY36"/>
+              </a:cxn>
+              <a:cxn ang="0">
+                <a:pos x="connsiteX37" y="connsiteY37"/>
+              </a:cxn>
+              <a:cxn ang="0">
+                <a:pos x="connsiteX38" y="connsiteY38"/>
+              </a:cxn>
+              <a:cxn ang="0">
+                <a:pos x="connsiteX39" y="connsiteY39"/>
+              </a:cxn>
+              <a:cxn ang="0">
+                <a:pos x="connsiteX40" y="connsiteY40"/>
+              </a:cxn>
+              <a:cxn ang="0">
+                <a:pos x="connsiteX41" y="connsiteY41"/>
+              </a:cxn>
+              <a:cxn ang="0">
+                <a:pos x="connsiteX42" y="connsiteY42"/>
+              </a:cxn>
+              <a:cxn ang="0">
+                <a:pos x="connsiteX43" y="connsiteY43"/>
+              </a:cxn>
+              <a:cxn ang="0">
+                <a:pos x="connsiteX44" y="connsiteY44"/>
+              </a:cxn>
+              <a:cxn ang="0">
+                <a:pos x="connsiteX45" y="connsiteY45"/>
+              </a:cxn>
+              <a:cxn ang="0">
+                <a:pos x="connsiteX46" y="connsiteY46"/>
+              </a:cxn>
+              <a:cxn ang="0">
+                <a:pos x="connsiteX47" y="connsiteY47"/>
+              </a:cxn>
+              <a:cxn ang="0">
+                <a:pos x="connsiteX48" y="connsiteY48"/>
+              </a:cxn>
+              <a:cxn ang="0">
+                <a:pos x="connsiteX49" y="connsiteY49"/>
+              </a:cxn>
+              <a:cxn ang="0">
+                <a:pos x="connsiteX50" y="connsiteY50"/>
+              </a:cxn>
+              <a:cxn ang="0">
+                <a:pos x="connsiteX51" y="connsiteY51"/>
+              </a:cxn>
+            </a:cxnLst>
+            <a:rect l="l" t="t" r="r" b="b"/>
+            <a:pathLst>
+              <a:path w="6858001" h="5539756">
+                <a:moveTo>
+                  <a:pt x="6858001" y="1344715"/>
+                </a:moveTo>
+                <a:lnTo>
+                  <a:pt x="6858001" y="1177"/>
+                </a:lnTo>
+                <a:lnTo>
+                  <a:pt x="6702324" y="26222"/>
+                </a:lnTo>
+                <a:lnTo>
+                  <a:pt x="6547333" y="50091"/>
+                </a:lnTo>
+                <a:lnTo>
+                  <a:pt x="6391657" y="73455"/>
+                </a:lnTo>
+                <a:lnTo>
+                  <a:pt x="6235294" y="93458"/>
+                </a:lnTo>
+                <a:lnTo>
+                  <a:pt x="6079618" y="113629"/>
+                </a:lnTo>
+                <a:lnTo>
+                  <a:pt x="5923255" y="132455"/>
+                </a:lnTo>
+                <a:lnTo>
+                  <a:pt x="5768950" y="148591"/>
+                </a:lnTo>
+                <a:lnTo>
+                  <a:pt x="5612588" y="163887"/>
+                </a:lnTo>
+                <a:lnTo>
+                  <a:pt x="5456911" y="177839"/>
+                </a:lnTo>
+                <a:lnTo>
+                  <a:pt x="5303978" y="189941"/>
+                </a:lnTo>
+                <a:lnTo>
+                  <a:pt x="5148987" y="202044"/>
+                </a:lnTo>
+                <a:lnTo>
+                  <a:pt x="4996054" y="212129"/>
+                </a:lnTo>
+                <a:lnTo>
+                  <a:pt x="4843120" y="220029"/>
+                </a:lnTo>
+                <a:lnTo>
+                  <a:pt x="4690873" y="228266"/>
+                </a:lnTo>
+                <a:lnTo>
+                  <a:pt x="4539997" y="235157"/>
+                </a:lnTo>
+                <a:lnTo>
+                  <a:pt x="4390492" y="240032"/>
+                </a:lnTo>
+                <a:lnTo>
+                  <a:pt x="4240988" y="244234"/>
+                </a:lnTo>
+                <a:lnTo>
+                  <a:pt x="4092855" y="248268"/>
+                </a:lnTo>
+                <a:lnTo>
+                  <a:pt x="3946780" y="250117"/>
+                </a:lnTo>
+                <a:lnTo>
+                  <a:pt x="3800704" y="252134"/>
+                </a:lnTo>
+                <a:lnTo>
+                  <a:pt x="3656686" y="253143"/>
+                </a:lnTo>
+                <a:lnTo>
+                  <a:pt x="3514040" y="252134"/>
+                </a:lnTo>
+                <a:lnTo>
+                  <a:pt x="3372765" y="252134"/>
+                </a:lnTo>
+                <a:lnTo>
+                  <a:pt x="3232862" y="250117"/>
+                </a:lnTo>
+                <a:lnTo>
+                  <a:pt x="3095702" y="247092"/>
+                </a:lnTo>
+                <a:lnTo>
+                  <a:pt x="2959914" y="244234"/>
+                </a:lnTo>
+                <a:lnTo>
+                  <a:pt x="2826868" y="241040"/>
+                </a:lnTo>
+                <a:lnTo>
+                  <a:pt x="2694509" y="236166"/>
+                </a:lnTo>
+                <a:lnTo>
+                  <a:pt x="2564208" y="230955"/>
+                </a:lnTo>
+                <a:lnTo>
+                  <a:pt x="2436649" y="226249"/>
+                </a:lnTo>
+                <a:lnTo>
+                  <a:pt x="2187703" y="212969"/>
+                </a:lnTo>
+                <a:lnTo>
+                  <a:pt x="1949045" y="198850"/>
+                </a:lnTo>
+                <a:lnTo>
+                  <a:pt x="1719988" y="184058"/>
+                </a:lnTo>
+                <a:lnTo>
+                  <a:pt x="1503275" y="167753"/>
+                </a:lnTo>
+                <a:lnTo>
+                  <a:pt x="1296163" y="150776"/>
+                </a:lnTo>
+                <a:lnTo>
+                  <a:pt x="1104139" y="132455"/>
+                </a:lnTo>
+                <a:lnTo>
+                  <a:pt x="923774" y="114469"/>
+                </a:lnTo>
+                <a:lnTo>
+                  <a:pt x="757810" y="96484"/>
+                </a:lnTo>
+                <a:lnTo>
+                  <a:pt x="605563" y="79507"/>
+                </a:lnTo>
+                <a:lnTo>
+                  <a:pt x="470460" y="63370"/>
+                </a:lnTo>
+                <a:lnTo>
+                  <a:pt x="348388" y="48074"/>
+                </a:lnTo>
+                <a:lnTo>
+                  <a:pt x="245518" y="35299"/>
+                </a:lnTo>
+                <a:lnTo>
+                  <a:pt x="159107" y="23197"/>
+                </a:lnTo>
+                <a:lnTo>
+                  <a:pt x="40463" y="5883"/>
+                </a:lnTo>
+                <a:lnTo>
+                  <a:pt x="1" y="0"/>
+                </a:lnTo>
+                <a:lnTo>
+                  <a:pt x="1" y="905405"/>
+                </a:lnTo>
+                <a:lnTo>
+                  <a:pt x="0" y="905405"/>
+                </a:lnTo>
+                <a:lnTo>
+                  <a:pt x="0" y="5539756"/>
+                </a:lnTo>
+                <a:lnTo>
+                  <a:pt x="6858000" y="5539756"/>
+                </a:lnTo>
+                <a:lnTo>
+                  <a:pt x="6858000" y="1344715"/>
+                </a:lnTo>
+                <a:close/>
+              </a:path>
+            </a:pathLst>
+          </a:custGeom>
+          <a:solidFill>
+            <a:srgbClr val="FFFFFF"/>
+          </a:solidFill>
+          <a:ln>
+            <a:noFill/>
+          </a:ln>
+        </p:spPr>
         <p:txBody>
           <a:bodyPr/>
           <a:lstStyle/>
           <a:p>
-            <a:pPr algn="just"/>
-            <a:r>
-              <a:rPr lang="es-MX" sz="4000" b="1" dirty="0"/>
-              <a:t>AVANCES REALIZADOS CON RESPECTO A LA METODOLOGIA PARA EL DISEÑO MUESTRAL DEL </a:t>
-            </a:r>
-            <a:r>
-              <a:rPr lang="es-MX" sz="4000" b="1"/>
-              <a:t>NUEVO </a:t>
-            </a:r>
-            <a:r>
-              <a:rPr lang="es-MX" sz="4000" b="1" smtClean="0"/>
-              <a:t>IPP</a:t>
-            </a:r>
-            <a:endParaRPr lang="es-EC" sz="4000" dirty="0"/>
+            <a:endParaRPr lang="es-EC"/>
+          </a:p>
+        </p:txBody>
+      </p:sp>
+      <p:pic>
+        <p:nvPicPr>
+          <p:cNvPr id="6" name="Imagen 5" descr="Logotipo&#10;&#10;Descripción generada automáticamente">
+            <a:extLst>
+              <a:ext uri="{FF2B5EF4-FFF2-40B4-BE49-F238E27FC236}">
+                <a16:creationId xmlns:a16="http://schemas.microsoft.com/office/drawing/2014/main" id="{F4AB4993-0E72-6780-AE51-638E118527E4}"/>
+              </a:ext>
+            </a:extLst>
+          </p:cNvPr>
+          <p:cNvPicPr>
+            <a:picLocks noChangeAspect="1"/>
+          </p:cNvPicPr>
+          <p:nvPr/>
+        </p:nvPicPr>
+        <p:blipFill>
+          <a:blip r:embed="rId4"/>
+          <a:stretch>
+            <a:fillRect/>
+          </a:stretch>
+        </p:blipFill>
+        <p:spPr>
+          <a:xfrm>
+            <a:off x="599921" y="2691711"/>
+            <a:ext cx="3993646" cy="1474575"/>
+          </a:xfrm>
+          <a:prstGeom prst="rect">
+            <a:avLst/>
+          </a:prstGeom>
+          <a:effectLst/>
+        </p:spPr>
+      </p:pic>
+      <p:sp>
+        <p:nvSpPr>
+          <p:cNvPr id="22" name="Freeform 27">
+            <a:extLst>
+              <a:ext uri="{FF2B5EF4-FFF2-40B4-BE49-F238E27FC236}">
+                <a16:creationId xmlns:a16="http://schemas.microsoft.com/office/drawing/2014/main" id="{BBAAA9C0-BA35-4F69-844B-76B4AA627F3B}"/>
+              </a:ext>
+              <a:ext uri="{C183D7F6-B498-43B3-948B-1728B52AA6E4}">
+                <adec:decorative xmlns:adec="http://schemas.microsoft.com/office/drawing/2017/decorative" val="1"/>
+              </a:ext>
+            </a:extLst>
+          </p:cNvPr>
+          <p:cNvSpPr>
+            <a:spLocks noGrp="1" noRot="1" noChangeAspect="1" noMove="1" noResize="1" noEditPoints="1" noAdjustHandles="1" noChangeArrowheads="1" noChangeShapeType="1" noTextEdit="1"/>
+          </p:cNvSpPr>
+          <p:nvPr>
+            <p:extLst>
+              <p:ext uri="{386F3935-93C4-4BCD-93E2-E3B085C9AB24}">
+                <p16:designElem xmlns:p16="http://schemas.microsoft.com/office/powerpoint/2015/main" val="1"/>
+              </p:ext>
+            </p:extLst>
+          </p:nvPr>
+        </p:nvSpPr>
+        <p:spPr>
+          <a:xfrm flipH="1">
+            <a:off x="5193485" y="-1"/>
+            <a:ext cx="559472" cy="3709642"/>
+          </a:xfrm>
+          <a:custGeom>
+            <a:avLst/>
+            <a:gdLst>
+              <a:gd name="connsiteX0" fmla="*/ 0 w 559472"/>
+              <a:gd name="connsiteY0" fmla="*/ 0 h 3709642"/>
+              <a:gd name="connsiteX1" fmla="*/ 473952 w 559472"/>
+              <a:gd name="connsiteY1" fmla="*/ 0 h 3709642"/>
+              <a:gd name="connsiteX2" fmla="*/ 485840 w 559472"/>
+              <a:gd name="connsiteY2" fmla="*/ 161194 h 3709642"/>
+              <a:gd name="connsiteX3" fmla="*/ 523949 w 559472"/>
+              <a:gd name="connsiteY3" fmla="*/ 3672197 h 3709642"/>
+              <a:gd name="connsiteX4" fmla="*/ 454748 w 559472"/>
+              <a:gd name="connsiteY4" fmla="*/ 3709642 h 3709642"/>
+              <a:gd name="connsiteX5" fmla="*/ 448224 w 559472"/>
+              <a:gd name="connsiteY5" fmla="*/ 3510471 h 3709642"/>
+              <a:gd name="connsiteX6" fmla="*/ 443564 w 559472"/>
+              <a:gd name="connsiteY6" fmla="*/ 3408563 h 3709642"/>
+              <a:gd name="connsiteX7" fmla="*/ 438902 w 559472"/>
+              <a:gd name="connsiteY7" fmla="*/ 3304407 h 3709642"/>
+              <a:gd name="connsiteX8" fmla="*/ 433941 w 559472"/>
+              <a:gd name="connsiteY8" fmla="*/ 3198777 h 3709642"/>
+              <a:gd name="connsiteX9" fmla="*/ 427584 w 559472"/>
+              <a:gd name="connsiteY9" fmla="*/ 3092510 h 3709642"/>
+              <a:gd name="connsiteX10" fmla="*/ 420988 w 559472"/>
+              <a:gd name="connsiteY10" fmla="*/ 2984390 h 3709642"/>
+              <a:gd name="connsiteX11" fmla="*/ 414330 w 559472"/>
+              <a:gd name="connsiteY11" fmla="*/ 2874401 h 3709642"/>
+              <a:gd name="connsiteX12" fmla="*/ 406840 w 559472"/>
+              <a:gd name="connsiteY12" fmla="*/ 2762980 h 3709642"/>
+              <a:gd name="connsiteX13" fmla="*/ 397745 w 559472"/>
+              <a:gd name="connsiteY13" fmla="*/ 2650566 h 3709642"/>
+              <a:gd name="connsiteX14" fmla="*/ 389154 w 559472"/>
+              <a:gd name="connsiteY14" fmla="*/ 2536612 h 3709642"/>
+              <a:gd name="connsiteX15" fmla="*/ 379225 w 559472"/>
+              <a:gd name="connsiteY15" fmla="*/ 2421642 h 3709642"/>
+              <a:gd name="connsiteX16" fmla="*/ 368316 w 559472"/>
+              <a:gd name="connsiteY16" fmla="*/ 2305627 h 3709642"/>
+              <a:gd name="connsiteX17" fmla="*/ 357466 w 559472"/>
+              <a:gd name="connsiteY17" fmla="*/ 2189233 h 3709642"/>
+              <a:gd name="connsiteX18" fmla="*/ 344982 w 559472"/>
+              <a:gd name="connsiteY18" fmla="*/ 2071473 h 3709642"/>
+              <a:gd name="connsiteX19" fmla="*/ 332466 w 559472"/>
+              <a:gd name="connsiteY19" fmla="*/ 1952216 h 3709642"/>
+              <a:gd name="connsiteX20" fmla="*/ 319121 w 559472"/>
+              <a:gd name="connsiteY20" fmla="*/ 1833776 h 3709642"/>
+              <a:gd name="connsiteX21" fmla="*/ 304408 w 559472"/>
+              <a:gd name="connsiteY21" fmla="*/ 1713948 h 3709642"/>
+              <a:gd name="connsiteX22" fmla="*/ 288685 w 559472"/>
+              <a:gd name="connsiteY22" fmla="*/ 1592703 h 3709642"/>
+              <a:gd name="connsiteX23" fmla="*/ 273050 w 559472"/>
+              <a:gd name="connsiteY23" fmla="*/ 1471451 h 3709642"/>
+              <a:gd name="connsiteX24" fmla="*/ 255813 w 559472"/>
+              <a:gd name="connsiteY24" fmla="*/ 1350328 h 3709642"/>
+              <a:gd name="connsiteX25" fmla="*/ 237060 w 559472"/>
+              <a:gd name="connsiteY25" fmla="*/ 1227080 h 3709642"/>
+              <a:gd name="connsiteX26" fmla="*/ 218488 w 559472"/>
+              <a:gd name="connsiteY26" fmla="*/ 1106065 h 3709642"/>
+              <a:gd name="connsiteX27" fmla="*/ 198221 w 559472"/>
+              <a:gd name="connsiteY27" fmla="*/ 982940 h 3709642"/>
+              <a:gd name="connsiteX28" fmla="*/ 177152 w 559472"/>
+              <a:gd name="connsiteY28" fmla="*/ 858755 h 3709642"/>
+              <a:gd name="connsiteX29" fmla="*/ 155551 w 559472"/>
+              <a:gd name="connsiteY29" fmla="*/ 736861 h 3709642"/>
+              <a:gd name="connsiteX30" fmla="*/ 131782 w 559472"/>
+              <a:gd name="connsiteY30" fmla="*/ 613645 h 3709642"/>
+              <a:gd name="connsiteX31" fmla="*/ 107123 w 559472"/>
+              <a:gd name="connsiteY31" fmla="*/ 490500 h 3709642"/>
+              <a:gd name="connsiteX32" fmla="*/ 82552 w 559472"/>
+              <a:gd name="connsiteY32" fmla="*/ 367348 h 3709642"/>
+              <a:gd name="connsiteX33" fmla="*/ 55608 w 559472"/>
+              <a:gd name="connsiteY33" fmla="*/ 244762 h 3709642"/>
+              <a:gd name="connsiteX34" fmla="*/ 28130 w 559472"/>
+              <a:gd name="connsiteY34" fmla="*/ 122220 h 3709642"/>
+              <a:gd name="connsiteX35" fmla="*/ 0 w 559472"/>
+              <a:gd name="connsiteY35" fmla="*/ 0 h 3709642"/>
+            </a:gdLst>
+            <a:ahLst/>
+            <a:cxnLst>
+              <a:cxn ang="0">
+                <a:pos x="connsiteX0" y="connsiteY0"/>
+              </a:cxn>
+              <a:cxn ang="0">
+                <a:pos x="connsiteX1" y="connsiteY1"/>
+              </a:cxn>
+              <a:cxn ang="0">
+                <a:pos x="connsiteX2" y="connsiteY2"/>
+              </a:cxn>
+              <a:cxn ang="0">
+                <a:pos x="connsiteX3" y="connsiteY3"/>
+              </a:cxn>
+              <a:cxn ang="0">
+                <a:pos x="connsiteX4" y="connsiteY4"/>
+              </a:cxn>
+              <a:cxn ang="0">
+                <a:pos x="connsiteX5" y="connsiteY5"/>
+              </a:cxn>
+              <a:cxn ang="0">
+                <a:pos x="connsiteX6" y="connsiteY6"/>
+              </a:cxn>
+              <a:cxn ang="0">
+                <a:pos x="connsiteX7" y="connsiteY7"/>
+              </a:cxn>
+              <a:cxn ang="0">
+                <a:pos x="connsiteX8" y="connsiteY8"/>
+              </a:cxn>
+              <a:cxn ang="0">
+                <a:pos x="connsiteX9" y="connsiteY9"/>
+              </a:cxn>
+              <a:cxn ang="0">
+                <a:pos x="connsiteX10" y="connsiteY10"/>
+              </a:cxn>
+              <a:cxn ang="0">
+                <a:pos x="connsiteX11" y="connsiteY11"/>
+              </a:cxn>
+              <a:cxn ang="0">
+                <a:pos x="connsiteX12" y="connsiteY12"/>
+              </a:cxn>
+              <a:cxn ang="0">
+                <a:pos x="connsiteX13" y="connsiteY13"/>
+              </a:cxn>
+              <a:cxn ang="0">
+                <a:pos x="connsiteX14" y="connsiteY14"/>
+              </a:cxn>
+              <a:cxn ang="0">
+                <a:pos x="connsiteX15" y="connsiteY15"/>
+              </a:cxn>
+              <a:cxn ang="0">
+                <a:pos x="connsiteX16" y="connsiteY16"/>
+              </a:cxn>
+              <a:cxn ang="0">
+                <a:pos x="connsiteX17" y="connsiteY17"/>
+              </a:cxn>
+              <a:cxn ang="0">
+                <a:pos x="connsiteX18" y="connsiteY18"/>
+              </a:cxn>
+              <a:cxn ang="0">
+                <a:pos x="connsiteX19" y="connsiteY19"/>
+              </a:cxn>
+              <a:cxn ang="0">
+                <a:pos x="connsiteX20" y="connsiteY20"/>
+              </a:cxn>
+              <a:cxn ang="0">
+                <a:pos x="connsiteX21" y="connsiteY21"/>
+              </a:cxn>
+              <a:cxn ang="0">
+                <a:pos x="connsiteX22" y="connsiteY22"/>
+              </a:cxn>
+              <a:cxn ang="0">
+                <a:pos x="connsiteX23" y="connsiteY23"/>
+              </a:cxn>
+              <a:cxn ang="0">
+                <a:pos x="connsiteX24" y="connsiteY24"/>
+              </a:cxn>
+              <a:cxn ang="0">
+                <a:pos x="connsiteX25" y="connsiteY25"/>
+              </a:cxn>
+              <a:cxn ang="0">
+                <a:pos x="connsiteX26" y="connsiteY26"/>
+              </a:cxn>
+              <a:cxn ang="0">
+                <a:pos x="connsiteX27" y="connsiteY27"/>
+              </a:cxn>
+              <a:cxn ang="0">
+                <a:pos x="connsiteX28" y="connsiteY28"/>
+              </a:cxn>
+              <a:cxn ang="0">
+                <a:pos x="connsiteX29" y="connsiteY29"/>
+              </a:cxn>
+              <a:cxn ang="0">
+                <a:pos x="connsiteX30" y="connsiteY30"/>
+              </a:cxn>
+              <a:cxn ang="0">
+                <a:pos x="connsiteX31" y="connsiteY31"/>
+              </a:cxn>
+              <a:cxn ang="0">
+                <a:pos x="connsiteX32" y="connsiteY32"/>
+              </a:cxn>
+              <a:cxn ang="0">
+                <a:pos x="connsiteX33" y="connsiteY33"/>
+              </a:cxn>
+              <a:cxn ang="0">
+                <a:pos x="connsiteX34" y="connsiteY34"/>
+              </a:cxn>
+              <a:cxn ang="0">
+                <a:pos x="connsiteX35" y="connsiteY35"/>
+              </a:cxn>
+            </a:cxnLst>
+            <a:rect l="l" t="t" r="r" b="b"/>
+            <a:pathLst>
+              <a:path w="559472" h="3709642">
+                <a:moveTo>
+                  <a:pt x="0" y="0"/>
+                </a:moveTo>
+                <a:lnTo>
+                  <a:pt x="473952" y="0"/>
+                </a:lnTo>
+                <a:lnTo>
+                  <a:pt x="485840" y="161194"/>
+                </a:lnTo>
+                <a:cubicBezTo>
+                  <a:pt x="552063" y="1147770"/>
+                  <a:pt x="592441" y="3086737"/>
+                  <a:pt x="523949" y="3672197"/>
+                </a:cubicBezTo>
+                <a:cubicBezTo>
+                  <a:pt x="500842" y="3684557"/>
+                  <a:pt x="477855" y="3697282"/>
+                  <a:pt x="454748" y="3709642"/>
+                </a:cubicBezTo>
+                <a:lnTo>
+                  <a:pt x="448224" y="3510471"/>
+                </a:lnTo>
+                <a:lnTo>
+                  <a:pt x="443564" y="3408563"/>
+                </a:lnTo>
+                <a:lnTo>
+                  <a:pt x="438902" y="3304407"/>
+                </a:lnTo>
+                <a:lnTo>
+                  <a:pt x="433941" y="3198777"/>
+                </a:lnTo>
+                <a:lnTo>
+                  <a:pt x="427584" y="3092510"/>
+                </a:lnTo>
+                <a:lnTo>
+                  <a:pt x="420988" y="2984390"/>
+                </a:lnTo>
+                <a:lnTo>
+                  <a:pt x="414330" y="2874401"/>
+                </a:lnTo>
+                <a:lnTo>
+                  <a:pt x="406840" y="2762980"/>
+                </a:lnTo>
+                <a:lnTo>
+                  <a:pt x="397745" y="2650566"/>
+                </a:lnTo>
+                <a:lnTo>
+                  <a:pt x="389154" y="2536612"/>
+                </a:lnTo>
+                <a:lnTo>
+                  <a:pt x="379225" y="2421642"/>
+                </a:lnTo>
+                <a:lnTo>
+                  <a:pt x="368316" y="2305627"/>
+                </a:lnTo>
+                <a:lnTo>
+                  <a:pt x="357466" y="2189233"/>
+                </a:lnTo>
+                <a:lnTo>
+                  <a:pt x="344982" y="2071473"/>
+                </a:lnTo>
+                <a:lnTo>
+                  <a:pt x="332466" y="1952216"/>
+                </a:lnTo>
+                <a:lnTo>
+                  <a:pt x="319121" y="1833776"/>
+                </a:lnTo>
+                <a:lnTo>
+                  <a:pt x="304408" y="1713948"/>
+                </a:lnTo>
+                <a:lnTo>
+                  <a:pt x="288685" y="1592703"/>
+                </a:lnTo>
+                <a:lnTo>
+                  <a:pt x="273050" y="1471451"/>
+                </a:lnTo>
+                <a:lnTo>
+                  <a:pt x="255813" y="1350328"/>
+                </a:lnTo>
+                <a:lnTo>
+                  <a:pt x="237060" y="1227080"/>
+                </a:lnTo>
+                <a:lnTo>
+                  <a:pt x="218488" y="1106065"/>
+                </a:lnTo>
+                <a:lnTo>
+                  <a:pt x="198221" y="982940"/>
+                </a:lnTo>
+                <a:lnTo>
+                  <a:pt x="177152" y="858755"/>
+                </a:lnTo>
+                <a:lnTo>
+                  <a:pt x="155551" y="736861"/>
+                </a:lnTo>
+                <a:lnTo>
+                  <a:pt x="131782" y="613645"/>
+                </a:lnTo>
+                <a:lnTo>
+                  <a:pt x="107123" y="490500"/>
+                </a:lnTo>
+                <a:lnTo>
+                  <a:pt x="82552" y="367348"/>
+                </a:lnTo>
+                <a:lnTo>
+                  <a:pt x="55608" y="244762"/>
+                </a:lnTo>
+                <a:lnTo>
+                  <a:pt x="28130" y="122220"/>
+                </a:lnTo>
+                <a:lnTo>
+                  <a:pt x="0" y="0"/>
+                </a:lnTo>
+                <a:close/>
+              </a:path>
+            </a:pathLst>
+          </a:custGeom>
+          <a:solidFill>
+            <a:schemeClr val="tx1">
+              <a:alpha val="20000"/>
+            </a:schemeClr>
+          </a:solidFill>
+          <a:ln>
+            <a:noFill/>
+          </a:ln>
+        </p:spPr>
+        <p:txBody>
+          <a:bodyPr rtlCol="0" anchor="ctr"/>
+          <a:lstStyle/>
+          <a:p>
+            <a:pPr algn="ctr"/>
+            <a:endParaRPr lang="en-US"/>
           </a:p>
         </p:txBody>
       </p:sp>
@@ -6051,6 +7371,98 @@
   <p:clrMapOvr>
     <a:masterClrMapping/>
   </p:clrMapOvr>
+  <p:timing>
+    <p:tnLst>
+      <p:par>
+        <p:cTn id="1" dur="indefinite" restart="never" nodeType="tmRoot">
+          <p:childTnLst>
+            <p:seq concurrent="1" nextAc="seek">
+              <p:cTn id="2" dur="indefinite" nodeType="mainSeq">
+                <p:childTnLst>
+                  <p:par>
+                    <p:cTn id="3" fill="hold">
+                      <p:stCondLst>
+                        <p:cond delay="indefinite"/>
+                        <p:cond evt="onBegin" delay="0">
+                          <p:tn val="2"/>
+                        </p:cond>
+                      </p:stCondLst>
+                      <p:childTnLst>
+                        <p:par>
+                          <p:cTn id="4" fill="hold">
+                            <p:stCondLst>
+                              <p:cond delay="0"/>
+                            </p:stCondLst>
+                            <p:childTnLst>
+                              <p:par>
+                                <p:cTn id="5" presetID="10" presetClass="entr" presetSubtype="0" fill="hold" grpId="0" nodeType="withEffect">
+                                  <p:stCondLst>
+                                    <p:cond delay="1000"/>
+                                  </p:stCondLst>
+                                  <p:iterate>
+                                    <p:tmPct val="10000"/>
+                                  </p:iterate>
+                                  <p:childTnLst>
+                                    <p:set>
+                                      <p:cBhvr>
+                                        <p:cTn id="6" dur="1" fill="hold">
+                                          <p:stCondLst>
+                                            <p:cond delay="0"/>
+                                          </p:stCondLst>
+                                        </p:cTn>
+                                        <p:tgtEl>
+                                          <p:spTgt spid="2"/>
+                                        </p:tgtEl>
+                                        <p:attrNameLst>
+                                          <p:attrName>style.visibility</p:attrName>
+                                        </p:attrNameLst>
+                                      </p:cBhvr>
+                                      <p:to>
+                                        <p:strVal val="visible"/>
+                                      </p:to>
+                                    </p:set>
+                                    <p:animEffect transition="in" filter="fade">
+                                      <p:cBhvr>
+                                        <p:cTn id="7" dur="700"/>
+                                        <p:tgtEl>
+                                          <p:spTgt spid="2"/>
+                                        </p:tgtEl>
+                                      </p:cBhvr>
+                                    </p:animEffect>
+                                  </p:childTnLst>
+                                </p:cTn>
+                              </p:par>
+                            </p:childTnLst>
+                          </p:cTn>
+                        </p:par>
+                      </p:childTnLst>
+                    </p:cTn>
+                  </p:par>
+                </p:childTnLst>
+              </p:cTn>
+              <p:prevCondLst>
+                <p:cond evt="onPrev" delay="0">
+                  <p:tgtEl>
+                    <p:sldTgt/>
+                  </p:tgtEl>
+                </p:cond>
+              </p:prevCondLst>
+              <p:nextCondLst>
+                <p:cond evt="onNext" delay="0">
+                  <p:tgtEl>
+                    <p:sldTgt/>
+                  </p:tgtEl>
+                </p:cond>
+              </p:nextCondLst>
+            </p:seq>
+          </p:childTnLst>
+        </p:cTn>
+      </p:par>
+    </p:tnLst>
+    <p:bldLst>
+      <p:bldP spid="2" grpId="0"/>
+    </p:bldLst>
+  </p:timing>
 </p:sld>
 </file>
 
@@ -6090,10 +7502,6 @@
               <a:rPr lang="es-MX" b="1" dirty="0"/>
               <a:t>Introducción</a:t>
             </a:r>
-            <a:r>
-              <a:rPr lang="es-EC" dirty="0"/>
-              <a:t/>
-            </a:r>
             <a:br>
               <a:rPr lang="es-EC" dirty="0"/>
             </a:br>
@@ -6125,10 +7533,10 @@
           <a:p>
             <a:pPr algn="just"/>
             <a:r>
-              <a:rPr lang="es-MX" dirty="0" smtClean="0"/>
+              <a:rPr lang="es-MX" dirty="0"/>
               <a:t>En el marco del proceso de certificación del IPP-DN, ejecutado en el año 2017, se emitieron diversas observaciones relacionadas a  la necesidad de evaluar la implementación de un diseño de muestreo probabilístico a partir de un marco de muestreo en donde se incluyan a todas las empresas productoras.</a:t>
             </a:r>
-            <a:endParaRPr lang="es-EC" dirty="0" smtClean="0"/>
+            <a:endParaRPr lang="es-EC" dirty="0"/>
           </a:p>
           <a:p>
             <a:endParaRPr lang="es-EC" dirty="0"/>
@@ -6230,15 +7638,11 @@
           </a:lstStyle>
           <a:p>
             <a:r>
-              <a:rPr lang="es-MX" b="1" dirty="0" smtClean="0"/>
+              <a:rPr lang="es-MX" b="1" dirty="0"/>
               <a:t>Objetivo General</a:t>
             </a:r>
-            <a:r>
-              <a:rPr lang="es-EC" dirty="0" smtClean="0"/>
-              <a:t/>
-            </a:r>
             <a:br>
-              <a:rPr lang="es-EC" dirty="0" smtClean="0"/>
+              <a:rPr lang="es-EC" dirty="0"/>
             </a:br>
             <a:endParaRPr lang="es-EC" dirty="0"/>
           </a:p>
@@ -6495,10 +7899,10 @@
           <a:p>
             <a:pPr algn="just"/>
             <a:r>
-              <a:rPr lang="es-MX" dirty="0" smtClean="0"/>
+              <a:rPr lang="es-MX" dirty="0"/>
               <a:t>Elaborar un diseño muestral probabilístico para la encuesta que mide los Índices de Precios al Productor de Disponibilidad Nacional (IPP-DN).</a:t>
             </a:r>
-            <a:endParaRPr lang="es-EC" dirty="0" smtClean="0"/>
+            <a:endParaRPr lang="es-EC" dirty="0"/>
           </a:p>
           <a:p>
             <a:endParaRPr lang="es-EC" dirty="0"/>
@@ -6554,10 +7958,6 @@
               <a:rPr lang="es-MX" b="1" dirty="0"/>
               <a:t>Marco muestral</a:t>
             </a:r>
-            <a:r>
-              <a:rPr lang="es-EC" dirty="0"/>
-              <a:t/>
-            </a:r>
             <a:br>
               <a:rPr lang="es-EC" dirty="0"/>
             </a:br>
@@ -6575,29 +7975,22 @@
             <p:ph idx="1"/>
           </p:nvPr>
         </p:nvSpPr>
-        <p:spPr/>
+        <p:spPr>
+          <a:xfrm>
+            <a:off x="1103312" y="1709530"/>
+            <a:ext cx="8946541" cy="4538869"/>
+          </a:xfrm>
+        </p:spPr>
         <p:txBody>
           <a:bodyPr>
-            <a:normAutofit lnSpcReduction="10000"/>
+            <a:normAutofit/>
           </a:bodyPr>
           <a:lstStyle/>
           <a:p>
             <a:pPr algn="just"/>
             <a:r>
               <a:rPr lang="es-MX" dirty="0"/>
-              <a:t>El marco de muestreo que se considera está definido por las empresas que constan en el Directorio de Empresas y </a:t>
-            </a:r>
-            <a:r>
-              <a:rPr lang="es-MX" dirty="0" smtClean="0"/>
-              <a:t>Establecimientos </a:t>
-            </a:r>
-            <a:r>
-              <a:rPr lang="es-MX" dirty="0"/>
-              <a:t>Económicos </a:t>
-            </a:r>
-            <a:r>
-              <a:rPr lang="es-MX" dirty="0" smtClean="0"/>
-              <a:t>2021 (DIEE-2021). </a:t>
+              <a:t>El marco de muestreo que se considera está definido por las empresas que constan en el Directorio de Empresas y Establecimientos Económicos 2021 (DIEE-2021). </a:t>
             </a:r>
             <a:endParaRPr lang="es-EC" dirty="0"/>
           </a:p>
@@ -6613,41 +8006,25 @@
             </a:r>
             <a:r>
               <a:rPr lang="es-MX" dirty="0"/>
-              <a:t> 4 - 6 </a:t>
+              <a:t> 4 - 6 dígitos</a:t>
             </a:r>
             <a:r>
-              <a:rPr lang="es-MX" dirty="0" smtClean="0"/>
-              <a:t>dígitos</a:t>
-            </a:r>
-            <a:r>
-              <a:rPr lang="es-ES" dirty="0" smtClean="0"/>
+              <a:rPr lang="es-ES" dirty="0"/>
               <a:t>.</a:t>
             </a:r>
           </a:p>
           <a:p>
             <a:pPr algn="just"/>
             <a:r>
-              <a:rPr lang="es-MX" dirty="0" smtClean="0"/>
-              <a:t>El DIEE-2021 está </a:t>
+              <a:rPr lang="es-MX" dirty="0"/>
+              <a:t>El DIEE-2021 está conformado por 858.101 empresas.</a:t>
             </a:r>
+          </a:p>
+          <a:p>
+            <a:pPr algn="just"/>
             <a:r>
               <a:rPr lang="es-MX" dirty="0"/>
-              <a:t>conformado por 858.101 </a:t>
-            </a:r>
-            <a:r>
-              <a:rPr lang="es-MX" dirty="0" smtClean="0"/>
-              <a:t>empresas.</a:t>
-            </a:r>
-          </a:p>
-          <a:p>
-            <a:pPr algn="just"/>
-            <a:r>
-              <a:rPr lang="es-MX" dirty="0" smtClean="0"/>
-              <a:t>Con </a:t>
-            </a:r>
-            <a:r>
-              <a:rPr lang="es-MX" dirty="0"/>
-              <a:t>los Código CIIU </a:t>
+              <a:t>Con los Código CIIU </a:t>
             </a:r>
             <a:r>
               <a:rPr lang="es-MX" dirty="0" err="1"/>
@@ -6655,30 +8032,14 @@
             </a:r>
             <a:r>
               <a:rPr lang="es-MX" dirty="0"/>
-              <a:t> 4 - 6 dígitos, se construye una estratificación dentro de cada </a:t>
-            </a:r>
-            <a:r>
-              <a:rPr lang="es-MX" dirty="0" smtClean="0"/>
-              <a:t>dominio de estudio.</a:t>
+              <a:t> 4 - 6 dígitos, se construye una estratificación dentro de cada dominio de estudio.</a:t>
             </a:r>
           </a:p>
           <a:p>
             <a:pPr algn="just"/>
             <a:r>
-              <a:rPr lang="es-MX" dirty="0" smtClean="0"/>
-              <a:t>Se seleccionan aquellas empresas de tamaño </a:t>
-            </a:r>
-            <a:r>
               <a:rPr lang="es-MX" dirty="0"/>
-              <a:t>Pequeña empresa (2), Mediana empresa “A” (3), Mediana empresa “B” (4) y Grande empresa (5). </a:t>
-            </a:r>
-            <a:r>
-              <a:rPr lang="es-MX" dirty="0" smtClean="0"/>
-              <a:t>Se </a:t>
-            </a:r>
-            <a:r>
-              <a:rPr lang="es-MX" dirty="0"/>
-              <a:t>excluyen las empresas que constan como “empresas no ubicadas” en el DIEE-2021.</a:t>
+              <a:t>Se seleccionan aquellas empresas de tamaño Pequeña empresa (2), Mediana empresa “A” (3), Mediana empresa “B” (4) y Grande empresa (5). Se excluyen las empresas que constan como “empresas no ubicadas” en el DIEE-2021.</a:t>
             </a:r>
             <a:endParaRPr lang="es-EC" dirty="0"/>
           </a:p>
@@ -6721,2517 +8082,6 @@
           <a:chExt cx="0" cy="0"/>
         </a:xfrm>
       </p:grpSpPr>
-      <p:graphicFrame>
-        <p:nvGraphicFramePr>
-          <p:cNvPr id="4" name="Marcador de contenido 3"/>
-          <p:cNvGraphicFramePr>
-            <a:graphicFrameLocks noGrp="1"/>
-          </p:cNvGraphicFramePr>
-          <p:nvPr>
-            <p:ph idx="1"/>
-            <p:extLst>
-              <p:ext uri="{D42A27DB-BD31-4B8C-83A1-F6EECF244321}">
-                <p14:modId xmlns:p14="http://schemas.microsoft.com/office/powerpoint/2010/main" val="2526428416"/>
-              </p:ext>
-            </p:extLst>
-          </p:nvPr>
-        </p:nvGraphicFramePr>
-        <p:xfrm>
-          <a:off x="1103313" y="1621760"/>
-          <a:ext cx="8947150" cy="4425358"/>
-        </p:xfrm>
-        <a:graphic>
-          <a:graphicData uri="http://schemas.openxmlformats.org/drawingml/2006/table">
-            <a:tbl>
-              <a:tblPr firstRow="1" firstCol="1" bandRow="1">
-                <a:tableStyleId>{5C22544A-7EE6-4342-B048-85BDC9FD1C3A}</a:tableStyleId>
-              </a:tblPr>
-              <a:tblGrid>
-                <a:gridCol w="1664170"/>
-                <a:gridCol w="1456596"/>
-                <a:gridCol w="1456596"/>
-                <a:gridCol w="1456596"/>
-                <a:gridCol w="1456596"/>
-                <a:gridCol w="1456596"/>
-              </a:tblGrid>
-              <a:tr h="493900">
-                <a:tc rowSpan="2">
-                  <a:txBody>
-                    <a:bodyPr/>
-                    <a:lstStyle/>
-                    <a:p>
-                      <a:pPr algn="ctr">
-                        <a:spcAft>
-                          <a:spcPts val="0"/>
-                        </a:spcAft>
-                      </a:pPr>
-                      <a:r>
-                        <a:rPr lang="es-EC" sz="1200" dirty="0">
-                          <a:effectLst/>
-                        </a:rPr>
-                        <a:t>Código Sección</a:t>
-                      </a:r>
-                      <a:endParaRPr lang="es-EC" sz="1200" dirty="0">
-                        <a:effectLst/>
-                        <a:latin typeface="Calibri" panose="020F0502020204030204" pitchFamily="34" charset="0"/>
-                        <a:ea typeface="Calibri" panose="020F0502020204030204" pitchFamily="34" charset="0"/>
-                        <a:cs typeface="Times New Roman" panose="02020603050405020304" pitchFamily="18" charset="0"/>
-                      </a:endParaRPr>
-                    </a:p>
-                  </a:txBody>
-                  <a:tcPr marL="44450" marR="44450" marT="0" marB="0" anchor="ctr"/>
-                </a:tc>
-                <a:tc gridSpan="4">
-                  <a:txBody>
-                    <a:bodyPr/>
-                    <a:lstStyle/>
-                    <a:p>
-                      <a:pPr algn="ctr">
-                        <a:spcAft>
-                          <a:spcPts val="0"/>
-                        </a:spcAft>
-                      </a:pPr>
-                      <a:r>
-                        <a:rPr lang="es-EC" sz="1200">
-                          <a:effectLst/>
-                        </a:rPr>
-                        <a:t>TAMAÑO DE EMPRESA</a:t>
-                      </a:r>
-                      <a:endParaRPr lang="es-EC" sz="1200">
-                        <a:effectLst/>
-                        <a:latin typeface="Calibri" panose="020F0502020204030204" pitchFamily="34" charset="0"/>
-                        <a:ea typeface="Calibri" panose="020F0502020204030204" pitchFamily="34" charset="0"/>
-                        <a:cs typeface="Times New Roman" panose="02020603050405020304" pitchFamily="18" charset="0"/>
-                      </a:endParaRPr>
-                    </a:p>
-                  </a:txBody>
-                  <a:tcPr marL="44450" marR="44450" marT="0" marB="0" anchor="ctr"/>
-                </a:tc>
-                <a:tc hMerge="1">
-                  <a:txBody>
-                    <a:bodyPr/>
-                    <a:lstStyle/>
-                    <a:p>
-                      <a:endParaRPr lang="es-EC"/>
-                    </a:p>
-                  </a:txBody>
-                  <a:tcPr/>
-                </a:tc>
-                <a:tc hMerge="1">
-                  <a:txBody>
-                    <a:bodyPr/>
-                    <a:lstStyle/>
-                    <a:p>
-                      <a:endParaRPr lang="es-EC"/>
-                    </a:p>
-                  </a:txBody>
-                  <a:tcPr/>
-                </a:tc>
-                <a:tc hMerge="1">
-                  <a:txBody>
-                    <a:bodyPr/>
-                    <a:lstStyle/>
-                    <a:p>
-                      <a:endParaRPr lang="es-EC"/>
-                    </a:p>
-                  </a:txBody>
-                  <a:tcPr/>
-                </a:tc>
-                <a:tc rowSpan="2">
-                  <a:txBody>
-                    <a:bodyPr/>
-                    <a:lstStyle/>
-                    <a:p>
-                      <a:pPr algn="ctr">
-                        <a:spcAft>
-                          <a:spcPts val="0"/>
-                        </a:spcAft>
-                      </a:pPr>
-                      <a:r>
-                        <a:rPr lang="es-EC" sz="1200">
-                          <a:effectLst/>
-                        </a:rPr>
-                        <a:t>Total</a:t>
-                      </a:r>
-                      <a:endParaRPr lang="es-EC" sz="1200">
-                        <a:effectLst/>
-                        <a:latin typeface="Calibri" panose="020F0502020204030204" pitchFamily="34" charset="0"/>
-                        <a:ea typeface="Calibri" panose="020F0502020204030204" pitchFamily="34" charset="0"/>
-                        <a:cs typeface="Times New Roman" panose="02020603050405020304" pitchFamily="18" charset="0"/>
-                      </a:endParaRPr>
-                    </a:p>
-                  </a:txBody>
-                  <a:tcPr marL="44450" marR="44450" marT="0" marB="0" anchor="ctr"/>
-                </a:tc>
-              </a:tr>
-              <a:tr h="474144">
-                <a:tc vMerge="1">
-                  <a:txBody>
-                    <a:bodyPr/>
-                    <a:lstStyle/>
-                    <a:p>
-                      <a:endParaRPr lang="es-EC"/>
-                    </a:p>
-                  </a:txBody>
-                  <a:tcPr/>
-                </a:tc>
-                <a:tc>
-                  <a:txBody>
-                    <a:bodyPr/>
-                    <a:lstStyle/>
-                    <a:p>
-                      <a:pPr algn="ctr">
-                        <a:spcAft>
-                          <a:spcPts val="0"/>
-                        </a:spcAft>
-                      </a:pPr>
-                      <a:r>
-                        <a:rPr lang="es-EC" sz="1200">
-                          <a:effectLst/>
-                        </a:rPr>
-                        <a:t>Pequeña </a:t>
-                      </a:r>
-                    </a:p>
-                    <a:p>
-                      <a:pPr algn="ctr">
-                        <a:spcAft>
-                          <a:spcPts val="0"/>
-                        </a:spcAft>
-                      </a:pPr>
-                      <a:r>
-                        <a:rPr lang="es-EC" sz="1200">
-                          <a:effectLst/>
-                        </a:rPr>
-                        <a:t>empresa</a:t>
-                      </a:r>
-                      <a:endParaRPr lang="es-EC" sz="1200">
-                        <a:effectLst/>
-                        <a:latin typeface="Calibri" panose="020F0502020204030204" pitchFamily="34" charset="0"/>
-                        <a:ea typeface="Calibri" panose="020F0502020204030204" pitchFamily="34" charset="0"/>
-                        <a:cs typeface="Times New Roman" panose="02020603050405020304" pitchFamily="18" charset="0"/>
-                      </a:endParaRPr>
-                    </a:p>
-                  </a:txBody>
-                  <a:tcPr marL="44450" marR="44450" marT="0" marB="0" anchor="ctr"/>
-                </a:tc>
-                <a:tc>
-                  <a:txBody>
-                    <a:bodyPr/>
-                    <a:lstStyle/>
-                    <a:p>
-                      <a:pPr algn="ctr">
-                        <a:spcAft>
-                          <a:spcPts val="0"/>
-                        </a:spcAft>
-                      </a:pPr>
-                      <a:r>
-                        <a:rPr lang="es-EC" sz="1200" dirty="0">
-                          <a:effectLst/>
-                        </a:rPr>
-                        <a:t>Mediana “A”</a:t>
-                      </a:r>
-                      <a:endParaRPr lang="es-EC" sz="1200" dirty="0">
-                        <a:effectLst/>
-                        <a:latin typeface="Calibri" panose="020F0502020204030204" pitchFamily="34" charset="0"/>
-                        <a:ea typeface="Calibri" panose="020F0502020204030204" pitchFamily="34" charset="0"/>
-                        <a:cs typeface="Times New Roman" panose="02020603050405020304" pitchFamily="18" charset="0"/>
-                      </a:endParaRPr>
-                    </a:p>
-                  </a:txBody>
-                  <a:tcPr marL="44450" marR="44450" marT="0" marB="0" anchor="ctr"/>
-                </a:tc>
-                <a:tc>
-                  <a:txBody>
-                    <a:bodyPr/>
-                    <a:lstStyle/>
-                    <a:p>
-                      <a:pPr algn="ctr">
-                        <a:spcAft>
-                          <a:spcPts val="0"/>
-                        </a:spcAft>
-                      </a:pPr>
-                      <a:r>
-                        <a:rPr lang="es-EC" sz="1200">
-                          <a:effectLst/>
-                        </a:rPr>
-                        <a:t>Mediana “B”</a:t>
-                      </a:r>
-                      <a:endParaRPr lang="es-EC" sz="1200">
-                        <a:effectLst/>
-                        <a:latin typeface="Calibri" panose="020F0502020204030204" pitchFamily="34" charset="0"/>
-                        <a:ea typeface="Calibri" panose="020F0502020204030204" pitchFamily="34" charset="0"/>
-                        <a:cs typeface="Times New Roman" panose="02020603050405020304" pitchFamily="18" charset="0"/>
-                      </a:endParaRPr>
-                    </a:p>
-                  </a:txBody>
-                  <a:tcPr marL="44450" marR="44450" marT="0" marB="0" anchor="ctr"/>
-                </a:tc>
-                <a:tc>
-                  <a:txBody>
-                    <a:bodyPr/>
-                    <a:lstStyle/>
-                    <a:p>
-                      <a:pPr algn="ctr">
-                        <a:spcAft>
-                          <a:spcPts val="0"/>
-                        </a:spcAft>
-                      </a:pPr>
-                      <a:r>
-                        <a:rPr lang="es-EC" sz="1200">
-                          <a:effectLst/>
-                        </a:rPr>
-                        <a:t>Grande</a:t>
-                      </a:r>
-                    </a:p>
-                    <a:p>
-                      <a:pPr algn="ctr">
-                        <a:spcAft>
-                          <a:spcPts val="0"/>
-                        </a:spcAft>
-                      </a:pPr>
-                      <a:r>
-                        <a:rPr lang="es-EC" sz="1200">
-                          <a:effectLst/>
-                        </a:rPr>
-                        <a:t>Empresa</a:t>
-                      </a:r>
-                      <a:endParaRPr lang="es-EC" sz="1200">
-                        <a:effectLst/>
-                        <a:latin typeface="Calibri" panose="020F0502020204030204" pitchFamily="34" charset="0"/>
-                        <a:ea typeface="Calibri" panose="020F0502020204030204" pitchFamily="34" charset="0"/>
-                        <a:cs typeface="Times New Roman" panose="02020603050405020304" pitchFamily="18" charset="0"/>
-                      </a:endParaRPr>
-                    </a:p>
-                  </a:txBody>
-                  <a:tcPr marL="44450" marR="44450" marT="0" marB="0" anchor="ctr"/>
-                </a:tc>
-                <a:tc vMerge="1">
-                  <a:txBody>
-                    <a:bodyPr/>
-                    <a:lstStyle/>
-                    <a:p>
-                      <a:endParaRPr lang="es-EC"/>
-                    </a:p>
-                  </a:txBody>
-                  <a:tcPr/>
-                </a:tc>
-              </a:tr>
-              <a:tr h="246951">
-                <a:tc>
-                  <a:txBody>
-                    <a:bodyPr/>
-                    <a:lstStyle/>
-                    <a:p>
-                      <a:pPr algn="ctr">
-                        <a:spcAft>
-                          <a:spcPts val="0"/>
-                        </a:spcAft>
-                      </a:pPr>
-                      <a:r>
-                        <a:rPr lang="es-EC" sz="1200">
-                          <a:effectLst/>
-                        </a:rPr>
-                        <a:t>A</a:t>
-                      </a:r>
-                      <a:endParaRPr lang="es-EC" sz="1200">
-                        <a:effectLst/>
-                        <a:latin typeface="Calibri" panose="020F0502020204030204" pitchFamily="34" charset="0"/>
-                        <a:ea typeface="Calibri" panose="020F0502020204030204" pitchFamily="34" charset="0"/>
-                        <a:cs typeface="Times New Roman" panose="02020603050405020304" pitchFamily="18" charset="0"/>
-                      </a:endParaRPr>
-                    </a:p>
-                  </a:txBody>
-                  <a:tcPr marL="44450" marR="44450" marT="0" marB="0" anchor="b"/>
-                </a:tc>
-                <a:tc>
-                  <a:txBody>
-                    <a:bodyPr/>
-                    <a:lstStyle/>
-                    <a:p>
-                      <a:pPr algn="ctr">
-                        <a:spcAft>
-                          <a:spcPts val="0"/>
-                        </a:spcAft>
-                      </a:pPr>
-                      <a:r>
-                        <a:rPr lang="es-EC" sz="1200">
-                          <a:effectLst/>
-                        </a:rPr>
-                        <a:t>116</a:t>
-                      </a:r>
-                      <a:endParaRPr lang="es-EC" sz="1200">
-                        <a:effectLst/>
-                        <a:latin typeface="Calibri" panose="020F0502020204030204" pitchFamily="34" charset="0"/>
-                        <a:ea typeface="Calibri" panose="020F0502020204030204" pitchFamily="34" charset="0"/>
-                        <a:cs typeface="Times New Roman" panose="02020603050405020304" pitchFamily="18" charset="0"/>
-                      </a:endParaRPr>
-                    </a:p>
-                  </a:txBody>
-                  <a:tcPr marL="44450" marR="44450" marT="0" marB="0" anchor="ctr"/>
-                </a:tc>
-                <a:tc>
-                  <a:txBody>
-                    <a:bodyPr/>
-                    <a:lstStyle/>
-                    <a:p>
-                      <a:pPr algn="ctr">
-                        <a:spcAft>
-                          <a:spcPts val="0"/>
-                        </a:spcAft>
-                      </a:pPr>
-                      <a:r>
-                        <a:rPr lang="es-EC" sz="1200">
-                          <a:effectLst/>
-                        </a:rPr>
-                        <a:t>39</a:t>
-                      </a:r>
-                      <a:endParaRPr lang="es-EC" sz="1200">
-                        <a:effectLst/>
-                        <a:latin typeface="Calibri" panose="020F0502020204030204" pitchFamily="34" charset="0"/>
-                        <a:ea typeface="Calibri" panose="020F0502020204030204" pitchFamily="34" charset="0"/>
-                        <a:cs typeface="Times New Roman" panose="02020603050405020304" pitchFamily="18" charset="0"/>
-                      </a:endParaRPr>
-                    </a:p>
-                  </a:txBody>
-                  <a:tcPr marL="44450" marR="44450" marT="0" marB="0" anchor="ctr"/>
-                </a:tc>
-                <a:tc>
-                  <a:txBody>
-                    <a:bodyPr/>
-                    <a:lstStyle/>
-                    <a:p>
-                      <a:pPr algn="ctr">
-                        <a:spcAft>
-                          <a:spcPts val="0"/>
-                        </a:spcAft>
-                      </a:pPr>
-                      <a:r>
-                        <a:rPr lang="es-EC" sz="1200">
-                          <a:effectLst/>
-                        </a:rPr>
-                        <a:t>43</a:t>
-                      </a:r>
-                      <a:endParaRPr lang="es-EC" sz="1200">
-                        <a:effectLst/>
-                        <a:latin typeface="Calibri" panose="020F0502020204030204" pitchFamily="34" charset="0"/>
-                        <a:ea typeface="Calibri" panose="020F0502020204030204" pitchFamily="34" charset="0"/>
-                        <a:cs typeface="Times New Roman" panose="02020603050405020304" pitchFamily="18" charset="0"/>
-                      </a:endParaRPr>
-                    </a:p>
-                  </a:txBody>
-                  <a:tcPr marL="44450" marR="44450" marT="0" marB="0" anchor="ctr"/>
-                </a:tc>
-                <a:tc>
-                  <a:txBody>
-                    <a:bodyPr/>
-                    <a:lstStyle/>
-                    <a:p>
-                      <a:pPr algn="ctr">
-                        <a:spcAft>
-                          <a:spcPts val="0"/>
-                        </a:spcAft>
-                      </a:pPr>
-                      <a:r>
-                        <a:rPr lang="es-EC" sz="1200">
-                          <a:effectLst/>
-                        </a:rPr>
-                        <a:t>44</a:t>
-                      </a:r>
-                      <a:endParaRPr lang="es-EC" sz="1200">
-                        <a:effectLst/>
-                        <a:latin typeface="Calibri" panose="020F0502020204030204" pitchFamily="34" charset="0"/>
-                        <a:ea typeface="Calibri" panose="020F0502020204030204" pitchFamily="34" charset="0"/>
-                        <a:cs typeface="Times New Roman" panose="02020603050405020304" pitchFamily="18" charset="0"/>
-                      </a:endParaRPr>
-                    </a:p>
-                  </a:txBody>
-                  <a:tcPr marL="44450" marR="44450" marT="0" marB="0" anchor="ctr"/>
-                </a:tc>
-                <a:tc>
-                  <a:txBody>
-                    <a:bodyPr/>
-                    <a:lstStyle/>
-                    <a:p>
-                      <a:pPr algn="ctr">
-                        <a:spcAft>
-                          <a:spcPts val="0"/>
-                        </a:spcAft>
-                      </a:pPr>
-                      <a:r>
-                        <a:rPr lang="es-EC" sz="1200">
-                          <a:effectLst/>
-                        </a:rPr>
-                        <a:t>242</a:t>
-                      </a:r>
-                      <a:endParaRPr lang="es-EC" sz="1200">
-                        <a:effectLst/>
-                        <a:latin typeface="Calibri" panose="020F0502020204030204" pitchFamily="34" charset="0"/>
-                        <a:ea typeface="Calibri" panose="020F0502020204030204" pitchFamily="34" charset="0"/>
-                        <a:cs typeface="Times New Roman" panose="02020603050405020304" pitchFamily="18" charset="0"/>
-                      </a:endParaRPr>
-                    </a:p>
-                  </a:txBody>
-                  <a:tcPr marL="44450" marR="44450" marT="0" marB="0" anchor="ctr"/>
-                </a:tc>
-              </a:tr>
-              <a:tr h="246951">
-                <a:tc>
-                  <a:txBody>
-                    <a:bodyPr/>
-                    <a:lstStyle/>
-                    <a:p>
-                      <a:pPr algn="ctr">
-                        <a:spcAft>
-                          <a:spcPts val="0"/>
-                        </a:spcAft>
-                      </a:pPr>
-                      <a:r>
-                        <a:rPr lang="es-EC" sz="1200">
-                          <a:effectLst/>
-                        </a:rPr>
-                        <a:t>B</a:t>
-                      </a:r>
-                      <a:endParaRPr lang="es-EC" sz="1200">
-                        <a:effectLst/>
-                        <a:latin typeface="Calibri" panose="020F0502020204030204" pitchFamily="34" charset="0"/>
-                        <a:ea typeface="Calibri" panose="020F0502020204030204" pitchFamily="34" charset="0"/>
-                        <a:cs typeface="Times New Roman" panose="02020603050405020304" pitchFamily="18" charset="0"/>
-                      </a:endParaRPr>
-                    </a:p>
-                  </a:txBody>
-                  <a:tcPr marL="44450" marR="44450" marT="0" marB="0" anchor="b"/>
-                </a:tc>
-                <a:tc>
-                  <a:txBody>
-                    <a:bodyPr/>
-                    <a:lstStyle/>
-                    <a:p>
-                      <a:pPr algn="ctr">
-                        <a:spcAft>
-                          <a:spcPts val="0"/>
-                        </a:spcAft>
-                      </a:pPr>
-                      <a:r>
-                        <a:rPr lang="es-EC" sz="1200">
-                          <a:effectLst/>
-                        </a:rPr>
-                        <a:t>213</a:t>
-                      </a:r>
-                      <a:endParaRPr lang="es-EC" sz="1200">
-                        <a:effectLst/>
-                        <a:latin typeface="Calibri" panose="020F0502020204030204" pitchFamily="34" charset="0"/>
-                        <a:ea typeface="Calibri" panose="020F0502020204030204" pitchFamily="34" charset="0"/>
-                        <a:cs typeface="Times New Roman" panose="02020603050405020304" pitchFamily="18" charset="0"/>
-                      </a:endParaRPr>
-                    </a:p>
-                  </a:txBody>
-                  <a:tcPr marL="44450" marR="44450" marT="0" marB="0" anchor="ctr"/>
-                </a:tc>
-                <a:tc>
-                  <a:txBody>
-                    <a:bodyPr/>
-                    <a:lstStyle/>
-                    <a:p>
-                      <a:pPr algn="ctr">
-                        <a:spcAft>
-                          <a:spcPts val="0"/>
-                        </a:spcAft>
-                      </a:pPr>
-                      <a:r>
-                        <a:rPr lang="es-EC" sz="1200">
-                          <a:effectLst/>
-                        </a:rPr>
-                        <a:t>35</a:t>
-                      </a:r>
-                      <a:endParaRPr lang="es-EC" sz="1200">
-                        <a:effectLst/>
-                        <a:latin typeface="Calibri" panose="020F0502020204030204" pitchFamily="34" charset="0"/>
-                        <a:ea typeface="Calibri" panose="020F0502020204030204" pitchFamily="34" charset="0"/>
-                        <a:cs typeface="Times New Roman" panose="02020603050405020304" pitchFamily="18" charset="0"/>
-                      </a:endParaRPr>
-                    </a:p>
-                  </a:txBody>
-                  <a:tcPr marL="44450" marR="44450" marT="0" marB="0" anchor="ctr"/>
-                </a:tc>
-                <a:tc>
-                  <a:txBody>
-                    <a:bodyPr/>
-                    <a:lstStyle/>
-                    <a:p>
-                      <a:pPr algn="ctr">
-                        <a:spcAft>
-                          <a:spcPts val="0"/>
-                        </a:spcAft>
-                      </a:pPr>
-                      <a:r>
-                        <a:rPr lang="es-EC" sz="1200">
-                          <a:effectLst/>
-                        </a:rPr>
-                        <a:t>27</a:t>
-                      </a:r>
-                      <a:endParaRPr lang="es-EC" sz="1200">
-                        <a:effectLst/>
-                        <a:latin typeface="Calibri" panose="020F0502020204030204" pitchFamily="34" charset="0"/>
-                        <a:ea typeface="Calibri" panose="020F0502020204030204" pitchFamily="34" charset="0"/>
-                        <a:cs typeface="Times New Roman" panose="02020603050405020304" pitchFamily="18" charset="0"/>
-                      </a:endParaRPr>
-                    </a:p>
-                  </a:txBody>
-                  <a:tcPr marL="44450" marR="44450" marT="0" marB="0" anchor="ctr"/>
-                </a:tc>
-                <a:tc>
-                  <a:txBody>
-                    <a:bodyPr/>
-                    <a:lstStyle/>
-                    <a:p>
-                      <a:pPr algn="ctr">
-                        <a:spcAft>
-                          <a:spcPts val="0"/>
-                        </a:spcAft>
-                      </a:pPr>
-                      <a:r>
-                        <a:rPr lang="es-EC" sz="1200">
-                          <a:effectLst/>
-                        </a:rPr>
-                        <a:t>41</a:t>
-                      </a:r>
-                      <a:endParaRPr lang="es-EC" sz="1200">
-                        <a:effectLst/>
-                        <a:latin typeface="Calibri" panose="020F0502020204030204" pitchFamily="34" charset="0"/>
-                        <a:ea typeface="Calibri" panose="020F0502020204030204" pitchFamily="34" charset="0"/>
-                        <a:cs typeface="Times New Roman" panose="02020603050405020304" pitchFamily="18" charset="0"/>
-                      </a:endParaRPr>
-                    </a:p>
-                  </a:txBody>
-                  <a:tcPr marL="44450" marR="44450" marT="0" marB="0" anchor="ctr"/>
-                </a:tc>
-                <a:tc>
-                  <a:txBody>
-                    <a:bodyPr/>
-                    <a:lstStyle/>
-                    <a:p>
-                      <a:pPr algn="ctr">
-                        <a:spcAft>
-                          <a:spcPts val="0"/>
-                        </a:spcAft>
-                      </a:pPr>
-                      <a:r>
-                        <a:rPr lang="es-EC" sz="1200">
-                          <a:effectLst/>
-                        </a:rPr>
-                        <a:t>316</a:t>
-                      </a:r>
-                      <a:endParaRPr lang="es-EC" sz="1200">
-                        <a:effectLst/>
-                        <a:latin typeface="Calibri" panose="020F0502020204030204" pitchFamily="34" charset="0"/>
-                        <a:ea typeface="Calibri" panose="020F0502020204030204" pitchFamily="34" charset="0"/>
-                        <a:cs typeface="Times New Roman" panose="02020603050405020304" pitchFamily="18" charset="0"/>
-                      </a:endParaRPr>
-                    </a:p>
-                  </a:txBody>
-                  <a:tcPr marL="44450" marR="44450" marT="0" marB="0" anchor="ctr"/>
-                </a:tc>
-              </a:tr>
-              <a:tr h="246951">
-                <a:tc>
-                  <a:txBody>
-                    <a:bodyPr/>
-                    <a:lstStyle/>
-                    <a:p>
-                      <a:pPr algn="ctr">
-                        <a:spcAft>
-                          <a:spcPts val="0"/>
-                        </a:spcAft>
-                      </a:pPr>
-                      <a:r>
-                        <a:rPr lang="es-EC" sz="1200">
-                          <a:effectLst/>
-                        </a:rPr>
-                        <a:t>C</a:t>
-                      </a:r>
-                      <a:endParaRPr lang="es-EC" sz="1200">
-                        <a:effectLst/>
-                        <a:latin typeface="Calibri" panose="020F0502020204030204" pitchFamily="34" charset="0"/>
-                        <a:ea typeface="Calibri" panose="020F0502020204030204" pitchFamily="34" charset="0"/>
-                        <a:cs typeface="Times New Roman" panose="02020603050405020304" pitchFamily="18" charset="0"/>
-                      </a:endParaRPr>
-                    </a:p>
-                  </a:txBody>
-                  <a:tcPr marL="44450" marR="44450" marT="0" marB="0" anchor="b"/>
-                </a:tc>
-                <a:tc>
-                  <a:txBody>
-                    <a:bodyPr/>
-                    <a:lstStyle/>
-                    <a:p>
-                      <a:pPr algn="ctr">
-                        <a:spcAft>
-                          <a:spcPts val="0"/>
-                        </a:spcAft>
-                      </a:pPr>
-                      <a:r>
-                        <a:rPr lang="es-EC" sz="1200">
-                          <a:effectLst/>
-                        </a:rPr>
-                        <a:t>2.281</a:t>
-                      </a:r>
-                      <a:endParaRPr lang="es-EC" sz="1200">
-                        <a:effectLst/>
-                        <a:latin typeface="Calibri" panose="020F0502020204030204" pitchFamily="34" charset="0"/>
-                        <a:ea typeface="Calibri" panose="020F0502020204030204" pitchFamily="34" charset="0"/>
-                        <a:cs typeface="Times New Roman" panose="02020603050405020304" pitchFamily="18" charset="0"/>
-                      </a:endParaRPr>
-                    </a:p>
-                  </a:txBody>
-                  <a:tcPr marL="44450" marR="44450" marT="0" marB="0" anchor="ctr"/>
-                </a:tc>
-                <a:tc>
-                  <a:txBody>
-                    <a:bodyPr/>
-                    <a:lstStyle/>
-                    <a:p>
-                      <a:pPr algn="ctr">
-                        <a:spcAft>
-                          <a:spcPts val="0"/>
-                        </a:spcAft>
-                      </a:pPr>
-                      <a:r>
-                        <a:rPr lang="es-EC" sz="1200">
-                          <a:effectLst/>
-                        </a:rPr>
-                        <a:t>461</a:t>
-                      </a:r>
-                      <a:endParaRPr lang="es-EC" sz="1200">
-                        <a:effectLst/>
-                        <a:latin typeface="Calibri" panose="020F0502020204030204" pitchFamily="34" charset="0"/>
-                        <a:ea typeface="Calibri" panose="020F0502020204030204" pitchFamily="34" charset="0"/>
-                        <a:cs typeface="Times New Roman" panose="02020603050405020304" pitchFamily="18" charset="0"/>
-                      </a:endParaRPr>
-                    </a:p>
-                  </a:txBody>
-                  <a:tcPr marL="44450" marR="44450" marT="0" marB="0" anchor="ctr"/>
-                </a:tc>
-                <a:tc>
-                  <a:txBody>
-                    <a:bodyPr/>
-                    <a:lstStyle/>
-                    <a:p>
-                      <a:pPr algn="ctr">
-                        <a:spcAft>
-                          <a:spcPts val="0"/>
-                        </a:spcAft>
-                      </a:pPr>
-                      <a:r>
-                        <a:rPr lang="es-EC" sz="1200">
-                          <a:effectLst/>
-                        </a:rPr>
-                        <a:t>341</a:t>
-                      </a:r>
-                      <a:endParaRPr lang="es-EC" sz="1200">
-                        <a:effectLst/>
-                        <a:latin typeface="Calibri" panose="020F0502020204030204" pitchFamily="34" charset="0"/>
-                        <a:ea typeface="Calibri" panose="020F0502020204030204" pitchFamily="34" charset="0"/>
-                        <a:cs typeface="Times New Roman" panose="02020603050405020304" pitchFamily="18" charset="0"/>
-                      </a:endParaRPr>
-                    </a:p>
-                  </a:txBody>
-                  <a:tcPr marL="44450" marR="44450" marT="0" marB="0" anchor="ctr"/>
-                </a:tc>
-                <a:tc>
-                  <a:txBody>
-                    <a:bodyPr/>
-                    <a:lstStyle/>
-                    <a:p>
-                      <a:pPr algn="ctr">
-                        <a:spcAft>
-                          <a:spcPts val="0"/>
-                        </a:spcAft>
-                      </a:pPr>
-                      <a:r>
-                        <a:rPr lang="es-EC" sz="1200">
-                          <a:effectLst/>
-                        </a:rPr>
-                        <a:t>602</a:t>
-                      </a:r>
-                      <a:endParaRPr lang="es-EC" sz="1200">
-                        <a:effectLst/>
-                        <a:latin typeface="Calibri" panose="020F0502020204030204" pitchFamily="34" charset="0"/>
-                        <a:ea typeface="Calibri" panose="020F0502020204030204" pitchFamily="34" charset="0"/>
-                        <a:cs typeface="Times New Roman" panose="02020603050405020304" pitchFamily="18" charset="0"/>
-                      </a:endParaRPr>
-                    </a:p>
-                  </a:txBody>
-                  <a:tcPr marL="44450" marR="44450" marT="0" marB="0" anchor="ctr"/>
-                </a:tc>
-                <a:tc>
-                  <a:txBody>
-                    <a:bodyPr/>
-                    <a:lstStyle/>
-                    <a:p>
-                      <a:pPr algn="ctr">
-                        <a:spcAft>
-                          <a:spcPts val="0"/>
-                        </a:spcAft>
-                      </a:pPr>
-                      <a:r>
-                        <a:rPr lang="es-EC" sz="1200">
-                          <a:effectLst/>
-                        </a:rPr>
-                        <a:t>3.685</a:t>
-                      </a:r>
-                      <a:endParaRPr lang="es-EC" sz="1200">
-                        <a:effectLst/>
-                        <a:latin typeface="Calibri" panose="020F0502020204030204" pitchFamily="34" charset="0"/>
-                        <a:ea typeface="Calibri" panose="020F0502020204030204" pitchFamily="34" charset="0"/>
-                        <a:cs typeface="Times New Roman" panose="02020603050405020304" pitchFamily="18" charset="0"/>
-                      </a:endParaRPr>
-                    </a:p>
-                  </a:txBody>
-                  <a:tcPr marL="44450" marR="44450" marT="0" marB="0" anchor="ctr"/>
-                </a:tc>
-              </a:tr>
-              <a:tr h="246951">
-                <a:tc>
-                  <a:txBody>
-                    <a:bodyPr/>
-                    <a:lstStyle/>
-                    <a:p>
-                      <a:pPr algn="ctr">
-                        <a:spcAft>
-                          <a:spcPts val="0"/>
-                        </a:spcAft>
-                      </a:pPr>
-                      <a:r>
-                        <a:rPr lang="es-EC" sz="1200">
-                          <a:effectLst/>
-                        </a:rPr>
-                        <a:t>E</a:t>
-                      </a:r>
-                      <a:endParaRPr lang="es-EC" sz="1200">
-                        <a:effectLst/>
-                        <a:latin typeface="Calibri" panose="020F0502020204030204" pitchFamily="34" charset="0"/>
-                        <a:ea typeface="Calibri" panose="020F0502020204030204" pitchFamily="34" charset="0"/>
-                        <a:cs typeface="Times New Roman" panose="02020603050405020304" pitchFamily="18" charset="0"/>
-                      </a:endParaRPr>
-                    </a:p>
-                  </a:txBody>
-                  <a:tcPr marL="44450" marR="44450" marT="0" marB="0" anchor="b"/>
-                </a:tc>
-                <a:tc>
-                  <a:txBody>
-                    <a:bodyPr/>
-                    <a:lstStyle/>
-                    <a:p>
-                      <a:pPr algn="ctr">
-                        <a:spcAft>
-                          <a:spcPts val="0"/>
-                        </a:spcAft>
-                      </a:pPr>
-                      <a:r>
-                        <a:rPr lang="es-EC" sz="1200">
-                          <a:effectLst/>
-                        </a:rPr>
-                        <a:t>31</a:t>
-                      </a:r>
-                      <a:endParaRPr lang="es-EC" sz="1200">
-                        <a:effectLst/>
-                        <a:latin typeface="Calibri" panose="020F0502020204030204" pitchFamily="34" charset="0"/>
-                        <a:ea typeface="Calibri" panose="020F0502020204030204" pitchFamily="34" charset="0"/>
-                        <a:cs typeface="Times New Roman" panose="02020603050405020304" pitchFamily="18" charset="0"/>
-                      </a:endParaRPr>
-                    </a:p>
-                  </a:txBody>
-                  <a:tcPr marL="44450" marR="44450" marT="0" marB="0" anchor="ctr"/>
-                </a:tc>
-                <a:tc>
-                  <a:txBody>
-                    <a:bodyPr/>
-                    <a:lstStyle/>
-                    <a:p>
-                      <a:pPr algn="ctr">
-                        <a:spcAft>
-                          <a:spcPts val="0"/>
-                        </a:spcAft>
-                      </a:pPr>
-                      <a:r>
-                        <a:rPr lang="es-EC" sz="1200">
-                          <a:effectLst/>
-                        </a:rPr>
-                        <a:t>3</a:t>
-                      </a:r>
-                      <a:endParaRPr lang="es-EC" sz="1200">
-                        <a:effectLst/>
-                        <a:latin typeface="Calibri" panose="020F0502020204030204" pitchFamily="34" charset="0"/>
-                        <a:ea typeface="Calibri" panose="020F0502020204030204" pitchFamily="34" charset="0"/>
-                        <a:cs typeface="Times New Roman" panose="02020603050405020304" pitchFamily="18" charset="0"/>
-                      </a:endParaRPr>
-                    </a:p>
-                  </a:txBody>
-                  <a:tcPr marL="44450" marR="44450" marT="0" marB="0" anchor="ctr"/>
-                </a:tc>
-                <a:tc>
-                  <a:txBody>
-                    <a:bodyPr/>
-                    <a:lstStyle/>
-                    <a:p>
-                      <a:pPr algn="ctr">
-                        <a:spcAft>
-                          <a:spcPts val="0"/>
-                        </a:spcAft>
-                      </a:pPr>
-                      <a:r>
-                        <a:rPr lang="es-EC" sz="1200">
-                          <a:effectLst/>
-                        </a:rPr>
-                        <a:t>3</a:t>
-                      </a:r>
-                      <a:endParaRPr lang="es-EC" sz="1200">
-                        <a:effectLst/>
-                        <a:latin typeface="Calibri" panose="020F0502020204030204" pitchFamily="34" charset="0"/>
-                        <a:ea typeface="Calibri" panose="020F0502020204030204" pitchFamily="34" charset="0"/>
-                        <a:cs typeface="Times New Roman" panose="02020603050405020304" pitchFamily="18" charset="0"/>
-                      </a:endParaRPr>
-                    </a:p>
-                  </a:txBody>
-                  <a:tcPr marL="44450" marR="44450" marT="0" marB="0" anchor="ctr"/>
-                </a:tc>
-                <a:tc>
-                  <a:txBody>
-                    <a:bodyPr/>
-                    <a:lstStyle/>
-                    <a:p>
-                      <a:pPr algn="ctr">
-                        <a:spcAft>
-                          <a:spcPts val="0"/>
-                        </a:spcAft>
-                      </a:pPr>
-                      <a:r>
-                        <a:rPr lang="es-EC" sz="1200">
-                          <a:effectLst/>
-                        </a:rPr>
-                        <a:t>2</a:t>
-                      </a:r>
-                      <a:endParaRPr lang="es-EC" sz="1200">
-                        <a:effectLst/>
-                        <a:latin typeface="Calibri" panose="020F0502020204030204" pitchFamily="34" charset="0"/>
-                        <a:ea typeface="Calibri" panose="020F0502020204030204" pitchFamily="34" charset="0"/>
-                        <a:cs typeface="Times New Roman" panose="02020603050405020304" pitchFamily="18" charset="0"/>
-                      </a:endParaRPr>
-                    </a:p>
-                  </a:txBody>
-                  <a:tcPr marL="44450" marR="44450" marT="0" marB="0" anchor="ctr"/>
-                </a:tc>
-                <a:tc>
-                  <a:txBody>
-                    <a:bodyPr/>
-                    <a:lstStyle/>
-                    <a:p>
-                      <a:pPr algn="ctr">
-                        <a:spcAft>
-                          <a:spcPts val="0"/>
-                        </a:spcAft>
-                      </a:pPr>
-                      <a:r>
-                        <a:rPr lang="es-EC" sz="1200">
-                          <a:effectLst/>
-                        </a:rPr>
-                        <a:t>39</a:t>
-                      </a:r>
-                      <a:endParaRPr lang="es-EC" sz="1200">
-                        <a:effectLst/>
-                        <a:latin typeface="Calibri" panose="020F0502020204030204" pitchFamily="34" charset="0"/>
-                        <a:ea typeface="Calibri" panose="020F0502020204030204" pitchFamily="34" charset="0"/>
-                        <a:cs typeface="Times New Roman" panose="02020603050405020304" pitchFamily="18" charset="0"/>
-                      </a:endParaRPr>
-                    </a:p>
-                  </a:txBody>
-                  <a:tcPr marL="44450" marR="44450" marT="0" marB="0" anchor="ctr"/>
-                </a:tc>
-              </a:tr>
-              <a:tr h="246951">
-                <a:tc>
-                  <a:txBody>
-                    <a:bodyPr/>
-                    <a:lstStyle/>
-                    <a:p>
-                      <a:pPr algn="ctr">
-                        <a:spcAft>
-                          <a:spcPts val="0"/>
-                        </a:spcAft>
-                      </a:pPr>
-                      <a:r>
-                        <a:rPr lang="es-EC" sz="1200">
-                          <a:effectLst/>
-                        </a:rPr>
-                        <a:t>G</a:t>
-                      </a:r>
-                      <a:endParaRPr lang="es-EC" sz="1200">
-                        <a:effectLst/>
-                        <a:latin typeface="Calibri" panose="020F0502020204030204" pitchFamily="34" charset="0"/>
-                        <a:ea typeface="Calibri" panose="020F0502020204030204" pitchFamily="34" charset="0"/>
-                        <a:cs typeface="Times New Roman" panose="02020603050405020304" pitchFamily="18" charset="0"/>
-                      </a:endParaRPr>
-                    </a:p>
-                  </a:txBody>
-                  <a:tcPr marL="44450" marR="44450" marT="0" marB="0" anchor="b"/>
-                </a:tc>
-                <a:tc>
-                  <a:txBody>
-                    <a:bodyPr/>
-                    <a:lstStyle/>
-                    <a:p>
-                      <a:pPr algn="ctr">
-                        <a:spcAft>
-                          <a:spcPts val="0"/>
-                        </a:spcAft>
-                      </a:pPr>
-                      <a:r>
-                        <a:rPr lang="es-EC" sz="1200">
-                          <a:effectLst/>
-                        </a:rPr>
-                        <a:t>12</a:t>
-                      </a:r>
-                      <a:endParaRPr lang="es-EC" sz="1200">
-                        <a:effectLst/>
-                        <a:latin typeface="Calibri" panose="020F0502020204030204" pitchFamily="34" charset="0"/>
-                        <a:ea typeface="Calibri" panose="020F0502020204030204" pitchFamily="34" charset="0"/>
-                        <a:cs typeface="Times New Roman" panose="02020603050405020304" pitchFamily="18" charset="0"/>
-                      </a:endParaRPr>
-                    </a:p>
-                  </a:txBody>
-                  <a:tcPr marL="44450" marR="44450" marT="0" marB="0" anchor="ctr"/>
-                </a:tc>
-                <a:tc>
-                  <a:txBody>
-                    <a:bodyPr/>
-                    <a:lstStyle/>
-                    <a:p>
-                      <a:pPr algn="ctr">
-                        <a:spcAft>
-                          <a:spcPts val="0"/>
-                        </a:spcAft>
-                      </a:pPr>
-                      <a:r>
-                        <a:rPr lang="es-EC" sz="1200" dirty="0">
-                          <a:effectLst/>
-                        </a:rPr>
-                        <a:t>1</a:t>
-                      </a:r>
-                      <a:endParaRPr lang="es-EC" sz="1200" dirty="0">
-                        <a:effectLst/>
-                        <a:latin typeface="Calibri" panose="020F0502020204030204" pitchFamily="34" charset="0"/>
-                        <a:ea typeface="Calibri" panose="020F0502020204030204" pitchFamily="34" charset="0"/>
-                        <a:cs typeface="Times New Roman" panose="02020603050405020304" pitchFamily="18" charset="0"/>
-                      </a:endParaRPr>
-                    </a:p>
-                  </a:txBody>
-                  <a:tcPr marL="44450" marR="44450" marT="0" marB="0" anchor="ctr"/>
-                </a:tc>
-                <a:tc>
-                  <a:txBody>
-                    <a:bodyPr/>
-                    <a:lstStyle/>
-                    <a:p>
-                      <a:pPr algn="ctr">
-                        <a:spcAft>
-                          <a:spcPts val="0"/>
-                        </a:spcAft>
-                      </a:pPr>
-                      <a:r>
-                        <a:rPr lang="es-EC" sz="1200">
-                          <a:effectLst/>
-                        </a:rPr>
-                        <a:t>-</a:t>
-                      </a:r>
-                      <a:endParaRPr lang="es-EC" sz="1200">
-                        <a:effectLst/>
-                        <a:latin typeface="Calibri" panose="020F0502020204030204" pitchFamily="34" charset="0"/>
-                        <a:ea typeface="Calibri" panose="020F0502020204030204" pitchFamily="34" charset="0"/>
-                        <a:cs typeface="Times New Roman" panose="02020603050405020304" pitchFamily="18" charset="0"/>
-                      </a:endParaRPr>
-                    </a:p>
-                  </a:txBody>
-                  <a:tcPr marL="44450" marR="44450" marT="0" marB="0" anchor="ctr"/>
-                </a:tc>
-                <a:tc>
-                  <a:txBody>
-                    <a:bodyPr/>
-                    <a:lstStyle/>
-                    <a:p>
-                      <a:pPr algn="ctr">
-                        <a:spcAft>
-                          <a:spcPts val="0"/>
-                        </a:spcAft>
-                      </a:pPr>
-                      <a:r>
-                        <a:rPr lang="es-EC" sz="1200">
-                          <a:effectLst/>
-                        </a:rPr>
-                        <a:t>-</a:t>
-                      </a:r>
-                      <a:endParaRPr lang="es-EC" sz="1200">
-                        <a:effectLst/>
-                        <a:latin typeface="Calibri" panose="020F0502020204030204" pitchFamily="34" charset="0"/>
-                        <a:ea typeface="Calibri" panose="020F0502020204030204" pitchFamily="34" charset="0"/>
-                        <a:cs typeface="Times New Roman" panose="02020603050405020304" pitchFamily="18" charset="0"/>
-                      </a:endParaRPr>
-                    </a:p>
-                  </a:txBody>
-                  <a:tcPr marL="44450" marR="44450" marT="0" marB="0" anchor="ctr"/>
-                </a:tc>
-                <a:tc>
-                  <a:txBody>
-                    <a:bodyPr/>
-                    <a:lstStyle/>
-                    <a:p>
-                      <a:pPr algn="ctr">
-                        <a:spcAft>
-                          <a:spcPts val="0"/>
-                        </a:spcAft>
-                      </a:pPr>
-                      <a:r>
-                        <a:rPr lang="es-EC" sz="1200">
-                          <a:effectLst/>
-                        </a:rPr>
-                        <a:t>13</a:t>
-                      </a:r>
-                      <a:endParaRPr lang="es-EC" sz="1200">
-                        <a:effectLst/>
-                        <a:latin typeface="Calibri" panose="020F0502020204030204" pitchFamily="34" charset="0"/>
-                        <a:ea typeface="Calibri" panose="020F0502020204030204" pitchFamily="34" charset="0"/>
-                        <a:cs typeface="Times New Roman" panose="02020603050405020304" pitchFamily="18" charset="0"/>
-                      </a:endParaRPr>
-                    </a:p>
-                  </a:txBody>
-                  <a:tcPr marL="44450" marR="44450" marT="0" marB="0" anchor="ctr"/>
-                </a:tc>
-              </a:tr>
-              <a:tr h="246951">
-                <a:tc>
-                  <a:txBody>
-                    <a:bodyPr/>
-                    <a:lstStyle/>
-                    <a:p>
-                      <a:pPr algn="ctr">
-                        <a:spcAft>
-                          <a:spcPts val="0"/>
-                        </a:spcAft>
-                      </a:pPr>
-                      <a:r>
-                        <a:rPr lang="es-EC" sz="1200">
-                          <a:effectLst/>
-                        </a:rPr>
-                        <a:t>H</a:t>
-                      </a:r>
-                      <a:endParaRPr lang="es-EC" sz="1200">
-                        <a:effectLst/>
-                        <a:latin typeface="Calibri" panose="020F0502020204030204" pitchFamily="34" charset="0"/>
-                        <a:ea typeface="Calibri" panose="020F0502020204030204" pitchFamily="34" charset="0"/>
-                        <a:cs typeface="Times New Roman" panose="02020603050405020304" pitchFamily="18" charset="0"/>
-                      </a:endParaRPr>
-                    </a:p>
-                  </a:txBody>
-                  <a:tcPr marL="44450" marR="44450" marT="0" marB="0" anchor="b"/>
-                </a:tc>
-                <a:tc>
-                  <a:txBody>
-                    <a:bodyPr/>
-                    <a:lstStyle/>
-                    <a:p>
-                      <a:pPr algn="ctr">
-                        <a:spcAft>
-                          <a:spcPts val="0"/>
-                        </a:spcAft>
-                      </a:pPr>
-                      <a:r>
-                        <a:rPr lang="es-EC" sz="1200">
-                          <a:effectLst/>
-                        </a:rPr>
-                        <a:t>113</a:t>
-                      </a:r>
-                      <a:endParaRPr lang="es-EC" sz="1200">
-                        <a:effectLst/>
-                        <a:latin typeface="Calibri" panose="020F0502020204030204" pitchFamily="34" charset="0"/>
-                        <a:ea typeface="Calibri" panose="020F0502020204030204" pitchFamily="34" charset="0"/>
-                        <a:cs typeface="Times New Roman" panose="02020603050405020304" pitchFamily="18" charset="0"/>
-                      </a:endParaRPr>
-                    </a:p>
-                  </a:txBody>
-                  <a:tcPr marL="44450" marR="44450" marT="0" marB="0" anchor="ctr"/>
-                </a:tc>
-                <a:tc>
-                  <a:txBody>
-                    <a:bodyPr/>
-                    <a:lstStyle/>
-                    <a:p>
-                      <a:pPr algn="ctr">
-                        <a:spcAft>
-                          <a:spcPts val="0"/>
-                        </a:spcAft>
-                      </a:pPr>
-                      <a:r>
-                        <a:rPr lang="es-EC" sz="1200">
-                          <a:effectLst/>
-                        </a:rPr>
-                        <a:t>22</a:t>
-                      </a:r>
-                      <a:endParaRPr lang="es-EC" sz="1200">
-                        <a:effectLst/>
-                        <a:latin typeface="Calibri" panose="020F0502020204030204" pitchFamily="34" charset="0"/>
-                        <a:ea typeface="Calibri" panose="020F0502020204030204" pitchFamily="34" charset="0"/>
-                        <a:cs typeface="Times New Roman" panose="02020603050405020304" pitchFamily="18" charset="0"/>
-                      </a:endParaRPr>
-                    </a:p>
-                  </a:txBody>
-                  <a:tcPr marL="44450" marR="44450" marT="0" marB="0" anchor="ctr"/>
-                </a:tc>
-                <a:tc>
-                  <a:txBody>
-                    <a:bodyPr/>
-                    <a:lstStyle/>
-                    <a:p>
-                      <a:pPr algn="ctr">
-                        <a:spcAft>
-                          <a:spcPts val="0"/>
-                        </a:spcAft>
-                      </a:pPr>
-                      <a:r>
-                        <a:rPr lang="es-EC" sz="1200">
-                          <a:effectLst/>
-                        </a:rPr>
-                        <a:t>12</a:t>
-                      </a:r>
-                      <a:endParaRPr lang="es-EC" sz="1200">
-                        <a:effectLst/>
-                        <a:latin typeface="Calibri" panose="020F0502020204030204" pitchFamily="34" charset="0"/>
-                        <a:ea typeface="Calibri" panose="020F0502020204030204" pitchFamily="34" charset="0"/>
-                        <a:cs typeface="Times New Roman" panose="02020603050405020304" pitchFamily="18" charset="0"/>
-                      </a:endParaRPr>
-                    </a:p>
-                  </a:txBody>
-                  <a:tcPr marL="44450" marR="44450" marT="0" marB="0" anchor="ctr"/>
-                </a:tc>
-                <a:tc>
-                  <a:txBody>
-                    <a:bodyPr/>
-                    <a:lstStyle/>
-                    <a:p>
-                      <a:pPr algn="ctr">
-                        <a:spcAft>
-                          <a:spcPts val="0"/>
-                        </a:spcAft>
-                      </a:pPr>
-                      <a:r>
-                        <a:rPr lang="es-EC" sz="1200">
-                          <a:effectLst/>
-                        </a:rPr>
-                        <a:t>16</a:t>
-                      </a:r>
-                      <a:endParaRPr lang="es-EC" sz="1200">
-                        <a:effectLst/>
-                        <a:latin typeface="Calibri" panose="020F0502020204030204" pitchFamily="34" charset="0"/>
-                        <a:ea typeface="Calibri" panose="020F0502020204030204" pitchFamily="34" charset="0"/>
-                        <a:cs typeface="Times New Roman" panose="02020603050405020304" pitchFamily="18" charset="0"/>
-                      </a:endParaRPr>
-                    </a:p>
-                  </a:txBody>
-                  <a:tcPr marL="44450" marR="44450" marT="0" marB="0" anchor="ctr"/>
-                </a:tc>
-                <a:tc>
-                  <a:txBody>
-                    <a:bodyPr/>
-                    <a:lstStyle/>
-                    <a:p>
-                      <a:pPr algn="ctr">
-                        <a:spcAft>
-                          <a:spcPts val="0"/>
-                        </a:spcAft>
-                      </a:pPr>
-                      <a:r>
-                        <a:rPr lang="es-EC" sz="1200">
-                          <a:effectLst/>
-                        </a:rPr>
-                        <a:t>163</a:t>
-                      </a:r>
-                      <a:endParaRPr lang="es-EC" sz="1200">
-                        <a:effectLst/>
-                        <a:latin typeface="Calibri" panose="020F0502020204030204" pitchFamily="34" charset="0"/>
-                        <a:ea typeface="Calibri" panose="020F0502020204030204" pitchFamily="34" charset="0"/>
-                        <a:cs typeface="Times New Roman" panose="02020603050405020304" pitchFamily="18" charset="0"/>
-                      </a:endParaRPr>
-                    </a:p>
-                  </a:txBody>
-                  <a:tcPr marL="44450" marR="44450" marT="0" marB="0" anchor="ctr"/>
-                </a:tc>
-              </a:tr>
-              <a:tr h="246951">
-                <a:tc>
-                  <a:txBody>
-                    <a:bodyPr/>
-                    <a:lstStyle/>
-                    <a:p>
-                      <a:pPr algn="ctr">
-                        <a:spcAft>
-                          <a:spcPts val="0"/>
-                        </a:spcAft>
-                      </a:pPr>
-                      <a:r>
-                        <a:rPr lang="es-EC" sz="1200">
-                          <a:effectLst/>
-                        </a:rPr>
-                        <a:t>I</a:t>
-                      </a:r>
-                      <a:endParaRPr lang="es-EC" sz="1200">
-                        <a:effectLst/>
-                        <a:latin typeface="Calibri" panose="020F0502020204030204" pitchFamily="34" charset="0"/>
-                        <a:ea typeface="Calibri" panose="020F0502020204030204" pitchFamily="34" charset="0"/>
-                        <a:cs typeface="Times New Roman" panose="02020603050405020304" pitchFamily="18" charset="0"/>
-                      </a:endParaRPr>
-                    </a:p>
-                  </a:txBody>
-                  <a:tcPr marL="44450" marR="44450" marT="0" marB="0" anchor="b"/>
-                </a:tc>
-                <a:tc>
-                  <a:txBody>
-                    <a:bodyPr/>
-                    <a:lstStyle/>
-                    <a:p>
-                      <a:pPr algn="ctr">
-                        <a:spcAft>
-                          <a:spcPts val="0"/>
-                        </a:spcAft>
-                      </a:pPr>
-                      <a:r>
-                        <a:rPr lang="es-EC" sz="1200">
-                          <a:effectLst/>
-                        </a:rPr>
-                        <a:t>77</a:t>
-                      </a:r>
-                      <a:endParaRPr lang="es-EC" sz="1200">
-                        <a:effectLst/>
-                        <a:latin typeface="Calibri" panose="020F0502020204030204" pitchFamily="34" charset="0"/>
-                        <a:ea typeface="Calibri" panose="020F0502020204030204" pitchFamily="34" charset="0"/>
-                        <a:cs typeface="Times New Roman" panose="02020603050405020304" pitchFamily="18" charset="0"/>
-                      </a:endParaRPr>
-                    </a:p>
-                  </a:txBody>
-                  <a:tcPr marL="44450" marR="44450" marT="0" marB="0" anchor="ctr"/>
-                </a:tc>
-                <a:tc>
-                  <a:txBody>
-                    <a:bodyPr/>
-                    <a:lstStyle/>
-                    <a:p>
-                      <a:pPr algn="ctr">
-                        <a:spcAft>
-                          <a:spcPts val="0"/>
-                        </a:spcAft>
-                      </a:pPr>
-                      <a:r>
-                        <a:rPr lang="es-EC" sz="1200">
-                          <a:effectLst/>
-                        </a:rPr>
-                        <a:t>4</a:t>
-                      </a:r>
-                      <a:endParaRPr lang="es-EC" sz="1200">
-                        <a:effectLst/>
-                        <a:latin typeface="Calibri" panose="020F0502020204030204" pitchFamily="34" charset="0"/>
-                        <a:ea typeface="Calibri" panose="020F0502020204030204" pitchFamily="34" charset="0"/>
-                        <a:cs typeface="Times New Roman" panose="02020603050405020304" pitchFamily="18" charset="0"/>
-                      </a:endParaRPr>
-                    </a:p>
-                  </a:txBody>
-                  <a:tcPr marL="44450" marR="44450" marT="0" marB="0" anchor="ctr"/>
-                </a:tc>
-                <a:tc>
-                  <a:txBody>
-                    <a:bodyPr/>
-                    <a:lstStyle/>
-                    <a:p>
-                      <a:pPr algn="ctr">
-                        <a:spcAft>
-                          <a:spcPts val="0"/>
-                        </a:spcAft>
-                      </a:pPr>
-                      <a:r>
-                        <a:rPr lang="es-EC" sz="1200">
-                          <a:effectLst/>
-                        </a:rPr>
-                        <a:t>3</a:t>
-                      </a:r>
-                      <a:endParaRPr lang="es-EC" sz="1200">
-                        <a:effectLst/>
-                        <a:latin typeface="Calibri" panose="020F0502020204030204" pitchFamily="34" charset="0"/>
-                        <a:ea typeface="Calibri" panose="020F0502020204030204" pitchFamily="34" charset="0"/>
-                        <a:cs typeface="Times New Roman" panose="02020603050405020304" pitchFamily="18" charset="0"/>
-                      </a:endParaRPr>
-                    </a:p>
-                  </a:txBody>
-                  <a:tcPr marL="44450" marR="44450" marT="0" marB="0" anchor="ctr"/>
-                </a:tc>
-                <a:tc>
-                  <a:txBody>
-                    <a:bodyPr/>
-                    <a:lstStyle/>
-                    <a:p>
-                      <a:pPr algn="ctr">
-                        <a:spcAft>
-                          <a:spcPts val="0"/>
-                        </a:spcAft>
-                      </a:pPr>
-                      <a:r>
-                        <a:rPr lang="es-EC" sz="1200">
-                          <a:effectLst/>
-                        </a:rPr>
-                        <a:t>-</a:t>
-                      </a:r>
-                      <a:endParaRPr lang="es-EC" sz="1200">
-                        <a:effectLst/>
-                        <a:latin typeface="Calibri" panose="020F0502020204030204" pitchFamily="34" charset="0"/>
-                        <a:ea typeface="Calibri" panose="020F0502020204030204" pitchFamily="34" charset="0"/>
-                        <a:cs typeface="Times New Roman" panose="02020603050405020304" pitchFamily="18" charset="0"/>
-                      </a:endParaRPr>
-                    </a:p>
-                  </a:txBody>
-                  <a:tcPr marL="44450" marR="44450" marT="0" marB="0" anchor="ctr"/>
-                </a:tc>
-                <a:tc>
-                  <a:txBody>
-                    <a:bodyPr/>
-                    <a:lstStyle/>
-                    <a:p>
-                      <a:pPr algn="ctr">
-                        <a:spcAft>
-                          <a:spcPts val="0"/>
-                        </a:spcAft>
-                      </a:pPr>
-                      <a:r>
-                        <a:rPr lang="es-EC" sz="1200">
-                          <a:effectLst/>
-                        </a:rPr>
-                        <a:t>84</a:t>
-                      </a:r>
-                      <a:endParaRPr lang="es-EC" sz="1200">
-                        <a:effectLst/>
-                        <a:latin typeface="Calibri" panose="020F0502020204030204" pitchFamily="34" charset="0"/>
-                        <a:ea typeface="Calibri" panose="020F0502020204030204" pitchFamily="34" charset="0"/>
-                        <a:cs typeface="Times New Roman" panose="02020603050405020304" pitchFamily="18" charset="0"/>
-                      </a:endParaRPr>
-                    </a:p>
-                  </a:txBody>
-                  <a:tcPr marL="44450" marR="44450" marT="0" marB="0" anchor="ctr"/>
-                </a:tc>
-              </a:tr>
-              <a:tr h="246951">
-                <a:tc>
-                  <a:txBody>
-                    <a:bodyPr/>
-                    <a:lstStyle/>
-                    <a:p>
-                      <a:pPr algn="ctr">
-                        <a:spcAft>
-                          <a:spcPts val="0"/>
-                        </a:spcAft>
-                      </a:pPr>
-                      <a:r>
-                        <a:rPr lang="es-EC" sz="1200">
-                          <a:effectLst/>
-                        </a:rPr>
-                        <a:t>J</a:t>
-                      </a:r>
-                      <a:endParaRPr lang="es-EC" sz="1200">
-                        <a:effectLst/>
-                        <a:latin typeface="Calibri" panose="020F0502020204030204" pitchFamily="34" charset="0"/>
-                        <a:ea typeface="Calibri" panose="020F0502020204030204" pitchFamily="34" charset="0"/>
-                        <a:cs typeface="Times New Roman" panose="02020603050405020304" pitchFamily="18" charset="0"/>
-                      </a:endParaRPr>
-                    </a:p>
-                  </a:txBody>
-                  <a:tcPr marL="44450" marR="44450" marT="0" marB="0" anchor="b"/>
-                </a:tc>
-                <a:tc>
-                  <a:txBody>
-                    <a:bodyPr/>
-                    <a:lstStyle/>
-                    <a:p>
-                      <a:pPr algn="ctr">
-                        <a:spcAft>
-                          <a:spcPts val="0"/>
-                        </a:spcAft>
-                      </a:pPr>
-                      <a:r>
-                        <a:rPr lang="es-EC" sz="1200">
-                          <a:effectLst/>
-                        </a:rPr>
-                        <a:t>87</a:t>
-                      </a:r>
-                      <a:endParaRPr lang="es-EC" sz="1200">
-                        <a:effectLst/>
-                        <a:latin typeface="Calibri" panose="020F0502020204030204" pitchFamily="34" charset="0"/>
-                        <a:ea typeface="Calibri" panose="020F0502020204030204" pitchFamily="34" charset="0"/>
-                        <a:cs typeface="Times New Roman" panose="02020603050405020304" pitchFamily="18" charset="0"/>
-                      </a:endParaRPr>
-                    </a:p>
-                  </a:txBody>
-                  <a:tcPr marL="44450" marR="44450" marT="0" marB="0" anchor="ctr"/>
-                </a:tc>
-                <a:tc>
-                  <a:txBody>
-                    <a:bodyPr/>
-                    <a:lstStyle/>
-                    <a:p>
-                      <a:pPr algn="ctr">
-                        <a:spcAft>
-                          <a:spcPts val="0"/>
-                        </a:spcAft>
-                      </a:pPr>
-                      <a:r>
-                        <a:rPr lang="es-EC" sz="1200">
-                          <a:effectLst/>
-                        </a:rPr>
-                        <a:t>10</a:t>
-                      </a:r>
-                      <a:endParaRPr lang="es-EC" sz="1200">
-                        <a:effectLst/>
-                        <a:latin typeface="Calibri" panose="020F0502020204030204" pitchFamily="34" charset="0"/>
-                        <a:ea typeface="Calibri" panose="020F0502020204030204" pitchFamily="34" charset="0"/>
-                        <a:cs typeface="Times New Roman" panose="02020603050405020304" pitchFamily="18" charset="0"/>
-                      </a:endParaRPr>
-                    </a:p>
-                  </a:txBody>
-                  <a:tcPr marL="44450" marR="44450" marT="0" marB="0" anchor="ctr"/>
-                </a:tc>
-                <a:tc>
-                  <a:txBody>
-                    <a:bodyPr/>
-                    <a:lstStyle/>
-                    <a:p>
-                      <a:pPr algn="ctr">
-                        <a:spcAft>
-                          <a:spcPts val="0"/>
-                        </a:spcAft>
-                      </a:pPr>
-                      <a:r>
-                        <a:rPr lang="es-EC" sz="1200">
-                          <a:effectLst/>
-                        </a:rPr>
-                        <a:t>8</a:t>
-                      </a:r>
-                      <a:endParaRPr lang="es-EC" sz="1200">
-                        <a:effectLst/>
-                        <a:latin typeface="Calibri" panose="020F0502020204030204" pitchFamily="34" charset="0"/>
-                        <a:ea typeface="Calibri" panose="020F0502020204030204" pitchFamily="34" charset="0"/>
-                        <a:cs typeface="Times New Roman" panose="02020603050405020304" pitchFamily="18" charset="0"/>
-                      </a:endParaRPr>
-                    </a:p>
-                  </a:txBody>
-                  <a:tcPr marL="44450" marR="44450" marT="0" marB="0" anchor="ctr"/>
-                </a:tc>
-                <a:tc>
-                  <a:txBody>
-                    <a:bodyPr/>
-                    <a:lstStyle/>
-                    <a:p>
-                      <a:pPr algn="ctr">
-                        <a:spcAft>
-                          <a:spcPts val="0"/>
-                        </a:spcAft>
-                      </a:pPr>
-                      <a:r>
-                        <a:rPr lang="es-EC" sz="1200">
-                          <a:effectLst/>
-                        </a:rPr>
-                        <a:t>7</a:t>
-                      </a:r>
-                      <a:endParaRPr lang="es-EC" sz="1200">
-                        <a:effectLst/>
-                        <a:latin typeface="Calibri" panose="020F0502020204030204" pitchFamily="34" charset="0"/>
-                        <a:ea typeface="Calibri" panose="020F0502020204030204" pitchFamily="34" charset="0"/>
-                        <a:cs typeface="Times New Roman" panose="02020603050405020304" pitchFamily="18" charset="0"/>
-                      </a:endParaRPr>
-                    </a:p>
-                  </a:txBody>
-                  <a:tcPr marL="44450" marR="44450" marT="0" marB="0" anchor="ctr"/>
-                </a:tc>
-                <a:tc>
-                  <a:txBody>
-                    <a:bodyPr/>
-                    <a:lstStyle/>
-                    <a:p>
-                      <a:pPr algn="ctr">
-                        <a:spcAft>
-                          <a:spcPts val="0"/>
-                        </a:spcAft>
-                      </a:pPr>
-                      <a:r>
-                        <a:rPr lang="es-EC" sz="1200">
-                          <a:effectLst/>
-                        </a:rPr>
-                        <a:t>112</a:t>
-                      </a:r>
-                      <a:endParaRPr lang="es-EC" sz="1200">
-                        <a:effectLst/>
-                        <a:latin typeface="Calibri" panose="020F0502020204030204" pitchFamily="34" charset="0"/>
-                        <a:ea typeface="Calibri" panose="020F0502020204030204" pitchFamily="34" charset="0"/>
-                        <a:cs typeface="Times New Roman" panose="02020603050405020304" pitchFamily="18" charset="0"/>
-                      </a:endParaRPr>
-                    </a:p>
-                  </a:txBody>
-                  <a:tcPr marL="44450" marR="44450" marT="0" marB="0" anchor="ctr"/>
-                </a:tc>
-              </a:tr>
-              <a:tr h="246951">
-                <a:tc>
-                  <a:txBody>
-                    <a:bodyPr/>
-                    <a:lstStyle/>
-                    <a:p>
-                      <a:pPr algn="ctr">
-                        <a:spcAft>
-                          <a:spcPts val="0"/>
-                        </a:spcAft>
-                      </a:pPr>
-                      <a:r>
-                        <a:rPr lang="es-EC" sz="1200">
-                          <a:effectLst/>
-                        </a:rPr>
-                        <a:t>K</a:t>
-                      </a:r>
-                      <a:endParaRPr lang="es-EC" sz="1200">
-                        <a:effectLst/>
-                        <a:latin typeface="Calibri" panose="020F0502020204030204" pitchFamily="34" charset="0"/>
-                        <a:ea typeface="Calibri" panose="020F0502020204030204" pitchFamily="34" charset="0"/>
-                        <a:cs typeface="Times New Roman" panose="02020603050405020304" pitchFamily="18" charset="0"/>
-                      </a:endParaRPr>
-                    </a:p>
-                  </a:txBody>
-                  <a:tcPr marL="44450" marR="44450" marT="0" marB="0" anchor="b"/>
-                </a:tc>
-                <a:tc>
-                  <a:txBody>
-                    <a:bodyPr/>
-                    <a:lstStyle/>
-                    <a:p>
-                      <a:pPr algn="ctr">
-                        <a:spcAft>
-                          <a:spcPts val="0"/>
-                        </a:spcAft>
-                      </a:pPr>
-                      <a:r>
-                        <a:rPr lang="es-EC" sz="1200">
-                          <a:effectLst/>
-                        </a:rPr>
-                        <a:t>21</a:t>
-                      </a:r>
-                      <a:endParaRPr lang="es-EC" sz="1200">
-                        <a:effectLst/>
-                        <a:latin typeface="Calibri" panose="020F0502020204030204" pitchFamily="34" charset="0"/>
-                        <a:ea typeface="Calibri" panose="020F0502020204030204" pitchFamily="34" charset="0"/>
-                        <a:cs typeface="Times New Roman" panose="02020603050405020304" pitchFamily="18" charset="0"/>
-                      </a:endParaRPr>
-                    </a:p>
-                  </a:txBody>
-                  <a:tcPr marL="44450" marR="44450" marT="0" marB="0" anchor="ctr"/>
-                </a:tc>
-                <a:tc>
-                  <a:txBody>
-                    <a:bodyPr/>
-                    <a:lstStyle/>
-                    <a:p>
-                      <a:pPr algn="ctr">
-                        <a:spcAft>
-                          <a:spcPts val="0"/>
-                        </a:spcAft>
-                      </a:pPr>
-                      <a:r>
-                        <a:rPr lang="es-EC" sz="1200">
-                          <a:effectLst/>
-                        </a:rPr>
-                        <a:t>9</a:t>
-                      </a:r>
-                      <a:endParaRPr lang="es-EC" sz="1200">
-                        <a:effectLst/>
-                        <a:latin typeface="Calibri" panose="020F0502020204030204" pitchFamily="34" charset="0"/>
-                        <a:ea typeface="Calibri" panose="020F0502020204030204" pitchFamily="34" charset="0"/>
-                        <a:cs typeface="Times New Roman" panose="02020603050405020304" pitchFamily="18" charset="0"/>
-                      </a:endParaRPr>
-                    </a:p>
-                  </a:txBody>
-                  <a:tcPr marL="44450" marR="44450" marT="0" marB="0" anchor="ctr"/>
-                </a:tc>
-                <a:tc>
-                  <a:txBody>
-                    <a:bodyPr/>
-                    <a:lstStyle/>
-                    <a:p>
-                      <a:pPr algn="ctr">
-                        <a:spcAft>
-                          <a:spcPts val="0"/>
-                        </a:spcAft>
-                      </a:pPr>
-                      <a:r>
-                        <a:rPr lang="es-EC" sz="1200">
-                          <a:effectLst/>
-                        </a:rPr>
-                        <a:t>9</a:t>
-                      </a:r>
-                      <a:endParaRPr lang="es-EC" sz="1200">
-                        <a:effectLst/>
-                        <a:latin typeface="Calibri" panose="020F0502020204030204" pitchFamily="34" charset="0"/>
-                        <a:ea typeface="Calibri" panose="020F0502020204030204" pitchFamily="34" charset="0"/>
-                        <a:cs typeface="Times New Roman" panose="02020603050405020304" pitchFamily="18" charset="0"/>
-                      </a:endParaRPr>
-                    </a:p>
-                  </a:txBody>
-                  <a:tcPr marL="44450" marR="44450" marT="0" marB="0" anchor="ctr"/>
-                </a:tc>
-                <a:tc>
-                  <a:txBody>
-                    <a:bodyPr/>
-                    <a:lstStyle/>
-                    <a:p>
-                      <a:pPr algn="ctr">
-                        <a:spcAft>
-                          <a:spcPts val="0"/>
-                        </a:spcAft>
-                      </a:pPr>
-                      <a:r>
-                        <a:rPr lang="es-EC" sz="1200">
-                          <a:effectLst/>
-                        </a:rPr>
-                        <a:t>63</a:t>
-                      </a:r>
-                      <a:endParaRPr lang="es-EC" sz="1200">
-                        <a:effectLst/>
-                        <a:latin typeface="Calibri" panose="020F0502020204030204" pitchFamily="34" charset="0"/>
-                        <a:ea typeface="Calibri" panose="020F0502020204030204" pitchFamily="34" charset="0"/>
-                        <a:cs typeface="Times New Roman" panose="02020603050405020304" pitchFamily="18" charset="0"/>
-                      </a:endParaRPr>
-                    </a:p>
-                  </a:txBody>
-                  <a:tcPr marL="44450" marR="44450" marT="0" marB="0" anchor="ctr"/>
-                </a:tc>
-                <a:tc>
-                  <a:txBody>
-                    <a:bodyPr/>
-                    <a:lstStyle/>
-                    <a:p>
-                      <a:pPr algn="ctr">
-                        <a:spcAft>
-                          <a:spcPts val="0"/>
-                        </a:spcAft>
-                      </a:pPr>
-                      <a:r>
-                        <a:rPr lang="es-EC" sz="1200">
-                          <a:effectLst/>
-                        </a:rPr>
-                        <a:t>102</a:t>
-                      </a:r>
-                      <a:endParaRPr lang="es-EC" sz="1200">
-                        <a:effectLst/>
-                        <a:latin typeface="Calibri" panose="020F0502020204030204" pitchFamily="34" charset="0"/>
-                        <a:ea typeface="Calibri" panose="020F0502020204030204" pitchFamily="34" charset="0"/>
-                        <a:cs typeface="Times New Roman" panose="02020603050405020304" pitchFamily="18" charset="0"/>
-                      </a:endParaRPr>
-                    </a:p>
-                  </a:txBody>
-                  <a:tcPr marL="44450" marR="44450" marT="0" marB="0" anchor="ctr"/>
-                </a:tc>
-              </a:tr>
-              <a:tr h="246951">
-                <a:tc>
-                  <a:txBody>
-                    <a:bodyPr/>
-                    <a:lstStyle/>
-                    <a:p>
-                      <a:pPr algn="ctr">
-                        <a:spcAft>
-                          <a:spcPts val="0"/>
-                        </a:spcAft>
-                      </a:pPr>
-                      <a:r>
-                        <a:rPr lang="es-EC" sz="1200">
-                          <a:effectLst/>
-                        </a:rPr>
-                        <a:t>L</a:t>
-                      </a:r>
-                      <a:endParaRPr lang="es-EC" sz="1200">
-                        <a:effectLst/>
-                        <a:latin typeface="Calibri" panose="020F0502020204030204" pitchFamily="34" charset="0"/>
-                        <a:ea typeface="Calibri" panose="020F0502020204030204" pitchFamily="34" charset="0"/>
-                        <a:cs typeface="Times New Roman" panose="02020603050405020304" pitchFamily="18" charset="0"/>
-                      </a:endParaRPr>
-                    </a:p>
-                  </a:txBody>
-                  <a:tcPr marL="44450" marR="44450" marT="0" marB="0" anchor="b"/>
-                </a:tc>
-                <a:tc>
-                  <a:txBody>
-                    <a:bodyPr/>
-                    <a:lstStyle/>
-                    <a:p>
-                      <a:pPr algn="ctr">
-                        <a:spcAft>
-                          <a:spcPts val="0"/>
-                        </a:spcAft>
-                      </a:pPr>
-                      <a:r>
-                        <a:rPr lang="es-EC" sz="1200">
-                          <a:effectLst/>
-                        </a:rPr>
-                        <a:t>225</a:t>
-                      </a:r>
-                      <a:endParaRPr lang="es-EC" sz="1200">
-                        <a:effectLst/>
-                        <a:latin typeface="Calibri" panose="020F0502020204030204" pitchFamily="34" charset="0"/>
-                        <a:ea typeface="Calibri" panose="020F0502020204030204" pitchFamily="34" charset="0"/>
-                        <a:cs typeface="Times New Roman" panose="02020603050405020304" pitchFamily="18" charset="0"/>
-                      </a:endParaRPr>
-                    </a:p>
-                  </a:txBody>
-                  <a:tcPr marL="44450" marR="44450" marT="0" marB="0" anchor="ctr"/>
-                </a:tc>
-                <a:tc>
-                  <a:txBody>
-                    <a:bodyPr/>
-                    <a:lstStyle/>
-                    <a:p>
-                      <a:pPr algn="ctr">
-                        <a:spcAft>
-                          <a:spcPts val="0"/>
-                        </a:spcAft>
-                      </a:pPr>
-                      <a:r>
-                        <a:rPr lang="es-EC" sz="1200">
-                          <a:effectLst/>
-                        </a:rPr>
-                        <a:t>16</a:t>
-                      </a:r>
-                      <a:endParaRPr lang="es-EC" sz="1200">
-                        <a:effectLst/>
-                        <a:latin typeface="Calibri" panose="020F0502020204030204" pitchFamily="34" charset="0"/>
-                        <a:ea typeface="Calibri" panose="020F0502020204030204" pitchFamily="34" charset="0"/>
-                        <a:cs typeface="Times New Roman" panose="02020603050405020304" pitchFamily="18" charset="0"/>
-                      </a:endParaRPr>
-                    </a:p>
-                  </a:txBody>
-                  <a:tcPr marL="44450" marR="44450" marT="0" marB="0" anchor="ctr"/>
-                </a:tc>
-                <a:tc>
-                  <a:txBody>
-                    <a:bodyPr/>
-                    <a:lstStyle/>
-                    <a:p>
-                      <a:pPr algn="ctr">
-                        <a:spcAft>
-                          <a:spcPts val="0"/>
-                        </a:spcAft>
-                      </a:pPr>
-                      <a:r>
-                        <a:rPr lang="es-EC" sz="1200">
-                          <a:effectLst/>
-                        </a:rPr>
-                        <a:t>5</a:t>
-                      </a:r>
-                      <a:endParaRPr lang="es-EC" sz="1200">
-                        <a:effectLst/>
-                        <a:latin typeface="Calibri" panose="020F0502020204030204" pitchFamily="34" charset="0"/>
-                        <a:ea typeface="Calibri" panose="020F0502020204030204" pitchFamily="34" charset="0"/>
-                        <a:cs typeface="Times New Roman" panose="02020603050405020304" pitchFamily="18" charset="0"/>
-                      </a:endParaRPr>
-                    </a:p>
-                  </a:txBody>
-                  <a:tcPr marL="44450" marR="44450" marT="0" marB="0" anchor="ctr"/>
-                </a:tc>
-                <a:tc>
-                  <a:txBody>
-                    <a:bodyPr/>
-                    <a:lstStyle/>
-                    <a:p>
-                      <a:pPr algn="ctr">
-                        <a:spcAft>
-                          <a:spcPts val="0"/>
-                        </a:spcAft>
-                      </a:pPr>
-                      <a:r>
-                        <a:rPr lang="es-EC" sz="1200">
-                          <a:effectLst/>
-                        </a:rPr>
-                        <a:t>3</a:t>
-                      </a:r>
-                      <a:endParaRPr lang="es-EC" sz="1200">
-                        <a:effectLst/>
-                        <a:latin typeface="Calibri" panose="020F0502020204030204" pitchFamily="34" charset="0"/>
-                        <a:ea typeface="Calibri" panose="020F0502020204030204" pitchFamily="34" charset="0"/>
-                        <a:cs typeface="Times New Roman" panose="02020603050405020304" pitchFamily="18" charset="0"/>
-                      </a:endParaRPr>
-                    </a:p>
-                  </a:txBody>
-                  <a:tcPr marL="44450" marR="44450" marT="0" marB="0" anchor="ctr"/>
-                </a:tc>
-                <a:tc>
-                  <a:txBody>
-                    <a:bodyPr/>
-                    <a:lstStyle/>
-                    <a:p>
-                      <a:pPr algn="ctr">
-                        <a:spcAft>
-                          <a:spcPts val="0"/>
-                        </a:spcAft>
-                      </a:pPr>
-                      <a:r>
-                        <a:rPr lang="es-EC" sz="1200">
-                          <a:effectLst/>
-                        </a:rPr>
-                        <a:t>249</a:t>
-                      </a:r>
-                      <a:endParaRPr lang="es-EC" sz="1200">
-                        <a:effectLst/>
-                        <a:latin typeface="Calibri" panose="020F0502020204030204" pitchFamily="34" charset="0"/>
-                        <a:ea typeface="Calibri" panose="020F0502020204030204" pitchFamily="34" charset="0"/>
-                        <a:cs typeface="Times New Roman" panose="02020603050405020304" pitchFamily="18" charset="0"/>
-                      </a:endParaRPr>
-                    </a:p>
-                  </a:txBody>
-                  <a:tcPr marL="44450" marR="44450" marT="0" marB="0" anchor="ctr"/>
-                </a:tc>
-              </a:tr>
-              <a:tr h="246951">
-                <a:tc>
-                  <a:txBody>
-                    <a:bodyPr/>
-                    <a:lstStyle/>
-                    <a:p>
-                      <a:pPr algn="ctr">
-                        <a:spcAft>
-                          <a:spcPts val="0"/>
-                        </a:spcAft>
-                      </a:pPr>
-                      <a:r>
-                        <a:rPr lang="es-EC" sz="1200">
-                          <a:effectLst/>
-                        </a:rPr>
-                        <a:t>M</a:t>
-                      </a:r>
-                      <a:endParaRPr lang="es-EC" sz="1200">
-                        <a:effectLst/>
-                        <a:latin typeface="Calibri" panose="020F0502020204030204" pitchFamily="34" charset="0"/>
-                        <a:ea typeface="Calibri" panose="020F0502020204030204" pitchFamily="34" charset="0"/>
-                        <a:cs typeface="Times New Roman" panose="02020603050405020304" pitchFamily="18" charset="0"/>
-                      </a:endParaRPr>
-                    </a:p>
-                  </a:txBody>
-                  <a:tcPr marL="44450" marR="44450" marT="0" marB="0" anchor="b"/>
-                </a:tc>
-                <a:tc>
-                  <a:txBody>
-                    <a:bodyPr/>
-                    <a:lstStyle/>
-                    <a:p>
-                      <a:pPr algn="ctr">
-                        <a:spcAft>
-                          <a:spcPts val="0"/>
-                        </a:spcAft>
-                      </a:pPr>
-                      <a:r>
-                        <a:rPr lang="es-EC" sz="1200">
-                          <a:effectLst/>
-                        </a:rPr>
-                        <a:t>523</a:t>
-                      </a:r>
-                      <a:endParaRPr lang="es-EC" sz="1200">
-                        <a:effectLst/>
-                        <a:latin typeface="Calibri" panose="020F0502020204030204" pitchFamily="34" charset="0"/>
-                        <a:ea typeface="Calibri" panose="020F0502020204030204" pitchFamily="34" charset="0"/>
-                        <a:cs typeface="Times New Roman" panose="02020603050405020304" pitchFamily="18" charset="0"/>
-                      </a:endParaRPr>
-                    </a:p>
-                  </a:txBody>
-                  <a:tcPr marL="44450" marR="44450" marT="0" marB="0" anchor="ctr"/>
-                </a:tc>
-                <a:tc>
-                  <a:txBody>
-                    <a:bodyPr/>
-                    <a:lstStyle/>
-                    <a:p>
-                      <a:pPr algn="ctr">
-                        <a:spcAft>
-                          <a:spcPts val="0"/>
-                        </a:spcAft>
-                      </a:pPr>
-                      <a:r>
-                        <a:rPr lang="es-EC" sz="1200">
-                          <a:effectLst/>
-                        </a:rPr>
-                        <a:t>35</a:t>
-                      </a:r>
-                      <a:endParaRPr lang="es-EC" sz="1200">
-                        <a:effectLst/>
-                        <a:latin typeface="Calibri" panose="020F0502020204030204" pitchFamily="34" charset="0"/>
-                        <a:ea typeface="Calibri" panose="020F0502020204030204" pitchFamily="34" charset="0"/>
-                        <a:cs typeface="Times New Roman" panose="02020603050405020304" pitchFamily="18" charset="0"/>
-                      </a:endParaRPr>
-                    </a:p>
-                  </a:txBody>
-                  <a:tcPr marL="44450" marR="44450" marT="0" marB="0" anchor="ctr"/>
-                </a:tc>
-                <a:tc>
-                  <a:txBody>
-                    <a:bodyPr/>
-                    <a:lstStyle/>
-                    <a:p>
-                      <a:pPr algn="ctr">
-                        <a:spcAft>
-                          <a:spcPts val="0"/>
-                        </a:spcAft>
-                      </a:pPr>
-                      <a:r>
-                        <a:rPr lang="es-EC" sz="1200">
-                          <a:effectLst/>
-                        </a:rPr>
-                        <a:t>20</a:t>
-                      </a:r>
-                      <a:endParaRPr lang="es-EC" sz="1200">
-                        <a:effectLst/>
-                        <a:latin typeface="Calibri" panose="020F0502020204030204" pitchFamily="34" charset="0"/>
-                        <a:ea typeface="Calibri" panose="020F0502020204030204" pitchFamily="34" charset="0"/>
-                        <a:cs typeface="Times New Roman" panose="02020603050405020304" pitchFamily="18" charset="0"/>
-                      </a:endParaRPr>
-                    </a:p>
-                  </a:txBody>
-                  <a:tcPr marL="44450" marR="44450" marT="0" marB="0" anchor="ctr"/>
-                </a:tc>
-                <a:tc>
-                  <a:txBody>
-                    <a:bodyPr/>
-                    <a:lstStyle/>
-                    <a:p>
-                      <a:pPr algn="ctr">
-                        <a:spcAft>
-                          <a:spcPts val="0"/>
-                        </a:spcAft>
-                      </a:pPr>
-                      <a:r>
-                        <a:rPr lang="es-EC" sz="1200">
-                          <a:effectLst/>
-                        </a:rPr>
-                        <a:t>5</a:t>
-                      </a:r>
-                      <a:endParaRPr lang="es-EC" sz="1200">
-                        <a:effectLst/>
-                        <a:latin typeface="Calibri" panose="020F0502020204030204" pitchFamily="34" charset="0"/>
-                        <a:ea typeface="Calibri" panose="020F0502020204030204" pitchFamily="34" charset="0"/>
-                        <a:cs typeface="Times New Roman" panose="02020603050405020304" pitchFamily="18" charset="0"/>
-                      </a:endParaRPr>
-                    </a:p>
-                  </a:txBody>
-                  <a:tcPr marL="44450" marR="44450" marT="0" marB="0" anchor="ctr"/>
-                </a:tc>
-                <a:tc>
-                  <a:txBody>
-                    <a:bodyPr/>
-                    <a:lstStyle/>
-                    <a:p>
-                      <a:pPr algn="ctr">
-                        <a:spcAft>
-                          <a:spcPts val="0"/>
-                        </a:spcAft>
-                      </a:pPr>
-                      <a:r>
-                        <a:rPr lang="es-EC" sz="1200">
-                          <a:effectLst/>
-                        </a:rPr>
-                        <a:t>583</a:t>
-                      </a:r>
-                      <a:endParaRPr lang="es-EC" sz="1200">
-                        <a:effectLst/>
-                        <a:latin typeface="Calibri" panose="020F0502020204030204" pitchFamily="34" charset="0"/>
-                        <a:ea typeface="Calibri" panose="020F0502020204030204" pitchFamily="34" charset="0"/>
-                        <a:cs typeface="Times New Roman" panose="02020603050405020304" pitchFamily="18" charset="0"/>
-                      </a:endParaRPr>
-                    </a:p>
-                  </a:txBody>
-                  <a:tcPr marL="44450" marR="44450" marT="0" marB="0" anchor="ctr"/>
-                </a:tc>
-              </a:tr>
-              <a:tr h="246951">
-                <a:tc>
-                  <a:txBody>
-                    <a:bodyPr/>
-                    <a:lstStyle/>
-                    <a:p>
-                      <a:pPr algn="ctr">
-                        <a:spcAft>
-                          <a:spcPts val="0"/>
-                        </a:spcAft>
-                      </a:pPr>
-                      <a:r>
-                        <a:rPr lang="es-EC" sz="1200">
-                          <a:effectLst/>
-                        </a:rPr>
-                        <a:t>N</a:t>
-                      </a:r>
-                      <a:endParaRPr lang="es-EC" sz="1200">
-                        <a:effectLst/>
-                        <a:latin typeface="Calibri" panose="020F0502020204030204" pitchFamily="34" charset="0"/>
-                        <a:ea typeface="Calibri" panose="020F0502020204030204" pitchFamily="34" charset="0"/>
-                        <a:cs typeface="Times New Roman" panose="02020603050405020304" pitchFamily="18" charset="0"/>
-                      </a:endParaRPr>
-                    </a:p>
-                  </a:txBody>
-                  <a:tcPr marL="44450" marR="44450" marT="0" marB="0" anchor="b"/>
-                </a:tc>
-                <a:tc>
-                  <a:txBody>
-                    <a:bodyPr/>
-                    <a:lstStyle/>
-                    <a:p>
-                      <a:pPr algn="ctr">
-                        <a:spcAft>
-                          <a:spcPts val="0"/>
-                        </a:spcAft>
-                      </a:pPr>
-                      <a:r>
-                        <a:rPr lang="es-EC" sz="1200">
-                          <a:effectLst/>
-                        </a:rPr>
-                        <a:t>219</a:t>
-                      </a:r>
-                      <a:endParaRPr lang="es-EC" sz="1200">
-                        <a:effectLst/>
-                        <a:latin typeface="Calibri" panose="020F0502020204030204" pitchFamily="34" charset="0"/>
-                        <a:ea typeface="Calibri" panose="020F0502020204030204" pitchFamily="34" charset="0"/>
-                        <a:cs typeface="Times New Roman" panose="02020603050405020304" pitchFamily="18" charset="0"/>
-                      </a:endParaRPr>
-                    </a:p>
-                  </a:txBody>
-                  <a:tcPr marL="44450" marR="44450" marT="0" marB="0" anchor="ctr"/>
-                </a:tc>
-                <a:tc>
-                  <a:txBody>
-                    <a:bodyPr/>
-                    <a:lstStyle/>
-                    <a:p>
-                      <a:pPr algn="ctr">
-                        <a:spcAft>
-                          <a:spcPts val="0"/>
-                        </a:spcAft>
-                      </a:pPr>
-                      <a:r>
-                        <a:rPr lang="es-EC" sz="1200">
-                          <a:effectLst/>
-                        </a:rPr>
-                        <a:t>31</a:t>
-                      </a:r>
-                      <a:endParaRPr lang="es-EC" sz="1200">
-                        <a:effectLst/>
-                        <a:latin typeface="Calibri" panose="020F0502020204030204" pitchFamily="34" charset="0"/>
-                        <a:ea typeface="Calibri" panose="020F0502020204030204" pitchFamily="34" charset="0"/>
-                        <a:cs typeface="Times New Roman" panose="02020603050405020304" pitchFamily="18" charset="0"/>
-                      </a:endParaRPr>
-                    </a:p>
-                  </a:txBody>
-                  <a:tcPr marL="44450" marR="44450" marT="0" marB="0" anchor="ctr"/>
-                </a:tc>
-                <a:tc>
-                  <a:txBody>
-                    <a:bodyPr/>
-                    <a:lstStyle/>
-                    <a:p>
-                      <a:pPr algn="ctr">
-                        <a:spcAft>
-                          <a:spcPts val="0"/>
-                        </a:spcAft>
-                      </a:pPr>
-                      <a:r>
-                        <a:rPr lang="es-EC" sz="1200">
-                          <a:effectLst/>
-                        </a:rPr>
-                        <a:t>20</a:t>
-                      </a:r>
-                      <a:endParaRPr lang="es-EC" sz="1200">
-                        <a:effectLst/>
-                        <a:latin typeface="Calibri" panose="020F0502020204030204" pitchFamily="34" charset="0"/>
-                        <a:ea typeface="Calibri" panose="020F0502020204030204" pitchFamily="34" charset="0"/>
-                        <a:cs typeface="Times New Roman" panose="02020603050405020304" pitchFamily="18" charset="0"/>
-                      </a:endParaRPr>
-                    </a:p>
-                  </a:txBody>
-                  <a:tcPr marL="44450" marR="44450" marT="0" marB="0" anchor="ctr"/>
-                </a:tc>
-                <a:tc>
-                  <a:txBody>
-                    <a:bodyPr/>
-                    <a:lstStyle/>
-                    <a:p>
-                      <a:pPr algn="ctr">
-                        <a:spcAft>
-                          <a:spcPts val="0"/>
-                        </a:spcAft>
-                      </a:pPr>
-                      <a:r>
-                        <a:rPr lang="es-EC" sz="1200">
-                          <a:effectLst/>
-                        </a:rPr>
-                        <a:t>17</a:t>
-                      </a:r>
-                      <a:endParaRPr lang="es-EC" sz="1200">
-                        <a:effectLst/>
-                        <a:latin typeface="Calibri" panose="020F0502020204030204" pitchFamily="34" charset="0"/>
-                        <a:ea typeface="Calibri" panose="020F0502020204030204" pitchFamily="34" charset="0"/>
-                        <a:cs typeface="Times New Roman" panose="02020603050405020304" pitchFamily="18" charset="0"/>
-                      </a:endParaRPr>
-                    </a:p>
-                  </a:txBody>
-                  <a:tcPr marL="44450" marR="44450" marT="0" marB="0" anchor="ctr"/>
-                </a:tc>
-                <a:tc>
-                  <a:txBody>
-                    <a:bodyPr/>
-                    <a:lstStyle/>
-                    <a:p>
-                      <a:pPr algn="ctr">
-                        <a:spcAft>
-                          <a:spcPts val="0"/>
-                        </a:spcAft>
-                      </a:pPr>
-                      <a:r>
-                        <a:rPr lang="es-EC" sz="1200">
-                          <a:effectLst/>
-                        </a:rPr>
-                        <a:t>287</a:t>
-                      </a:r>
-                      <a:endParaRPr lang="es-EC" sz="1200">
-                        <a:effectLst/>
-                        <a:latin typeface="Calibri" panose="020F0502020204030204" pitchFamily="34" charset="0"/>
-                        <a:ea typeface="Calibri" panose="020F0502020204030204" pitchFamily="34" charset="0"/>
-                        <a:cs typeface="Times New Roman" panose="02020603050405020304" pitchFamily="18" charset="0"/>
-                      </a:endParaRPr>
-                    </a:p>
-                  </a:txBody>
-                  <a:tcPr marL="44450" marR="44450" marT="0" marB="0" anchor="ctr"/>
-                </a:tc>
-              </a:tr>
-              <a:tr h="246951">
-                <a:tc>
-                  <a:txBody>
-                    <a:bodyPr/>
-                    <a:lstStyle/>
-                    <a:p>
-                      <a:pPr algn="ctr">
-                        <a:spcAft>
-                          <a:spcPts val="0"/>
-                        </a:spcAft>
-                      </a:pPr>
-                      <a:r>
-                        <a:rPr lang="es-EC" sz="1200">
-                          <a:effectLst/>
-                        </a:rPr>
-                        <a:t>P</a:t>
-                      </a:r>
-                      <a:endParaRPr lang="es-EC" sz="1200">
-                        <a:effectLst/>
-                        <a:latin typeface="Calibri" panose="020F0502020204030204" pitchFamily="34" charset="0"/>
-                        <a:ea typeface="Calibri" panose="020F0502020204030204" pitchFamily="34" charset="0"/>
-                        <a:cs typeface="Times New Roman" panose="02020603050405020304" pitchFamily="18" charset="0"/>
-                      </a:endParaRPr>
-                    </a:p>
-                  </a:txBody>
-                  <a:tcPr marL="44450" marR="44450" marT="0" marB="0" anchor="b"/>
-                </a:tc>
-                <a:tc>
-                  <a:txBody>
-                    <a:bodyPr/>
-                    <a:lstStyle/>
-                    <a:p>
-                      <a:pPr algn="ctr">
-                        <a:spcAft>
-                          <a:spcPts val="0"/>
-                        </a:spcAft>
-                      </a:pPr>
-                      <a:r>
-                        <a:rPr lang="es-EC" sz="1200">
-                          <a:effectLst/>
-                        </a:rPr>
-                        <a:t>45</a:t>
-                      </a:r>
-                      <a:endParaRPr lang="es-EC" sz="1200">
-                        <a:effectLst/>
-                        <a:latin typeface="Calibri" panose="020F0502020204030204" pitchFamily="34" charset="0"/>
-                        <a:ea typeface="Calibri" panose="020F0502020204030204" pitchFamily="34" charset="0"/>
-                        <a:cs typeface="Times New Roman" panose="02020603050405020304" pitchFamily="18" charset="0"/>
-                      </a:endParaRPr>
-                    </a:p>
-                  </a:txBody>
-                  <a:tcPr marL="44450" marR="44450" marT="0" marB="0" anchor="ctr"/>
-                </a:tc>
-                <a:tc>
-                  <a:txBody>
-                    <a:bodyPr/>
-                    <a:lstStyle/>
-                    <a:p>
-                      <a:pPr algn="ctr">
-                        <a:spcAft>
-                          <a:spcPts val="0"/>
-                        </a:spcAft>
-                      </a:pPr>
-                      <a:r>
-                        <a:rPr lang="es-EC" sz="1200">
-                          <a:effectLst/>
-                        </a:rPr>
-                        <a:t>13</a:t>
-                      </a:r>
-                      <a:endParaRPr lang="es-EC" sz="1200">
-                        <a:effectLst/>
-                        <a:latin typeface="Calibri" panose="020F0502020204030204" pitchFamily="34" charset="0"/>
-                        <a:ea typeface="Calibri" panose="020F0502020204030204" pitchFamily="34" charset="0"/>
-                        <a:cs typeface="Times New Roman" panose="02020603050405020304" pitchFamily="18" charset="0"/>
-                      </a:endParaRPr>
-                    </a:p>
-                  </a:txBody>
-                  <a:tcPr marL="44450" marR="44450" marT="0" marB="0" anchor="ctr"/>
-                </a:tc>
-                <a:tc>
-                  <a:txBody>
-                    <a:bodyPr/>
-                    <a:lstStyle/>
-                    <a:p>
-                      <a:pPr algn="ctr">
-                        <a:spcAft>
-                          <a:spcPts val="0"/>
-                        </a:spcAft>
-                      </a:pPr>
-                      <a:r>
-                        <a:rPr lang="es-EC" sz="1200">
-                          <a:effectLst/>
-                        </a:rPr>
-                        <a:t>7</a:t>
-                      </a:r>
-                      <a:endParaRPr lang="es-EC" sz="1200">
-                        <a:effectLst/>
-                        <a:latin typeface="Calibri" panose="020F0502020204030204" pitchFamily="34" charset="0"/>
-                        <a:ea typeface="Calibri" panose="020F0502020204030204" pitchFamily="34" charset="0"/>
-                        <a:cs typeface="Times New Roman" panose="02020603050405020304" pitchFamily="18" charset="0"/>
-                      </a:endParaRPr>
-                    </a:p>
-                  </a:txBody>
-                  <a:tcPr marL="44450" marR="44450" marT="0" marB="0" anchor="ctr"/>
-                </a:tc>
-                <a:tc>
-                  <a:txBody>
-                    <a:bodyPr/>
-                    <a:lstStyle/>
-                    <a:p>
-                      <a:pPr algn="ctr">
-                        <a:spcAft>
-                          <a:spcPts val="0"/>
-                        </a:spcAft>
-                      </a:pPr>
-                      <a:r>
-                        <a:rPr lang="es-EC" sz="1200">
-                          <a:effectLst/>
-                        </a:rPr>
-                        <a:t>2</a:t>
-                      </a:r>
-                      <a:endParaRPr lang="es-EC" sz="1200">
-                        <a:effectLst/>
-                        <a:latin typeface="Calibri" panose="020F0502020204030204" pitchFamily="34" charset="0"/>
-                        <a:ea typeface="Calibri" panose="020F0502020204030204" pitchFamily="34" charset="0"/>
-                        <a:cs typeface="Times New Roman" panose="02020603050405020304" pitchFamily="18" charset="0"/>
-                      </a:endParaRPr>
-                    </a:p>
-                  </a:txBody>
-                  <a:tcPr marL="44450" marR="44450" marT="0" marB="0" anchor="ctr"/>
-                </a:tc>
-                <a:tc>
-                  <a:txBody>
-                    <a:bodyPr/>
-                    <a:lstStyle/>
-                    <a:p>
-                      <a:pPr algn="ctr">
-                        <a:spcAft>
-                          <a:spcPts val="0"/>
-                        </a:spcAft>
-                      </a:pPr>
-                      <a:r>
-                        <a:rPr lang="es-EC" sz="1200">
-                          <a:effectLst/>
-                        </a:rPr>
-                        <a:t>67</a:t>
-                      </a:r>
-                      <a:endParaRPr lang="es-EC" sz="1200">
-                        <a:effectLst/>
-                        <a:latin typeface="Calibri" panose="020F0502020204030204" pitchFamily="34" charset="0"/>
-                        <a:ea typeface="Calibri" panose="020F0502020204030204" pitchFamily="34" charset="0"/>
-                        <a:cs typeface="Times New Roman" panose="02020603050405020304" pitchFamily="18" charset="0"/>
-                      </a:endParaRPr>
-                    </a:p>
-                  </a:txBody>
-                  <a:tcPr marL="44450" marR="44450" marT="0" marB="0" anchor="ctr"/>
-                </a:tc>
-              </a:tr>
-              <a:tr h="246951">
-                <a:tc>
-                  <a:txBody>
-                    <a:bodyPr/>
-                    <a:lstStyle/>
-                    <a:p>
-                      <a:pPr algn="ctr">
-                        <a:spcAft>
-                          <a:spcPts val="0"/>
-                        </a:spcAft>
-                      </a:pPr>
-                      <a:r>
-                        <a:rPr lang="es-EC" sz="1200">
-                          <a:effectLst/>
-                        </a:rPr>
-                        <a:t>R</a:t>
-                      </a:r>
-                      <a:endParaRPr lang="es-EC" sz="1200">
-                        <a:effectLst/>
-                        <a:latin typeface="Calibri" panose="020F0502020204030204" pitchFamily="34" charset="0"/>
-                        <a:ea typeface="Calibri" panose="020F0502020204030204" pitchFamily="34" charset="0"/>
-                        <a:cs typeface="Times New Roman" panose="02020603050405020304" pitchFamily="18" charset="0"/>
-                      </a:endParaRPr>
-                    </a:p>
-                  </a:txBody>
-                  <a:tcPr marL="44450" marR="44450" marT="0" marB="0" anchor="b"/>
-                </a:tc>
-                <a:tc>
-                  <a:txBody>
-                    <a:bodyPr/>
-                    <a:lstStyle/>
-                    <a:p>
-                      <a:pPr algn="ctr">
-                        <a:spcAft>
-                          <a:spcPts val="0"/>
-                        </a:spcAft>
-                      </a:pPr>
-                      <a:r>
-                        <a:rPr lang="es-EC" sz="1200">
-                          <a:effectLst/>
-                        </a:rPr>
-                        <a:t>22</a:t>
-                      </a:r>
-                      <a:endParaRPr lang="es-EC" sz="1200">
-                        <a:effectLst/>
-                        <a:latin typeface="Calibri" panose="020F0502020204030204" pitchFamily="34" charset="0"/>
-                        <a:ea typeface="Calibri" panose="020F0502020204030204" pitchFamily="34" charset="0"/>
-                        <a:cs typeface="Times New Roman" panose="02020603050405020304" pitchFamily="18" charset="0"/>
-                      </a:endParaRPr>
-                    </a:p>
-                  </a:txBody>
-                  <a:tcPr marL="44450" marR="44450" marT="0" marB="0" anchor="ctr"/>
-                </a:tc>
-                <a:tc>
-                  <a:txBody>
-                    <a:bodyPr/>
-                    <a:lstStyle/>
-                    <a:p>
-                      <a:pPr algn="ctr">
-                        <a:spcAft>
-                          <a:spcPts val="0"/>
-                        </a:spcAft>
-                      </a:pPr>
-                      <a:r>
-                        <a:rPr lang="es-EC" sz="1200">
-                          <a:effectLst/>
-                        </a:rPr>
-                        <a:t>1</a:t>
-                      </a:r>
-                      <a:endParaRPr lang="es-EC" sz="1200">
-                        <a:effectLst/>
-                        <a:latin typeface="Calibri" panose="020F0502020204030204" pitchFamily="34" charset="0"/>
-                        <a:ea typeface="Calibri" panose="020F0502020204030204" pitchFamily="34" charset="0"/>
-                        <a:cs typeface="Times New Roman" panose="02020603050405020304" pitchFamily="18" charset="0"/>
-                      </a:endParaRPr>
-                    </a:p>
-                  </a:txBody>
-                  <a:tcPr marL="44450" marR="44450" marT="0" marB="0" anchor="ctr"/>
-                </a:tc>
-                <a:tc>
-                  <a:txBody>
-                    <a:bodyPr/>
-                    <a:lstStyle/>
-                    <a:p>
-                      <a:pPr algn="ctr">
-                        <a:spcAft>
-                          <a:spcPts val="0"/>
-                        </a:spcAft>
-                      </a:pPr>
-                      <a:r>
-                        <a:rPr lang="es-EC" sz="1200">
-                          <a:effectLst/>
-                        </a:rPr>
-                        <a:t>-</a:t>
-                      </a:r>
-                      <a:endParaRPr lang="es-EC" sz="1200">
-                        <a:effectLst/>
-                        <a:latin typeface="Calibri" panose="020F0502020204030204" pitchFamily="34" charset="0"/>
-                        <a:ea typeface="Calibri" panose="020F0502020204030204" pitchFamily="34" charset="0"/>
-                        <a:cs typeface="Times New Roman" panose="02020603050405020304" pitchFamily="18" charset="0"/>
-                      </a:endParaRPr>
-                    </a:p>
-                  </a:txBody>
-                  <a:tcPr marL="44450" marR="44450" marT="0" marB="0" anchor="ctr"/>
-                </a:tc>
-                <a:tc>
-                  <a:txBody>
-                    <a:bodyPr/>
-                    <a:lstStyle/>
-                    <a:p>
-                      <a:pPr algn="ctr">
-                        <a:spcAft>
-                          <a:spcPts val="0"/>
-                        </a:spcAft>
-                      </a:pPr>
-                      <a:r>
-                        <a:rPr lang="es-EC" sz="1200">
-                          <a:effectLst/>
-                        </a:rPr>
-                        <a:t>-</a:t>
-                      </a:r>
-                      <a:endParaRPr lang="es-EC" sz="1200">
-                        <a:effectLst/>
-                        <a:latin typeface="Calibri" panose="020F0502020204030204" pitchFamily="34" charset="0"/>
-                        <a:ea typeface="Calibri" panose="020F0502020204030204" pitchFamily="34" charset="0"/>
-                        <a:cs typeface="Times New Roman" panose="02020603050405020304" pitchFamily="18" charset="0"/>
-                      </a:endParaRPr>
-                    </a:p>
-                  </a:txBody>
-                  <a:tcPr marL="44450" marR="44450" marT="0" marB="0" anchor="ctr"/>
-                </a:tc>
-                <a:tc>
-                  <a:txBody>
-                    <a:bodyPr/>
-                    <a:lstStyle/>
-                    <a:p>
-                      <a:pPr algn="ctr">
-                        <a:spcAft>
-                          <a:spcPts val="0"/>
-                        </a:spcAft>
-                      </a:pPr>
-                      <a:r>
-                        <a:rPr lang="es-EC" sz="1200" dirty="0">
-                          <a:effectLst/>
-                        </a:rPr>
-                        <a:t>23</a:t>
-                      </a:r>
-                      <a:endParaRPr lang="es-EC" sz="1200" dirty="0">
-                        <a:effectLst/>
-                        <a:latin typeface="Calibri" panose="020F0502020204030204" pitchFamily="34" charset="0"/>
-                        <a:ea typeface="Calibri" panose="020F0502020204030204" pitchFamily="34" charset="0"/>
-                        <a:cs typeface="Times New Roman" panose="02020603050405020304" pitchFamily="18" charset="0"/>
-                      </a:endParaRPr>
-                    </a:p>
-                  </a:txBody>
-                  <a:tcPr marL="44450" marR="44450" marT="0" marB="0" anchor="ctr"/>
-                </a:tc>
-              </a:tr>
-            </a:tbl>
-          </a:graphicData>
-        </a:graphic>
-      </p:graphicFrame>
       <p:sp>
         <p:nvSpPr>
           <p:cNvPr id="6" name="Marcador de contenido 2"/>
@@ -9482,17 +8332,2812 @@
           </a:lstStyle>
           <a:p>
             <a:r>
-              <a:rPr lang="es-MX" dirty="0"/>
-              <a:t>El marco de muestreo queda constituido de la siguiente forma</a:t>
-            </a:r>
-            <a:r>
-              <a:rPr lang="es-MX" dirty="0" smtClean="0"/>
-              <a:t>:</a:t>
+              <a:rPr lang="es-MX"/>
+              <a:t>El marco de muestreo queda constituido de la siguiente forma:</a:t>
             </a:r>
             <a:endParaRPr lang="es-EC" dirty="0"/>
           </a:p>
         </p:txBody>
       </p:sp>
+      <p:graphicFrame>
+        <p:nvGraphicFramePr>
+          <p:cNvPr id="9" name="Marcador de contenido 8">
+            <a:extLst>
+              <a:ext uri="{FF2B5EF4-FFF2-40B4-BE49-F238E27FC236}">
+                <a16:creationId xmlns:a16="http://schemas.microsoft.com/office/drawing/2014/main" id="{453EBCC7-C18D-54F6-4A5F-B76287EFFDD9}"/>
+              </a:ext>
+            </a:extLst>
+          </p:cNvPr>
+          <p:cNvGraphicFramePr>
+            <a:graphicFrameLocks noGrp="1"/>
+          </p:cNvGraphicFramePr>
+          <p:nvPr>
+            <p:ph idx="1"/>
+            <p:extLst>
+              <p:ext uri="{D42A27DB-BD31-4B8C-83A1-F6EECF244321}">
+                <p14:modId xmlns:p14="http://schemas.microsoft.com/office/powerpoint/2010/main" val="3949920316"/>
+              </p:ext>
+            </p:extLst>
+          </p:nvPr>
+        </p:nvGraphicFramePr>
+        <p:xfrm>
+          <a:off x="1103313" y="1665027"/>
+          <a:ext cx="9337220" cy="4879885"/>
+        </p:xfrm>
+        <a:graphic>
+          <a:graphicData uri="http://schemas.openxmlformats.org/drawingml/2006/table">
+            <a:tbl>
+              <a:tblPr firstRow="1" firstCol="1" bandRow="1">
+                <a:tableStyleId>{5C22544A-7EE6-4342-B048-85BDC9FD1C3A}</a:tableStyleId>
+              </a:tblPr>
+              <a:tblGrid>
+                <a:gridCol w="867234">
+                  <a:extLst>
+                    <a:ext uri="{9D8B030D-6E8A-4147-A177-3AD203B41FA5}">
+                      <a16:colId xmlns:a16="http://schemas.microsoft.com/office/drawing/2014/main" val="1847802383"/>
+                    </a:ext>
+                  </a:extLst>
+                </a:gridCol>
+                <a:gridCol w="4133816">
+                  <a:extLst>
+                    <a:ext uri="{9D8B030D-6E8A-4147-A177-3AD203B41FA5}">
+                      <a16:colId xmlns:a16="http://schemas.microsoft.com/office/drawing/2014/main" val="333344748"/>
+                    </a:ext>
+                  </a:extLst>
+                </a:gridCol>
+                <a:gridCol w="867234">
+                  <a:extLst>
+                    <a:ext uri="{9D8B030D-6E8A-4147-A177-3AD203B41FA5}">
+                      <a16:colId xmlns:a16="http://schemas.microsoft.com/office/drawing/2014/main" val="1251412408"/>
+                    </a:ext>
+                  </a:extLst>
+                </a:gridCol>
+                <a:gridCol w="867234">
+                  <a:extLst>
+                    <a:ext uri="{9D8B030D-6E8A-4147-A177-3AD203B41FA5}">
+                      <a16:colId xmlns:a16="http://schemas.microsoft.com/office/drawing/2014/main" val="3988870852"/>
+                    </a:ext>
+                  </a:extLst>
+                </a:gridCol>
+                <a:gridCol w="867234">
+                  <a:extLst>
+                    <a:ext uri="{9D8B030D-6E8A-4147-A177-3AD203B41FA5}">
+                      <a16:colId xmlns:a16="http://schemas.microsoft.com/office/drawing/2014/main" val="3349064874"/>
+                    </a:ext>
+                  </a:extLst>
+                </a:gridCol>
+                <a:gridCol w="867234">
+                  <a:extLst>
+                    <a:ext uri="{9D8B030D-6E8A-4147-A177-3AD203B41FA5}">
+                      <a16:colId xmlns:a16="http://schemas.microsoft.com/office/drawing/2014/main" val="1288581425"/>
+                    </a:ext>
+                  </a:extLst>
+                </a:gridCol>
+                <a:gridCol w="867234">
+                  <a:extLst>
+                    <a:ext uri="{9D8B030D-6E8A-4147-A177-3AD203B41FA5}">
+                      <a16:colId xmlns:a16="http://schemas.microsoft.com/office/drawing/2014/main" val="3664147998"/>
+                    </a:ext>
+                  </a:extLst>
+                </a:gridCol>
+              </a:tblGrid>
+              <a:tr h="220469">
+                <a:tc rowSpan="3">
+                  <a:txBody>
+                    <a:bodyPr/>
+                    <a:lstStyle/>
+                    <a:p>
+                      <a:pPr algn="ctr" rtl="0" fontAlgn="ctr"/>
+                      <a:r>
+                        <a:rPr lang="es-EC" sz="1400" u="none" strike="noStrike">
+                          <a:effectLst/>
+                        </a:rPr>
+                        <a:t>Código Sección</a:t>
+                      </a:r>
+                      <a:endParaRPr lang="es-EC" sz="1400" b="1" i="0" u="none" strike="noStrike">
+                        <a:solidFill>
+                          <a:srgbClr val="FFFFFF"/>
+                        </a:solidFill>
+                        <a:effectLst/>
+                        <a:latin typeface="Century Gothic" panose="020B0502020202020204" pitchFamily="34" charset="0"/>
+                      </a:endParaRPr>
+                    </a:p>
+                  </a:txBody>
+                  <a:tcPr marL="9197" marR="9197" marT="9197" marB="0" anchor="ctr"/>
+                </a:tc>
+                <a:tc rowSpan="3">
+                  <a:txBody>
+                    <a:bodyPr/>
+                    <a:lstStyle/>
+                    <a:p>
+                      <a:pPr algn="ctr" rtl="0" fontAlgn="ctr"/>
+                      <a:r>
+                        <a:rPr lang="es-EC" sz="1400" u="none" strike="noStrike">
+                          <a:effectLst/>
+                        </a:rPr>
+                        <a:t>Descripción</a:t>
+                      </a:r>
+                      <a:endParaRPr lang="es-EC" sz="1400" b="1" i="0" u="none" strike="noStrike">
+                        <a:solidFill>
+                          <a:srgbClr val="FFFFFF"/>
+                        </a:solidFill>
+                        <a:effectLst/>
+                        <a:latin typeface="Century Gothic" panose="020B0502020202020204" pitchFamily="34" charset="0"/>
+                      </a:endParaRPr>
+                    </a:p>
+                  </a:txBody>
+                  <a:tcPr marL="9197" marR="9197" marT="9197" marB="0" anchor="ctr"/>
+                </a:tc>
+                <a:tc gridSpan="4">
+                  <a:txBody>
+                    <a:bodyPr/>
+                    <a:lstStyle/>
+                    <a:p>
+                      <a:pPr algn="ctr" rtl="0" fontAlgn="ctr"/>
+                      <a:r>
+                        <a:rPr lang="es-EC" sz="1400" u="none" strike="noStrike">
+                          <a:effectLst/>
+                        </a:rPr>
+                        <a:t>TAMAÑO DE EMPRESA</a:t>
+                      </a:r>
+                      <a:endParaRPr lang="es-EC" sz="1400" b="1" i="0" u="none" strike="noStrike">
+                        <a:solidFill>
+                          <a:srgbClr val="FFFFFF"/>
+                        </a:solidFill>
+                        <a:effectLst/>
+                        <a:latin typeface="Century Gothic" panose="020B0502020202020204" pitchFamily="34" charset="0"/>
+                      </a:endParaRPr>
+                    </a:p>
+                  </a:txBody>
+                  <a:tcPr marL="9197" marR="9197" marT="9197" marB="0" anchor="ctr"/>
+                </a:tc>
+                <a:tc hMerge="1">
+                  <a:txBody>
+                    <a:bodyPr/>
+                    <a:lstStyle/>
+                    <a:p>
+                      <a:endParaRPr lang="es-EC"/>
+                    </a:p>
+                  </a:txBody>
+                  <a:tcPr/>
+                </a:tc>
+                <a:tc hMerge="1">
+                  <a:txBody>
+                    <a:bodyPr/>
+                    <a:lstStyle/>
+                    <a:p>
+                      <a:endParaRPr lang="es-EC"/>
+                    </a:p>
+                  </a:txBody>
+                  <a:tcPr/>
+                </a:tc>
+                <a:tc hMerge="1">
+                  <a:txBody>
+                    <a:bodyPr/>
+                    <a:lstStyle/>
+                    <a:p>
+                      <a:endParaRPr lang="es-EC"/>
+                    </a:p>
+                  </a:txBody>
+                  <a:tcPr/>
+                </a:tc>
+                <a:tc rowSpan="3">
+                  <a:txBody>
+                    <a:bodyPr/>
+                    <a:lstStyle/>
+                    <a:p>
+                      <a:pPr algn="ctr" rtl="0" fontAlgn="ctr"/>
+                      <a:r>
+                        <a:rPr lang="es-EC" sz="1400" u="none" strike="noStrike">
+                          <a:effectLst/>
+                        </a:rPr>
+                        <a:t>Total</a:t>
+                      </a:r>
+                      <a:endParaRPr lang="es-EC" sz="1400" b="1" i="0" u="none" strike="noStrike">
+                        <a:solidFill>
+                          <a:srgbClr val="FFFFFF"/>
+                        </a:solidFill>
+                        <a:effectLst/>
+                        <a:latin typeface="Century Gothic" panose="020B0502020202020204" pitchFamily="34" charset="0"/>
+                      </a:endParaRPr>
+                    </a:p>
+                  </a:txBody>
+                  <a:tcPr marL="9197" marR="9197" marT="9197" marB="0" anchor="ctr"/>
+                </a:tc>
+                <a:extLst>
+                  <a:ext uri="{0D108BD9-81ED-4DB2-BD59-A6C34878D82A}">
+                    <a16:rowId xmlns:a16="http://schemas.microsoft.com/office/drawing/2014/main" val="2050516147"/>
+                  </a:ext>
+                </a:extLst>
+              </a:tr>
+              <a:tr h="242805">
+                <a:tc vMerge="1">
+                  <a:txBody>
+                    <a:bodyPr/>
+                    <a:lstStyle/>
+                    <a:p>
+                      <a:endParaRPr lang="es-EC"/>
+                    </a:p>
+                  </a:txBody>
+                  <a:tcPr/>
+                </a:tc>
+                <a:tc vMerge="1">
+                  <a:txBody>
+                    <a:bodyPr/>
+                    <a:lstStyle/>
+                    <a:p>
+                      <a:endParaRPr lang="es-EC"/>
+                    </a:p>
+                  </a:txBody>
+                  <a:tcPr/>
+                </a:tc>
+                <a:tc>
+                  <a:txBody>
+                    <a:bodyPr/>
+                    <a:lstStyle/>
+                    <a:p>
+                      <a:pPr algn="ctr" rtl="0" fontAlgn="ctr"/>
+                      <a:r>
+                        <a:rPr lang="es-EC" sz="1400" u="none" strike="noStrike">
+                          <a:effectLst/>
+                        </a:rPr>
+                        <a:t>Pequeña </a:t>
+                      </a:r>
+                      <a:endParaRPr lang="es-EC" sz="1400" b="0" i="0" u="none" strike="noStrike">
+                        <a:solidFill>
+                          <a:srgbClr val="000000"/>
+                        </a:solidFill>
+                        <a:effectLst/>
+                        <a:latin typeface="Century Gothic" panose="020B0502020202020204" pitchFamily="34" charset="0"/>
+                      </a:endParaRPr>
+                    </a:p>
+                  </a:txBody>
+                  <a:tcPr marL="9197" marR="9197" marT="9197" marB="0" anchor="ctr"/>
+                </a:tc>
+                <a:tc rowSpan="2">
+                  <a:txBody>
+                    <a:bodyPr/>
+                    <a:lstStyle/>
+                    <a:p>
+                      <a:pPr algn="ctr" rtl="0" fontAlgn="ctr"/>
+                      <a:r>
+                        <a:rPr lang="es-EC" sz="1400" u="none" strike="noStrike">
+                          <a:effectLst/>
+                        </a:rPr>
+                        <a:t>Mediana “A”</a:t>
+                      </a:r>
+                      <a:endParaRPr lang="es-EC" sz="1400" b="0" i="0" u="none" strike="noStrike">
+                        <a:solidFill>
+                          <a:srgbClr val="000000"/>
+                        </a:solidFill>
+                        <a:effectLst/>
+                        <a:latin typeface="Century Gothic" panose="020B0502020202020204" pitchFamily="34" charset="0"/>
+                      </a:endParaRPr>
+                    </a:p>
+                  </a:txBody>
+                  <a:tcPr marL="9197" marR="9197" marT="9197" marB="0" anchor="ctr"/>
+                </a:tc>
+                <a:tc rowSpan="2">
+                  <a:txBody>
+                    <a:bodyPr/>
+                    <a:lstStyle/>
+                    <a:p>
+                      <a:pPr algn="ctr" rtl="0" fontAlgn="ctr"/>
+                      <a:r>
+                        <a:rPr lang="es-EC" sz="1400" u="none" strike="noStrike">
+                          <a:effectLst/>
+                        </a:rPr>
+                        <a:t>Mediana “B”</a:t>
+                      </a:r>
+                      <a:endParaRPr lang="es-EC" sz="1400" b="0" i="0" u="none" strike="noStrike">
+                        <a:solidFill>
+                          <a:srgbClr val="000000"/>
+                        </a:solidFill>
+                        <a:effectLst/>
+                        <a:latin typeface="Century Gothic" panose="020B0502020202020204" pitchFamily="34" charset="0"/>
+                      </a:endParaRPr>
+                    </a:p>
+                  </a:txBody>
+                  <a:tcPr marL="9197" marR="9197" marT="9197" marB="0" anchor="ctr"/>
+                </a:tc>
+                <a:tc>
+                  <a:txBody>
+                    <a:bodyPr/>
+                    <a:lstStyle/>
+                    <a:p>
+                      <a:pPr algn="ctr" rtl="0" fontAlgn="ctr"/>
+                      <a:r>
+                        <a:rPr lang="es-EC" sz="1400" u="none" strike="noStrike">
+                          <a:effectLst/>
+                        </a:rPr>
+                        <a:t>Grande</a:t>
+                      </a:r>
+                      <a:endParaRPr lang="es-EC" sz="1400" b="0" i="0" u="none" strike="noStrike">
+                        <a:solidFill>
+                          <a:srgbClr val="000000"/>
+                        </a:solidFill>
+                        <a:effectLst/>
+                        <a:latin typeface="Century Gothic" panose="020B0502020202020204" pitchFamily="34" charset="0"/>
+                      </a:endParaRPr>
+                    </a:p>
+                  </a:txBody>
+                  <a:tcPr marL="9197" marR="9197" marT="9197" marB="0" anchor="ctr"/>
+                </a:tc>
+                <a:tc vMerge="1">
+                  <a:txBody>
+                    <a:bodyPr/>
+                    <a:lstStyle/>
+                    <a:p>
+                      <a:endParaRPr lang="es-EC"/>
+                    </a:p>
+                  </a:txBody>
+                  <a:tcPr/>
+                </a:tc>
+                <a:extLst>
+                  <a:ext uri="{0D108BD9-81ED-4DB2-BD59-A6C34878D82A}">
+                    <a16:rowId xmlns:a16="http://schemas.microsoft.com/office/drawing/2014/main" val="3442193665"/>
+                  </a:ext>
+                </a:extLst>
+              </a:tr>
+              <a:tr h="242805">
+                <a:tc vMerge="1">
+                  <a:txBody>
+                    <a:bodyPr/>
+                    <a:lstStyle/>
+                    <a:p>
+                      <a:endParaRPr lang="es-EC"/>
+                    </a:p>
+                  </a:txBody>
+                  <a:tcPr/>
+                </a:tc>
+                <a:tc vMerge="1">
+                  <a:txBody>
+                    <a:bodyPr/>
+                    <a:lstStyle/>
+                    <a:p>
+                      <a:endParaRPr lang="es-EC"/>
+                    </a:p>
+                  </a:txBody>
+                  <a:tcPr/>
+                </a:tc>
+                <a:tc>
+                  <a:txBody>
+                    <a:bodyPr/>
+                    <a:lstStyle/>
+                    <a:p>
+                      <a:pPr algn="ctr" rtl="0" fontAlgn="ctr"/>
+                      <a:r>
+                        <a:rPr lang="es-EC" sz="1400" u="none" strike="noStrike">
+                          <a:effectLst/>
+                        </a:rPr>
+                        <a:t>empresa</a:t>
+                      </a:r>
+                      <a:endParaRPr lang="es-EC" sz="1400" b="0" i="0" u="none" strike="noStrike">
+                        <a:solidFill>
+                          <a:srgbClr val="000000"/>
+                        </a:solidFill>
+                        <a:effectLst/>
+                        <a:latin typeface="Century Gothic" panose="020B0502020202020204" pitchFamily="34" charset="0"/>
+                      </a:endParaRPr>
+                    </a:p>
+                  </a:txBody>
+                  <a:tcPr marL="9197" marR="9197" marT="9197" marB="0" anchor="ctr"/>
+                </a:tc>
+                <a:tc vMerge="1">
+                  <a:txBody>
+                    <a:bodyPr/>
+                    <a:lstStyle/>
+                    <a:p>
+                      <a:endParaRPr lang="es-EC"/>
+                    </a:p>
+                  </a:txBody>
+                  <a:tcPr/>
+                </a:tc>
+                <a:tc vMerge="1">
+                  <a:txBody>
+                    <a:bodyPr/>
+                    <a:lstStyle/>
+                    <a:p>
+                      <a:endParaRPr lang="es-EC"/>
+                    </a:p>
+                  </a:txBody>
+                  <a:tcPr/>
+                </a:tc>
+                <a:tc>
+                  <a:txBody>
+                    <a:bodyPr/>
+                    <a:lstStyle/>
+                    <a:p>
+                      <a:pPr algn="ctr" rtl="0" fontAlgn="ctr"/>
+                      <a:r>
+                        <a:rPr lang="es-EC" sz="1400" u="none" strike="noStrike">
+                          <a:effectLst/>
+                        </a:rPr>
+                        <a:t>Empresa</a:t>
+                      </a:r>
+                      <a:endParaRPr lang="es-EC" sz="1400" b="0" i="0" u="none" strike="noStrike">
+                        <a:solidFill>
+                          <a:srgbClr val="000000"/>
+                        </a:solidFill>
+                        <a:effectLst/>
+                        <a:latin typeface="Century Gothic" panose="020B0502020202020204" pitchFamily="34" charset="0"/>
+                      </a:endParaRPr>
+                    </a:p>
+                  </a:txBody>
+                  <a:tcPr marL="9197" marR="9197" marT="9197" marB="0" anchor="ctr"/>
+                </a:tc>
+                <a:tc vMerge="1">
+                  <a:txBody>
+                    <a:bodyPr/>
+                    <a:lstStyle/>
+                    <a:p>
+                      <a:endParaRPr lang="es-EC"/>
+                    </a:p>
+                  </a:txBody>
+                  <a:tcPr/>
+                </a:tc>
+                <a:extLst>
+                  <a:ext uri="{0D108BD9-81ED-4DB2-BD59-A6C34878D82A}">
+                    <a16:rowId xmlns:a16="http://schemas.microsoft.com/office/drawing/2014/main" val="3643600952"/>
+                  </a:ext>
+                </a:extLst>
+              </a:tr>
+              <a:tr h="242805">
+                <a:tc>
+                  <a:txBody>
+                    <a:bodyPr/>
+                    <a:lstStyle/>
+                    <a:p>
+                      <a:pPr algn="ctr" rtl="0" fontAlgn="ctr"/>
+                      <a:r>
+                        <a:rPr lang="es-EC" sz="1400" u="none" strike="noStrike">
+                          <a:effectLst/>
+                        </a:rPr>
+                        <a:t>A </a:t>
+                      </a:r>
+                      <a:endParaRPr lang="es-EC" sz="1400" b="1" i="0" u="none" strike="noStrike">
+                        <a:solidFill>
+                          <a:srgbClr val="FFFFFF"/>
+                        </a:solidFill>
+                        <a:effectLst/>
+                        <a:latin typeface="Century Gothic" panose="020B0502020202020204" pitchFamily="34" charset="0"/>
+                      </a:endParaRPr>
+                    </a:p>
+                  </a:txBody>
+                  <a:tcPr marL="9197" marR="9197" marT="9197" marB="0" anchor="ctr"/>
+                </a:tc>
+                <a:tc>
+                  <a:txBody>
+                    <a:bodyPr/>
+                    <a:lstStyle/>
+                    <a:p>
+                      <a:pPr algn="l" rtl="0" fontAlgn="ctr"/>
+                      <a:r>
+                        <a:rPr lang="es-MX" sz="1400" u="none" strike="noStrike">
+                          <a:effectLst/>
+                        </a:rPr>
+                        <a:t>Agricultura, ganadería, silvicultura y pesca</a:t>
+                      </a:r>
+                      <a:endParaRPr lang="es-MX" sz="1400" b="1" i="0" u="none" strike="noStrike">
+                        <a:solidFill>
+                          <a:srgbClr val="FFFFFF"/>
+                        </a:solidFill>
+                        <a:effectLst/>
+                        <a:latin typeface="Century Gothic" panose="020B0502020202020204" pitchFamily="34" charset="0"/>
+                      </a:endParaRPr>
+                    </a:p>
+                  </a:txBody>
+                  <a:tcPr marL="9197" marR="9197" marT="9197" marB="0" anchor="ctr"/>
+                </a:tc>
+                <a:tc>
+                  <a:txBody>
+                    <a:bodyPr/>
+                    <a:lstStyle/>
+                    <a:p>
+                      <a:pPr algn="ctr" rtl="0" fontAlgn="ctr"/>
+                      <a:r>
+                        <a:rPr lang="es-EC" sz="1400" u="none" strike="noStrike">
+                          <a:effectLst/>
+                        </a:rPr>
+                        <a:t>116</a:t>
+                      </a:r>
+                      <a:endParaRPr lang="es-EC" sz="1400" b="0" i="0" u="none" strike="noStrike">
+                        <a:solidFill>
+                          <a:srgbClr val="000000"/>
+                        </a:solidFill>
+                        <a:effectLst/>
+                        <a:latin typeface="Century Gothic" panose="020B0502020202020204" pitchFamily="34" charset="0"/>
+                      </a:endParaRPr>
+                    </a:p>
+                  </a:txBody>
+                  <a:tcPr marL="9197" marR="9197" marT="9197" marB="0" anchor="ctr"/>
+                </a:tc>
+                <a:tc>
+                  <a:txBody>
+                    <a:bodyPr/>
+                    <a:lstStyle/>
+                    <a:p>
+                      <a:pPr algn="ctr" rtl="0" fontAlgn="ctr"/>
+                      <a:r>
+                        <a:rPr lang="es-EC" sz="1400" u="none" strike="noStrike">
+                          <a:effectLst/>
+                        </a:rPr>
+                        <a:t>39</a:t>
+                      </a:r>
+                      <a:endParaRPr lang="es-EC" sz="1400" b="0" i="0" u="none" strike="noStrike">
+                        <a:solidFill>
+                          <a:srgbClr val="000000"/>
+                        </a:solidFill>
+                        <a:effectLst/>
+                        <a:latin typeface="Century Gothic" panose="020B0502020202020204" pitchFamily="34" charset="0"/>
+                      </a:endParaRPr>
+                    </a:p>
+                  </a:txBody>
+                  <a:tcPr marL="9197" marR="9197" marT="9197" marB="0" anchor="ctr"/>
+                </a:tc>
+                <a:tc>
+                  <a:txBody>
+                    <a:bodyPr/>
+                    <a:lstStyle/>
+                    <a:p>
+                      <a:pPr algn="ctr" rtl="0" fontAlgn="ctr"/>
+                      <a:r>
+                        <a:rPr lang="es-EC" sz="1400" u="none" strike="noStrike">
+                          <a:effectLst/>
+                        </a:rPr>
+                        <a:t>43</a:t>
+                      </a:r>
+                      <a:endParaRPr lang="es-EC" sz="1400" b="0" i="0" u="none" strike="noStrike">
+                        <a:solidFill>
+                          <a:srgbClr val="000000"/>
+                        </a:solidFill>
+                        <a:effectLst/>
+                        <a:latin typeface="Century Gothic" panose="020B0502020202020204" pitchFamily="34" charset="0"/>
+                      </a:endParaRPr>
+                    </a:p>
+                  </a:txBody>
+                  <a:tcPr marL="9197" marR="9197" marT="9197" marB="0" anchor="ctr"/>
+                </a:tc>
+                <a:tc>
+                  <a:txBody>
+                    <a:bodyPr/>
+                    <a:lstStyle/>
+                    <a:p>
+                      <a:pPr algn="ctr" rtl="0" fontAlgn="ctr"/>
+                      <a:r>
+                        <a:rPr lang="es-EC" sz="1400" u="none" strike="noStrike">
+                          <a:effectLst/>
+                        </a:rPr>
+                        <a:t>44</a:t>
+                      </a:r>
+                      <a:endParaRPr lang="es-EC" sz="1400" b="0" i="0" u="none" strike="noStrike">
+                        <a:solidFill>
+                          <a:srgbClr val="000000"/>
+                        </a:solidFill>
+                        <a:effectLst/>
+                        <a:latin typeface="Century Gothic" panose="020B0502020202020204" pitchFamily="34" charset="0"/>
+                      </a:endParaRPr>
+                    </a:p>
+                  </a:txBody>
+                  <a:tcPr marL="9197" marR="9197" marT="9197" marB="0" anchor="ctr"/>
+                </a:tc>
+                <a:tc>
+                  <a:txBody>
+                    <a:bodyPr/>
+                    <a:lstStyle/>
+                    <a:p>
+                      <a:pPr algn="ctr" rtl="0" fontAlgn="ctr"/>
+                      <a:r>
+                        <a:rPr lang="es-EC" sz="1400" u="none" strike="noStrike">
+                          <a:effectLst/>
+                        </a:rPr>
+                        <a:t>242</a:t>
+                      </a:r>
+                      <a:endParaRPr lang="es-EC" sz="1400" b="0" i="0" u="none" strike="noStrike">
+                        <a:solidFill>
+                          <a:srgbClr val="000000"/>
+                        </a:solidFill>
+                        <a:effectLst/>
+                        <a:latin typeface="Century Gothic" panose="020B0502020202020204" pitchFamily="34" charset="0"/>
+                      </a:endParaRPr>
+                    </a:p>
+                  </a:txBody>
+                  <a:tcPr marL="9197" marR="9197" marT="9197" marB="0" anchor="ctr"/>
+                </a:tc>
+                <a:extLst>
+                  <a:ext uri="{0D108BD9-81ED-4DB2-BD59-A6C34878D82A}">
+                    <a16:rowId xmlns:a16="http://schemas.microsoft.com/office/drawing/2014/main" val="2050327627"/>
+                  </a:ext>
+                </a:extLst>
+              </a:tr>
+              <a:tr h="242805">
+                <a:tc>
+                  <a:txBody>
+                    <a:bodyPr/>
+                    <a:lstStyle/>
+                    <a:p>
+                      <a:pPr algn="ctr" rtl="0" fontAlgn="ctr"/>
+                      <a:r>
+                        <a:rPr lang="es-EC" sz="1400" u="none" strike="noStrike">
+                          <a:effectLst/>
+                        </a:rPr>
+                        <a:t>B</a:t>
+                      </a:r>
+                      <a:endParaRPr lang="es-EC" sz="1400" b="1" i="0" u="none" strike="noStrike">
+                        <a:solidFill>
+                          <a:srgbClr val="FFFFFF"/>
+                        </a:solidFill>
+                        <a:effectLst/>
+                        <a:latin typeface="Century Gothic" panose="020B0502020202020204" pitchFamily="34" charset="0"/>
+                      </a:endParaRPr>
+                    </a:p>
+                  </a:txBody>
+                  <a:tcPr marL="9197" marR="9197" marT="9197" marB="0" anchor="ctr"/>
+                </a:tc>
+                <a:tc>
+                  <a:txBody>
+                    <a:bodyPr/>
+                    <a:lstStyle/>
+                    <a:p>
+                      <a:pPr algn="l" rtl="0" fontAlgn="ctr"/>
+                      <a:r>
+                        <a:rPr lang="es-EC" sz="1400" u="none" strike="noStrike">
+                          <a:effectLst/>
+                        </a:rPr>
+                        <a:t>Explotación minas y canteras</a:t>
+                      </a:r>
+                      <a:endParaRPr lang="es-EC" sz="1400" b="1" i="0" u="none" strike="noStrike">
+                        <a:solidFill>
+                          <a:srgbClr val="FFFFFF"/>
+                        </a:solidFill>
+                        <a:effectLst/>
+                        <a:latin typeface="Century Gothic" panose="020B0502020202020204" pitchFamily="34" charset="0"/>
+                      </a:endParaRPr>
+                    </a:p>
+                  </a:txBody>
+                  <a:tcPr marL="9197" marR="9197" marT="9197" marB="0" anchor="ctr"/>
+                </a:tc>
+                <a:tc>
+                  <a:txBody>
+                    <a:bodyPr/>
+                    <a:lstStyle/>
+                    <a:p>
+                      <a:pPr algn="ctr" rtl="0" fontAlgn="ctr"/>
+                      <a:r>
+                        <a:rPr lang="es-EC" sz="1400" u="none" strike="noStrike">
+                          <a:effectLst/>
+                        </a:rPr>
+                        <a:t>213</a:t>
+                      </a:r>
+                      <a:endParaRPr lang="es-EC" sz="1400" b="0" i="0" u="none" strike="noStrike">
+                        <a:solidFill>
+                          <a:srgbClr val="000000"/>
+                        </a:solidFill>
+                        <a:effectLst/>
+                        <a:latin typeface="Century Gothic" panose="020B0502020202020204" pitchFamily="34" charset="0"/>
+                      </a:endParaRPr>
+                    </a:p>
+                  </a:txBody>
+                  <a:tcPr marL="9197" marR="9197" marT="9197" marB="0" anchor="ctr"/>
+                </a:tc>
+                <a:tc>
+                  <a:txBody>
+                    <a:bodyPr/>
+                    <a:lstStyle/>
+                    <a:p>
+                      <a:pPr algn="ctr" rtl="0" fontAlgn="ctr"/>
+                      <a:r>
+                        <a:rPr lang="es-EC" sz="1400" u="none" strike="noStrike">
+                          <a:effectLst/>
+                        </a:rPr>
+                        <a:t>35</a:t>
+                      </a:r>
+                      <a:endParaRPr lang="es-EC" sz="1400" b="0" i="0" u="none" strike="noStrike">
+                        <a:solidFill>
+                          <a:srgbClr val="000000"/>
+                        </a:solidFill>
+                        <a:effectLst/>
+                        <a:latin typeface="Century Gothic" panose="020B0502020202020204" pitchFamily="34" charset="0"/>
+                      </a:endParaRPr>
+                    </a:p>
+                  </a:txBody>
+                  <a:tcPr marL="9197" marR="9197" marT="9197" marB="0" anchor="ctr"/>
+                </a:tc>
+                <a:tc>
+                  <a:txBody>
+                    <a:bodyPr/>
+                    <a:lstStyle/>
+                    <a:p>
+                      <a:pPr algn="ctr" rtl="0" fontAlgn="ctr"/>
+                      <a:r>
+                        <a:rPr lang="es-EC" sz="1400" u="none" strike="noStrike">
+                          <a:effectLst/>
+                        </a:rPr>
+                        <a:t>27</a:t>
+                      </a:r>
+                      <a:endParaRPr lang="es-EC" sz="1400" b="0" i="0" u="none" strike="noStrike">
+                        <a:solidFill>
+                          <a:srgbClr val="000000"/>
+                        </a:solidFill>
+                        <a:effectLst/>
+                        <a:latin typeface="Century Gothic" panose="020B0502020202020204" pitchFamily="34" charset="0"/>
+                      </a:endParaRPr>
+                    </a:p>
+                  </a:txBody>
+                  <a:tcPr marL="9197" marR="9197" marT="9197" marB="0" anchor="ctr"/>
+                </a:tc>
+                <a:tc>
+                  <a:txBody>
+                    <a:bodyPr/>
+                    <a:lstStyle/>
+                    <a:p>
+                      <a:pPr algn="ctr" rtl="0" fontAlgn="ctr"/>
+                      <a:r>
+                        <a:rPr lang="es-EC" sz="1400" u="none" strike="noStrike">
+                          <a:effectLst/>
+                        </a:rPr>
+                        <a:t>41</a:t>
+                      </a:r>
+                      <a:endParaRPr lang="es-EC" sz="1400" b="0" i="0" u="none" strike="noStrike">
+                        <a:solidFill>
+                          <a:srgbClr val="000000"/>
+                        </a:solidFill>
+                        <a:effectLst/>
+                        <a:latin typeface="Century Gothic" panose="020B0502020202020204" pitchFamily="34" charset="0"/>
+                      </a:endParaRPr>
+                    </a:p>
+                  </a:txBody>
+                  <a:tcPr marL="9197" marR="9197" marT="9197" marB="0" anchor="ctr"/>
+                </a:tc>
+                <a:tc>
+                  <a:txBody>
+                    <a:bodyPr/>
+                    <a:lstStyle/>
+                    <a:p>
+                      <a:pPr algn="ctr" rtl="0" fontAlgn="ctr"/>
+                      <a:r>
+                        <a:rPr lang="es-EC" sz="1400" u="none" strike="noStrike">
+                          <a:effectLst/>
+                        </a:rPr>
+                        <a:t>316</a:t>
+                      </a:r>
+                      <a:endParaRPr lang="es-EC" sz="1400" b="0" i="0" u="none" strike="noStrike">
+                        <a:solidFill>
+                          <a:srgbClr val="000000"/>
+                        </a:solidFill>
+                        <a:effectLst/>
+                        <a:latin typeface="Century Gothic" panose="020B0502020202020204" pitchFamily="34" charset="0"/>
+                      </a:endParaRPr>
+                    </a:p>
+                  </a:txBody>
+                  <a:tcPr marL="9197" marR="9197" marT="9197" marB="0" anchor="ctr"/>
+                </a:tc>
+                <a:extLst>
+                  <a:ext uri="{0D108BD9-81ED-4DB2-BD59-A6C34878D82A}">
+                    <a16:rowId xmlns:a16="http://schemas.microsoft.com/office/drawing/2014/main" val="2786435018"/>
+                  </a:ext>
+                </a:extLst>
+              </a:tr>
+              <a:tr h="242805">
+                <a:tc>
+                  <a:txBody>
+                    <a:bodyPr/>
+                    <a:lstStyle/>
+                    <a:p>
+                      <a:pPr algn="ctr" rtl="0" fontAlgn="ctr"/>
+                      <a:r>
+                        <a:rPr lang="es-EC" sz="1400" u="none" strike="noStrike">
+                          <a:effectLst/>
+                        </a:rPr>
+                        <a:t>C</a:t>
+                      </a:r>
+                      <a:endParaRPr lang="es-EC" sz="1400" b="1" i="0" u="none" strike="noStrike">
+                        <a:solidFill>
+                          <a:srgbClr val="FFFFFF"/>
+                        </a:solidFill>
+                        <a:effectLst/>
+                        <a:latin typeface="Century Gothic" panose="020B0502020202020204" pitchFamily="34" charset="0"/>
+                      </a:endParaRPr>
+                    </a:p>
+                  </a:txBody>
+                  <a:tcPr marL="9197" marR="9197" marT="9197" marB="0" anchor="ctr"/>
+                </a:tc>
+                <a:tc>
+                  <a:txBody>
+                    <a:bodyPr/>
+                    <a:lstStyle/>
+                    <a:p>
+                      <a:pPr algn="l" rtl="0" fontAlgn="ctr"/>
+                      <a:r>
+                        <a:rPr lang="es-EC" sz="1400" u="none" strike="noStrike">
+                          <a:effectLst/>
+                        </a:rPr>
+                        <a:t>Industrias manufactureras</a:t>
+                      </a:r>
+                      <a:endParaRPr lang="es-EC" sz="1400" b="1" i="0" u="none" strike="noStrike">
+                        <a:solidFill>
+                          <a:srgbClr val="FFFFFF"/>
+                        </a:solidFill>
+                        <a:effectLst/>
+                        <a:latin typeface="Century Gothic" panose="020B0502020202020204" pitchFamily="34" charset="0"/>
+                      </a:endParaRPr>
+                    </a:p>
+                  </a:txBody>
+                  <a:tcPr marL="9197" marR="9197" marT="9197" marB="0" anchor="ctr"/>
+                </a:tc>
+                <a:tc>
+                  <a:txBody>
+                    <a:bodyPr/>
+                    <a:lstStyle/>
+                    <a:p>
+                      <a:pPr algn="ctr" rtl="0" fontAlgn="ctr"/>
+                      <a:r>
+                        <a:rPr lang="es-EC" sz="1400" u="none" strike="noStrike">
+                          <a:effectLst/>
+                        </a:rPr>
+                        <a:t>2.281</a:t>
+                      </a:r>
+                      <a:endParaRPr lang="es-EC" sz="1400" b="0" i="0" u="none" strike="noStrike">
+                        <a:solidFill>
+                          <a:srgbClr val="000000"/>
+                        </a:solidFill>
+                        <a:effectLst/>
+                        <a:latin typeface="Century Gothic" panose="020B0502020202020204" pitchFamily="34" charset="0"/>
+                      </a:endParaRPr>
+                    </a:p>
+                  </a:txBody>
+                  <a:tcPr marL="9197" marR="9197" marT="9197" marB="0" anchor="ctr"/>
+                </a:tc>
+                <a:tc>
+                  <a:txBody>
+                    <a:bodyPr/>
+                    <a:lstStyle/>
+                    <a:p>
+                      <a:pPr algn="ctr" rtl="0" fontAlgn="ctr"/>
+                      <a:r>
+                        <a:rPr lang="es-EC" sz="1400" u="none" strike="noStrike">
+                          <a:effectLst/>
+                        </a:rPr>
+                        <a:t>461</a:t>
+                      </a:r>
+                      <a:endParaRPr lang="es-EC" sz="1400" b="0" i="0" u="none" strike="noStrike">
+                        <a:solidFill>
+                          <a:srgbClr val="000000"/>
+                        </a:solidFill>
+                        <a:effectLst/>
+                        <a:latin typeface="Century Gothic" panose="020B0502020202020204" pitchFamily="34" charset="0"/>
+                      </a:endParaRPr>
+                    </a:p>
+                  </a:txBody>
+                  <a:tcPr marL="9197" marR="9197" marT="9197" marB="0" anchor="ctr"/>
+                </a:tc>
+                <a:tc>
+                  <a:txBody>
+                    <a:bodyPr/>
+                    <a:lstStyle/>
+                    <a:p>
+                      <a:pPr algn="ctr" rtl="0" fontAlgn="ctr"/>
+                      <a:r>
+                        <a:rPr lang="es-EC" sz="1400" u="none" strike="noStrike">
+                          <a:effectLst/>
+                        </a:rPr>
+                        <a:t>341</a:t>
+                      </a:r>
+                      <a:endParaRPr lang="es-EC" sz="1400" b="0" i="0" u="none" strike="noStrike">
+                        <a:solidFill>
+                          <a:srgbClr val="000000"/>
+                        </a:solidFill>
+                        <a:effectLst/>
+                        <a:latin typeface="Century Gothic" panose="020B0502020202020204" pitchFamily="34" charset="0"/>
+                      </a:endParaRPr>
+                    </a:p>
+                  </a:txBody>
+                  <a:tcPr marL="9197" marR="9197" marT="9197" marB="0" anchor="ctr"/>
+                </a:tc>
+                <a:tc>
+                  <a:txBody>
+                    <a:bodyPr/>
+                    <a:lstStyle/>
+                    <a:p>
+                      <a:pPr algn="ctr" rtl="0" fontAlgn="ctr"/>
+                      <a:r>
+                        <a:rPr lang="es-EC" sz="1400" u="none" strike="noStrike">
+                          <a:effectLst/>
+                        </a:rPr>
+                        <a:t>602</a:t>
+                      </a:r>
+                      <a:endParaRPr lang="es-EC" sz="1400" b="0" i="0" u="none" strike="noStrike">
+                        <a:solidFill>
+                          <a:srgbClr val="000000"/>
+                        </a:solidFill>
+                        <a:effectLst/>
+                        <a:latin typeface="Century Gothic" panose="020B0502020202020204" pitchFamily="34" charset="0"/>
+                      </a:endParaRPr>
+                    </a:p>
+                  </a:txBody>
+                  <a:tcPr marL="9197" marR="9197" marT="9197" marB="0" anchor="ctr"/>
+                </a:tc>
+                <a:tc>
+                  <a:txBody>
+                    <a:bodyPr/>
+                    <a:lstStyle/>
+                    <a:p>
+                      <a:pPr algn="ctr" rtl="0" fontAlgn="ctr"/>
+                      <a:r>
+                        <a:rPr lang="es-EC" sz="1400" u="none" strike="noStrike">
+                          <a:effectLst/>
+                        </a:rPr>
+                        <a:t>3.685</a:t>
+                      </a:r>
+                      <a:endParaRPr lang="es-EC" sz="1400" b="0" i="0" u="none" strike="noStrike">
+                        <a:solidFill>
+                          <a:srgbClr val="000000"/>
+                        </a:solidFill>
+                        <a:effectLst/>
+                        <a:latin typeface="Century Gothic" panose="020B0502020202020204" pitchFamily="34" charset="0"/>
+                      </a:endParaRPr>
+                    </a:p>
+                  </a:txBody>
+                  <a:tcPr marL="9197" marR="9197" marT="9197" marB="0" anchor="ctr"/>
+                </a:tc>
+                <a:extLst>
+                  <a:ext uri="{0D108BD9-81ED-4DB2-BD59-A6C34878D82A}">
+                    <a16:rowId xmlns:a16="http://schemas.microsoft.com/office/drawing/2014/main" val="3037370850"/>
+                  </a:ext>
+                </a:extLst>
+              </a:tr>
+              <a:tr h="430381">
+                <a:tc>
+                  <a:txBody>
+                    <a:bodyPr/>
+                    <a:lstStyle/>
+                    <a:p>
+                      <a:pPr algn="ctr" rtl="0" fontAlgn="ctr"/>
+                      <a:r>
+                        <a:rPr lang="es-EC" sz="1400" u="none" strike="noStrike">
+                          <a:effectLst/>
+                        </a:rPr>
+                        <a:t>E</a:t>
+                      </a:r>
+                      <a:endParaRPr lang="es-EC" sz="1400" b="1" i="0" u="none" strike="noStrike">
+                        <a:solidFill>
+                          <a:srgbClr val="FFFFFF"/>
+                        </a:solidFill>
+                        <a:effectLst/>
+                        <a:latin typeface="Century Gothic" panose="020B0502020202020204" pitchFamily="34" charset="0"/>
+                      </a:endParaRPr>
+                    </a:p>
+                  </a:txBody>
+                  <a:tcPr marL="9197" marR="9197" marT="9197" marB="0" anchor="ctr"/>
+                </a:tc>
+                <a:tc>
+                  <a:txBody>
+                    <a:bodyPr/>
+                    <a:lstStyle/>
+                    <a:p>
+                      <a:pPr algn="l" rtl="0" fontAlgn="ctr"/>
+                      <a:r>
+                        <a:rPr lang="es-MX" sz="1400" u="none" strike="noStrike" dirty="0">
+                          <a:effectLst/>
+                        </a:rPr>
+                        <a:t>Distribución agua; alcantarillado, desechos y saneamiento</a:t>
+                      </a:r>
+                      <a:endParaRPr lang="es-MX" sz="1400" b="1" i="0" u="none" strike="noStrike" dirty="0">
+                        <a:solidFill>
+                          <a:srgbClr val="FFFFFF"/>
+                        </a:solidFill>
+                        <a:effectLst/>
+                        <a:latin typeface="Century Gothic" panose="020B0502020202020204" pitchFamily="34" charset="0"/>
+                      </a:endParaRPr>
+                    </a:p>
+                  </a:txBody>
+                  <a:tcPr marL="9197" marR="9197" marT="9197" marB="0" anchor="ctr"/>
+                </a:tc>
+                <a:tc>
+                  <a:txBody>
+                    <a:bodyPr/>
+                    <a:lstStyle/>
+                    <a:p>
+                      <a:pPr algn="ctr" rtl="0" fontAlgn="ctr"/>
+                      <a:r>
+                        <a:rPr lang="es-EC" sz="1400" u="none" strike="noStrike">
+                          <a:effectLst/>
+                        </a:rPr>
+                        <a:t>31</a:t>
+                      </a:r>
+                      <a:endParaRPr lang="es-EC" sz="1400" b="0" i="0" u="none" strike="noStrike">
+                        <a:solidFill>
+                          <a:srgbClr val="000000"/>
+                        </a:solidFill>
+                        <a:effectLst/>
+                        <a:latin typeface="Century Gothic" panose="020B0502020202020204" pitchFamily="34" charset="0"/>
+                      </a:endParaRPr>
+                    </a:p>
+                  </a:txBody>
+                  <a:tcPr marL="9197" marR="9197" marT="9197" marB="0" anchor="ctr"/>
+                </a:tc>
+                <a:tc>
+                  <a:txBody>
+                    <a:bodyPr/>
+                    <a:lstStyle/>
+                    <a:p>
+                      <a:pPr algn="ctr" rtl="0" fontAlgn="ctr"/>
+                      <a:r>
+                        <a:rPr lang="es-EC" sz="1400" u="none" strike="noStrike">
+                          <a:effectLst/>
+                        </a:rPr>
+                        <a:t>3</a:t>
+                      </a:r>
+                      <a:endParaRPr lang="es-EC" sz="1400" b="0" i="0" u="none" strike="noStrike">
+                        <a:solidFill>
+                          <a:srgbClr val="000000"/>
+                        </a:solidFill>
+                        <a:effectLst/>
+                        <a:latin typeface="Century Gothic" panose="020B0502020202020204" pitchFamily="34" charset="0"/>
+                      </a:endParaRPr>
+                    </a:p>
+                  </a:txBody>
+                  <a:tcPr marL="9197" marR="9197" marT="9197" marB="0" anchor="ctr"/>
+                </a:tc>
+                <a:tc>
+                  <a:txBody>
+                    <a:bodyPr/>
+                    <a:lstStyle/>
+                    <a:p>
+                      <a:pPr algn="ctr" rtl="0" fontAlgn="ctr"/>
+                      <a:r>
+                        <a:rPr lang="es-EC" sz="1400" u="none" strike="noStrike">
+                          <a:effectLst/>
+                        </a:rPr>
+                        <a:t>3</a:t>
+                      </a:r>
+                      <a:endParaRPr lang="es-EC" sz="1400" b="0" i="0" u="none" strike="noStrike">
+                        <a:solidFill>
+                          <a:srgbClr val="000000"/>
+                        </a:solidFill>
+                        <a:effectLst/>
+                        <a:latin typeface="Century Gothic" panose="020B0502020202020204" pitchFamily="34" charset="0"/>
+                      </a:endParaRPr>
+                    </a:p>
+                  </a:txBody>
+                  <a:tcPr marL="9197" marR="9197" marT="9197" marB="0" anchor="ctr"/>
+                </a:tc>
+                <a:tc>
+                  <a:txBody>
+                    <a:bodyPr/>
+                    <a:lstStyle/>
+                    <a:p>
+                      <a:pPr algn="ctr" rtl="0" fontAlgn="ctr"/>
+                      <a:r>
+                        <a:rPr lang="es-EC" sz="1400" u="none" strike="noStrike">
+                          <a:effectLst/>
+                        </a:rPr>
+                        <a:t>2</a:t>
+                      </a:r>
+                      <a:endParaRPr lang="es-EC" sz="1400" b="0" i="0" u="none" strike="noStrike">
+                        <a:solidFill>
+                          <a:srgbClr val="000000"/>
+                        </a:solidFill>
+                        <a:effectLst/>
+                        <a:latin typeface="Century Gothic" panose="020B0502020202020204" pitchFamily="34" charset="0"/>
+                      </a:endParaRPr>
+                    </a:p>
+                  </a:txBody>
+                  <a:tcPr marL="9197" marR="9197" marT="9197" marB="0" anchor="ctr"/>
+                </a:tc>
+                <a:tc>
+                  <a:txBody>
+                    <a:bodyPr/>
+                    <a:lstStyle/>
+                    <a:p>
+                      <a:pPr algn="ctr" rtl="0" fontAlgn="ctr"/>
+                      <a:r>
+                        <a:rPr lang="es-EC" sz="1400" u="none" strike="noStrike">
+                          <a:effectLst/>
+                        </a:rPr>
+                        <a:t>39</a:t>
+                      </a:r>
+                      <a:endParaRPr lang="es-EC" sz="1400" b="0" i="0" u="none" strike="noStrike">
+                        <a:solidFill>
+                          <a:srgbClr val="000000"/>
+                        </a:solidFill>
+                        <a:effectLst/>
+                        <a:latin typeface="Century Gothic" panose="020B0502020202020204" pitchFamily="34" charset="0"/>
+                      </a:endParaRPr>
+                    </a:p>
+                  </a:txBody>
+                  <a:tcPr marL="9197" marR="9197" marT="9197" marB="0" anchor="ctr"/>
+                </a:tc>
+                <a:extLst>
+                  <a:ext uri="{0D108BD9-81ED-4DB2-BD59-A6C34878D82A}">
+                    <a16:rowId xmlns:a16="http://schemas.microsoft.com/office/drawing/2014/main" val="2751165514"/>
+                  </a:ext>
+                </a:extLst>
+              </a:tr>
+              <a:tr h="422267">
+                <a:tc>
+                  <a:txBody>
+                    <a:bodyPr/>
+                    <a:lstStyle/>
+                    <a:p>
+                      <a:pPr algn="ctr" rtl="0" fontAlgn="ctr"/>
+                      <a:r>
+                        <a:rPr lang="es-EC" sz="1400" u="none" strike="noStrike">
+                          <a:effectLst/>
+                        </a:rPr>
+                        <a:t>G</a:t>
+                      </a:r>
+                      <a:endParaRPr lang="es-EC" sz="1400" b="1" i="0" u="none" strike="noStrike">
+                        <a:solidFill>
+                          <a:srgbClr val="FFFFFF"/>
+                        </a:solidFill>
+                        <a:effectLst/>
+                        <a:latin typeface="Century Gothic" panose="020B0502020202020204" pitchFamily="34" charset="0"/>
+                      </a:endParaRPr>
+                    </a:p>
+                  </a:txBody>
+                  <a:tcPr marL="9197" marR="9197" marT="9197" marB="0" anchor="ctr"/>
+                </a:tc>
+                <a:tc>
+                  <a:txBody>
+                    <a:bodyPr/>
+                    <a:lstStyle/>
+                    <a:p>
+                      <a:pPr algn="l" rtl="0" fontAlgn="ctr"/>
+                      <a:r>
+                        <a:rPr lang="es-MX" sz="1400" u="none" strike="noStrike">
+                          <a:effectLst/>
+                        </a:rPr>
+                        <a:t>Comercio, reparación automotores y motocicletas</a:t>
+                      </a:r>
+                      <a:endParaRPr lang="es-MX" sz="1400" b="1" i="0" u="none" strike="noStrike">
+                        <a:solidFill>
+                          <a:srgbClr val="FFFFFF"/>
+                        </a:solidFill>
+                        <a:effectLst/>
+                        <a:latin typeface="Century Gothic" panose="020B0502020202020204" pitchFamily="34" charset="0"/>
+                      </a:endParaRPr>
+                    </a:p>
+                  </a:txBody>
+                  <a:tcPr marL="9197" marR="9197" marT="9197" marB="0" anchor="ctr"/>
+                </a:tc>
+                <a:tc>
+                  <a:txBody>
+                    <a:bodyPr/>
+                    <a:lstStyle/>
+                    <a:p>
+                      <a:pPr algn="ctr" rtl="0" fontAlgn="ctr"/>
+                      <a:r>
+                        <a:rPr lang="es-EC" sz="1400" u="none" strike="noStrike">
+                          <a:effectLst/>
+                        </a:rPr>
+                        <a:t>12</a:t>
+                      </a:r>
+                      <a:endParaRPr lang="es-EC" sz="1400" b="0" i="0" u="none" strike="noStrike">
+                        <a:solidFill>
+                          <a:srgbClr val="000000"/>
+                        </a:solidFill>
+                        <a:effectLst/>
+                        <a:latin typeface="Century Gothic" panose="020B0502020202020204" pitchFamily="34" charset="0"/>
+                      </a:endParaRPr>
+                    </a:p>
+                  </a:txBody>
+                  <a:tcPr marL="9197" marR="9197" marT="9197" marB="0" anchor="ctr"/>
+                </a:tc>
+                <a:tc>
+                  <a:txBody>
+                    <a:bodyPr/>
+                    <a:lstStyle/>
+                    <a:p>
+                      <a:pPr algn="ctr" rtl="0" fontAlgn="ctr"/>
+                      <a:r>
+                        <a:rPr lang="es-EC" sz="1400" u="none" strike="noStrike">
+                          <a:effectLst/>
+                        </a:rPr>
+                        <a:t>1</a:t>
+                      </a:r>
+                      <a:endParaRPr lang="es-EC" sz="1400" b="0" i="0" u="none" strike="noStrike">
+                        <a:solidFill>
+                          <a:srgbClr val="000000"/>
+                        </a:solidFill>
+                        <a:effectLst/>
+                        <a:latin typeface="Century Gothic" panose="020B0502020202020204" pitchFamily="34" charset="0"/>
+                      </a:endParaRPr>
+                    </a:p>
+                  </a:txBody>
+                  <a:tcPr marL="9197" marR="9197" marT="9197" marB="0" anchor="ctr"/>
+                </a:tc>
+                <a:tc>
+                  <a:txBody>
+                    <a:bodyPr/>
+                    <a:lstStyle/>
+                    <a:p>
+                      <a:pPr algn="ctr" rtl="0" fontAlgn="ctr"/>
+                      <a:r>
+                        <a:rPr lang="es-EC" sz="1400" u="none" strike="noStrike">
+                          <a:effectLst/>
+                        </a:rPr>
+                        <a:t>-</a:t>
+                      </a:r>
+                      <a:endParaRPr lang="es-EC" sz="1400" b="0" i="0" u="none" strike="noStrike">
+                        <a:solidFill>
+                          <a:srgbClr val="000000"/>
+                        </a:solidFill>
+                        <a:effectLst/>
+                        <a:latin typeface="Century Gothic" panose="020B0502020202020204" pitchFamily="34" charset="0"/>
+                      </a:endParaRPr>
+                    </a:p>
+                  </a:txBody>
+                  <a:tcPr marL="9197" marR="9197" marT="9197" marB="0" anchor="ctr"/>
+                </a:tc>
+                <a:tc>
+                  <a:txBody>
+                    <a:bodyPr/>
+                    <a:lstStyle/>
+                    <a:p>
+                      <a:pPr algn="ctr" rtl="0" fontAlgn="ctr"/>
+                      <a:r>
+                        <a:rPr lang="es-EC" sz="1400" u="none" strike="noStrike">
+                          <a:effectLst/>
+                        </a:rPr>
+                        <a:t>-</a:t>
+                      </a:r>
+                      <a:endParaRPr lang="es-EC" sz="1400" b="0" i="0" u="none" strike="noStrike">
+                        <a:solidFill>
+                          <a:srgbClr val="000000"/>
+                        </a:solidFill>
+                        <a:effectLst/>
+                        <a:latin typeface="Century Gothic" panose="020B0502020202020204" pitchFamily="34" charset="0"/>
+                      </a:endParaRPr>
+                    </a:p>
+                  </a:txBody>
+                  <a:tcPr marL="9197" marR="9197" marT="9197" marB="0" anchor="ctr"/>
+                </a:tc>
+                <a:tc>
+                  <a:txBody>
+                    <a:bodyPr/>
+                    <a:lstStyle/>
+                    <a:p>
+                      <a:pPr algn="ctr" rtl="0" fontAlgn="ctr"/>
+                      <a:r>
+                        <a:rPr lang="es-EC" sz="1400" u="none" strike="noStrike">
+                          <a:effectLst/>
+                        </a:rPr>
+                        <a:t>13</a:t>
+                      </a:r>
+                      <a:endParaRPr lang="es-EC" sz="1400" b="0" i="0" u="none" strike="noStrike">
+                        <a:solidFill>
+                          <a:srgbClr val="000000"/>
+                        </a:solidFill>
+                        <a:effectLst/>
+                        <a:latin typeface="Century Gothic" panose="020B0502020202020204" pitchFamily="34" charset="0"/>
+                      </a:endParaRPr>
+                    </a:p>
+                  </a:txBody>
+                  <a:tcPr marL="9197" marR="9197" marT="9197" marB="0" anchor="ctr"/>
+                </a:tc>
+                <a:extLst>
+                  <a:ext uri="{0D108BD9-81ED-4DB2-BD59-A6C34878D82A}">
+                    <a16:rowId xmlns:a16="http://schemas.microsoft.com/office/drawing/2014/main" val="2772555209"/>
+                  </a:ext>
+                </a:extLst>
+              </a:tr>
+              <a:tr h="242805">
+                <a:tc>
+                  <a:txBody>
+                    <a:bodyPr/>
+                    <a:lstStyle/>
+                    <a:p>
+                      <a:pPr algn="ctr" rtl="0" fontAlgn="ctr"/>
+                      <a:r>
+                        <a:rPr lang="es-EC" sz="1400" u="none" strike="noStrike">
+                          <a:effectLst/>
+                        </a:rPr>
+                        <a:t>H</a:t>
+                      </a:r>
+                      <a:endParaRPr lang="es-EC" sz="1400" b="1" i="0" u="none" strike="noStrike">
+                        <a:solidFill>
+                          <a:srgbClr val="FFFFFF"/>
+                        </a:solidFill>
+                        <a:effectLst/>
+                        <a:latin typeface="Century Gothic" panose="020B0502020202020204" pitchFamily="34" charset="0"/>
+                      </a:endParaRPr>
+                    </a:p>
+                  </a:txBody>
+                  <a:tcPr marL="9197" marR="9197" marT="9197" marB="0" anchor="ctr"/>
+                </a:tc>
+                <a:tc>
+                  <a:txBody>
+                    <a:bodyPr/>
+                    <a:lstStyle/>
+                    <a:p>
+                      <a:pPr algn="l" rtl="0" fontAlgn="ctr"/>
+                      <a:r>
+                        <a:rPr lang="es-EC" sz="1400" u="none" strike="noStrike">
+                          <a:effectLst/>
+                        </a:rPr>
+                        <a:t>Transporte y almacenamiento</a:t>
+                      </a:r>
+                      <a:endParaRPr lang="es-EC" sz="1400" b="1" i="0" u="none" strike="noStrike">
+                        <a:solidFill>
+                          <a:srgbClr val="FFFFFF"/>
+                        </a:solidFill>
+                        <a:effectLst/>
+                        <a:latin typeface="Century Gothic" panose="020B0502020202020204" pitchFamily="34" charset="0"/>
+                      </a:endParaRPr>
+                    </a:p>
+                  </a:txBody>
+                  <a:tcPr marL="9197" marR="9197" marT="9197" marB="0" anchor="ctr"/>
+                </a:tc>
+                <a:tc>
+                  <a:txBody>
+                    <a:bodyPr/>
+                    <a:lstStyle/>
+                    <a:p>
+                      <a:pPr algn="ctr" rtl="0" fontAlgn="ctr"/>
+                      <a:r>
+                        <a:rPr lang="es-EC" sz="1400" u="none" strike="noStrike">
+                          <a:effectLst/>
+                        </a:rPr>
+                        <a:t>113</a:t>
+                      </a:r>
+                      <a:endParaRPr lang="es-EC" sz="1400" b="0" i="0" u="none" strike="noStrike">
+                        <a:solidFill>
+                          <a:srgbClr val="000000"/>
+                        </a:solidFill>
+                        <a:effectLst/>
+                        <a:latin typeface="Century Gothic" panose="020B0502020202020204" pitchFamily="34" charset="0"/>
+                      </a:endParaRPr>
+                    </a:p>
+                  </a:txBody>
+                  <a:tcPr marL="9197" marR="9197" marT="9197" marB="0" anchor="ctr"/>
+                </a:tc>
+                <a:tc>
+                  <a:txBody>
+                    <a:bodyPr/>
+                    <a:lstStyle/>
+                    <a:p>
+                      <a:pPr algn="ctr" rtl="0" fontAlgn="ctr"/>
+                      <a:r>
+                        <a:rPr lang="es-EC" sz="1400" u="none" strike="noStrike">
+                          <a:effectLst/>
+                        </a:rPr>
+                        <a:t>22</a:t>
+                      </a:r>
+                      <a:endParaRPr lang="es-EC" sz="1400" b="0" i="0" u="none" strike="noStrike">
+                        <a:solidFill>
+                          <a:srgbClr val="000000"/>
+                        </a:solidFill>
+                        <a:effectLst/>
+                        <a:latin typeface="Century Gothic" panose="020B0502020202020204" pitchFamily="34" charset="0"/>
+                      </a:endParaRPr>
+                    </a:p>
+                  </a:txBody>
+                  <a:tcPr marL="9197" marR="9197" marT="9197" marB="0" anchor="ctr"/>
+                </a:tc>
+                <a:tc>
+                  <a:txBody>
+                    <a:bodyPr/>
+                    <a:lstStyle/>
+                    <a:p>
+                      <a:pPr algn="ctr" rtl="0" fontAlgn="ctr"/>
+                      <a:r>
+                        <a:rPr lang="es-EC" sz="1400" u="none" strike="noStrike">
+                          <a:effectLst/>
+                        </a:rPr>
+                        <a:t>12</a:t>
+                      </a:r>
+                      <a:endParaRPr lang="es-EC" sz="1400" b="0" i="0" u="none" strike="noStrike">
+                        <a:solidFill>
+                          <a:srgbClr val="000000"/>
+                        </a:solidFill>
+                        <a:effectLst/>
+                        <a:latin typeface="Century Gothic" panose="020B0502020202020204" pitchFamily="34" charset="0"/>
+                      </a:endParaRPr>
+                    </a:p>
+                  </a:txBody>
+                  <a:tcPr marL="9197" marR="9197" marT="9197" marB="0" anchor="ctr"/>
+                </a:tc>
+                <a:tc>
+                  <a:txBody>
+                    <a:bodyPr/>
+                    <a:lstStyle/>
+                    <a:p>
+                      <a:pPr algn="ctr" rtl="0" fontAlgn="ctr"/>
+                      <a:r>
+                        <a:rPr lang="es-EC" sz="1400" u="none" strike="noStrike">
+                          <a:effectLst/>
+                        </a:rPr>
+                        <a:t>16</a:t>
+                      </a:r>
+                      <a:endParaRPr lang="es-EC" sz="1400" b="0" i="0" u="none" strike="noStrike">
+                        <a:solidFill>
+                          <a:srgbClr val="000000"/>
+                        </a:solidFill>
+                        <a:effectLst/>
+                        <a:latin typeface="Century Gothic" panose="020B0502020202020204" pitchFamily="34" charset="0"/>
+                      </a:endParaRPr>
+                    </a:p>
+                  </a:txBody>
+                  <a:tcPr marL="9197" marR="9197" marT="9197" marB="0" anchor="ctr"/>
+                </a:tc>
+                <a:tc>
+                  <a:txBody>
+                    <a:bodyPr/>
+                    <a:lstStyle/>
+                    <a:p>
+                      <a:pPr algn="ctr" rtl="0" fontAlgn="ctr"/>
+                      <a:r>
+                        <a:rPr lang="es-EC" sz="1400" u="none" strike="noStrike">
+                          <a:effectLst/>
+                        </a:rPr>
+                        <a:t>163</a:t>
+                      </a:r>
+                      <a:endParaRPr lang="es-EC" sz="1400" b="0" i="0" u="none" strike="noStrike">
+                        <a:solidFill>
+                          <a:srgbClr val="000000"/>
+                        </a:solidFill>
+                        <a:effectLst/>
+                        <a:latin typeface="Century Gothic" panose="020B0502020202020204" pitchFamily="34" charset="0"/>
+                      </a:endParaRPr>
+                    </a:p>
+                  </a:txBody>
+                  <a:tcPr marL="9197" marR="9197" marT="9197" marB="0" anchor="ctr"/>
+                </a:tc>
+                <a:extLst>
+                  <a:ext uri="{0D108BD9-81ED-4DB2-BD59-A6C34878D82A}">
+                    <a16:rowId xmlns:a16="http://schemas.microsoft.com/office/drawing/2014/main" val="2897386927"/>
+                  </a:ext>
+                </a:extLst>
+              </a:tr>
+              <a:tr h="422267">
+                <a:tc>
+                  <a:txBody>
+                    <a:bodyPr/>
+                    <a:lstStyle/>
+                    <a:p>
+                      <a:pPr algn="ctr" rtl="0" fontAlgn="ctr"/>
+                      <a:r>
+                        <a:rPr lang="es-EC" sz="1400" u="none" strike="noStrike">
+                          <a:effectLst/>
+                        </a:rPr>
+                        <a:t>I</a:t>
+                      </a:r>
+                      <a:endParaRPr lang="es-EC" sz="1400" b="1" i="0" u="none" strike="noStrike">
+                        <a:solidFill>
+                          <a:srgbClr val="FFFFFF"/>
+                        </a:solidFill>
+                        <a:effectLst/>
+                        <a:latin typeface="Century Gothic" panose="020B0502020202020204" pitchFamily="34" charset="0"/>
+                      </a:endParaRPr>
+                    </a:p>
+                  </a:txBody>
+                  <a:tcPr marL="9197" marR="9197" marT="9197" marB="0" anchor="ctr"/>
+                </a:tc>
+                <a:tc>
+                  <a:txBody>
+                    <a:bodyPr/>
+                    <a:lstStyle/>
+                    <a:p>
+                      <a:pPr algn="l" rtl="0" fontAlgn="ctr"/>
+                      <a:r>
+                        <a:rPr lang="es-MX" sz="1400" u="none" strike="noStrike">
+                          <a:effectLst/>
+                        </a:rPr>
+                        <a:t>Actividades de alojamiento y de servicio de comidas</a:t>
+                      </a:r>
+                      <a:endParaRPr lang="es-MX" sz="1400" b="1" i="0" u="none" strike="noStrike">
+                        <a:solidFill>
+                          <a:srgbClr val="FFFFFF"/>
+                        </a:solidFill>
+                        <a:effectLst/>
+                        <a:latin typeface="Century Gothic" panose="020B0502020202020204" pitchFamily="34" charset="0"/>
+                      </a:endParaRPr>
+                    </a:p>
+                  </a:txBody>
+                  <a:tcPr marL="9197" marR="9197" marT="9197" marB="0" anchor="ctr"/>
+                </a:tc>
+                <a:tc>
+                  <a:txBody>
+                    <a:bodyPr/>
+                    <a:lstStyle/>
+                    <a:p>
+                      <a:pPr algn="ctr" rtl="0" fontAlgn="ctr"/>
+                      <a:r>
+                        <a:rPr lang="es-EC" sz="1400" u="none" strike="noStrike">
+                          <a:effectLst/>
+                        </a:rPr>
+                        <a:t>77</a:t>
+                      </a:r>
+                      <a:endParaRPr lang="es-EC" sz="1400" b="0" i="0" u="none" strike="noStrike">
+                        <a:solidFill>
+                          <a:srgbClr val="000000"/>
+                        </a:solidFill>
+                        <a:effectLst/>
+                        <a:latin typeface="Century Gothic" panose="020B0502020202020204" pitchFamily="34" charset="0"/>
+                      </a:endParaRPr>
+                    </a:p>
+                  </a:txBody>
+                  <a:tcPr marL="9197" marR="9197" marT="9197" marB="0" anchor="ctr"/>
+                </a:tc>
+                <a:tc>
+                  <a:txBody>
+                    <a:bodyPr/>
+                    <a:lstStyle/>
+                    <a:p>
+                      <a:pPr algn="ctr" rtl="0" fontAlgn="ctr"/>
+                      <a:r>
+                        <a:rPr lang="es-EC" sz="1400" u="none" strike="noStrike">
+                          <a:effectLst/>
+                        </a:rPr>
+                        <a:t>4</a:t>
+                      </a:r>
+                      <a:endParaRPr lang="es-EC" sz="1400" b="0" i="0" u="none" strike="noStrike">
+                        <a:solidFill>
+                          <a:srgbClr val="000000"/>
+                        </a:solidFill>
+                        <a:effectLst/>
+                        <a:latin typeface="Century Gothic" panose="020B0502020202020204" pitchFamily="34" charset="0"/>
+                      </a:endParaRPr>
+                    </a:p>
+                  </a:txBody>
+                  <a:tcPr marL="9197" marR="9197" marT="9197" marB="0" anchor="ctr"/>
+                </a:tc>
+                <a:tc>
+                  <a:txBody>
+                    <a:bodyPr/>
+                    <a:lstStyle/>
+                    <a:p>
+                      <a:pPr algn="ctr" rtl="0" fontAlgn="ctr"/>
+                      <a:r>
+                        <a:rPr lang="es-EC" sz="1400" u="none" strike="noStrike">
+                          <a:effectLst/>
+                        </a:rPr>
+                        <a:t>3</a:t>
+                      </a:r>
+                      <a:endParaRPr lang="es-EC" sz="1400" b="0" i="0" u="none" strike="noStrike">
+                        <a:solidFill>
+                          <a:srgbClr val="000000"/>
+                        </a:solidFill>
+                        <a:effectLst/>
+                        <a:latin typeface="Century Gothic" panose="020B0502020202020204" pitchFamily="34" charset="0"/>
+                      </a:endParaRPr>
+                    </a:p>
+                  </a:txBody>
+                  <a:tcPr marL="9197" marR="9197" marT="9197" marB="0" anchor="ctr"/>
+                </a:tc>
+                <a:tc>
+                  <a:txBody>
+                    <a:bodyPr/>
+                    <a:lstStyle/>
+                    <a:p>
+                      <a:pPr algn="ctr" rtl="0" fontAlgn="ctr"/>
+                      <a:r>
+                        <a:rPr lang="es-EC" sz="1400" u="none" strike="noStrike">
+                          <a:effectLst/>
+                        </a:rPr>
+                        <a:t>-</a:t>
+                      </a:r>
+                      <a:endParaRPr lang="es-EC" sz="1400" b="0" i="0" u="none" strike="noStrike">
+                        <a:solidFill>
+                          <a:srgbClr val="000000"/>
+                        </a:solidFill>
+                        <a:effectLst/>
+                        <a:latin typeface="Century Gothic" panose="020B0502020202020204" pitchFamily="34" charset="0"/>
+                      </a:endParaRPr>
+                    </a:p>
+                  </a:txBody>
+                  <a:tcPr marL="9197" marR="9197" marT="9197" marB="0" anchor="ctr"/>
+                </a:tc>
+                <a:tc>
+                  <a:txBody>
+                    <a:bodyPr/>
+                    <a:lstStyle/>
+                    <a:p>
+                      <a:pPr algn="ctr" rtl="0" fontAlgn="ctr"/>
+                      <a:r>
+                        <a:rPr lang="es-EC" sz="1400" u="none" strike="noStrike">
+                          <a:effectLst/>
+                        </a:rPr>
+                        <a:t>84</a:t>
+                      </a:r>
+                      <a:endParaRPr lang="es-EC" sz="1400" b="0" i="0" u="none" strike="noStrike">
+                        <a:solidFill>
+                          <a:srgbClr val="000000"/>
+                        </a:solidFill>
+                        <a:effectLst/>
+                        <a:latin typeface="Century Gothic" panose="020B0502020202020204" pitchFamily="34" charset="0"/>
+                      </a:endParaRPr>
+                    </a:p>
+                  </a:txBody>
+                  <a:tcPr marL="9197" marR="9197" marT="9197" marB="0" anchor="ctr"/>
+                </a:tc>
+                <a:extLst>
+                  <a:ext uri="{0D108BD9-81ED-4DB2-BD59-A6C34878D82A}">
+                    <a16:rowId xmlns:a16="http://schemas.microsoft.com/office/drawing/2014/main" val="720444472"/>
+                  </a:ext>
+                </a:extLst>
+              </a:tr>
+              <a:tr h="242805">
+                <a:tc>
+                  <a:txBody>
+                    <a:bodyPr/>
+                    <a:lstStyle/>
+                    <a:p>
+                      <a:pPr algn="ctr" rtl="0" fontAlgn="ctr"/>
+                      <a:r>
+                        <a:rPr lang="es-EC" sz="1400" u="none" strike="noStrike">
+                          <a:effectLst/>
+                        </a:rPr>
+                        <a:t>J</a:t>
+                      </a:r>
+                      <a:endParaRPr lang="es-EC" sz="1400" b="1" i="0" u="none" strike="noStrike">
+                        <a:solidFill>
+                          <a:srgbClr val="FFFFFF"/>
+                        </a:solidFill>
+                        <a:effectLst/>
+                        <a:latin typeface="Century Gothic" panose="020B0502020202020204" pitchFamily="34" charset="0"/>
+                      </a:endParaRPr>
+                    </a:p>
+                  </a:txBody>
+                  <a:tcPr marL="9197" marR="9197" marT="9197" marB="0" anchor="ctr"/>
+                </a:tc>
+                <a:tc>
+                  <a:txBody>
+                    <a:bodyPr/>
+                    <a:lstStyle/>
+                    <a:p>
+                      <a:pPr algn="l" rtl="0" fontAlgn="ctr"/>
+                      <a:r>
+                        <a:rPr lang="es-EC" sz="1400" u="none" strike="noStrike">
+                          <a:effectLst/>
+                        </a:rPr>
+                        <a:t>Información y comunicación</a:t>
+                      </a:r>
+                      <a:endParaRPr lang="es-EC" sz="1400" b="1" i="0" u="none" strike="noStrike">
+                        <a:solidFill>
+                          <a:srgbClr val="FFFFFF"/>
+                        </a:solidFill>
+                        <a:effectLst/>
+                        <a:latin typeface="Century Gothic" panose="020B0502020202020204" pitchFamily="34" charset="0"/>
+                      </a:endParaRPr>
+                    </a:p>
+                  </a:txBody>
+                  <a:tcPr marL="9197" marR="9197" marT="9197" marB="0" anchor="ctr"/>
+                </a:tc>
+                <a:tc>
+                  <a:txBody>
+                    <a:bodyPr/>
+                    <a:lstStyle/>
+                    <a:p>
+                      <a:pPr algn="ctr" rtl="0" fontAlgn="ctr"/>
+                      <a:r>
+                        <a:rPr lang="es-EC" sz="1400" u="none" strike="noStrike">
+                          <a:effectLst/>
+                        </a:rPr>
+                        <a:t>87</a:t>
+                      </a:r>
+                      <a:endParaRPr lang="es-EC" sz="1400" b="0" i="0" u="none" strike="noStrike">
+                        <a:solidFill>
+                          <a:srgbClr val="000000"/>
+                        </a:solidFill>
+                        <a:effectLst/>
+                        <a:latin typeface="Century Gothic" panose="020B0502020202020204" pitchFamily="34" charset="0"/>
+                      </a:endParaRPr>
+                    </a:p>
+                  </a:txBody>
+                  <a:tcPr marL="9197" marR="9197" marT="9197" marB="0" anchor="ctr"/>
+                </a:tc>
+                <a:tc>
+                  <a:txBody>
+                    <a:bodyPr/>
+                    <a:lstStyle/>
+                    <a:p>
+                      <a:pPr algn="ctr" rtl="0" fontAlgn="ctr"/>
+                      <a:r>
+                        <a:rPr lang="es-EC" sz="1400" u="none" strike="noStrike">
+                          <a:effectLst/>
+                        </a:rPr>
+                        <a:t>10</a:t>
+                      </a:r>
+                      <a:endParaRPr lang="es-EC" sz="1400" b="0" i="0" u="none" strike="noStrike">
+                        <a:solidFill>
+                          <a:srgbClr val="000000"/>
+                        </a:solidFill>
+                        <a:effectLst/>
+                        <a:latin typeface="Century Gothic" panose="020B0502020202020204" pitchFamily="34" charset="0"/>
+                      </a:endParaRPr>
+                    </a:p>
+                  </a:txBody>
+                  <a:tcPr marL="9197" marR="9197" marT="9197" marB="0" anchor="ctr"/>
+                </a:tc>
+                <a:tc>
+                  <a:txBody>
+                    <a:bodyPr/>
+                    <a:lstStyle/>
+                    <a:p>
+                      <a:pPr algn="ctr" rtl="0" fontAlgn="ctr"/>
+                      <a:r>
+                        <a:rPr lang="es-EC" sz="1400" u="none" strike="noStrike">
+                          <a:effectLst/>
+                        </a:rPr>
+                        <a:t>8</a:t>
+                      </a:r>
+                      <a:endParaRPr lang="es-EC" sz="1400" b="0" i="0" u="none" strike="noStrike">
+                        <a:solidFill>
+                          <a:srgbClr val="000000"/>
+                        </a:solidFill>
+                        <a:effectLst/>
+                        <a:latin typeface="Century Gothic" panose="020B0502020202020204" pitchFamily="34" charset="0"/>
+                      </a:endParaRPr>
+                    </a:p>
+                  </a:txBody>
+                  <a:tcPr marL="9197" marR="9197" marT="9197" marB="0" anchor="ctr"/>
+                </a:tc>
+                <a:tc>
+                  <a:txBody>
+                    <a:bodyPr/>
+                    <a:lstStyle/>
+                    <a:p>
+                      <a:pPr algn="ctr" rtl="0" fontAlgn="ctr"/>
+                      <a:r>
+                        <a:rPr lang="es-EC" sz="1400" u="none" strike="noStrike">
+                          <a:effectLst/>
+                        </a:rPr>
+                        <a:t>7</a:t>
+                      </a:r>
+                      <a:endParaRPr lang="es-EC" sz="1400" b="0" i="0" u="none" strike="noStrike">
+                        <a:solidFill>
+                          <a:srgbClr val="000000"/>
+                        </a:solidFill>
+                        <a:effectLst/>
+                        <a:latin typeface="Century Gothic" panose="020B0502020202020204" pitchFamily="34" charset="0"/>
+                      </a:endParaRPr>
+                    </a:p>
+                  </a:txBody>
+                  <a:tcPr marL="9197" marR="9197" marT="9197" marB="0" anchor="ctr"/>
+                </a:tc>
+                <a:tc>
+                  <a:txBody>
+                    <a:bodyPr/>
+                    <a:lstStyle/>
+                    <a:p>
+                      <a:pPr algn="ctr" rtl="0" fontAlgn="ctr"/>
+                      <a:r>
+                        <a:rPr lang="es-EC" sz="1400" u="none" strike="noStrike">
+                          <a:effectLst/>
+                        </a:rPr>
+                        <a:t>112</a:t>
+                      </a:r>
+                      <a:endParaRPr lang="es-EC" sz="1400" b="0" i="0" u="none" strike="noStrike">
+                        <a:solidFill>
+                          <a:srgbClr val="000000"/>
+                        </a:solidFill>
+                        <a:effectLst/>
+                        <a:latin typeface="Century Gothic" panose="020B0502020202020204" pitchFamily="34" charset="0"/>
+                      </a:endParaRPr>
+                    </a:p>
+                  </a:txBody>
+                  <a:tcPr marL="9197" marR="9197" marT="9197" marB="0" anchor="ctr"/>
+                </a:tc>
+                <a:extLst>
+                  <a:ext uri="{0D108BD9-81ED-4DB2-BD59-A6C34878D82A}">
+                    <a16:rowId xmlns:a16="http://schemas.microsoft.com/office/drawing/2014/main" val="1099649540"/>
+                  </a:ext>
+                </a:extLst>
+              </a:tr>
+              <a:tr h="242805">
+                <a:tc>
+                  <a:txBody>
+                    <a:bodyPr/>
+                    <a:lstStyle/>
+                    <a:p>
+                      <a:pPr algn="ctr" rtl="0" fontAlgn="ctr"/>
+                      <a:r>
+                        <a:rPr lang="es-EC" sz="1400" u="none" strike="noStrike">
+                          <a:effectLst/>
+                        </a:rPr>
+                        <a:t>K</a:t>
+                      </a:r>
+                      <a:endParaRPr lang="es-EC" sz="1400" b="1" i="0" u="none" strike="noStrike">
+                        <a:solidFill>
+                          <a:srgbClr val="FFFFFF"/>
+                        </a:solidFill>
+                        <a:effectLst/>
+                        <a:latin typeface="Century Gothic" panose="020B0502020202020204" pitchFamily="34" charset="0"/>
+                      </a:endParaRPr>
+                    </a:p>
+                  </a:txBody>
+                  <a:tcPr marL="9197" marR="9197" marT="9197" marB="0" anchor="ctr"/>
+                </a:tc>
+                <a:tc>
+                  <a:txBody>
+                    <a:bodyPr/>
+                    <a:lstStyle/>
+                    <a:p>
+                      <a:pPr algn="l" rtl="0" fontAlgn="ctr"/>
+                      <a:r>
+                        <a:rPr lang="es-MX" sz="1400" u="none" strike="noStrike">
+                          <a:effectLst/>
+                        </a:rPr>
+                        <a:t>Actividades financieras y de seguros</a:t>
+                      </a:r>
+                      <a:endParaRPr lang="es-MX" sz="1400" b="1" i="0" u="none" strike="noStrike">
+                        <a:solidFill>
+                          <a:srgbClr val="FFFFFF"/>
+                        </a:solidFill>
+                        <a:effectLst/>
+                        <a:latin typeface="Century Gothic" panose="020B0502020202020204" pitchFamily="34" charset="0"/>
+                      </a:endParaRPr>
+                    </a:p>
+                  </a:txBody>
+                  <a:tcPr marL="9197" marR="9197" marT="9197" marB="0" anchor="ctr"/>
+                </a:tc>
+                <a:tc>
+                  <a:txBody>
+                    <a:bodyPr/>
+                    <a:lstStyle/>
+                    <a:p>
+                      <a:pPr algn="ctr" rtl="0" fontAlgn="ctr"/>
+                      <a:r>
+                        <a:rPr lang="es-EC" sz="1400" u="none" strike="noStrike">
+                          <a:effectLst/>
+                        </a:rPr>
+                        <a:t>21</a:t>
+                      </a:r>
+                      <a:endParaRPr lang="es-EC" sz="1400" b="0" i="0" u="none" strike="noStrike">
+                        <a:solidFill>
+                          <a:srgbClr val="000000"/>
+                        </a:solidFill>
+                        <a:effectLst/>
+                        <a:latin typeface="Century Gothic" panose="020B0502020202020204" pitchFamily="34" charset="0"/>
+                      </a:endParaRPr>
+                    </a:p>
+                  </a:txBody>
+                  <a:tcPr marL="9197" marR="9197" marT="9197" marB="0" anchor="ctr"/>
+                </a:tc>
+                <a:tc>
+                  <a:txBody>
+                    <a:bodyPr/>
+                    <a:lstStyle/>
+                    <a:p>
+                      <a:pPr algn="ctr" rtl="0" fontAlgn="ctr"/>
+                      <a:r>
+                        <a:rPr lang="es-EC" sz="1400" u="none" strike="noStrike">
+                          <a:effectLst/>
+                        </a:rPr>
+                        <a:t>9</a:t>
+                      </a:r>
+                      <a:endParaRPr lang="es-EC" sz="1400" b="0" i="0" u="none" strike="noStrike">
+                        <a:solidFill>
+                          <a:srgbClr val="000000"/>
+                        </a:solidFill>
+                        <a:effectLst/>
+                        <a:latin typeface="Century Gothic" panose="020B0502020202020204" pitchFamily="34" charset="0"/>
+                      </a:endParaRPr>
+                    </a:p>
+                  </a:txBody>
+                  <a:tcPr marL="9197" marR="9197" marT="9197" marB="0" anchor="ctr"/>
+                </a:tc>
+                <a:tc>
+                  <a:txBody>
+                    <a:bodyPr/>
+                    <a:lstStyle/>
+                    <a:p>
+                      <a:pPr algn="ctr" rtl="0" fontAlgn="ctr"/>
+                      <a:r>
+                        <a:rPr lang="es-EC" sz="1400" u="none" strike="noStrike">
+                          <a:effectLst/>
+                        </a:rPr>
+                        <a:t>9</a:t>
+                      </a:r>
+                      <a:endParaRPr lang="es-EC" sz="1400" b="0" i="0" u="none" strike="noStrike">
+                        <a:solidFill>
+                          <a:srgbClr val="000000"/>
+                        </a:solidFill>
+                        <a:effectLst/>
+                        <a:latin typeface="Century Gothic" panose="020B0502020202020204" pitchFamily="34" charset="0"/>
+                      </a:endParaRPr>
+                    </a:p>
+                  </a:txBody>
+                  <a:tcPr marL="9197" marR="9197" marT="9197" marB="0" anchor="ctr"/>
+                </a:tc>
+                <a:tc>
+                  <a:txBody>
+                    <a:bodyPr/>
+                    <a:lstStyle/>
+                    <a:p>
+                      <a:pPr algn="ctr" rtl="0" fontAlgn="ctr"/>
+                      <a:r>
+                        <a:rPr lang="es-EC" sz="1400" u="none" strike="noStrike">
+                          <a:effectLst/>
+                        </a:rPr>
+                        <a:t>63</a:t>
+                      </a:r>
+                      <a:endParaRPr lang="es-EC" sz="1400" b="0" i="0" u="none" strike="noStrike">
+                        <a:solidFill>
+                          <a:srgbClr val="000000"/>
+                        </a:solidFill>
+                        <a:effectLst/>
+                        <a:latin typeface="Century Gothic" panose="020B0502020202020204" pitchFamily="34" charset="0"/>
+                      </a:endParaRPr>
+                    </a:p>
+                  </a:txBody>
+                  <a:tcPr marL="9197" marR="9197" marT="9197" marB="0" anchor="ctr"/>
+                </a:tc>
+                <a:tc>
+                  <a:txBody>
+                    <a:bodyPr/>
+                    <a:lstStyle/>
+                    <a:p>
+                      <a:pPr algn="ctr" rtl="0" fontAlgn="ctr"/>
+                      <a:r>
+                        <a:rPr lang="es-EC" sz="1400" u="none" strike="noStrike">
+                          <a:effectLst/>
+                        </a:rPr>
+                        <a:t>102</a:t>
+                      </a:r>
+                      <a:endParaRPr lang="es-EC" sz="1400" b="0" i="0" u="none" strike="noStrike">
+                        <a:solidFill>
+                          <a:srgbClr val="000000"/>
+                        </a:solidFill>
+                        <a:effectLst/>
+                        <a:latin typeface="Century Gothic" panose="020B0502020202020204" pitchFamily="34" charset="0"/>
+                      </a:endParaRPr>
+                    </a:p>
+                  </a:txBody>
+                  <a:tcPr marL="9197" marR="9197" marT="9197" marB="0" anchor="ctr"/>
+                </a:tc>
+                <a:extLst>
+                  <a:ext uri="{0D108BD9-81ED-4DB2-BD59-A6C34878D82A}">
+                    <a16:rowId xmlns:a16="http://schemas.microsoft.com/office/drawing/2014/main" val="2919479293"/>
+                  </a:ext>
+                </a:extLst>
+              </a:tr>
+              <a:tr h="242805">
+                <a:tc>
+                  <a:txBody>
+                    <a:bodyPr/>
+                    <a:lstStyle/>
+                    <a:p>
+                      <a:pPr algn="ctr" rtl="0" fontAlgn="ctr"/>
+                      <a:r>
+                        <a:rPr lang="es-EC" sz="1400" u="none" strike="noStrike">
+                          <a:effectLst/>
+                        </a:rPr>
+                        <a:t>L</a:t>
+                      </a:r>
+                      <a:endParaRPr lang="es-EC" sz="1400" b="1" i="0" u="none" strike="noStrike">
+                        <a:solidFill>
+                          <a:srgbClr val="FFFFFF"/>
+                        </a:solidFill>
+                        <a:effectLst/>
+                        <a:latin typeface="Century Gothic" panose="020B0502020202020204" pitchFamily="34" charset="0"/>
+                      </a:endParaRPr>
+                    </a:p>
+                  </a:txBody>
+                  <a:tcPr marL="9197" marR="9197" marT="9197" marB="0" anchor="ctr"/>
+                </a:tc>
+                <a:tc>
+                  <a:txBody>
+                    <a:bodyPr/>
+                    <a:lstStyle/>
+                    <a:p>
+                      <a:pPr algn="l" rtl="0" fontAlgn="ctr"/>
+                      <a:r>
+                        <a:rPr lang="es-EC" sz="1400" u="none" strike="noStrike">
+                          <a:effectLst/>
+                        </a:rPr>
+                        <a:t>Actividades inmobiliarias</a:t>
+                      </a:r>
+                      <a:endParaRPr lang="es-EC" sz="1400" b="1" i="0" u="none" strike="noStrike">
+                        <a:solidFill>
+                          <a:srgbClr val="FFFFFF"/>
+                        </a:solidFill>
+                        <a:effectLst/>
+                        <a:latin typeface="Century Gothic" panose="020B0502020202020204" pitchFamily="34" charset="0"/>
+                      </a:endParaRPr>
+                    </a:p>
+                  </a:txBody>
+                  <a:tcPr marL="9197" marR="9197" marT="9197" marB="0" anchor="ctr"/>
+                </a:tc>
+                <a:tc>
+                  <a:txBody>
+                    <a:bodyPr/>
+                    <a:lstStyle/>
+                    <a:p>
+                      <a:pPr algn="ctr" rtl="0" fontAlgn="ctr"/>
+                      <a:r>
+                        <a:rPr lang="es-EC" sz="1400" u="none" strike="noStrike">
+                          <a:effectLst/>
+                        </a:rPr>
+                        <a:t>225</a:t>
+                      </a:r>
+                      <a:endParaRPr lang="es-EC" sz="1400" b="0" i="0" u="none" strike="noStrike">
+                        <a:solidFill>
+                          <a:srgbClr val="000000"/>
+                        </a:solidFill>
+                        <a:effectLst/>
+                        <a:latin typeface="Century Gothic" panose="020B0502020202020204" pitchFamily="34" charset="0"/>
+                      </a:endParaRPr>
+                    </a:p>
+                  </a:txBody>
+                  <a:tcPr marL="9197" marR="9197" marT="9197" marB="0" anchor="ctr"/>
+                </a:tc>
+                <a:tc>
+                  <a:txBody>
+                    <a:bodyPr/>
+                    <a:lstStyle/>
+                    <a:p>
+                      <a:pPr algn="ctr" rtl="0" fontAlgn="ctr"/>
+                      <a:r>
+                        <a:rPr lang="es-EC" sz="1400" u="none" strike="noStrike">
+                          <a:effectLst/>
+                        </a:rPr>
+                        <a:t>16</a:t>
+                      </a:r>
+                      <a:endParaRPr lang="es-EC" sz="1400" b="0" i="0" u="none" strike="noStrike">
+                        <a:solidFill>
+                          <a:srgbClr val="000000"/>
+                        </a:solidFill>
+                        <a:effectLst/>
+                        <a:latin typeface="Century Gothic" panose="020B0502020202020204" pitchFamily="34" charset="0"/>
+                      </a:endParaRPr>
+                    </a:p>
+                  </a:txBody>
+                  <a:tcPr marL="9197" marR="9197" marT="9197" marB="0" anchor="ctr"/>
+                </a:tc>
+                <a:tc>
+                  <a:txBody>
+                    <a:bodyPr/>
+                    <a:lstStyle/>
+                    <a:p>
+                      <a:pPr algn="ctr" rtl="0" fontAlgn="ctr"/>
+                      <a:r>
+                        <a:rPr lang="es-EC" sz="1400" u="none" strike="noStrike">
+                          <a:effectLst/>
+                        </a:rPr>
+                        <a:t>5</a:t>
+                      </a:r>
+                      <a:endParaRPr lang="es-EC" sz="1400" b="0" i="0" u="none" strike="noStrike">
+                        <a:solidFill>
+                          <a:srgbClr val="000000"/>
+                        </a:solidFill>
+                        <a:effectLst/>
+                        <a:latin typeface="Century Gothic" panose="020B0502020202020204" pitchFamily="34" charset="0"/>
+                      </a:endParaRPr>
+                    </a:p>
+                  </a:txBody>
+                  <a:tcPr marL="9197" marR="9197" marT="9197" marB="0" anchor="ctr"/>
+                </a:tc>
+                <a:tc>
+                  <a:txBody>
+                    <a:bodyPr/>
+                    <a:lstStyle/>
+                    <a:p>
+                      <a:pPr algn="ctr" rtl="0" fontAlgn="ctr"/>
+                      <a:r>
+                        <a:rPr lang="es-EC" sz="1400" u="none" strike="noStrike">
+                          <a:effectLst/>
+                        </a:rPr>
+                        <a:t>3</a:t>
+                      </a:r>
+                      <a:endParaRPr lang="es-EC" sz="1400" b="0" i="0" u="none" strike="noStrike">
+                        <a:solidFill>
+                          <a:srgbClr val="000000"/>
+                        </a:solidFill>
+                        <a:effectLst/>
+                        <a:latin typeface="Century Gothic" panose="020B0502020202020204" pitchFamily="34" charset="0"/>
+                      </a:endParaRPr>
+                    </a:p>
+                  </a:txBody>
+                  <a:tcPr marL="9197" marR="9197" marT="9197" marB="0" anchor="ctr"/>
+                </a:tc>
+                <a:tc>
+                  <a:txBody>
+                    <a:bodyPr/>
+                    <a:lstStyle/>
+                    <a:p>
+                      <a:pPr algn="ctr" rtl="0" fontAlgn="ctr"/>
+                      <a:r>
+                        <a:rPr lang="es-EC" sz="1400" u="none" strike="noStrike">
+                          <a:effectLst/>
+                        </a:rPr>
+                        <a:t>249</a:t>
+                      </a:r>
+                      <a:endParaRPr lang="es-EC" sz="1400" b="0" i="0" u="none" strike="noStrike">
+                        <a:solidFill>
+                          <a:srgbClr val="000000"/>
+                        </a:solidFill>
+                        <a:effectLst/>
+                        <a:latin typeface="Century Gothic" panose="020B0502020202020204" pitchFamily="34" charset="0"/>
+                      </a:endParaRPr>
+                    </a:p>
+                  </a:txBody>
+                  <a:tcPr marL="9197" marR="9197" marT="9197" marB="0" anchor="ctr"/>
+                </a:tc>
+                <a:extLst>
+                  <a:ext uri="{0D108BD9-81ED-4DB2-BD59-A6C34878D82A}">
+                    <a16:rowId xmlns:a16="http://schemas.microsoft.com/office/drawing/2014/main" val="415862340"/>
+                  </a:ext>
+                </a:extLst>
+              </a:tr>
+              <a:tr h="242805">
+                <a:tc>
+                  <a:txBody>
+                    <a:bodyPr/>
+                    <a:lstStyle/>
+                    <a:p>
+                      <a:pPr algn="ctr" rtl="0" fontAlgn="ctr"/>
+                      <a:r>
+                        <a:rPr lang="es-EC" sz="1400" u="none" strike="noStrike">
+                          <a:effectLst/>
+                        </a:rPr>
+                        <a:t>M</a:t>
+                      </a:r>
+                      <a:endParaRPr lang="es-EC" sz="1400" b="1" i="0" u="none" strike="noStrike">
+                        <a:solidFill>
+                          <a:srgbClr val="FFFFFF"/>
+                        </a:solidFill>
+                        <a:effectLst/>
+                        <a:latin typeface="Century Gothic" panose="020B0502020202020204" pitchFamily="34" charset="0"/>
+                      </a:endParaRPr>
+                    </a:p>
+                  </a:txBody>
+                  <a:tcPr marL="9197" marR="9197" marT="9197" marB="0" anchor="ctr"/>
+                </a:tc>
+                <a:tc>
+                  <a:txBody>
+                    <a:bodyPr/>
+                    <a:lstStyle/>
+                    <a:p>
+                      <a:pPr algn="l" rtl="0" fontAlgn="ctr"/>
+                      <a:r>
+                        <a:rPr lang="es-MX" sz="1400" u="none" strike="noStrike">
+                          <a:effectLst/>
+                        </a:rPr>
+                        <a:t>Actividades profesionales, científicas y técnicas</a:t>
+                      </a:r>
+                      <a:endParaRPr lang="es-MX" sz="1400" b="1" i="0" u="none" strike="noStrike">
+                        <a:solidFill>
+                          <a:srgbClr val="FFFFFF"/>
+                        </a:solidFill>
+                        <a:effectLst/>
+                        <a:latin typeface="Century Gothic" panose="020B0502020202020204" pitchFamily="34" charset="0"/>
+                      </a:endParaRPr>
+                    </a:p>
+                  </a:txBody>
+                  <a:tcPr marL="9197" marR="9197" marT="9197" marB="0" anchor="ctr"/>
+                </a:tc>
+                <a:tc>
+                  <a:txBody>
+                    <a:bodyPr/>
+                    <a:lstStyle/>
+                    <a:p>
+                      <a:pPr algn="ctr" rtl="0" fontAlgn="ctr"/>
+                      <a:r>
+                        <a:rPr lang="es-EC" sz="1400" u="none" strike="noStrike">
+                          <a:effectLst/>
+                        </a:rPr>
+                        <a:t>523</a:t>
+                      </a:r>
+                      <a:endParaRPr lang="es-EC" sz="1400" b="0" i="0" u="none" strike="noStrike">
+                        <a:solidFill>
+                          <a:srgbClr val="000000"/>
+                        </a:solidFill>
+                        <a:effectLst/>
+                        <a:latin typeface="Century Gothic" panose="020B0502020202020204" pitchFamily="34" charset="0"/>
+                      </a:endParaRPr>
+                    </a:p>
+                  </a:txBody>
+                  <a:tcPr marL="9197" marR="9197" marT="9197" marB="0" anchor="ctr"/>
+                </a:tc>
+                <a:tc>
+                  <a:txBody>
+                    <a:bodyPr/>
+                    <a:lstStyle/>
+                    <a:p>
+                      <a:pPr algn="ctr" rtl="0" fontAlgn="ctr"/>
+                      <a:r>
+                        <a:rPr lang="es-EC" sz="1400" u="none" strike="noStrike">
+                          <a:effectLst/>
+                        </a:rPr>
+                        <a:t>35</a:t>
+                      </a:r>
+                      <a:endParaRPr lang="es-EC" sz="1400" b="0" i="0" u="none" strike="noStrike">
+                        <a:solidFill>
+                          <a:srgbClr val="000000"/>
+                        </a:solidFill>
+                        <a:effectLst/>
+                        <a:latin typeface="Century Gothic" panose="020B0502020202020204" pitchFamily="34" charset="0"/>
+                      </a:endParaRPr>
+                    </a:p>
+                  </a:txBody>
+                  <a:tcPr marL="9197" marR="9197" marT="9197" marB="0" anchor="ctr"/>
+                </a:tc>
+                <a:tc>
+                  <a:txBody>
+                    <a:bodyPr/>
+                    <a:lstStyle/>
+                    <a:p>
+                      <a:pPr algn="ctr" rtl="0" fontAlgn="ctr"/>
+                      <a:r>
+                        <a:rPr lang="es-EC" sz="1400" u="none" strike="noStrike">
+                          <a:effectLst/>
+                        </a:rPr>
+                        <a:t>20</a:t>
+                      </a:r>
+                      <a:endParaRPr lang="es-EC" sz="1400" b="0" i="0" u="none" strike="noStrike">
+                        <a:solidFill>
+                          <a:srgbClr val="000000"/>
+                        </a:solidFill>
+                        <a:effectLst/>
+                        <a:latin typeface="Century Gothic" panose="020B0502020202020204" pitchFamily="34" charset="0"/>
+                      </a:endParaRPr>
+                    </a:p>
+                  </a:txBody>
+                  <a:tcPr marL="9197" marR="9197" marT="9197" marB="0" anchor="ctr"/>
+                </a:tc>
+                <a:tc>
+                  <a:txBody>
+                    <a:bodyPr/>
+                    <a:lstStyle/>
+                    <a:p>
+                      <a:pPr algn="ctr" rtl="0" fontAlgn="ctr"/>
+                      <a:r>
+                        <a:rPr lang="es-EC" sz="1400" u="none" strike="noStrike">
+                          <a:effectLst/>
+                        </a:rPr>
+                        <a:t>5</a:t>
+                      </a:r>
+                      <a:endParaRPr lang="es-EC" sz="1400" b="0" i="0" u="none" strike="noStrike">
+                        <a:solidFill>
+                          <a:srgbClr val="000000"/>
+                        </a:solidFill>
+                        <a:effectLst/>
+                        <a:latin typeface="Century Gothic" panose="020B0502020202020204" pitchFamily="34" charset="0"/>
+                      </a:endParaRPr>
+                    </a:p>
+                  </a:txBody>
+                  <a:tcPr marL="9197" marR="9197" marT="9197" marB="0" anchor="ctr"/>
+                </a:tc>
+                <a:tc>
+                  <a:txBody>
+                    <a:bodyPr/>
+                    <a:lstStyle/>
+                    <a:p>
+                      <a:pPr algn="ctr" rtl="0" fontAlgn="ctr"/>
+                      <a:r>
+                        <a:rPr lang="es-EC" sz="1400" u="none" strike="noStrike">
+                          <a:effectLst/>
+                        </a:rPr>
+                        <a:t>583</a:t>
+                      </a:r>
+                      <a:endParaRPr lang="es-EC" sz="1400" b="0" i="0" u="none" strike="noStrike">
+                        <a:solidFill>
+                          <a:srgbClr val="000000"/>
+                        </a:solidFill>
+                        <a:effectLst/>
+                        <a:latin typeface="Century Gothic" panose="020B0502020202020204" pitchFamily="34" charset="0"/>
+                      </a:endParaRPr>
+                    </a:p>
+                  </a:txBody>
+                  <a:tcPr marL="9197" marR="9197" marT="9197" marB="0" anchor="ctr"/>
+                </a:tc>
+                <a:extLst>
+                  <a:ext uri="{0D108BD9-81ED-4DB2-BD59-A6C34878D82A}">
+                    <a16:rowId xmlns:a16="http://schemas.microsoft.com/office/drawing/2014/main" val="32805705"/>
+                  </a:ext>
+                </a:extLst>
+              </a:tr>
+              <a:tr h="422267">
+                <a:tc>
+                  <a:txBody>
+                    <a:bodyPr/>
+                    <a:lstStyle/>
+                    <a:p>
+                      <a:pPr algn="ctr" rtl="0" fontAlgn="ctr"/>
+                      <a:r>
+                        <a:rPr lang="es-EC" sz="1400" u="none" strike="noStrike">
+                          <a:effectLst/>
+                        </a:rPr>
+                        <a:t>N</a:t>
+                      </a:r>
+                      <a:endParaRPr lang="es-EC" sz="1400" b="1" i="0" u="none" strike="noStrike">
+                        <a:solidFill>
+                          <a:srgbClr val="FFFFFF"/>
+                        </a:solidFill>
+                        <a:effectLst/>
+                        <a:latin typeface="Century Gothic" panose="020B0502020202020204" pitchFamily="34" charset="0"/>
+                      </a:endParaRPr>
+                    </a:p>
+                  </a:txBody>
+                  <a:tcPr marL="9197" marR="9197" marT="9197" marB="0" anchor="ctr"/>
+                </a:tc>
+                <a:tc>
+                  <a:txBody>
+                    <a:bodyPr/>
+                    <a:lstStyle/>
+                    <a:p>
+                      <a:pPr algn="l" rtl="0" fontAlgn="ctr"/>
+                      <a:r>
+                        <a:rPr lang="es-MX" sz="1400" u="none" strike="noStrike">
+                          <a:effectLst/>
+                        </a:rPr>
+                        <a:t>Actividades de servicios administrativos y de apoyo</a:t>
+                      </a:r>
+                      <a:endParaRPr lang="es-MX" sz="1400" b="1" i="0" u="none" strike="noStrike">
+                        <a:solidFill>
+                          <a:srgbClr val="FFFFFF"/>
+                        </a:solidFill>
+                        <a:effectLst/>
+                        <a:latin typeface="Century Gothic" panose="020B0502020202020204" pitchFamily="34" charset="0"/>
+                      </a:endParaRPr>
+                    </a:p>
+                  </a:txBody>
+                  <a:tcPr marL="9197" marR="9197" marT="9197" marB="0" anchor="ctr"/>
+                </a:tc>
+                <a:tc>
+                  <a:txBody>
+                    <a:bodyPr/>
+                    <a:lstStyle/>
+                    <a:p>
+                      <a:pPr algn="ctr" rtl="0" fontAlgn="ctr"/>
+                      <a:r>
+                        <a:rPr lang="es-EC" sz="1400" u="none" strike="noStrike">
+                          <a:effectLst/>
+                        </a:rPr>
+                        <a:t>219</a:t>
+                      </a:r>
+                      <a:endParaRPr lang="es-EC" sz="1400" b="0" i="0" u="none" strike="noStrike">
+                        <a:solidFill>
+                          <a:srgbClr val="000000"/>
+                        </a:solidFill>
+                        <a:effectLst/>
+                        <a:latin typeface="Century Gothic" panose="020B0502020202020204" pitchFamily="34" charset="0"/>
+                      </a:endParaRPr>
+                    </a:p>
+                  </a:txBody>
+                  <a:tcPr marL="9197" marR="9197" marT="9197" marB="0" anchor="ctr"/>
+                </a:tc>
+                <a:tc>
+                  <a:txBody>
+                    <a:bodyPr/>
+                    <a:lstStyle/>
+                    <a:p>
+                      <a:pPr algn="ctr" rtl="0" fontAlgn="ctr"/>
+                      <a:r>
+                        <a:rPr lang="es-EC" sz="1400" u="none" strike="noStrike">
+                          <a:effectLst/>
+                        </a:rPr>
+                        <a:t>31</a:t>
+                      </a:r>
+                      <a:endParaRPr lang="es-EC" sz="1400" b="0" i="0" u="none" strike="noStrike">
+                        <a:solidFill>
+                          <a:srgbClr val="000000"/>
+                        </a:solidFill>
+                        <a:effectLst/>
+                        <a:latin typeface="Century Gothic" panose="020B0502020202020204" pitchFamily="34" charset="0"/>
+                      </a:endParaRPr>
+                    </a:p>
+                  </a:txBody>
+                  <a:tcPr marL="9197" marR="9197" marT="9197" marB="0" anchor="ctr"/>
+                </a:tc>
+                <a:tc>
+                  <a:txBody>
+                    <a:bodyPr/>
+                    <a:lstStyle/>
+                    <a:p>
+                      <a:pPr algn="ctr" rtl="0" fontAlgn="ctr"/>
+                      <a:r>
+                        <a:rPr lang="es-EC" sz="1400" u="none" strike="noStrike">
+                          <a:effectLst/>
+                        </a:rPr>
+                        <a:t>20</a:t>
+                      </a:r>
+                      <a:endParaRPr lang="es-EC" sz="1400" b="0" i="0" u="none" strike="noStrike">
+                        <a:solidFill>
+                          <a:srgbClr val="000000"/>
+                        </a:solidFill>
+                        <a:effectLst/>
+                        <a:latin typeface="Century Gothic" panose="020B0502020202020204" pitchFamily="34" charset="0"/>
+                      </a:endParaRPr>
+                    </a:p>
+                  </a:txBody>
+                  <a:tcPr marL="9197" marR="9197" marT="9197" marB="0" anchor="ctr"/>
+                </a:tc>
+                <a:tc>
+                  <a:txBody>
+                    <a:bodyPr/>
+                    <a:lstStyle/>
+                    <a:p>
+                      <a:pPr algn="ctr" rtl="0" fontAlgn="ctr"/>
+                      <a:r>
+                        <a:rPr lang="es-EC" sz="1400" u="none" strike="noStrike">
+                          <a:effectLst/>
+                        </a:rPr>
+                        <a:t>17</a:t>
+                      </a:r>
+                      <a:endParaRPr lang="es-EC" sz="1400" b="0" i="0" u="none" strike="noStrike">
+                        <a:solidFill>
+                          <a:srgbClr val="000000"/>
+                        </a:solidFill>
+                        <a:effectLst/>
+                        <a:latin typeface="Century Gothic" panose="020B0502020202020204" pitchFamily="34" charset="0"/>
+                      </a:endParaRPr>
+                    </a:p>
+                  </a:txBody>
+                  <a:tcPr marL="9197" marR="9197" marT="9197" marB="0" anchor="ctr"/>
+                </a:tc>
+                <a:tc>
+                  <a:txBody>
+                    <a:bodyPr/>
+                    <a:lstStyle/>
+                    <a:p>
+                      <a:pPr algn="ctr" rtl="0" fontAlgn="ctr"/>
+                      <a:r>
+                        <a:rPr lang="es-EC" sz="1400" u="none" strike="noStrike">
+                          <a:effectLst/>
+                        </a:rPr>
+                        <a:t>287</a:t>
+                      </a:r>
+                      <a:endParaRPr lang="es-EC" sz="1400" b="0" i="0" u="none" strike="noStrike">
+                        <a:solidFill>
+                          <a:srgbClr val="000000"/>
+                        </a:solidFill>
+                        <a:effectLst/>
+                        <a:latin typeface="Century Gothic" panose="020B0502020202020204" pitchFamily="34" charset="0"/>
+                      </a:endParaRPr>
+                    </a:p>
+                  </a:txBody>
+                  <a:tcPr marL="9197" marR="9197" marT="9197" marB="0" anchor="ctr"/>
+                </a:tc>
+                <a:extLst>
+                  <a:ext uri="{0D108BD9-81ED-4DB2-BD59-A6C34878D82A}">
+                    <a16:rowId xmlns:a16="http://schemas.microsoft.com/office/drawing/2014/main" val="1620555618"/>
+                  </a:ext>
+                </a:extLst>
+              </a:tr>
+              <a:tr h="242805">
+                <a:tc>
+                  <a:txBody>
+                    <a:bodyPr/>
+                    <a:lstStyle/>
+                    <a:p>
+                      <a:pPr algn="ctr" rtl="0" fontAlgn="ctr"/>
+                      <a:r>
+                        <a:rPr lang="es-EC" sz="1400" u="none" strike="noStrike">
+                          <a:effectLst/>
+                        </a:rPr>
+                        <a:t>P</a:t>
+                      </a:r>
+                      <a:endParaRPr lang="es-EC" sz="1400" b="1" i="0" u="none" strike="noStrike">
+                        <a:solidFill>
+                          <a:srgbClr val="FFFFFF"/>
+                        </a:solidFill>
+                        <a:effectLst/>
+                        <a:latin typeface="Century Gothic" panose="020B0502020202020204" pitchFamily="34" charset="0"/>
+                      </a:endParaRPr>
+                    </a:p>
+                  </a:txBody>
+                  <a:tcPr marL="9197" marR="9197" marT="9197" marB="0" anchor="ctr"/>
+                </a:tc>
+                <a:tc>
+                  <a:txBody>
+                    <a:bodyPr/>
+                    <a:lstStyle/>
+                    <a:p>
+                      <a:pPr algn="l" rtl="0" fontAlgn="ctr"/>
+                      <a:r>
+                        <a:rPr lang="es-EC" sz="1400" u="none" strike="noStrike">
+                          <a:effectLst/>
+                        </a:rPr>
+                        <a:t>Enseñanza</a:t>
+                      </a:r>
+                      <a:endParaRPr lang="es-EC" sz="1400" b="1" i="0" u="none" strike="noStrike">
+                        <a:solidFill>
+                          <a:srgbClr val="FFFFFF"/>
+                        </a:solidFill>
+                        <a:effectLst/>
+                        <a:latin typeface="Century Gothic" panose="020B0502020202020204" pitchFamily="34" charset="0"/>
+                      </a:endParaRPr>
+                    </a:p>
+                  </a:txBody>
+                  <a:tcPr marL="9197" marR="9197" marT="9197" marB="0" anchor="ctr"/>
+                </a:tc>
+                <a:tc>
+                  <a:txBody>
+                    <a:bodyPr/>
+                    <a:lstStyle/>
+                    <a:p>
+                      <a:pPr algn="ctr" rtl="0" fontAlgn="ctr"/>
+                      <a:r>
+                        <a:rPr lang="es-EC" sz="1400" u="none" strike="noStrike">
+                          <a:effectLst/>
+                        </a:rPr>
+                        <a:t>45</a:t>
+                      </a:r>
+                      <a:endParaRPr lang="es-EC" sz="1400" b="0" i="0" u="none" strike="noStrike">
+                        <a:solidFill>
+                          <a:srgbClr val="000000"/>
+                        </a:solidFill>
+                        <a:effectLst/>
+                        <a:latin typeface="Century Gothic" panose="020B0502020202020204" pitchFamily="34" charset="0"/>
+                      </a:endParaRPr>
+                    </a:p>
+                  </a:txBody>
+                  <a:tcPr marL="9197" marR="9197" marT="9197" marB="0" anchor="ctr"/>
+                </a:tc>
+                <a:tc>
+                  <a:txBody>
+                    <a:bodyPr/>
+                    <a:lstStyle/>
+                    <a:p>
+                      <a:pPr algn="ctr" rtl="0" fontAlgn="ctr"/>
+                      <a:r>
+                        <a:rPr lang="es-EC" sz="1400" u="none" strike="noStrike">
+                          <a:effectLst/>
+                        </a:rPr>
+                        <a:t>13</a:t>
+                      </a:r>
+                      <a:endParaRPr lang="es-EC" sz="1400" b="0" i="0" u="none" strike="noStrike">
+                        <a:solidFill>
+                          <a:srgbClr val="000000"/>
+                        </a:solidFill>
+                        <a:effectLst/>
+                        <a:latin typeface="Century Gothic" panose="020B0502020202020204" pitchFamily="34" charset="0"/>
+                      </a:endParaRPr>
+                    </a:p>
+                  </a:txBody>
+                  <a:tcPr marL="9197" marR="9197" marT="9197" marB="0" anchor="ctr"/>
+                </a:tc>
+                <a:tc>
+                  <a:txBody>
+                    <a:bodyPr/>
+                    <a:lstStyle/>
+                    <a:p>
+                      <a:pPr algn="ctr" rtl="0" fontAlgn="ctr"/>
+                      <a:r>
+                        <a:rPr lang="es-EC" sz="1400" u="none" strike="noStrike">
+                          <a:effectLst/>
+                        </a:rPr>
+                        <a:t>7</a:t>
+                      </a:r>
+                      <a:endParaRPr lang="es-EC" sz="1400" b="0" i="0" u="none" strike="noStrike">
+                        <a:solidFill>
+                          <a:srgbClr val="000000"/>
+                        </a:solidFill>
+                        <a:effectLst/>
+                        <a:latin typeface="Century Gothic" panose="020B0502020202020204" pitchFamily="34" charset="0"/>
+                      </a:endParaRPr>
+                    </a:p>
+                  </a:txBody>
+                  <a:tcPr marL="9197" marR="9197" marT="9197" marB="0" anchor="ctr"/>
+                </a:tc>
+                <a:tc>
+                  <a:txBody>
+                    <a:bodyPr/>
+                    <a:lstStyle/>
+                    <a:p>
+                      <a:pPr algn="ctr" rtl="0" fontAlgn="ctr"/>
+                      <a:r>
+                        <a:rPr lang="es-EC" sz="1400" u="none" strike="noStrike">
+                          <a:effectLst/>
+                        </a:rPr>
+                        <a:t>2</a:t>
+                      </a:r>
+                      <a:endParaRPr lang="es-EC" sz="1400" b="0" i="0" u="none" strike="noStrike">
+                        <a:solidFill>
+                          <a:srgbClr val="000000"/>
+                        </a:solidFill>
+                        <a:effectLst/>
+                        <a:latin typeface="Century Gothic" panose="020B0502020202020204" pitchFamily="34" charset="0"/>
+                      </a:endParaRPr>
+                    </a:p>
+                  </a:txBody>
+                  <a:tcPr marL="9197" marR="9197" marT="9197" marB="0" anchor="ctr"/>
+                </a:tc>
+                <a:tc>
+                  <a:txBody>
+                    <a:bodyPr/>
+                    <a:lstStyle/>
+                    <a:p>
+                      <a:pPr algn="ctr" rtl="0" fontAlgn="ctr"/>
+                      <a:r>
+                        <a:rPr lang="es-EC" sz="1400" u="none" strike="noStrike">
+                          <a:effectLst/>
+                        </a:rPr>
+                        <a:t>67</a:t>
+                      </a:r>
+                      <a:endParaRPr lang="es-EC" sz="1400" b="0" i="0" u="none" strike="noStrike">
+                        <a:solidFill>
+                          <a:srgbClr val="000000"/>
+                        </a:solidFill>
+                        <a:effectLst/>
+                        <a:latin typeface="Century Gothic" panose="020B0502020202020204" pitchFamily="34" charset="0"/>
+                      </a:endParaRPr>
+                    </a:p>
+                  </a:txBody>
+                  <a:tcPr marL="9197" marR="9197" marT="9197" marB="0" anchor="ctr"/>
+                </a:tc>
+                <a:extLst>
+                  <a:ext uri="{0D108BD9-81ED-4DB2-BD59-A6C34878D82A}">
+                    <a16:rowId xmlns:a16="http://schemas.microsoft.com/office/drawing/2014/main" val="1019197275"/>
+                  </a:ext>
+                </a:extLst>
+              </a:tr>
+              <a:tr h="242805">
+                <a:tc>
+                  <a:txBody>
+                    <a:bodyPr/>
+                    <a:lstStyle/>
+                    <a:p>
+                      <a:pPr algn="ctr" rtl="0" fontAlgn="ctr"/>
+                      <a:r>
+                        <a:rPr lang="es-EC" sz="1400" u="none" strike="noStrike">
+                          <a:effectLst/>
+                        </a:rPr>
+                        <a:t>R</a:t>
+                      </a:r>
+                      <a:endParaRPr lang="es-EC" sz="1400" b="1" i="0" u="none" strike="noStrike">
+                        <a:solidFill>
+                          <a:srgbClr val="FFFFFF"/>
+                        </a:solidFill>
+                        <a:effectLst/>
+                        <a:latin typeface="Century Gothic" panose="020B0502020202020204" pitchFamily="34" charset="0"/>
+                      </a:endParaRPr>
+                    </a:p>
+                  </a:txBody>
+                  <a:tcPr marL="9197" marR="9197" marT="9197" marB="0" anchor="ctr"/>
+                </a:tc>
+                <a:tc>
+                  <a:txBody>
+                    <a:bodyPr/>
+                    <a:lstStyle/>
+                    <a:p>
+                      <a:pPr algn="l" rtl="0" fontAlgn="ctr"/>
+                      <a:r>
+                        <a:rPr lang="es-EC" sz="1400" u="none" strike="noStrike">
+                          <a:effectLst/>
+                        </a:rPr>
+                        <a:t>Artes, entretenimiento y recreación</a:t>
+                      </a:r>
+                      <a:endParaRPr lang="es-EC" sz="1400" b="1" i="0" u="none" strike="noStrike">
+                        <a:solidFill>
+                          <a:srgbClr val="FFFFFF"/>
+                        </a:solidFill>
+                        <a:effectLst/>
+                        <a:latin typeface="Century Gothic" panose="020B0502020202020204" pitchFamily="34" charset="0"/>
+                      </a:endParaRPr>
+                    </a:p>
+                  </a:txBody>
+                  <a:tcPr marL="9197" marR="9197" marT="9197" marB="0" anchor="ctr"/>
+                </a:tc>
+                <a:tc>
+                  <a:txBody>
+                    <a:bodyPr/>
+                    <a:lstStyle/>
+                    <a:p>
+                      <a:pPr algn="ctr" rtl="0" fontAlgn="ctr"/>
+                      <a:r>
+                        <a:rPr lang="es-EC" sz="1400" u="none" strike="noStrike">
+                          <a:effectLst/>
+                        </a:rPr>
+                        <a:t>22</a:t>
+                      </a:r>
+                      <a:endParaRPr lang="es-EC" sz="1400" b="0" i="0" u="none" strike="noStrike">
+                        <a:solidFill>
+                          <a:srgbClr val="000000"/>
+                        </a:solidFill>
+                        <a:effectLst/>
+                        <a:latin typeface="Century Gothic" panose="020B0502020202020204" pitchFamily="34" charset="0"/>
+                      </a:endParaRPr>
+                    </a:p>
+                  </a:txBody>
+                  <a:tcPr marL="9197" marR="9197" marT="9197" marB="0" anchor="ctr"/>
+                </a:tc>
+                <a:tc>
+                  <a:txBody>
+                    <a:bodyPr/>
+                    <a:lstStyle/>
+                    <a:p>
+                      <a:pPr algn="ctr" rtl="0" fontAlgn="ctr"/>
+                      <a:r>
+                        <a:rPr lang="es-EC" sz="1400" u="none" strike="noStrike">
+                          <a:effectLst/>
+                        </a:rPr>
+                        <a:t>1</a:t>
+                      </a:r>
+                      <a:endParaRPr lang="es-EC" sz="1400" b="0" i="0" u="none" strike="noStrike">
+                        <a:solidFill>
+                          <a:srgbClr val="000000"/>
+                        </a:solidFill>
+                        <a:effectLst/>
+                        <a:latin typeface="Century Gothic" panose="020B0502020202020204" pitchFamily="34" charset="0"/>
+                      </a:endParaRPr>
+                    </a:p>
+                  </a:txBody>
+                  <a:tcPr marL="9197" marR="9197" marT="9197" marB="0" anchor="ctr"/>
+                </a:tc>
+                <a:tc>
+                  <a:txBody>
+                    <a:bodyPr/>
+                    <a:lstStyle/>
+                    <a:p>
+                      <a:pPr algn="ctr" rtl="0" fontAlgn="ctr"/>
+                      <a:r>
+                        <a:rPr lang="es-EC" sz="1400" u="none" strike="noStrike">
+                          <a:effectLst/>
+                        </a:rPr>
+                        <a:t>-</a:t>
+                      </a:r>
+                      <a:endParaRPr lang="es-EC" sz="1400" b="0" i="0" u="none" strike="noStrike">
+                        <a:solidFill>
+                          <a:srgbClr val="000000"/>
+                        </a:solidFill>
+                        <a:effectLst/>
+                        <a:latin typeface="Century Gothic" panose="020B0502020202020204" pitchFamily="34" charset="0"/>
+                      </a:endParaRPr>
+                    </a:p>
+                  </a:txBody>
+                  <a:tcPr marL="9197" marR="9197" marT="9197" marB="0" anchor="ctr"/>
+                </a:tc>
+                <a:tc>
+                  <a:txBody>
+                    <a:bodyPr/>
+                    <a:lstStyle/>
+                    <a:p>
+                      <a:pPr algn="ctr" rtl="0" fontAlgn="ctr"/>
+                      <a:r>
+                        <a:rPr lang="es-EC" sz="1400" u="none" strike="noStrike">
+                          <a:effectLst/>
+                        </a:rPr>
+                        <a:t>-</a:t>
+                      </a:r>
+                      <a:endParaRPr lang="es-EC" sz="1400" b="0" i="0" u="none" strike="noStrike">
+                        <a:solidFill>
+                          <a:srgbClr val="000000"/>
+                        </a:solidFill>
+                        <a:effectLst/>
+                        <a:latin typeface="Century Gothic" panose="020B0502020202020204" pitchFamily="34" charset="0"/>
+                      </a:endParaRPr>
+                    </a:p>
+                  </a:txBody>
+                  <a:tcPr marL="9197" marR="9197" marT="9197" marB="0" anchor="ctr"/>
+                </a:tc>
+                <a:tc>
+                  <a:txBody>
+                    <a:bodyPr/>
+                    <a:lstStyle/>
+                    <a:p>
+                      <a:pPr algn="ctr" rtl="0" fontAlgn="ctr"/>
+                      <a:r>
+                        <a:rPr lang="es-EC" sz="1400" u="none" strike="noStrike" dirty="0">
+                          <a:effectLst/>
+                        </a:rPr>
+                        <a:t>23</a:t>
+                      </a:r>
+                      <a:endParaRPr lang="es-EC" sz="1400" b="0" i="0" u="none" strike="noStrike" dirty="0">
+                        <a:solidFill>
+                          <a:srgbClr val="000000"/>
+                        </a:solidFill>
+                        <a:effectLst/>
+                        <a:latin typeface="Century Gothic" panose="020B0502020202020204" pitchFamily="34" charset="0"/>
+                      </a:endParaRPr>
+                    </a:p>
+                  </a:txBody>
+                  <a:tcPr marL="9197" marR="9197" marT="9197" marB="0" anchor="ctr"/>
+                </a:tc>
+                <a:extLst>
+                  <a:ext uri="{0D108BD9-81ED-4DB2-BD59-A6C34878D82A}">
+                    <a16:rowId xmlns:a16="http://schemas.microsoft.com/office/drawing/2014/main" val="41573259"/>
+                  </a:ext>
+                </a:extLst>
+              </a:tr>
+            </a:tbl>
+          </a:graphicData>
+        </a:graphic>
+      </p:graphicFrame>
     </p:spTree>
     <p:extLst>
       <p:ext uri="{BB962C8B-B14F-4D97-AF65-F5344CB8AC3E}">
@@ -9542,10 +11187,6 @@
               <a:rPr lang="es-MX" b="1" dirty="0"/>
               <a:t>Dominios de estudio</a:t>
             </a:r>
-            <a:r>
-              <a:rPr lang="es-EC" dirty="0"/>
-              <a:t/>
-            </a:r>
             <a:br>
               <a:rPr lang="es-EC" dirty="0"/>
             </a:br>
@@ -9565,8 +11206,8 @@
         </p:nvSpPr>
         <p:spPr>
           <a:xfrm>
-            <a:off x="1008422" y="1380059"/>
-            <a:ext cx="8946541" cy="2484576"/>
+            <a:off x="1008422" y="1380058"/>
+            <a:ext cx="8946541" cy="2873889"/>
           </a:xfrm>
         </p:spPr>
         <p:txBody>
@@ -9576,36 +11217,15 @@
             <a:pPr algn="just"/>
             <a:r>
               <a:rPr lang="es-MX" dirty="0"/>
-              <a:t>Los dominios de estudio para el análisis muestral están definidos por los sectores económicos (Código CIIU4 - Sección - 1 dígito) </a:t>
-            </a:r>
-            <a:r>
-              <a:rPr lang="es-MX" dirty="0" smtClean="0"/>
-              <a:t>y agrupados </a:t>
-            </a:r>
-            <a:r>
-              <a:rPr lang="es-MX" dirty="0"/>
-              <a:t>por el tamaño de la </a:t>
-            </a:r>
-            <a:r>
-              <a:rPr lang="es-MX" dirty="0" smtClean="0"/>
-              <a:t>empresa.</a:t>
+              <a:t>Los dominios de estudio para el análisis muestral están definidos por los sectores económicos (Código CIIU4 - Sección - 1 dígito) y agrupados por el tamaño de la empresa.</a:t>
             </a:r>
           </a:p>
           <a:p>
             <a:pPr algn="just"/>
             <a:r>
               <a:rPr lang="es-MX" dirty="0"/>
-              <a:t>Dentro de cada uno de los dominios de estudio se considera un grupo de inclusión forzosa, </a:t>
+              <a:t>Dentro de cada uno de los dominios de estudio se considera un grupo de inclusión forzosa, este grupo corresponde a aquellas empresas catalogadas como “Grande Empresa” (tamaño 5). </a:t>
             </a:r>
-            <a:r>
-              <a:rPr lang="es-MX" dirty="0" smtClean="0"/>
-              <a:t>este </a:t>
-            </a:r>
-            <a:r>
-              <a:rPr lang="es-MX" dirty="0"/>
-              <a:t>grupo corresponde a aquellas empresas catalogadas como “Grande Empresa” (tamaño 5). </a:t>
-            </a:r>
-            <a:endParaRPr lang="es-MX" dirty="0" smtClean="0"/>
           </a:p>
           <a:p>
             <a:endParaRPr lang="es-EC" dirty="0"/>
@@ -9661,10 +11281,6 @@
               <a:rPr lang="es-MX" b="1" dirty="0"/>
               <a:t>Variables de diseño</a:t>
             </a:r>
-            <a:r>
-              <a:rPr lang="es-EC" dirty="0"/>
-              <a:t/>
-            </a:r>
             <a:br>
               <a:rPr lang="es-EC" dirty="0"/>
             </a:br>
@@ -9692,35 +11308,21 @@
               <a:rPr lang="es-MX" dirty="0"/>
               <a:t>Para el análisis del tamaño muestral se ha considerado como variable de diseño las “Ventas Totales 2021” obtenida del DIEE-2021 para cada empresa. </a:t>
             </a:r>
-            <a:endParaRPr lang="es-MX" dirty="0" smtClean="0"/>
           </a:p>
           <a:p>
             <a:pPr algn="just"/>
             <a:r>
-              <a:rPr lang="es-MX" dirty="0" smtClean="0"/>
-              <a:t>Mediante reuniones </a:t>
-            </a:r>
-            <a:r>
               <a:rPr lang="es-MX" dirty="0"/>
-              <a:t>mantenidas se ha tratado de discutir el hecho de incluir otras variables de diseño como los gastos </a:t>
-            </a:r>
-            <a:r>
-              <a:rPr lang="es-MX" dirty="0" smtClean="0"/>
-              <a:t>energéticos, </a:t>
-            </a:r>
-            <a:r>
-              <a:rPr lang="es-ES" dirty="0" smtClean="0"/>
-              <a:t>precios </a:t>
+              <a:t>Mediante reuniones mantenidas se ha tratado de discutir el hecho de incluir otras variables de diseño como los gastos energéticos, </a:t>
             </a:r>
             <a:r>
               <a:rPr lang="es-ES" dirty="0"/>
-              <a:t>para cada uno de los productos o la cantidad de empleados destinados estrictamente a la elaboración de cada uno de los productos que genere la empresa, sin embargo; la institución no recolecta dicha información. </a:t>
+              <a:t>precios para cada uno de los productos o la cantidad de empleados destinados estrictamente a la elaboración de cada uno de los productos que genere la empresa, sin embargo; la institución no recolecta dicha información. </a:t>
             </a:r>
-            <a:endParaRPr lang="es-ES" dirty="0" smtClean="0"/>
           </a:p>
           <a:p>
             <a:pPr algn="just"/>
-            <a:endParaRPr lang="es-MX" dirty="0" smtClean="0"/>
+            <a:endParaRPr lang="es-MX" dirty="0"/>
           </a:p>
           <a:p>
             <a:endParaRPr lang="es-EC" dirty="0"/>
@@ -9783,8 +11385,8 @@
           </a:p>
         </p:txBody>
       </p:sp>
-      <mc:AlternateContent xmlns:mc="http://schemas.openxmlformats.org/markup-compatibility/2006" xmlns:a14="http://schemas.microsoft.com/office/drawing/2010/main">
-        <mc:Choice Requires="a14">
+      <mc:AlternateContent xmlns:mc="http://schemas.openxmlformats.org/markup-compatibility/2006">
+        <mc:Choice xmlns:a14="http://schemas.microsoft.com/office/drawing/2010/main" Requires="a14">
           <p:sp>
             <p:nvSpPr>
               <p:cNvPr id="3" name="Marcador de contenido 2"/>
@@ -9803,24 +11405,8 @@
               <a:lstStyle/>
               <a:p>
                 <a:r>
-                  <a:rPr lang="es-MX" dirty="0" smtClean="0"/>
-                  <a:t>Para </a:t>
-                </a:r>
-                <a:r>
                   <a:rPr lang="es-MX" dirty="0"/>
-                  <a:t>determinar el tamaño de la muestra se usa como variable de diseño “Ventas </a:t>
-                </a:r>
-                <a:r>
-                  <a:rPr lang="es-MX" dirty="0" smtClean="0"/>
-                  <a:t>Totales”. La </a:t>
-                </a:r>
-                <a:r>
-                  <a:rPr lang="es-MX" dirty="0"/>
-                  <a:t>fórmula para dicho cálculo se presenta a continuación</a:t>
-                </a:r>
-                <a:r>
-                  <a:rPr lang="es-MX" dirty="0" smtClean="0"/>
-                  <a:t>:</a:t>
+                  <a:t>Para determinar el tamaño de la muestra se usa como variable de diseño “Ventas Totales”. La fórmula para dicho cálculo se presenta a continuación:</a:t>
                 </a:r>
               </a:p>
               <a:p>
@@ -10272,13 +11858,13 @@
                     </m:oMath>
                   </m:oMathPara>
                 </a14:m>
-                <a:endParaRPr lang="es-EC" dirty="0" smtClean="0"/>
+                <a:endParaRPr lang="es-EC" dirty="0"/>
               </a:p>
               <a:p>
                 <a:pPr marL="0" indent="0" algn="just">
                   <a:buNone/>
                 </a:pPr>
-                <a:endParaRPr lang="es-EC" dirty="0" smtClean="0"/>
+                <a:endParaRPr lang="es-EC" dirty="0"/>
               </a:p>
               <a:p>
                 <a:pPr lvl="0"/>
@@ -10357,7 +11943,7 @@
             </p:txBody>
           </p:sp>
         </mc:Choice>
-        <mc:Fallback xmlns="">
+        <mc:Fallback>
           <p:sp>
             <p:nvSpPr>
               <p:cNvPr id="3" name="Marcador de contenido 2"/>
@@ -10369,10 +11955,10 @@
               </p:nvPr>
             </p:nvSpPr>
             <p:spPr>
-              <a:blipFill rotWithShape="0">
+              <a:blipFill>
                 <a:blip r:embed="rId2"/>
                 <a:stretch>
-                  <a:fillRect l="-68" t="-1599" b="-1017"/>
+                  <a:fillRect l="-68" t="-1599" b="-872"/>
                 </a:stretch>
               </a:blipFill>
             </p:spPr>
@@ -10440,10 +12026,6 @@
               <a:rPr lang="es-MX" b="1" dirty="0"/>
               <a:t>Selección de la muestra</a:t>
             </a:r>
-            <a:r>
-              <a:rPr lang="es-EC" dirty="0"/>
-              <a:t/>
-            </a:r>
             <a:br>
               <a:rPr lang="es-EC" dirty="0"/>
             </a:br>
@@ -10451,37 +12033,1307 @@
           </a:p>
         </p:txBody>
       </p:sp>
-      <p:sp>
-        <p:nvSpPr>
-          <p:cNvPr id="3" name="Marcador de contenido 2"/>
-          <p:cNvSpPr>
-            <a:spLocks noGrp="1"/>
-          </p:cNvSpPr>
-          <p:nvPr>
-            <p:ph idx="1"/>
-          </p:nvPr>
-        </p:nvSpPr>
-        <p:spPr/>
-        <p:txBody>
-          <a:bodyPr/>
-          <a:lstStyle/>
-          <a:p>
-            <a:r>
-              <a:rPr lang="es-MX" dirty="0"/>
-              <a:t>Con la estratificación realizada dentro de cada uno de los dominios a nivel de Código CIIU </a:t>
-            </a:r>
-            <a:r>
-              <a:rPr lang="es-MX" dirty="0" err="1"/>
-              <a:t>Rev</a:t>
-            </a:r>
-            <a:r>
-              <a:rPr lang="es-MX" dirty="0"/>
-              <a:t> 4 - 6 dígitos, se realiza una distribución proporcional al tamaño (PPT). </a:t>
-            </a:r>
-            <a:endParaRPr lang="es-EC" dirty="0"/>
-          </a:p>
-        </p:txBody>
-      </p:sp>
+      <mc:AlternateContent xmlns:mc="http://schemas.openxmlformats.org/markup-compatibility/2006">
+        <mc:Choice xmlns:a14="http://schemas.microsoft.com/office/drawing/2010/main" Requires="a14">
+          <p:sp>
+            <p:nvSpPr>
+              <p:cNvPr id="3" name="Marcador de contenido 2"/>
+              <p:cNvSpPr>
+                <a:spLocks noGrp="1"/>
+              </p:cNvSpPr>
+              <p:nvPr>
+                <p:ph idx="1"/>
+              </p:nvPr>
+            </p:nvSpPr>
+            <p:spPr/>
+            <p:txBody>
+              <a:bodyPr/>
+              <a:lstStyle/>
+              <a:p>
+                <a:r>
+                  <a:rPr lang="es-MX" dirty="0"/>
+                  <a:t>Con la estratificación realizada dentro de cada uno de los dominios a nivel de Código CIIU </a:t>
+                </a:r>
+                <a:r>
+                  <a:rPr lang="es-MX" dirty="0" err="1"/>
+                  <a:t>Rev</a:t>
+                </a:r>
+                <a:r>
+                  <a:rPr lang="es-MX" dirty="0"/>
+                  <a:t> 4 - 6 dígitos, se realiza una distribución proporcional al tamaño (PPT). </a:t>
+                </a:r>
+              </a:p>
+              <a:p>
+                <a:pPr marL="0" indent="0">
+                  <a:buNone/>
+                </a:pPr>
+                <a:endParaRPr lang="es-MX" dirty="0"/>
+              </a:p>
+              <a:p>
+                <a:pPr marL="0" indent="0">
+                  <a:buNone/>
+                </a:pPr>
+                <a14:m>
+                  <m:oMathPara xmlns:m="http://schemas.openxmlformats.org/officeDocument/2006/math">
+                    <m:oMathParaPr>
+                      <m:jc m:val="centerGroup"/>
+                    </m:oMathParaPr>
+                    <m:oMath xmlns:m="http://schemas.openxmlformats.org/officeDocument/2006/math">
+                      <m:sSub>
+                        <m:sSubPr>
+                          <m:ctrlPr>
+                            <a:rPr lang="es-EC" sz="1800" i="1" smtClean="0">
+                              <a:effectLst/>
+                              <a:latin typeface="Cambria Math" panose="02040503050406030204" pitchFamily="18" charset="0"/>
+                              <a:ea typeface="Calibri" panose="020F0502020204030204" pitchFamily="34" charset="0"/>
+                              <a:cs typeface="Calibri Light" panose="020F0302020204030204" pitchFamily="34" charset="0"/>
+                            </a:rPr>
+                          </m:ctrlPr>
+                        </m:sSubPr>
+                        <m:e>
+                          <m:r>
+                            <a:rPr lang="es-MX" sz="1800" i="1">
+                              <a:effectLst/>
+                              <a:latin typeface="Cambria Math" panose="02040503050406030204" pitchFamily="18" charset="0"/>
+                              <a:ea typeface="Calibri" panose="020F0502020204030204" pitchFamily="34" charset="0"/>
+                              <a:cs typeface="Calibri Light" panose="020F0302020204030204" pitchFamily="34" charset="0"/>
+                            </a:rPr>
+                            <m:t>𝑛</m:t>
+                          </m:r>
+                        </m:e>
+                        <m:sub>
+                          <m:sSub>
+                            <m:sSubPr>
+                              <m:ctrlPr>
+                                <a:rPr lang="es-EC" sz="1800" i="1">
+                                  <a:effectLst/>
+                                  <a:latin typeface="Cambria Math" panose="02040503050406030204" pitchFamily="18" charset="0"/>
+                                  <a:ea typeface="Calibri" panose="020F0502020204030204" pitchFamily="34" charset="0"/>
+                                  <a:cs typeface="Calibri Light" panose="020F0302020204030204" pitchFamily="34" charset="0"/>
+                                </a:rPr>
+                              </m:ctrlPr>
+                            </m:sSubPr>
+                            <m:e>
+                              <m:r>
+                                <a:rPr lang="es-MX" sz="1800" i="1">
+                                  <a:effectLst/>
+                                  <a:latin typeface="Cambria Math" panose="02040503050406030204" pitchFamily="18" charset="0"/>
+                                  <a:ea typeface="Calibri" panose="020F0502020204030204" pitchFamily="34" charset="0"/>
+                                  <a:cs typeface="Calibri Light" panose="020F0302020204030204" pitchFamily="34" charset="0"/>
+                                </a:rPr>
+                                <m:t>𝑖</m:t>
+                              </m:r>
+                            </m:e>
+                            <m:sub>
+                              <m:r>
+                                <a:rPr lang="es-MX" sz="1800" i="1">
+                                  <a:effectLst/>
+                                  <a:latin typeface="Cambria Math" panose="02040503050406030204" pitchFamily="18" charset="0"/>
+                                  <a:ea typeface="Calibri" panose="020F0502020204030204" pitchFamily="34" charset="0"/>
+                                  <a:cs typeface="Calibri Light" panose="020F0302020204030204" pitchFamily="34" charset="0"/>
+                                </a:rPr>
+                                <m:t>h</m:t>
+                              </m:r>
+                            </m:sub>
+                          </m:sSub>
+                        </m:sub>
+                      </m:sSub>
+                      <m:r>
+                        <a:rPr lang="es-MX" sz="1800" i="1">
+                          <a:effectLst/>
+                          <a:latin typeface="Cambria Math" panose="02040503050406030204" pitchFamily="18" charset="0"/>
+                          <a:ea typeface="Calibri" panose="020F0502020204030204" pitchFamily="34" charset="0"/>
+                          <a:cs typeface="Calibri Light" panose="020F0302020204030204" pitchFamily="34" charset="0"/>
+                        </a:rPr>
+                        <m:t>=</m:t>
+                      </m:r>
+                      <m:r>
+                        <a:rPr lang="es-MX" sz="1800" i="1">
+                          <a:effectLst/>
+                          <a:latin typeface="Cambria Math" panose="02040503050406030204" pitchFamily="18" charset="0"/>
+                          <a:ea typeface="Times New Roman" panose="02020603050405020304" pitchFamily="18" charset="0"/>
+                          <a:cs typeface="Calibri Light" panose="020F0302020204030204" pitchFamily="34" charset="0"/>
+                        </a:rPr>
+                        <m:t> </m:t>
+                      </m:r>
+                      <m:sSub>
+                        <m:sSubPr>
+                          <m:ctrlPr>
+                            <a:rPr lang="es-EC" sz="1800" i="1">
+                              <a:effectLst/>
+                              <a:latin typeface="Cambria Math" panose="02040503050406030204" pitchFamily="18" charset="0"/>
+                              <a:ea typeface="Times New Roman" panose="02020603050405020304" pitchFamily="18" charset="0"/>
+                              <a:cs typeface="Calibri Light" panose="020F0302020204030204" pitchFamily="34" charset="0"/>
+                            </a:rPr>
+                          </m:ctrlPr>
+                        </m:sSubPr>
+                        <m:e>
+                          <m:r>
+                            <a:rPr lang="es-MX" sz="1800" i="1">
+                              <a:effectLst/>
+                              <a:latin typeface="Cambria Math" panose="02040503050406030204" pitchFamily="18" charset="0"/>
+                              <a:ea typeface="Times New Roman" panose="02020603050405020304" pitchFamily="18" charset="0"/>
+                              <a:cs typeface="Calibri Light" panose="020F0302020204030204" pitchFamily="34" charset="0"/>
+                            </a:rPr>
+                            <m:t>𝑛</m:t>
+                          </m:r>
+                        </m:e>
+                        <m:sub>
+                          <m:r>
+                            <a:rPr lang="es-MX" sz="1800" i="1">
+                              <a:effectLst/>
+                              <a:latin typeface="Cambria Math" panose="02040503050406030204" pitchFamily="18" charset="0"/>
+                              <a:ea typeface="Times New Roman" panose="02020603050405020304" pitchFamily="18" charset="0"/>
+                              <a:cs typeface="Calibri Light" panose="020F0302020204030204" pitchFamily="34" charset="0"/>
+                            </a:rPr>
+                            <m:t>𝑖</m:t>
+                          </m:r>
+                        </m:sub>
+                      </m:sSub>
+                      <m:r>
+                        <a:rPr lang="es-MX" sz="1800" i="1">
+                          <a:effectLst/>
+                          <a:latin typeface="Cambria Math" panose="02040503050406030204" pitchFamily="18" charset="0"/>
+                          <a:ea typeface="Times New Roman" panose="02020603050405020304" pitchFamily="18" charset="0"/>
+                          <a:cs typeface="Calibri Light" panose="020F0302020204030204" pitchFamily="34" charset="0"/>
+                        </a:rPr>
+                        <m:t>∗</m:t>
+                      </m:r>
+                      <m:f>
+                        <m:fPr>
+                          <m:ctrlPr>
+                            <a:rPr lang="es-EC" sz="1800" i="1">
+                              <a:effectLst/>
+                              <a:latin typeface="Cambria Math" panose="02040503050406030204" pitchFamily="18" charset="0"/>
+                              <a:ea typeface="Times New Roman" panose="02020603050405020304" pitchFamily="18" charset="0"/>
+                              <a:cs typeface="Calibri Light" panose="020F0302020204030204" pitchFamily="34" charset="0"/>
+                            </a:rPr>
+                          </m:ctrlPr>
+                        </m:fPr>
+                        <m:num>
+                          <m:sSub>
+                            <m:sSubPr>
+                              <m:ctrlPr>
+                                <a:rPr lang="es-EC" sz="1800" i="1">
+                                  <a:effectLst/>
+                                  <a:latin typeface="Cambria Math" panose="02040503050406030204" pitchFamily="18" charset="0"/>
+                                  <a:ea typeface="Times New Roman" panose="02020603050405020304" pitchFamily="18" charset="0"/>
+                                  <a:cs typeface="Calibri Light" panose="020F0302020204030204" pitchFamily="34" charset="0"/>
+                                </a:rPr>
+                              </m:ctrlPr>
+                            </m:sSubPr>
+                            <m:e>
+                              <m:r>
+                                <a:rPr lang="es-MX" sz="1800" i="1">
+                                  <a:effectLst/>
+                                  <a:latin typeface="Cambria Math" panose="02040503050406030204" pitchFamily="18" charset="0"/>
+                                  <a:ea typeface="Times New Roman" panose="02020603050405020304" pitchFamily="18" charset="0"/>
+                                  <a:cs typeface="Calibri Light" panose="020F0302020204030204" pitchFamily="34" charset="0"/>
+                                </a:rPr>
+                                <m:t>𝑁</m:t>
+                              </m:r>
+                            </m:e>
+                            <m:sub>
+                              <m:sSub>
+                                <m:sSubPr>
+                                  <m:ctrlPr>
+                                    <a:rPr lang="es-EC" sz="1800" i="1">
+                                      <a:effectLst/>
+                                      <a:latin typeface="Cambria Math" panose="02040503050406030204" pitchFamily="18" charset="0"/>
+                                      <a:ea typeface="Times New Roman" panose="02020603050405020304" pitchFamily="18" charset="0"/>
+                                      <a:cs typeface="Calibri Light" panose="020F0302020204030204" pitchFamily="34" charset="0"/>
+                                    </a:rPr>
+                                  </m:ctrlPr>
+                                </m:sSubPr>
+                                <m:e>
+                                  <m:r>
+                                    <a:rPr lang="es-MX" sz="1800" i="1">
+                                      <a:effectLst/>
+                                      <a:latin typeface="Cambria Math" panose="02040503050406030204" pitchFamily="18" charset="0"/>
+                                      <a:ea typeface="Times New Roman" panose="02020603050405020304" pitchFamily="18" charset="0"/>
+                                      <a:cs typeface="Calibri Light" panose="020F0302020204030204" pitchFamily="34" charset="0"/>
+                                    </a:rPr>
+                                    <m:t>𝑖</m:t>
+                                  </m:r>
+                                </m:e>
+                                <m:sub>
+                                  <m:r>
+                                    <a:rPr lang="es-MX" sz="1800" i="1">
+                                      <a:effectLst/>
+                                      <a:latin typeface="Cambria Math" panose="02040503050406030204" pitchFamily="18" charset="0"/>
+                                      <a:ea typeface="Times New Roman" panose="02020603050405020304" pitchFamily="18" charset="0"/>
+                                      <a:cs typeface="Calibri Light" panose="020F0302020204030204" pitchFamily="34" charset="0"/>
+                                    </a:rPr>
+                                    <m:t>h</m:t>
+                                  </m:r>
+                                </m:sub>
+                              </m:sSub>
+                            </m:sub>
+                          </m:sSub>
+                        </m:num>
+                        <m:den>
+                          <m:nary>
+                            <m:naryPr>
+                              <m:chr m:val="∑"/>
+                              <m:limLoc m:val="undOvr"/>
+                              <m:ctrlPr>
+                                <a:rPr lang="es-EC" sz="1800" i="1">
+                                  <a:effectLst/>
+                                  <a:latin typeface="Cambria Math" panose="02040503050406030204" pitchFamily="18" charset="0"/>
+                                  <a:ea typeface="Times New Roman" panose="02020603050405020304" pitchFamily="18" charset="0"/>
+                                  <a:cs typeface="Calibri Light" panose="020F0302020204030204" pitchFamily="34" charset="0"/>
+                                </a:rPr>
+                              </m:ctrlPr>
+                            </m:naryPr>
+                            <m:sub>
+                              <m:r>
+                                <a:rPr lang="es-MX" sz="1800" i="1">
+                                  <a:effectLst/>
+                                  <a:latin typeface="Cambria Math" panose="02040503050406030204" pitchFamily="18" charset="0"/>
+                                  <a:ea typeface="Times New Roman" panose="02020603050405020304" pitchFamily="18" charset="0"/>
+                                  <a:cs typeface="Calibri Light" panose="020F0302020204030204" pitchFamily="34" charset="0"/>
+                                </a:rPr>
+                                <m:t>h</m:t>
+                              </m:r>
+                              <m:r>
+                                <a:rPr lang="es-MX" sz="1800" i="1">
+                                  <a:effectLst/>
+                                  <a:latin typeface="Cambria Math" panose="02040503050406030204" pitchFamily="18" charset="0"/>
+                                  <a:ea typeface="Times New Roman" panose="02020603050405020304" pitchFamily="18" charset="0"/>
+                                  <a:cs typeface="Calibri Light" panose="020F0302020204030204" pitchFamily="34" charset="0"/>
+                                </a:rPr>
+                                <m:t>=1</m:t>
+                              </m:r>
+                            </m:sub>
+                            <m:sup>
+                              <m:sSub>
+                                <m:sSubPr>
+                                  <m:ctrlPr>
+                                    <a:rPr lang="es-EC" sz="1800" i="1">
+                                      <a:effectLst/>
+                                      <a:latin typeface="Cambria Math" panose="02040503050406030204" pitchFamily="18" charset="0"/>
+                                      <a:ea typeface="Times New Roman" panose="02020603050405020304" pitchFamily="18" charset="0"/>
+                                      <a:cs typeface="Calibri Light" panose="020F0302020204030204" pitchFamily="34" charset="0"/>
+                                    </a:rPr>
+                                  </m:ctrlPr>
+                                </m:sSubPr>
+                                <m:e>
+                                  <m:r>
+                                    <a:rPr lang="es-MX" sz="1800" i="1">
+                                      <a:effectLst/>
+                                      <a:latin typeface="Cambria Math" panose="02040503050406030204" pitchFamily="18" charset="0"/>
+                                      <a:ea typeface="Times New Roman" panose="02020603050405020304" pitchFamily="18" charset="0"/>
+                                      <a:cs typeface="Calibri Light" panose="020F0302020204030204" pitchFamily="34" charset="0"/>
+                                    </a:rPr>
+                                    <m:t>𝐻</m:t>
+                                  </m:r>
+                                </m:e>
+                                <m:sub>
+                                  <m:r>
+                                    <a:rPr lang="es-MX" sz="1800" i="1">
+                                      <a:effectLst/>
+                                      <a:latin typeface="Cambria Math" panose="02040503050406030204" pitchFamily="18" charset="0"/>
+                                      <a:ea typeface="Times New Roman" panose="02020603050405020304" pitchFamily="18" charset="0"/>
+                                      <a:cs typeface="Calibri Light" panose="020F0302020204030204" pitchFamily="34" charset="0"/>
+                                    </a:rPr>
+                                    <m:t>𝑖</m:t>
+                                  </m:r>
+                                </m:sub>
+                              </m:sSub>
+                            </m:sup>
+                            <m:e>
+                              <m:sSub>
+                                <m:sSubPr>
+                                  <m:ctrlPr>
+                                    <a:rPr lang="es-EC" sz="1800" i="1">
+                                      <a:effectLst/>
+                                      <a:latin typeface="Cambria Math" panose="02040503050406030204" pitchFamily="18" charset="0"/>
+                                      <a:ea typeface="Times New Roman" panose="02020603050405020304" pitchFamily="18" charset="0"/>
+                                      <a:cs typeface="Calibri Light" panose="020F0302020204030204" pitchFamily="34" charset="0"/>
+                                    </a:rPr>
+                                  </m:ctrlPr>
+                                </m:sSubPr>
+                                <m:e>
+                                  <m:r>
+                                    <a:rPr lang="es-MX" sz="1800" i="1">
+                                      <a:effectLst/>
+                                      <a:latin typeface="Cambria Math" panose="02040503050406030204" pitchFamily="18" charset="0"/>
+                                      <a:ea typeface="Times New Roman" panose="02020603050405020304" pitchFamily="18" charset="0"/>
+                                      <a:cs typeface="Calibri Light" panose="020F0302020204030204" pitchFamily="34" charset="0"/>
+                                    </a:rPr>
+                                    <m:t>𝑁</m:t>
+                                  </m:r>
+                                </m:e>
+                                <m:sub>
+                                  <m:sSub>
+                                    <m:sSubPr>
+                                      <m:ctrlPr>
+                                        <a:rPr lang="es-EC" sz="1800" i="1">
+                                          <a:effectLst/>
+                                          <a:latin typeface="Cambria Math" panose="02040503050406030204" pitchFamily="18" charset="0"/>
+                                          <a:ea typeface="Times New Roman" panose="02020603050405020304" pitchFamily="18" charset="0"/>
+                                          <a:cs typeface="Calibri Light" panose="020F0302020204030204" pitchFamily="34" charset="0"/>
+                                        </a:rPr>
+                                      </m:ctrlPr>
+                                    </m:sSubPr>
+                                    <m:e>
+                                      <m:r>
+                                        <a:rPr lang="es-MX" sz="1800" i="1">
+                                          <a:effectLst/>
+                                          <a:latin typeface="Cambria Math" panose="02040503050406030204" pitchFamily="18" charset="0"/>
+                                          <a:ea typeface="Times New Roman" panose="02020603050405020304" pitchFamily="18" charset="0"/>
+                                          <a:cs typeface="Calibri Light" panose="020F0302020204030204" pitchFamily="34" charset="0"/>
+                                        </a:rPr>
+                                        <m:t>𝑖</m:t>
+                                      </m:r>
+                                    </m:e>
+                                    <m:sub>
+                                      <m:r>
+                                        <a:rPr lang="es-MX" sz="1800" i="1">
+                                          <a:effectLst/>
+                                          <a:latin typeface="Cambria Math" panose="02040503050406030204" pitchFamily="18" charset="0"/>
+                                          <a:ea typeface="Times New Roman" panose="02020603050405020304" pitchFamily="18" charset="0"/>
+                                          <a:cs typeface="Calibri Light" panose="020F0302020204030204" pitchFamily="34" charset="0"/>
+                                        </a:rPr>
+                                        <m:t>h</m:t>
+                                      </m:r>
+                                    </m:sub>
+                                  </m:sSub>
+                                </m:sub>
+                              </m:sSub>
+                            </m:e>
+                          </m:nary>
+                        </m:den>
+                      </m:f>
+                    </m:oMath>
+                  </m:oMathPara>
+                </a14:m>
+                <a:endParaRPr lang="es-EC" sz="1800" dirty="0">
+                  <a:effectLst/>
+                  <a:latin typeface="Calibri" panose="020F0502020204030204" pitchFamily="34" charset="0"/>
+                  <a:ea typeface="Calibri" panose="020F0502020204030204" pitchFamily="34" charset="0"/>
+                  <a:cs typeface="Times New Roman" panose="02020603050405020304" pitchFamily="18" charset="0"/>
+                </a:endParaRPr>
+              </a:p>
+              <a:p>
+                <a:pPr marL="342900" lvl="0" indent="-342900" algn="just">
+                  <a:lnSpc>
+                    <a:spcPct val="107000"/>
+                  </a:lnSpc>
+                  <a:buFont typeface="Symbol" panose="05050102010706020507" pitchFamily="18" charset="2"/>
+                  <a:buChar char=""/>
+                </a:pPr>
+                <a:r>
+                  <a:rPr lang="es-MX" sz="1800" dirty="0">
+                    <a:effectLst/>
+                    <a:latin typeface="Cambria Math" panose="02040503050406030204" pitchFamily="18" charset="0"/>
+                    <a:ea typeface="Calibri" panose="020F0502020204030204" pitchFamily="34" charset="0"/>
+                    <a:cs typeface="Cambria Math" panose="02040503050406030204" pitchFamily="18" charset="0"/>
+                  </a:rPr>
+                  <a:t>𝑛𝑖ℎ</a:t>
+                </a:r>
+                <a:r>
+                  <a:rPr lang="es-MX" sz="1800" dirty="0">
+                    <a:effectLst/>
+                    <a:latin typeface="Calibri Light" panose="020F0302020204030204" pitchFamily="34" charset="0"/>
+                    <a:ea typeface="Calibri" panose="020F0502020204030204" pitchFamily="34" charset="0"/>
+                    <a:cs typeface="Times New Roman" panose="02020603050405020304" pitchFamily="18" charset="0"/>
+                  </a:rPr>
+                  <a:t> = </a:t>
+                </a:r>
+                <a:r>
+                  <a:rPr lang="es-MX" sz="1800" dirty="0">
+                    <a:effectLst/>
+                    <a:latin typeface="Cambria Math" panose="02040503050406030204" pitchFamily="18" charset="0"/>
+                    <a:ea typeface="Calibri" panose="020F0502020204030204" pitchFamily="34" charset="0"/>
+                    <a:cs typeface="Cambria Math" panose="02040503050406030204" pitchFamily="18" charset="0"/>
+                  </a:rPr>
+                  <a:t>𝑀𝑢𝑒𝑠𝑡𝑟𝑎</a:t>
+                </a:r>
+                <a:r>
+                  <a:rPr lang="es-MX" sz="1800" dirty="0">
+                    <a:effectLst/>
+                    <a:latin typeface="Calibri Light" panose="020F0302020204030204" pitchFamily="34" charset="0"/>
+                    <a:ea typeface="Calibri" panose="020F0502020204030204" pitchFamily="34" charset="0"/>
+                    <a:cs typeface="Times New Roman" panose="02020603050405020304" pitchFamily="18" charset="0"/>
+                  </a:rPr>
+                  <a:t> </a:t>
+                </a:r>
+                <a:r>
+                  <a:rPr lang="es-MX" sz="1800" dirty="0">
+                    <a:effectLst/>
+                    <a:latin typeface="Cambria Math" panose="02040503050406030204" pitchFamily="18" charset="0"/>
+                    <a:ea typeface="Calibri" panose="020F0502020204030204" pitchFamily="34" charset="0"/>
+                    <a:cs typeface="Cambria Math" panose="02040503050406030204" pitchFamily="18" charset="0"/>
+                  </a:rPr>
+                  <a:t>𝑝𝑎𝑟𝑎</a:t>
+                </a:r>
+                <a:r>
+                  <a:rPr lang="es-MX" sz="1800" dirty="0">
+                    <a:effectLst/>
+                    <a:latin typeface="Calibri Light" panose="020F0302020204030204" pitchFamily="34" charset="0"/>
+                    <a:ea typeface="Calibri" panose="020F0502020204030204" pitchFamily="34" charset="0"/>
+                    <a:cs typeface="Times New Roman" panose="02020603050405020304" pitchFamily="18" charset="0"/>
+                  </a:rPr>
+                  <a:t> </a:t>
+                </a:r>
+                <a:r>
+                  <a:rPr lang="es-MX" sz="1800" dirty="0">
+                    <a:effectLst/>
+                    <a:latin typeface="Cambria Math" panose="02040503050406030204" pitchFamily="18" charset="0"/>
+                    <a:ea typeface="Calibri" panose="020F0502020204030204" pitchFamily="34" charset="0"/>
+                    <a:cs typeface="Cambria Math" panose="02040503050406030204" pitchFamily="18" charset="0"/>
+                  </a:rPr>
+                  <a:t>𝑒𝑙</a:t>
+                </a:r>
+                <a:r>
+                  <a:rPr lang="es-MX" sz="1800" dirty="0">
+                    <a:effectLst/>
+                    <a:latin typeface="Calibri Light" panose="020F0302020204030204" pitchFamily="34" charset="0"/>
+                    <a:ea typeface="Calibri" panose="020F0502020204030204" pitchFamily="34" charset="0"/>
+                    <a:cs typeface="Times New Roman" panose="02020603050405020304" pitchFamily="18" charset="0"/>
+                  </a:rPr>
+                  <a:t> </a:t>
+                </a:r>
+                <a:r>
+                  <a:rPr lang="es-MX" sz="1800" dirty="0">
+                    <a:effectLst/>
+                    <a:latin typeface="Cambria Math" panose="02040503050406030204" pitchFamily="18" charset="0"/>
+                    <a:ea typeface="Calibri" panose="020F0502020204030204" pitchFamily="34" charset="0"/>
+                    <a:cs typeface="Cambria Math" panose="02040503050406030204" pitchFamily="18" charset="0"/>
+                  </a:rPr>
+                  <a:t>𝑒𝑠𝑡𝑟𝑎𝑡𝑜</a:t>
+                </a:r>
+                <a:r>
+                  <a:rPr lang="es-MX" sz="1800" dirty="0">
+                    <a:effectLst/>
+                    <a:latin typeface="Calibri Light" panose="020F0302020204030204" pitchFamily="34" charset="0"/>
+                    <a:ea typeface="Calibri" panose="020F0502020204030204" pitchFamily="34" charset="0"/>
+                    <a:cs typeface="Times New Roman" panose="02020603050405020304" pitchFamily="18" charset="0"/>
+                  </a:rPr>
+                  <a:t> </a:t>
+                </a:r>
+                <a:r>
+                  <a:rPr lang="es-MX" sz="1800" dirty="0">
+                    <a:effectLst/>
+                    <a:latin typeface="Cambria Math" panose="02040503050406030204" pitchFamily="18" charset="0"/>
+                    <a:ea typeface="Calibri" panose="020F0502020204030204" pitchFamily="34" charset="0"/>
+                    <a:cs typeface="Cambria Math" panose="02040503050406030204" pitchFamily="18" charset="0"/>
+                  </a:rPr>
+                  <a:t>ℎ</a:t>
+                </a:r>
+                <a:r>
+                  <a:rPr lang="es-MX" sz="1800" dirty="0">
+                    <a:effectLst/>
+                    <a:latin typeface="Calibri Light" panose="020F0302020204030204" pitchFamily="34" charset="0"/>
+                    <a:ea typeface="Calibri" panose="020F0502020204030204" pitchFamily="34" charset="0"/>
+                    <a:cs typeface="Times New Roman" panose="02020603050405020304" pitchFamily="18" charset="0"/>
+                  </a:rPr>
+                  <a:t> </a:t>
+                </a:r>
+                <a:r>
+                  <a:rPr lang="es-MX" sz="1800" dirty="0">
+                    <a:effectLst/>
+                    <a:latin typeface="Cambria Math" panose="02040503050406030204" pitchFamily="18" charset="0"/>
+                    <a:ea typeface="Calibri" panose="020F0502020204030204" pitchFamily="34" charset="0"/>
+                    <a:cs typeface="Cambria Math" panose="02040503050406030204" pitchFamily="18" charset="0"/>
+                  </a:rPr>
+                  <a:t>𝑑𝑒𝑙</a:t>
+                </a:r>
+                <a:r>
+                  <a:rPr lang="es-MX" sz="1800" dirty="0">
+                    <a:effectLst/>
+                    <a:latin typeface="Calibri Light" panose="020F0302020204030204" pitchFamily="34" charset="0"/>
+                    <a:ea typeface="Calibri" panose="020F0502020204030204" pitchFamily="34" charset="0"/>
+                    <a:cs typeface="Times New Roman" panose="02020603050405020304" pitchFamily="18" charset="0"/>
+                  </a:rPr>
+                  <a:t> </a:t>
+                </a:r>
+                <a:r>
+                  <a:rPr lang="es-MX" sz="1800" dirty="0">
+                    <a:effectLst/>
+                    <a:latin typeface="Cambria Math" panose="02040503050406030204" pitchFamily="18" charset="0"/>
+                    <a:ea typeface="Calibri" panose="020F0502020204030204" pitchFamily="34" charset="0"/>
+                    <a:cs typeface="Cambria Math" panose="02040503050406030204" pitchFamily="18" charset="0"/>
+                  </a:rPr>
+                  <a:t>𝑑𝑜𝑚𝑖𝑛𝑖𝑜</a:t>
+                </a:r>
+                <a:r>
+                  <a:rPr lang="es-MX" sz="1800" dirty="0">
+                    <a:effectLst/>
+                    <a:latin typeface="Calibri Light" panose="020F0302020204030204" pitchFamily="34" charset="0"/>
+                    <a:ea typeface="Calibri" panose="020F0502020204030204" pitchFamily="34" charset="0"/>
+                    <a:cs typeface="Times New Roman" panose="02020603050405020304" pitchFamily="18" charset="0"/>
+                  </a:rPr>
+                  <a:t> </a:t>
+                </a:r>
+                <a:r>
+                  <a:rPr lang="es-MX" sz="1800" dirty="0">
+                    <a:effectLst/>
+                    <a:latin typeface="Cambria Math" panose="02040503050406030204" pitchFamily="18" charset="0"/>
+                    <a:ea typeface="Calibri" panose="020F0502020204030204" pitchFamily="34" charset="0"/>
+                    <a:cs typeface="Cambria Math" panose="02040503050406030204" pitchFamily="18" charset="0"/>
+                  </a:rPr>
+                  <a:t>𝑑𝑒</a:t>
+                </a:r>
+                <a:r>
+                  <a:rPr lang="es-MX" sz="1800" dirty="0">
+                    <a:effectLst/>
+                    <a:latin typeface="Calibri Light" panose="020F0302020204030204" pitchFamily="34" charset="0"/>
+                    <a:ea typeface="Calibri" panose="020F0502020204030204" pitchFamily="34" charset="0"/>
+                    <a:cs typeface="Times New Roman" panose="02020603050405020304" pitchFamily="18" charset="0"/>
+                  </a:rPr>
+                  <a:t> </a:t>
+                </a:r>
+                <a:r>
+                  <a:rPr lang="es-MX" sz="1800" dirty="0">
+                    <a:effectLst/>
+                    <a:latin typeface="Cambria Math" panose="02040503050406030204" pitchFamily="18" charset="0"/>
+                    <a:ea typeface="Calibri" panose="020F0502020204030204" pitchFamily="34" charset="0"/>
+                    <a:cs typeface="Cambria Math" panose="02040503050406030204" pitchFamily="18" charset="0"/>
+                  </a:rPr>
+                  <a:t>𝑑𝑖𝑠𝑒</a:t>
+                </a:r>
+                <a:r>
+                  <a:rPr lang="es-MX" sz="1800" dirty="0">
+                    <a:effectLst/>
+                    <a:latin typeface="Calibri Light" panose="020F0302020204030204" pitchFamily="34" charset="0"/>
+                    <a:ea typeface="Calibri" panose="020F0502020204030204" pitchFamily="34" charset="0"/>
+                    <a:cs typeface="Times New Roman" panose="02020603050405020304" pitchFamily="18" charset="0"/>
+                  </a:rPr>
+                  <a:t>ñ</a:t>
+                </a:r>
+                <a:r>
+                  <a:rPr lang="es-MX" sz="1800" dirty="0">
+                    <a:effectLst/>
+                    <a:latin typeface="Cambria Math" panose="02040503050406030204" pitchFamily="18" charset="0"/>
+                    <a:ea typeface="Calibri" panose="020F0502020204030204" pitchFamily="34" charset="0"/>
+                    <a:cs typeface="Cambria Math" panose="02040503050406030204" pitchFamily="18" charset="0"/>
+                  </a:rPr>
+                  <a:t>𝑜</a:t>
+                </a:r>
+                <a:r>
+                  <a:rPr lang="es-MX" sz="1800" dirty="0">
+                    <a:effectLst/>
+                    <a:latin typeface="Calibri Light" panose="020F0302020204030204" pitchFamily="34" charset="0"/>
+                    <a:ea typeface="Calibri" panose="020F0502020204030204" pitchFamily="34" charset="0"/>
+                    <a:cs typeface="Times New Roman" panose="02020603050405020304" pitchFamily="18" charset="0"/>
+                  </a:rPr>
+                  <a:t> </a:t>
+                </a:r>
+                <a:r>
+                  <a:rPr lang="es-MX" sz="1800" dirty="0">
+                    <a:effectLst/>
+                    <a:latin typeface="Cambria Math" panose="02040503050406030204" pitchFamily="18" charset="0"/>
+                    <a:ea typeface="Calibri" panose="020F0502020204030204" pitchFamily="34" charset="0"/>
+                    <a:cs typeface="Cambria Math" panose="02040503050406030204" pitchFamily="18" charset="0"/>
+                  </a:rPr>
+                  <a:t>𝑖</a:t>
+                </a:r>
+                <a:r>
+                  <a:rPr lang="es-MX" sz="1800" dirty="0">
+                    <a:effectLst/>
+                    <a:latin typeface="Calibri Light" panose="020F0302020204030204" pitchFamily="34" charset="0"/>
+                    <a:ea typeface="Calibri" panose="020F0502020204030204" pitchFamily="34" charset="0"/>
+                    <a:cs typeface="Times New Roman" panose="02020603050405020304" pitchFamily="18" charset="0"/>
+                  </a:rPr>
+                  <a:t>.</a:t>
+                </a:r>
+                <a:endParaRPr lang="es-EC" sz="1800" dirty="0">
+                  <a:effectLst/>
+                  <a:latin typeface="Calibri" panose="020F0502020204030204" pitchFamily="34" charset="0"/>
+                  <a:ea typeface="Calibri" panose="020F0502020204030204" pitchFamily="34" charset="0"/>
+                  <a:cs typeface="Times New Roman" panose="02020603050405020304" pitchFamily="18" charset="0"/>
+                </a:endParaRPr>
+              </a:p>
+              <a:p>
+                <a:pPr marL="342900" lvl="0" indent="-342900" algn="just">
+                  <a:lnSpc>
+                    <a:spcPct val="107000"/>
+                  </a:lnSpc>
+                  <a:buFont typeface="Symbol" panose="05050102010706020507" pitchFamily="18" charset="2"/>
+                  <a:buChar char=""/>
+                </a:pPr>
+                <a:r>
+                  <a:rPr lang="es-MX" sz="1800" dirty="0">
+                    <a:effectLst/>
+                    <a:latin typeface="Cambria Math" panose="02040503050406030204" pitchFamily="18" charset="0"/>
+                    <a:ea typeface="Calibri" panose="020F0502020204030204" pitchFamily="34" charset="0"/>
+                    <a:cs typeface="Cambria Math" panose="02040503050406030204" pitchFamily="18" charset="0"/>
+                  </a:rPr>
+                  <a:t>𝑛𝑖</a:t>
+                </a:r>
+                <a:r>
+                  <a:rPr lang="es-MX" sz="1800" dirty="0">
+                    <a:effectLst/>
+                    <a:latin typeface="Calibri Light" panose="020F0302020204030204" pitchFamily="34" charset="0"/>
+                    <a:ea typeface="Calibri" panose="020F0502020204030204" pitchFamily="34" charset="0"/>
+                    <a:cs typeface="Times New Roman" panose="02020603050405020304" pitchFamily="18" charset="0"/>
+                  </a:rPr>
+                  <a:t> = </a:t>
+                </a:r>
+                <a:r>
+                  <a:rPr lang="es-MX" sz="1800" dirty="0">
+                    <a:effectLst/>
+                    <a:latin typeface="Cambria Math" panose="02040503050406030204" pitchFamily="18" charset="0"/>
+                    <a:ea typeface="Calibri" panose="020F0502020204030204" pitchFamily="34" charset="0"/>
+                    <a:cs typeface="Cambria Math" panose="02040503050406030204" pitchFamily="18" charset="0"/>
+                  </a:rPr>
+                  <a:t>𝑇𝑎𝑚𝑎</a:t>
+                </a:r>
+                <a:r>
+                  <a:rPr lang="es-MX" sz="1800" dirty="0">
+                    <a:effectLst/>
+                    <a:latin typeface="Calibri Light" panose="020F0302020204030204" pitchFamily="34" charset="0"/>
+                    <a:ea typeface="Calibri" panose="020F0502020204030204" pitchFamily="34" charset="0"/>
+                    <a:cs typeface="Times New Roman" panose="02020603050405020304" pitchFamily="18" charset="0"/>
+                  </a:rPr>
+                  <a:t>ñ</a:t>
+                </a:r>
+                <a:r>
+                  <a:rPr lang="es-MX" sz="1800" dirty="0">
+                    <a:effectLst/>
+                    <a:latin typeface="Cambria Math" panose="02040503050406030204" pitchFamily="18" charset="0"/>
+                    <a:ea typeface="Calibri" panose="020F0502020204030204" pitchFamily="34" charset="0"/>
+                    <a:cs typeface="Cambria Math" panose="02040503050406030204" pitchFamily="18" charset="0"/>
+                  </a:rPr>
+                  <a:t>𝑜</a:t>
+                </a:r>
+                <a:r>
+                  <a:rPr lang="es-MX" sz="1800" dirty="0">
+                    <a:effectLst/>
+                    <a:latin typeface="Calibri Light" panose="020F0302020204030204" pitchFamily="34" charset="0"/>
+                    <a:ea typeface="Calibri" panose="020F0502020204030204" pitchFamily="34" charset="0"/>
+                    <a:cs typeface="Times New Roman" panose="02020603050405020304" pitchFamily="18" charset="0"/>
+                  </a:rPr>
+                  <a:t> </a:t>
+                </a:r>
+                <a:r>
+                  <a:rPr lang="es-MX" sz="1800" dirty="0">
+                    <a:effectLst/>
+                    <a:latin typeface="Cambria Math" panose="02040503050406030204" pitchFamily="18" charset="0"/>
+                    <a:ea typeface="Calibri" panose="020F0502020204030204" pitchFamily="34" charset="0"/>
+                    <a:cs typeface="Cambria Math" panose="02040503050406030204" pitchFamily="18" charset="0"/>
+                  </a:rPr>
+                  <a:t>𝑑𝑒</a:t>
+                </a:r>
+                <a:r>
+                  <a:rPr lang="es-MX" sz="1800" dirty="0">
+                    <a:effectLst/>
+                    <a:latin typeface="Calibri Light" panose="020F0302020204030204" pitchFamily="34" charset="0"/>
+                    <a:ea typeface="Calibri" panose="020F0502020204030204" pitchFamily="34" charset="0"/>
+                    <a:cs typeface="Times New Roman" panose="02020603050405020304" pitchFamily="18" charset="0"/>
+                  </a:rPr>
+                  <a:t> </a:t>
+                </a:r>
+                <a:r>
+                  <a:rPr lang="es-MX" sz="1800" dirty="0">
+                    <a:effectLst/>
+                    <a:latin typeface="Cambria Math" panose="02040503050406030204" pitchFamily="18" charset="0"/>
+                    <a:ea typeface="Calibri" panose="020F0502020204030204" pitchFamily="34" charset="0"/>
+                    <a:cs typeface="Cambria Math" panose="02040503050406030204" pitchFamily="18" charset="0"/>
+                  </a:rPr>
+                  <a:t>𝑚𝑢𝑒𝑠𝑡𝑟𝑎</a:t>
+                </a:r>
+                <a:r>
+                  <a:rPr lang="es-MX" sz="1800" dirty="0">
+                    <a:effectLst/>
+                    <a:latin typeface="Calibri Light" panose="020F0302020204030204" pitchFamily="34" charset="0"/>
+                    <a:ea typeface="Calibri" panose="020F0502020204030204" pitchFamily="34" charset="0"/>
+                    <a:cs typeface="Times New Roman" panose="02020603050405020304" pitchFamily="18" charset="0"/>
+                  </a:rPr>
+                  <a:t> </a:t>
+                </a:r>
+                <a:r>
+                  <a:rPr lang="es-MX" sz="1800" dirty="0">
+                    <a:effectLst/>
+                    <a:latin typeface="Cambria Math" panose="02040503050406030204" pitchFamily="18" charset="0"/>
+                    <a:ea typeface="Calibri" panose="020F0502020204030204" pitchFamily="34" charset="0"/>
+                    <a:cs typeface="Cambria Math" panose="02040503050406030204" pitchFamily="18" charset="0"/>
+                  </a:rPr>
+                  <a:t>𝑑𝑒𝑙</a:t>
+                </a:r>
+                <a:r>
+                  <a:rPr lang="es-MX" sz="1800" dirty="0">
+                    <a:effectLst/>
+                    <a:latin typeface="Calibri Light" panose="020F0302020204030204" pitchFamily="34" charset="0"/>
+                    <a:ea typeface="Calibri" panose="020F0502020204030204" pitchFamily="34" charset="0"/>
+                    <a:cs typeface="Times New Roman" panose="02020603050405020304" pitchFamily="18" charset="0"/>
+                  </a:rPr>
+                  <a:t> </a:t>
+                </a:r>
+                <a:r>
+                  <a:rPr lang="es-MX" sz="1800" dirty="0">
+                    <a:effectLst/>
+                    <a:latin typeface="Cambria Math" panose="02040503050406030204" pitchFamily="18" charset="0"/>
+                    <a:ea typeface="Calibri" panose="020F0502020204030204" pitchFamily="34" charset="0"/>
+                    <a:cs typeface="Cambria Math" panose="02040503050406030204" pitchFamily="18" charset="0"/>
+                  </a:rPr>
+                  <a:t>𝑑𝑜𝑚𝑖𝑛𝑖𝑜</a:t>
+                </a:r>
+                <a:r>
+                  <a:rPr lang="es-MX" sz="1800" dirty="0">
+                    <a:effectLst/>
+                    <a:latin typeface="Calibri Light" panose="020F0302020204030204" pitchFamily="34" charset="0"/>
+                    <a:ea typeface="Calibri" panose="020F0502020204030204" pitchFamily="34" charset="0"/>
+                    <a:cs typeface="Times New Roman" panose="02020603050405020304" pitchFamily="18" charset="0"/>
+                  </a:rPr>
+                  <a:t> </a:t>
+                </a:r>
+                <a:r>
+                  <a:rPr lang="es-MX" sz="1800" dirty="0">
+                    <a:effectLst/>
+                    <a:latin typeface="Cambria Math" panose="02040503050406030204" pitchFamily="18" charset="0"/>
+                    <a:ea typeface="Calibri" panose="020F0502020204030204" pitchFamily="34" charset="0"/>
+                    <a:cs typeface="Cambria Math" panose="02040503050406030204" pitchFamily="18" charset="0"/>
+                  </a:rPr>
+                  <a:t>𝑑𝑒</a:t>
+                </a:r>
+                <a:r>
+                  <a:rPr lang="es-MX" sz="1800" dirty="0">
+                    <a:effectLst/>
+                    <a:latin typeface="Calibri Light" panose="020F0302020204030204" pitchFamily="34" charset="0"/>
+                    <a:ea typeface="Calibri" panose="020F0502020204030204" pitchFamily="34" charset="0"/>
+                    <a:cs typeface="Times New Roman" panose="02020603050405020304" pitchFamily="18" charset="0"/>
+                  </a:rPr>
+                  <a:t> </a:t>
+                </a:r>
+                <a:r>
+                  <a:rPr lang="es-MX" sz="1800" dirty="0">
+                    <a:effectLst/>
+                    <a:latin typeface="Cambria Math" panose="02040503050406030204" pitchFamily="18" charset="0"/>
+                    <a:ea typeface="Calibri" panose="020F0502020204030204" pitchFamily="34" charset="0"/>
+                    <a:cs typeface="Cambria Math" panose="02040503050406030204" pitchFamily="18" charset="0"/>
+                  </a:rPr>
+                  <a:t>𝑑𝑖𝑠𝑒</a:t>
+                </a:r>
+                <a:r>
+                  <a:rPr lang="es-MX" sz="1800" dirty="0">
+                    <a:effectLst/>
+                    <a:latin typeface="Calibri Light" panose="020F0302020204030204" pitchFamily="34" charset="0"/>
+                    <a:ea typeface="Calibri" panose="020F0502020204030204" pitchFamily="34" charset="0"/>
+                    <a:cs typeface="Times New Roman" panose="02020603050405020304" pitchFamily="18" charset="0"/>
+                  </a:rPr>
+                  <a:t>ñ</a:t>
+                </a:r>
+                <a:r>
+                  <a:rPr lang="es-MX" sz="1800" dirty="0">
+                    <a:effectLst/>
+                    <a:latin typeface="Cambria Math" panose="02040503050406030204" pitchFamily="18" charset="0"/>
+                    <a:ea typeface="Calibri" panose="020F0502020204030204" pitchFamily="34" charset="0"/>
+                    <a:cs typeface="Cambria Math" panose="02040503050406030204" pitchFamily="18" charset="0"/>
+                  </a:rPr>
+                  <a:t>𝑜</a:t>
+                </a:r>
+                <a:r>
+                  <a:rPr lang="es-MX" sz="1800" dirty="0">
+                    <a:effectLst/>
+                    <a:latin typeface="Calibri Light" panose="020F0302020204030204" pitchFamily="34" charset="0"/>
+                    <a:ea typeface="Calibri" panose="020F0502020204030204" pitchFamily="34" charset="0"/>
+                    <a:cs typeface="Times New Roman" panose="02020603050405020304" pitchFamily="18" charset="0"/>
+                  </a:rPr>
+                  <a:t> </a:t>
+                </a:r>
+                <a:r>
+                  <a:rPr lang="es-MX" sz="1800" dirty="0">
+                    <a:effectLst/>
+                    <a:latin typeface="Cambria Math" panose="02040503050406030204" pitchFamily="18" charset="0"/>
+                    <a:ea typeface="Calibri" panose="020F0502020204030204" pitchFamily="34" charset="0"/>
+                    <a:cs typeface="Cambria Math" panose="02040503050406030204" pitchFamily="18" charset="0"/>
+                  </a:rPr>
+                  <a:t>𝑖</a:t>
+                </a:r>
+                <a:r>
+                  <a:rPr lang="es-MX" sz="1800" dirty="0">
+                    <a:effectLst/>
+                    <a:latin typeface="Calibri Light" panose="020F0302020204030204" pitchFamily="34" charset="0"/>
+                    <a:ea typeface="Calibri" panose="020F0502020204030204" pitchFamily="34" charset="0"/>
+                    <a:cs typeface="Times New Roman" panose="02020603050405020304" pitchFamily="18" charset="0"/>
+                  </a:rPr>
+                  <a:t>.</a:t>
+                </a:r>
+                <a:endParaRPr lang="es-EC" sz="1800" dirty="0">
+                  <a:effectLst/>
+                  <a:latin typeface="Calibri" panose="020F0502020204030204" pitchFamily="34" charset="0"/>
+                  <a:ea typeface="Calibri" panose="020F0502020204030204" pitchFamily="34" charset="0"/>
+                  <a:cs typeface="Times New Roman" panose="02020603050405020304" pitchFamily="18" charset="0"/>
+                </a:endParaRPr>
+              </a:p>
+              <a:p>
+                <a:pPr marL="342900" lvl="0" indent="-342900" algn="just">
+                  <a:lnSpc>
+                    <a:spcPct val="107000"/>
+                  </a:lnSpc>
+                  <a:buFont typeface="Symbol" panose="05050102010706020507" pitchFamily="18" charset="2"/>
+                  <a:buChar char=""/>
+                </a:pPr>
+                <a:r>
+                  <a:rPr lang="es-MX" sz="1800" dirty="0">
+                    <a:effectLst/>
+                    <a:latin typeface="Cambria Math" panose="02040503050406030204" pitchFamily="18" charset="0"/>
+                    <a:ea typeface="Calibri" panose="020F0502020204030204" pitchFamily="34" charset="0"/>
+                    <a:cs typeface="Cambria Math" panose="02040503050406030204" pitchFamily="18" charset="0"/>
+                  </a:rPr>
+                  <a:t>𝑁𝑖ℎ</a:t>
+                </a:r>
+                <a:r>
+                  <a:rPr lang="es-MX" sz="1800" dirty="0">
+                    <a:effectLst/>
+                    <a:latin typeface="Calibri Light" panose="020F0302020204030204" pitchFamily="34" charset="0"/>
+                    <a:ea typeface="Calibri" panose="020F0502020204030204" pitchFamily="34" charset="0"/>
+                    <a:cs typeface="Times New Roman" panose="02020603050405020304" pitchFamily="18" charset="0"/>
+                  </a:rPr>
+                  <a:t> = </a:t>
+                </a:r>
+                <a:r>
+                  <a:rPr lang="es-MX" sz="1800" dirty="0">
+                    <a:effectLst/>
+                    <a:latin typeface="Cambria Math" panose="02040503050406030204" pitchFamily="18" charset="0"/>
+                    <a:ea typeface="Calibri" panose="020F0502020204030204" pitchFamily="34" charset="0"/>
+                    <a:cs typeface="Cambria Math" panose="02040503050406030204" pitchFamily="18" charset="0"/>
+                  </a:rPr>
+                  <a:t>𝑇𝑎𝑚𝑎</a:t>
+                </a:r>
+                <a:r>
+                  <a:rPr lang="es-MX" sz="1800" dirty="0">
+                    <a:effectLst/>
+                    <a:latin typeface="Calibri Light" panose="020F0302020204030204" pitchFamily="34" charset="0"/>
+                    <a:ea typeface="Calibri" panose="020F0502020204030204" pitchFamily="34" charset="0"/>
+                    <a:cs typeface="Times New Roman" panose="02020603050405020304" pitchFamily="18" charset="0"/>
+                  </a:rPr>
+                  <a:t>ñ</a:t>
+                </a:r>
+                <a:r>
+                  <a:rPr lang="es-MX" sz="1800" dirty="0">
+                    <a:effectLst/>
+                    <a:latin typeface="Cambria Math" panose="02040503050406030204" pitchFamily="18" charset="0"/>
+                    <a:ea typeface="Calibri" panose="020F0502020204030204" pitchFamily="34" charset="0"/>
+                    <a:cs typeface="Cambria Math" panose="02040503050406030204" pitchFamily="18" charset="0"/>
+                  </a:rPr>
+                  <a:t>𝑜</a:t>
+                </a:r>
+                <a:r>
+                  <a:rPr lang="es-MX" sz="1800" dirty="0">
+                    <a:effectLst/>
+                    <a:latin typeface="Calibri Light" panose="020F0302020204030204" pitchFamily="34" charset="0"/>
+                    <a:ea typeface="Calibri" panose="020F0502020204030204" pitchFamily="34" charset="0"/>
+                    <a:cs typeface="Times New Roman" panose="02020603050405020304" pitchFamily="18" charset="0"/>
+                  </a:rPr>
+                  <a:t> </a:t>
+                </a:r>
+                <a:r>
+                  <a:rPr lang="es-MX" sz="1800" dirty="0">
+                    <a:effectLst/>
+                    <a:latin typeface="Cambria Math" panose="02040503050406030204" pitchFamily="18" charset="0"/>
+                    <a:ea typeface="Calibri" panose="020F0502020204030204" pitchFamily="34" charset="0"/>
+                    <a:cs typeface="Cambria Math" panose="02040503050406030204" pitchFamily="18" charset="0"/>
+                  </a:rPr>
+                  <a:t>𝑑𝑒𝑙</a:t>
+                </a:r>
+                <a:r>
+                  <a:rPr lang="es-MX" sz="1800" dirty="0">
+                    <a:effectLst/>
+                    <a:latin typeface="Calibri Light" panose="020F0302020204030204" pitchFamily="34" charset="0"/>
+                    <a:ea typeface="Calibri" panose="020F0502020204030204" pitchFamily="34" charset="0"/>
+                    <a:cs typeface="Times New Roman" panose="02020603050405020304" pitchFamily="18" charset="0"/>
+                  </a:rPr>
+                  <a:t> </a:t>
+                </a:r>
+                <a:r>
+                  <a:rPr lang="es-MX" sz="1800" dirty="0">
+                    <a:effectLst/>
+                    <a:latin typeface="Cambria Math" panose="02040503050406030204" pitchFamily="18" charset="0"/>
+                    <a:ea typeface="Calibri" panose="020F0502020204030204" pitchFamily="34" charset="0"/>
+                    <a:cs typeface="Cambria Math" panose="02040503050406030204" pitchFamily="18" charset="0"/>
+                  </a:rPr>
+                  <a:t>𝑒𝑠𝑡𝑟𝑎𝑡𝑜</a:t>
+                </a:r>
+                <a:r>
+                  <a:rPr lang="es-MX" sz="1800" dirty="0">
+                    <a:effectLst/>
+                    <a:latin typeface="Calibri Light" panose="020F0302020204030204" pitchFamily="34" charset="0"/>
+                    <a:ea typeface="Calibri" panose="020F0502020204030204" pitchFamily="34" charset="0"/>
+                    <a:cs typeface="Times New Roman" panose="02020603050405020304" pitchFamily="18" charset="0"/>
+                  </a:rPr>
+                  <a:t> </a:t>
+                </a:r>
+                <a:r>
+                  <a:rPr lang="es-MX" sz="1800" dirty="0">
+                    <a:effectLst/>
+                    <a:latin typeface="Cambria Math" panose="02040503050406030204" pitchFamily="18" charset="0"/>
+                    <a:ea typeface="Calibri" panose="020F0502020204030204" pitchFamily="34" charset="0"/>
+                    <a:cs typeface="Cambria Math" panose="02040503050406030204" pitchFamily="18" charset="0"/>
+                  </a:rPr>
+                  <a:t>ℎ</a:t>
+                </a:r>
+                <a:r>
+                  <a:rPr lang="es-MX" sz="1800" dirty="0">
+                    <a:effectLst/>
+                    <a:latin typeface="Calibri Light" panose="020F0302020204030204" pitchFamily="34" charset="0"/>
+                    <a:ea typeface="Calibri" panose="020F0502020204030204" pitchFamily="34" charset="0"/>
+                    <a:cs typeface="Times New Roman" panose="02020603050405020304" pitchFamily="18" charset="0"/>
+                  </a:rPr>
+                  <a:t> </a:t>
+                </a:r>
+                <a:r>
+                  <a:rPr lang="es-MX" sz="1800" dirty="0">
+                    <a:effectLst/>
+                    <a:latin typeface="Cambria Math" panose="02040503050406030204" pitchFamily="18" charset="0"/>
+                    <a:ea typeface="Calibri" panose="020F0502020204030204" pitchFamily="34" charset="0"/>
+                    <a:cs typeface="Cambria Math" panose="02040503050406030204" pitchFamily="18" charset="0"/>
+                  </a:rPr>
+                  <a:t>𝑑𝑒𝑙</a:t>
+                </a:r>
+                <a:r>
+                  <a:rPr lang="es-MX" sz="1800" dirty="0">
+                    <a:effectLst/>
+                    <a:latin typeface="Calibri Light" panose="020F0302020204030204" pitchFamily="34" charset="0"/>
+                    <a:ea typeface="Calibri" panose="020F0502020204030204" pitchFamily="34" charset="0"/>
+                    <a:cs typeface="Times New Roman" panose="02020603050405020304" pitchFamily="18" charset="0"/>
+                  </a:rPr>
+                  <a:t> </a:t>
+                </a:r>
+                <a:r>
+                  <a:rPr lang="es-MX" sz="1800" dirty="0">
+                    <a:effectLst/>
+                    <a:latin typeface="Cambria Math" panose="02040503050406030204" pitchFamily="18" charset="0"/>
+                    <a:ea typeface="Calibri" panose="020F0502020204030204" pitchFamily="34" charset="0"/>
+                    <a:cs typeface="Cambria Math" panose="02040503050406030204" pitchFamily="18" charset="0"/>
+                  </a:rPr>
+                  <a:t>𝑑𝑜𝑚𝑖𝑛𝑖𝑜</a:t>
+                </a:r>
+                <a:r>
+                  <a:rPr lang="es-MX" sz="1800" dirty="0">
+                    <a:effectLst/>
+                    <a:latin typeface="Calibri Light" panose="020F0302020204030204" pitchFamily="34" charset="0"/>
+                    <a:ea typeface="Calibri" panose="020F0502020204030204" pitchFamily="34" charset="0"/>
+                    <a:cs typeface="Times New Roman" panose="02020603050405020304" pitchFamily="18" charset="0"/>
+                  </a:rPr>
+                  <a:t> </a:t>
+                </a:r>
+                <a:r>
+                  <a:rPr lang="es-MX" sz="1800" dirty="0">
+                    <a:effectLst/>
+                    <a:latin typeface="Cambria Math" panose="02040503050406030204" pitchFamily="18" charset="0"/>
+                    <a:ea typeface="Calibri" panose="020F0502020204030204" pitchFamily="34" charset="0"/>
+                    <a:cs typeface="Cambria Math" panose="02040503050406030204" pitchFamily="18" charset="0"/>
+                  </a:rPr>
+                  <a:t>𝑑𝑒</a:t>
+                </a:r>
+                <a:r>
+                  <a:rPr lang="es-MX" sz="1800" dirty="0">
+                    <a:effectLst/>
+                    <a:latin typeface="Calibri Light" panose="020F0302020204030204" pitchFamily="34" charset="0"/>
+                    <a:ea typeface="Calibri" panose="020F0502020204030204" pitchFamily="34" charset="0"/>
+                    <a:cs typeface="Times New Roman" panose="02020603050405020304" pitchFamily="18" charset="0"/>
+                  </a:rPr>
+                  <a:t> </a:t>
+                </a:r>
+                <a:r>
+                  <a:rPr lang="es-MX" sz="1800" dirty="0">
+                    <a:effectLst/>
+                    <a:latin typeface="Cambria Math" panose="02040503050406030204" pitchFamily="18" charset="0"/>
+                    <a:ea typeface="Calibri" panose="020F0502020204030204" pitchFamily="34" charset="0"/>
+                    <a:cs typeface="Cambria Math" panose="02040503050406030204" pitchFamily="18" charset="0"/>
+                  </a:rPr>
+                  <a:t>𝑑𝑖𝑠𝑒</a:t>
+                </a:r>
+                <a:r>
+                  <a:rPr lang="es-MX" sz="1800" dirty="0">
+                    <a:effectLst/>
+                    <a:latin typeface="Calibri Light" panose="020F0302020204030204" pitchFamily="34" charset="0"/>
+                    <a:ea typeface="Calibri" panose="020F0502020204030204" pitchFamily="34" charset="0"/>
+                    <a:cs typeface="Times New Roman" panose="02020603050405020304" pitchFamily="18" charset="0"/>
+                  </a:rPr>
+                  <a:t>ñ</a:t>
+                </a:r>
+                <a:r>
+                  <a:rPr lang="es-MX" sz="1800" dirty="0">
+                    <a:effectLst/>
+                    <a:latin typeface="Cambria Math" panose="02040503050406030204" pitchFamily="18" charset="0"/>
+                    <a:ea typeface="Calibri" panose="020F0502020204030204" pitchFamily="34" charset="0"/>
+                    <a:cs typeface="Cambria Math" panose="02040503050406030204" pitchFamily="18" charset="0"/>
+                  </a:rPr>
+                  <a:t>𝑜</a:t>
+                </a:r>
+                <a:r>
+                  <a:rPr lang="es-MX" sz="1800" dirty="0">
+                    <a:effectLst/>
+                    <a:latin typeface="Calibri Light" panose="020F0302020204030204" pitchFamily="34" charset="0"/>
+                    <a:ea typeface="Calibri" panose="020F0502020204030204" pitchFamily="34" charset="0"/>
+                    <a:cs typeface="Times New Roman" panose="02020603050405020304" pitchFamily="18" charset="0"/>
+                  </a:rPr>
+                  <a:t> </a:t>
+                </a:r>
+                <a:r>
+                  <a:rPr lang="es-MX" sz="1800" dirty="0">
+                    <a:effectLst/>
+                    <a:latin typeface="Cambria Math" panose="02040503050406030204" pitchFamily="18" charset="0"/>
+                    <a:ea typeface="Calibri" panose="020F0502020204030204" pitchFamily="34" charset="0"/>
+                    <a:cs typeface="Cambria Math" panose="02040503050406030204" pitchFamily="18" charset="0"/>
+                  </a:rPr>
+                  <a:t>𝑖</a:t>
+                </a:r>
+                <a:r>
+                  <a:rPr lang="es-MX" sz="1800" dirty="0">
+                    <a:effectLst/>
+                    <a:latin typeface="Calibri Light" panose="020F0302020204030204" pitchFamily="34" charset="0"/>
+                    <a:ea typeface="Calibri" panose="020F0502020204030204" pitchFamily="34" charset="0"/>
+                    <a:cs typeface="Times New Roman" panose="02020603050405020304" pitchFamily="18" charset="0"/>
+                  </a:rPr>
+                  <a:t>.</a:t>
+                </a:r>
+                <a:endParaRPr lang="es-EC" sz="1800" dirty="0">
+                  <a:effectLst/>
+                  <a:latin typeface="Calibri" panose="020F0502020204030204" pitchFamily="34" charset="0"/>
+                  <a:ea typeface="Calibri" panose="020F0502020204030204" pitchFamily="34" charset="0"/>
+                  <a:cs typeface="Times New Roman" panose="02020603050405020304" pitchFamily="18" charset="0"/>
+                </a:endParaRPr>
+              </a:p>
+              <a:p>
+                <a:r>
+                  <a:rPr lang="es-MX" sz="1800" dirty="0">
+                    <a:effectLst/>
+                    <a:latin typeface="Cambria Math" panose="02040503050406030204" pitchFamily="18" charset="0"/>
+                    <a:ea typeface="Calibri" panose="020F0502020204030204" pitchFamily="34" charset="0"/>
+                    <a:cs typeface="Cambria Math" panose="02040503050406030204" pitchFamily="18" charset="0"/>
+                  </a:rPr>
+                  <a:t>𝐻𝑖</a:t>
+                </a:r>
+                <a:r>
+                  <a:rPr lang="es-MX" sz="1800" dirty="0">
+                    <a:effectLst/>
+                    <a:latin typeface="Calibri Light" panose="020F0302020204030204" pitchFamily="34" charset="0"/>
+                    <a:ea typeface="Calibri" panose="020F0502020204030204" pitchFamily="34" charset="0"/>
+                  </a:rPr>
+                  <a:t> = </a:t>
+                </a:r>
+                <a:r>
+                  <a:rPr lang="es-MX" sz="1800" dirty="0">
+                    <a:effectLst/>
+                    <a:latin typeface="Cambria Math" panose="02040503050406030204" pitchFamily="18" charset="0"/>
+                    <a:ea typeface="Calibri" panose="020F0502020204030204" pitchFamily="34" charset="0"/>
+                    <a:cs typeface="Cambria Math" panose="02040503050406030204" pitchFamily="18" charset="0"/>
+                  </a:rPr>
+                  <a:t>𝑁</a:t>
+                </a:r>
+                <a:r>
+                  <a:rPr lang="es-MX" sz="1800" dirty="0">
+                    <a:effectLst/>
+                    <a:latin typeface="Calibri Light" panose="020F0302020204030204" pitchFamily="34" charset="0"/>
+                    <a:ea typeface="Calibri" panose="020F0502020204030204" pitchFamily="34" charset="0"/>
+                  </a:rPr>
+                  <a:t>ú</a:t>
+                </a:r>
+                <a:r>
+                  <a:rPr lang="es-MX" sz="1800" dirty="0">
+                    <a:effectLst/>
+                    <a:latin typeface="Cambria Math" panose="02040503050406030204" pitchFamily="18" charset="0"/>
+                    <a:ea typeface="Calibri" panose="020F0502020204030204" pitchFamily="34" charset="0"/>
+                    <a:cs typeface="Cambria Math" panose="02040503050406030204" pitchFamily="18" charset="0"/>
+                  </a:rPr>
+                  <a:t>𝑚𝑒𝑟𝑜</a:t>
+                </a:r>
+                <a:r>
+                  <a:rPr lang="es-MX" sz="1800" dirty="0">
+                    <a:effectLst/>
+                    <a:latin typeface="Calibri Light" panose="020F0302020204030204" pitchFamily="34" charset="0"/>
+                    <a:ea typeface="Calibri" panose="020F0502020204030204" pitchFamily="34" charset="0"/>
+                  </a:rPr>
+                  <a:t> </a:t>
+                </a:r>
+                <a:r>
+                  <a:rPr lang="es-MX" sz="1800" dirty="0">
+                    <a:effectLst/>
+                    <a:latin typeface="Cambria Math" panose="02040503050406030204" pitchFamily="18" charset="0"/>
+                    <a:ea typeface="Calibri" panose="020F0502020204030204" pitchFamily="34" charset="0"/>
+                    <a:cs typeface="Cambria Math" panose="02040503050406030204" pitchFamily="18" charset="0"/>
+                  </a:rPr>
+                  <a:t>𝑑𝑒</a:t>
+                </a:r>
+                <a:r>
+                  <a:rPr lang="es-MX" sz="1800" dirty="0">
+                    <a:effectLst/>
+                    <a:latin typeface="Calibri Light" panose="020F0302020204030204" pitchFamily="34" charset="0"/>
+                    <a:ea typeface="Calibri" panose="020F0502020204030204" pitchFamily="34" charset="0"/>
+                  </a:rPr>
+                  <a:t> </a:t>
+                </a:r>
+                <a:r>
+                  <a:rPr lang="es-MX" sz="1800" dirty="0">
+                    <a:effectLst/>
+                    <a:latin typeface="Cambria Math" panose="02040503050406030204" pitchFamily="18" charset="0"/>
+                    <a:ea typeface="Calibri" panose="020F0502020204030204" pitchFamily="34" charset="0"/>
+                    <a:cs typeface="Cambria Math" panose="02040503050406030204" pitchFamily="18" charset="0"/>
+                  </a:rPr>
+                  <a:t>𝑒𝑠𝑡𝑟𝑎𝑡𝑜𝑠</a:t>
+                </a:r>
+                <a:r>
+                  <a:rPr lang="es-MX" sz="1800" dirty="0">
+                    <a:effectLst/>
+                    <a:latin typeface="Calibri Light" panose="020F0302020204030204" pitchFamily="34" charset="0"/>
+                    <a:ea typeface="Calibri" panose="020F0502020204030204" pitchFamily="34" charset="0"/>
+                  </a:rPr>
+                  <a:t> </a:t>
+                </a:r>
+                <a:r>
+                  <a:rPr lang="es-MX" sz="1800" dirty="0">
+                    <a:effectLst/>
+                    <a:latin typeface="Cambria Math" panose="02040503050406030204" pitchFamily="18" charset="0"/>
+                    <a:ea typeface="Calibri" panose="020F0502020204030204" pitchFamily="34" charset="0"/>
+                    <a:cs typeface="Cambria Math" panose="02040503050406030204" pitchFamily="18" charset="0"/>
+                  </a:rPr>
+                  <a:t>𝑒𝑛</a:t>
+                </a:r>
+                <a:r>
+                  <a:rPr lang="es-MX" sz="1800" dirty="0">
+                    <a:effectLst/>
+                    <a:latin typeface="Calibri Light" panose="020F0302020204030204" pitchFamily="34" charset="0"/>
+                    <a:ea typeface="Calibri" panose="020F0502020204030204" pitchFamily="34" charset="0"/>
+                  </a:rPr>
+                  <a:t> </a:t>
+                </a:r>
+                <a:r>
+                  <a:rPr lang="es-MX" sz="1800" dirty="0">
+                    <a:effectLst/>
+                    <a:latin typeface="Cambria Math" panose="02040503050406030204" pitchFamily="18" charset="0"/>
+                    <a:ea typeface="Calibri" panose="020F0502020204030204" pitchFamily="34" charset="0"/>
+                    <a:cs typeface="Cambria Math" panose="02040503050406030204" pitchFamily="18" charset="0"/>
+                  </a:rPr>
+                  <a:t>𝑒𝑙</a:t>
+                </a:r>
+                <a:r>
+                  <a:rPr lang="es-MX" sz="1800" dirty="0">
+                    <a:effectLst/>
+                    <a:latin typeface="Calibri Light" panose="020F0302020204030204" pitchFamily="34" charset="0"/>
+                    <a:ea typeface="Calibri" panose="020F0502020204030204" pitchFamily="34" charset="0"/>
+                  </a:rPr>
+                  <a:t> </a:t>
+                </a:r>
+                <a:r>
+                  <a:rPr lang="es-MX" sz="1800" dirty="0">
+                    <a:effectLst/>
+                    <a:latin typeface="Cambria Math" panose="02040503050406030204" pitchFamily="18" charset="0"/>
+                    <a:ea typeface="Calibri" panose="020F0502020204030204" pitchFamily="34" charset="0"/>
+                    <a:cs typeface="Cambria Math" panose="02040503050406030204" pitchFamily="18" charset="0"/>
+                  </a:rPr>
+                  <a:t>𝑑𝑜𝑚𝑖𝑛𝑖𝑜</a:t>
+                </a:r>
+                <a:r>
+                  <a:rPr lang="es-MX" sz="1800" dirty="0">
+                    <a:effectLst/>
+                    <a:latin typeface="Calibri Light" panose="020F0302020204030204" pitchFamily="34" charset="0"/>
+                    <a:ea typeface="Calibri" panose="020F0502020204030204" pitchFamily="34" charset="0"/>
+                  </a:rPr>
+                  <a:t> </a:t>
+                </a:r>
+                <a:r>
+                  <a:rPr lang="es-MX" sz="1800" dirty="0">
+                    <a:effectLst/>
+                    <a:latin typeface="Cambria Math" panose="02040503050406030204" pitchFamily="18" charset="0"/>
+                    <a:ea typeface="Calibri" panose="020F0502020204030204" pitchFamily="34" charset="0"/>
+                    <a:cs typeface="Cambria Math" panose="02040503050406030204" pitchFamily="18" charset="0"/>
+                  </a:rPr>
+                  <a:t>𝑑𝑒</a:t>
+                </a:r>
+                <a:r>
+                  <a:rPr lang="es-MX" sz="1800" dirty="0">
+                    <a:effectLst/>
+                    <a:latin typeface="Calibri Light" panose="020F0302020204030204" pitchFamily="34" charset="0"/>
+                    <a:ea typeface="Calibri" panose="020F0502020204030204" pitchFamily="34" charset="0"/>
+                  </a:rPr>
+                  <a:t> </a:t>
+                </a:r>
+                <a:r>
+                  <a:rPr lang="es-MX" sz="1800" dirty="0">
+                    <a:effectLst/>
+                    <a:latin typeface="Cambria Math" panose="02040503050406030204" pitchFamily="18" charset="0"/>
+                    <a:ea typeface="Calibri" panose="020F0502020204030204" pitchFamily="34" charset="0"/>
+                    <a:cs typeface="Cambria Math" panose="02040503050406030204" pitchFamily="18" charset="0"/>
+                  </a:rPr>
+                  <a:t>𝑑𝑖𝑠𝑒</a:t>
+                </a:r>
+                <a:r>
+                  <a:rPr lang="es-MX" sz="1800" dirty="0">
+                    <a:effectLst/>
+                    <a:latin typeface="Calibri Light" panose="020F0302020204030204" pitchFamily="34" charset="0"/>
+                    <a:ea typeface="Calibri" panose="020F0502020204030204" pitchFamily="34" charset="0"/>
+                  </a:rPr>
+                  <a:t>ñ</a:t>
+                </a:r>
+                <a:r>
+                  <a:rPr lang="es-MX" sz="1800" dirty="0">
+                    <a:effectLst/>
+                    <a:latin typeface="Cambria Math" panose="02040503050406030204" pitchFamily="18" charset="0"/>
+                    <a:ea typeface="Calibri" panose="020F0502020204030204" pitchFamily="34" charset="0"/>
+                    <a:cs typeface="Cambria Math" panose="02040503050406030204" pitchFamily="18" charset="0"/>
+                  </a:rPr>
+                  <a:t>𝑜</a:t>
+                </a:r>
+                <a:r>
+                  <a:rPr lang="es-MX" sz="1800" dirty="0">
+                    <a:effectLst/>
+                    <a:latin typeface="Calibri Light" panose="020F0302020204030204" pitchFamily="34" charset="0"/>
+                    <a:ea typeface="Calibri" panose="020F0502020204030204" pitchFamily="34" charset="0"/>
+                  </a:rPr>
+                  <a:t> </a:t>
+                </a:r>
+                <a:r>
+                  <a:rPr lang="es-MX" sz="1800" dirty="0">
+                    <a:effectLst/>
+                    <a:latin typeface="Cambria Math" panose="02040503050406030204" pitchFamily="18" charset="0"/>
+                    <a:ea typeface="Calibri" panose="020F0502020204030204" pitchFamily="34" charset="0"/>
+                    <a:cs typeface="Cambria Math" panose="02040503050406030204" pitchFamily="18" charset="0"/>
+                  </a:rPr>
+                  <a:t>𝑖</a:t>
+                </a:r>
+                <a:r>
+                  <a:rPr lang="es-MX" sz="1800" dirty="0">
+                    <a:effectLst/>
+                    <a:latin typeface="Calibri Light" panose="020F0302020204030204" pitchFamily="34" charset="0"/>
+                    <a:ea typeface="Calibri" panose="020F0502020204030204" pitchFamily="34" charset="0"/>
+                  </a:rPr>
+                  <a:t>.</a:t>
+                </a:r>
+                <a:endParaRPr lang="es-EC" dirty="0"/>
+              </a:p>
+            </p:txBody>
+          </p:sp>
+        </mc:Choice>
+        <mc:Fallback>
+          <p:sp>
+            <p:nvSpPr>
+              <p:cNvPr id="3" name="Marcador de contenido 2"/>
+              <p:cNvSpPr>
+                <a:spLocks noGrp="1" noRot="1" noChangeAspect="1" noMove="1" noResize="1" noEditPoints="1" noAdjustHandles="1" noChangeArrowheads="1" noChangeShapeType="1" noTextEdit="1"/>
+              </p:cNvSpPr>
+              <p:nvPr>
+                <p:ph idx="1"/>
+              </p:nvPr>
+            </p:nvSpPr>
+            <p:spPr>
+              <a:blipFill>
+                <a:blip r:embed="rId2"/>
+                <a:stretch>
+                  <a:fillRect l="-341" t="-872" r="-1294"/>
+                </a:stretch>
+              </a:blipFill>
+            </p:spPr>
+            <p:txBody>
+              <a:bodyPr/>
+              <a:lstStyle/>
+              <a:p>
+                <a:r>
+                  <a:rPr lang="es-EC">
+                    <a:noFill/>
+                  </a:rPr>
+                  <a:t> </a:t>
+                </a:r>
+              </a:p>
+            </p:txBody>
+          </p:sp>
+        </mc:Fallback>
+      </mc:AlternateContent>
     </p:spTree>
     <p:extLst>
       <p:ext uri="{BB962C8B-B14F-4D97-AF65-F5344CB8AC3E}">
@@ -10759,4 +13611,299 @@
     </a:ext>
   </a:extLst>
 </a:theme>
+</file>
+
+<file path=ppt/theme/theme2.xml><?xml version="1.0" encoding="utf-8"?>
+<a:theme xmlns:a="http://schemas.openxmlformats.org/drawingml/2006/main" name="Tema de Office">
+  <a:themeElements>
+    <a:clrScheme name="Office">
+      <a:dk1>
+        <a:sysClr val="windowText" lastClr="000000"/>
+      </a:dk1>
+      <a:lt1>
+        <a:sysClr val="window" lastClr="FFFFFF"/>
+      </a:lt1>
+      <a:dk2>
+        <a:srgbClr val="44546A"/>
+      </a:dk2>
+      <a:lt2>
+        <a:srgbClr val="E7E6E6"/>
+      </a:lt2>
+      <a:accent1>
+        <a:srgbClr val="4472C4"/>
+      </a:accent1>
+      <a:accent2>
+        <a:srgbClr val="ED7D31"/>
+      </a:accent2>
+      <a:accent3>
+        <a:srgbClr val="A5A5A5"/>
+      </a:accent3>
+      <a:accent4>
+        <a:srgbClr val="FFC000"/>
+      </a:accent4>
+      <a:accent5>
+        <a:srgbClr val="5B9BD5"/>
+      </a:accent5>
+      <a:accent6>
+        <a:srgbClr val="70AD47"/>
+      </a:accent6>
+      <a:hlink>
+        <a:srgbClr val="0563C1"/>
+      </a:hlink>
+      <a:folHlink>
+        <a:srgbClr val="954F72"/>
+      </a:folHlink>
+    </a:clrScheme>
+    <a:fontScheme name="Office">
+      <a:majorFont>
+        <a:latin typeface="Calibri Light" panose="020F0302020204030204"/>
+        <a:ea typeface=""/>
+        <a:cs typeface=""/>
+        <a:font script="Jpan" typeface="游ゴシック Light"/>
+        <a:font script="Hang" typeface="맑은 고딕"/>
+        <a:font script="Hans" typeface="等线 Light"/>
+        <a:font script="Hant" typeface="新細明體"/>
+        <a:font script="Arab" typeface="Times New Roman"/>
+        <a:font script="Hebr" typeface="Times New Roman"/>
+        <a:font script="Thai" typeface="Angsana New"/>
+        <a:font script="Ethi" typeface="Nyala"/>
+        <a:font script="Beng" typeface="Vrinda"/>
+        <a:font script="Gujr" typeface="Shruti"/>
+        <a:font script="Khmr" typeface="MoolBoran"/>
+        <a:font script="Knda" typeface="Tunga"/>
+        <a:font script="Guru" typeface="Raavi"/>
+        <a:font script="Cans" typeface="Euphemia"/>
+        <a:font script="Cher" typeface="Plantagenet Cherokee"/>
+        <a:font script="Yiii" typeface="Microsoft Yi Baiti"/>
+        <a:font script="Tibt" typeface="Microsoft Himalaya"/>
+        <a:font script="Thaa" typeface="MV Boli"/>
+        <a:font script="Deva" typeface="Mangal"/>
+        <a:font script="Telu" typeface="Gautami"/>
+        <a:font script="Taml" typeface="Latha"/>
+        <a:font script="Syrc" typeface="Estrangelo Edessa"/>
+        <a:font script="Orya" typeface="Kalinga"/>
+        <a:font script="Mlym" typeface="Kartika"/>
+        <a:font script="Laoo" typeface="DokChampa"/>
+        <a:font script="Sinh" typeface="Iskoola Pota"/>
+        <a:font script="Mong" typeface="Mongolian Baiti"/>
+        <a:font script="Viet" typeface="Times New Roman"/>
+        <a:font script="Uigh" typeface="Microsoft Uighur"/>
+        <a:font script="Geor" typeface="Sylfaen"/>
+        <a:font script="Armn" typeface="Arial"/>
+        <a:font script="Bugi" typeface="Leelawadee UI"/>
+        <a:font script="Bopo" typeface="Microsoft JhengHei"/>
+        <a:font script="Java" typeface="Javanese Text"/>
+        <a:font script="Lisu" typeface="Segoe UI"/>
+        <a:font script="Mymr" typeface="Myanmar Text"/>
+        <a:font script="Nkoo" typeface="Ebrima"/>
+        <a:font script="Olck" typeface="Nirmala UI"/>
+        <a:font script="Osma" typeface="Ebrima"/>
+        <a:font script="Phag" typeface="Phagspa"/>
+        <a:font script="Syrn" typeface="Estrangelo Edessa"/>
+        <a:font script="Syrj" typeface="Estrangelo Edessa"/>
+        <a:font script="Syre" typeface="Estrangelo Edessa"/>
+        <a:font script="Sora" typeface="Nirmala UI"/>
+        <a:font script="Tale" typeface="Microsoft Tai Le"/>
+        <a:font script="Talu" typeface="Microsoft New Tai Lue"/>
+        <a:font script="Tfng" typeface="Ebrima"/>
+      </a:majorFont>
+      <a:minorFont>
+        <a:latin typeface="Calibri" panose="020F0502020204030204"/>
+        <a:ea typeface=""/>
+        <a:cs typeface=""/>
+        <a:font script="Jpan" typeface="游ゴシック"/>
+        <a:font script="Hang" typeface="맑은 고딕"/>
+        <a:font script="Hans" typeface="等线"/>
+        <a:font script="Hant" typeface="新細明體"/>
+        <a:font script="Arab" typeface="Arial"/>
+        <a:font script="Hebr" typeface="Arial"/>
+        <a:font script="Thai" typeface="Cordia New"/>
+        <a:font script="Ethi" typeface="Nyala"/>
+        <a:font script="Beng" typeface="Vrinda"/>
+        <a:font script="Gujr" typeface="Shruti"/>
+        <a:font script="Khmr" typeface="DaunPenh"/>
+        <a:font script="Knda" typeface="Tunga"/>
+        <a:font script="Guru" typeface="Raavi"/>
+        <a:font script="Cans" typeface="Euphemia"/>
+        <a:font script="Cher" typeface="Plantagenet Cherokee"/>
+        <a:font script="Yiii" typeface="Microsoft Yi Baiti"/>
+        <a:font script="Tibt" typeface="Microsoft Himalaya"/>
+        <a:font script="Thaa" typeface="MV Boli"/>
+        <a:font script="Deva" typeface="Mangal"/>
+        <a:font script="Telu" typeface="Gautami"/>
+        <a:font script="Taml" typeface="Latha"/>
+        <a:font script="Syrc" typeface="Estrangelo Edessa"/>
+        <a:font script="Orya" typeface="Kalinga"/>
+        <a:font script="Mlym" typeface="Kartika"/>
+        <a:font script="Laoo" typeface="DokChampa"/>
+        <a:font script="Sinh" typeface="Iskoola Pota"/>
+        <a:font script="Mong" typeface="Mongolian Baiti"/>
+        <a:font script="Viet" typeface="Arial"/>
+        <a:font script="Uigh" typeface="Microsoft Uighur"/>
+        <a:font script="Geor" typeface="Sylfaen"/>
+        <a:font script="Armn" typeface="Arial"/>
+        <a:font script="Bugi" typeface="Leelawadee UI"/>
+        <a:font script="Bopo" typeface="Microsoft JhengHei"/>
+        <a:font script="Java" typeface="Javanese Text"/>
+        <a:font script="Lisu" typeface="Segoe UI"/>
+        <a:font script="Mymr" typeface="Myanmar Text"/>
+        <a:font script="Nkoo" typeface="Ebrima"/>
+        <a:font script="Olck" typeface="Nirmala UI"/>
+        <a:font script="Osma" typeface="Ebrima"/>
+        <a:font script="Phag" typeface="Phagspa"/>
+        <a:font script="Syrn" typeface="Estrangelo Edessa"/>
+        <a:font script="Syrj" typeface="Estrangelo Edessa"/>
+        <a:font script="Syre" typeface="Estrangelo Edessa"/>
+        <a:font script="Sora" typeface="Nirmala UI"/>
+        <a:font script="Tale" typeface="Microsoft Tai Le"/>
+        <a:font script="Talu" typeface="Microsoft New Tai Lue"/>
+        <a:font script="Tfng" typeface="Ebrima"/>
+      </a:minorFont>
+    </a:fontScheme>
+    <a:fmtScheme name="Office">
+      <a:fillStyleLst>
+        <a:solidFill>
+          <a:schemeClr val="phClr"/>
+        </a:solidFill>
+        <a:gradFill rotWithShape="1">
+          <a:gsLst>
+            <a:gs pos="0">
+              <a:schemeClr val="phClr">
+                <a:lumMod val="110000"/>
+                <a:satMod val="105000"/>
+                <a:tint val="67000"/>
+              </a:schemeClr>
+            </a:gs>
+            <a:gs pos="50000">
+              <a:schemeClr val="phClr">
+                <a:lumMod val="105000"/>
+                <a:satMod val="103000"/>
+                <a:tint val="73000"/>
+              </a:schemeClr>
+            </a:gs>
+            <a:gs pos="100000">
+              <a:schemeClr val="phClr">
+                <a:lumMod val="105000"/>
+                <a:satMod val="109000"/>
+                <a:tint val="81000"/>
+              </a:schemeClr>
+            </a:gs>
+          </a:gsLst>
+          <a:lin ang="5400000" scaled="0"/>
+        </a:gradFill>
+        <a:gradFill rotWithShape="1">
+          <a:gsLst>
+            <a:gs pos="0">
+              <a:schemeClr val="phClr">
+                <a:satMod val="103000"/>
+                <a:lumMod val="102000"/>
+                <a:tint val="94000"/>
+              </a:schemeClr>
+            </a:gs>
+            <a:gs pos="50000">
+              <a:schemeClr val="phClr">
+                <a:satMod val="110000"/>
+                <a:lumMod val="100000"/>
+                <a:shade val="100000"/>
+              </a:schemeClr>
+            </a:gs>
+            <a:gs pos="100000">
+              <a:schemeClr val="phClr">
+                <a:lumMod val="99000"/>
+                <a:satMod val="120000"/>
+                <a:shade val="78000"/>
+              </a:schemeClr>
+            </a:gs>
+          </a:gsLst>
+          <a:lin ang="5400000" scaled="0"/>
+        </a:gradFill>
+      </a:fillStyleLst>
+      <a:lnStyleLst>
+        <a:ln w="6350" cap="flat" cmpd="sng" algn="ctr">
+          <a:solidFill>
+            <a:schemeClr val="phClr"/>
+          </a:solidFill>
+          <a:prstDash val="solid"/>
+          <a:miter lim="800000"/>
+        </a:ln>
+        <a:ln w="12700" cap="flat" cmpd="sng" algn="ctr">
+          <a:solidFill>
+            <a:schemeClr val="phClr"/>
+          </a:solidFill>
+          <a:prstDash val="solid"/>
+          <a:miter lim="800000"/>
+        </a:ln>
+        <a:ln w="19050" cap="flat" cmpd="sng" algn="ctr">
+          <a:solidFill>
+            <a:schemeClr val="phClr"/>
+          </a:solidFill>
+          <a:prstDash val="solid"/>
+          <a:miter lim="800000"/>
+        </a:ln>
+      </a:lnStyleLst>
+      <a:effectStyleLst>
+        <a:effectStyle>
+          <a:effectLst/>
+        </a:effectStyle>
+        <a:effectStyle>
+          <a:effectLst/>
+        </a:effectStyle>
+        <a:effectStyle>
+          <a:effectLst>
+            <a:outerShdw blurRad="57150" dist="19050" dir="5400000" algn="ctr" rotWithShape="0">
+              <a:srgbClr val="000000">
+                <a:alpha val="63000"/>
+              </a:srgbClr>
+            </a:outerShdw>
+          </a:effectLst>
+        </a:effectStyle>
+      </a:effectStyleLst>
+      <a:bgFillStyleLst>
+        <a:solidFill>
+          <a:schemeClr val="phClr"/>
+        </a:solidFill>
+        <a:solidFill>
+          <a:schemeClr val="phClr">
+            <a:tint val="95000"/>
+            <a:satMod val="170000"/>
+          </a:schemeClr>
+        </a:solidFill>
+        <a:gradFill rotWithShape="1">
+          <a:gsLst>
+            <a:gs pos="0">
+              <a:schemeClr val="phClr">
+                <a:tint val="93000"/>
+                <a:satMod val="150000"/>
+                <a:shade val="98000"/>
+                <a:lumMod val="102000"/>
+              </a:schemeClr>
+            </a:gs>
+            <a:gs pos="50000">
+              <a:schemeClr val="phClr">
+                <a:tint val="98000"/>
+                <a:satMod val="130000"/>
+                <a:shade val="90000"/>
+                <a:lumMod val="103000"/>
+              </a:schemeClr>
+            </a:gs>
+            <a:gs pos="100000">
+              <a:schemeClr val="phClr">
+                <a:shade val="63000"/>
+                <a:satMod val="120000"/>
+              </a:schemeClr>
+            </a:gs>
+          </a:gsLst>
+          <a:lin ang="5400000" scaled="0"/>
+        </a:gradFill>
+      </a:bgFillStyleLst>
+    </a:fmtScheme>
+  </a:themeElements>
+  <a:objectDefaults/>
+  <a:extraClrSchemeLst/>
+  <a:extLst>
+    <a:ext uri="{05A4C25C-085E-4340-85A3-A5531E510DB2}">
+      <thm15:themeFamily xmlns:thm15="http://schemas.microsoft.com/office/thememl/2012/main" name="Office Theme" id="{62F939B6-93AF-4DB8-9C6B-D6C7DFDC589F}" vid="{4A3C46E8-61CC-4603-A589-7422A47A8E4A}"/>
+    </a:ext>
+  </a:extLst>
+</a:theme>
 </file>